--- a/训练中心创客交叉融合空间建设/doc/训练中心制造信息化平台和创客空间建设项目规划-新思路补充.pptx
+++ b/训练中心创客交叉融合空间建设/doc/训练中心制造信息化平台和创客空间建设项目规划-新思路补充.pptx
@@ -9,11 +9,12 @@
     <p:sldId id="258" r:id="rId3"/>
     <p:sldId id="257" r:id="rId4"/>
     <p:sldId id="259" r:id="rId5"/>
-    <p:sldId id="262" r:id="rId6"/>
-    <p:sldId id="260" r:id="rId7"/>
-    <p:sldId id="261" r:id="rId8"/>
-    <p:sldId id="263" r:id="rId9"/>
-    <p:sldId id="264" r:id="rId10"/>
+    <p:sldId id="266" r:id="rId6"/>
+    <p:sldId id="262" r:id="rId7"/>
+    <p:sldId id="260" r:id="rId8"/>
+    <p:sldId id="261" r:id="rId9"/>
+    <p:sldId id="263" r:id="rId10"/>
+    <p:sldId id="264" r:id="rId11"/>
   </p:sldIdLst>
   <p:sldSz cx="12192000" cy="6858000"/>
   <p:notesSz cx="6858000" cy="9144000"/>
@@ -251,7 +252,7 @@
           <a:p>
             <a:fld id="{AC9676F6-B558-4D31-A591-8ACF72D3C526}" type="datetimeFigureOut">
               <a:rPr lang="zh-CN" altLang="en-US" smtClean="0"/>
-              <a:t>2014/5/30</a:t>
+              <a:t>2014/5/31</a:t>
             </a:fld>
             <a:endParaRPr lang="zh-CN" altLang="en-US"/>
           </a:p>
@@ -421,7 +422,7 @@
           <a:p>
             <a:fld id="{AC9676F6-B558-4D31-A591-8ACF72D3C526}" type="datetimeFigureOut">
               <a:rPr lang="zh-CN" altLang="en-US" smtClean="0"/>
-              <a:t>2014/5/30</a:t>
+              <a:t>2014/5/31</a:t>
             </a:fld>
             <a:endParaRPr lang="zh-CN" altLang="en-US"/>
           </a:p>
@@ -601,7 +602,7 @@
           <a:p>
             <a:fld id="{AC9676F6-B558-4D31-A591-8ACF72D3C526}" type="datetimeFigureOut">
               <a:rPr lang="zh-CN" altLang="en-US" smtClean="0"/>
-              <a:t>2014/5/30</a:t>
+              <a:t>2014/5/31</a:t>
             </a:fld>
             <a:endParaRPr lang="zh-CN" altLang="en-US"/>
           </a:p>
@@ -771,7 +772,7 @@
           <a:p>
             <a:fld id="{AC9676F6-B558-4D31-A591-8ACF72D3C526}" type="datetimeFigureOut">
               <a:rPr lang="zh-CN" altLang="en-US" smtClean="0"/>
-              <a:t>2014/5/30</a:t>
+              <a:t>2014/5/31</a:t>
             </a:fld>
             <a:endParaRPr lang="zh-CN" altLang="en-US"/>
           </a:p>
@@ -1017,7 +1018,7 @@
           <a:p>
             <a:fld id="{AC9676F6-B558-4D31-A591-8ACF72D3C526}" type="datetimeFigureOut">
               <a:rPr lang="zh-CN" altLang="en-US" smtClean="0"/>
-              <a:t>2014/5/30</a:t>
+              <a:t>2014/5/31</a:t>
             </a:fld>
             <a:endParaRPr lang="zh-CN" altLang="en-US"/>
           </a:p>
@@ -1249,7 +1250,7 @@
           <a:p>
             <a:fld id="{AC9676F6-B558-4D31-A591-8ACF72D3C526}" type="datetimeFigureOut">
               <a:rPr lang="zh-CN" altLang="en-US" smtClean="0"/>
-              <a:t>2014/5/30</a:t>
+              <a:t>2014/5/31</a:t>
             </a:fld>
             <a:endParaRPr lang="zh-CN" altLang="en-US"/>
           </a:p>
@@ -1616,7 +1617,7 @@
           <a:p>
             <a:fld id="{AC9676F6-B558-4D31-A591-8ACF72D3C526}" type="datetimeFigureOut">
               <a:rPr lang="zh-CN" altLang="en-US" smtClean="0"/>
-              <a:t>2014/5/30</a:t>
+              <a:t>2014/5/31</a:t>
             </a:fld>
             <a:endParaRPr lang="zh-CN" altLang="en-US"/>
           </a:p>
@@ -1734,7 +1735,7 @@
           <a:p>
             <a:fld id="{AC9676F6-B558-4D31-A591-8ACF72D3C526}" type="datetimeFigureOut">
               <a:rPr lang="zh-CN" altLang="en-US" smtClean="0"/>
-              <a:t>2014/5/30</a:t>
+              <a:t>2014/5/31</a:t>
             </a:fld>
             <a:endParaRPr lang="zh-CN" altLang="en-US"/>
           </a:p>
@@ -1829,7 +1830,7 @@
           <a:p>
             <a:fld id="{AC9676F6-B558-4D31-A591-8ACF72D3C526}" type="datetimeFigureOut">
               <a:rPr lang="zh-CN" altLang="en-US" smtClean="0"/>
-              <a:t>2014/5/30</a:t>
+              <a:t>2014/5/31</a:t>
             </a:fld>
             <a:endParaRPr lang="zh-CN" altLang="en-US"/>
           </a:p>
@@ -2106,7 +2107,7 @@
           <a:p>
             <a:fld id="{AC9676F6-B558-4D31-A591-8ACF72D3C526}" type="datetimeFigureOut">
               <a:rPr lang="zh-CN" altLang="en-US" smtClean="0"/>
-              <a:t>2014/5/30</a:t>
+              <a:t>2014/5/31</a:t>
             </a:fld>
             <a:endParaRPr lang="zh-CN" altLang="en-US"/>
           </a:p>
@@ -2359,7 +2360,7 @@
           <a:p>
             <a:fld id="{AC9676F6-B558-4D31-A591-8ACF72D3C526}" type="datetimeFigureOut">
               <a:rPr lang="zh-CN" altLang="en-US" smtClean="0"/>
-              <a:t>2014/5/30</a:t>
+              <a:t>2014/5/31</a:t>
             </a:fld>
             <a:endParaRPr lang="zh-CN" altLang="en-US"/>
           </a:p>
@@ -2572,7 +2573,7 @@
           <a:p>
             <a:fld id="{AC9676F6-B558-4D31-A591-8ACF72D3C526}" type="datetimeFigureOut">
               <a:rPr lang="zh-CN" altLang="en-US" smtClean="0"/>
-              <a:t>2014/5/30</a:t>
+              <a:t>2014/5/31</a:t>
             </a:fld>
             <a:endParaRPr lang="zh-CN" altLang="en-US"/>
           </a:p>
@@ -3033,35 +3034,21 @@
                 <a:latin typeface="黑体" panose="02010609060101010101" pitchFamily="49" charset="-122"/>
                 <a:ea typeface="黑体" panose="02010609060101010101" pitchFamily="49" charset="-122"/>
               </a:rPr>
-              <a:t>记录作为学生</a:t>
+              <a:t>记录作为学生与教师的评价</a:t>
+            </a:r>
+            <a:r>
+              <a:rPr lang="en-US" altLang="zh-CN" dirty="0" smtClean="0">
+                <a:latin typeface="黑体" panose="02010609060101010101" pitchFamily="49" charset="-122"/>
+                <a:ea typeface="黑体" panose="02010609060101010101" pitchFamily="49" charset="-122"/>
+              </a:rPr>
+              <a:t>/</a:t>
             </a:r>
             <a:r>
               <a:rPr lang="zh-CN" altLang="en-US" dirty="0" smtClean="0">
                 <a:latin typeface="黑体" panose="02010609060101010101" pitchFamily="49" charset="-122"/>
                 <a:ea typeface="黑体" panose="02010609060101010101" pitchFamily="49" charset="-122"/>
               </a:rPr>
-              <a:t>与教师的评价</a:t>
-            </a:r>
-            <a:r>
-              <a:rPr lang="en-US" altLang="zh-CN" dirty="0" smtClean="0">
-                <a:latin typeface="黑体" panose="02010609060101010101" pitchFamily="49" charset="-122"/>
-                <a:ea typeface="黑体" panose="02010609060101010101" pitchFamily="49" charset="-122"/>
-              </a:rPr>
-              <a:t>/</a:t>
-            </a:r>
-            <a:r>
-              <a:rPr lang="zh-CN" altLang="en-US" dirty="0" smtClean="0">
-                <a:latin typeface="黑体" panose="02010609060101010101" pitchFamily="49" charset="-122"/>
-                <a:ea typeface="黑体" panose="02010609060101010101" pitchFamily="49" charset="-122"/>
-              </a:rPr>
-              <a:t>激励</a:t>
-            </a:r>
-            <a:r>
-              <a:rPr lang="zh-CN" altLang="en-US" dirty="0" smtClean="0">
-                <a:latin typeface="黑体" panose="02010609060101010101" pitchFamily="49" charset="-122"/>
-                <a:ea typeface="黑体" panose="02010609060101010101" pitchFamily="49" charset="-122"/>
-              </a:rPr>
-              <a:t>机制</a:t>
+              <a:t>激励机制</a:t>
             </a:r>
             <a:endParaRPr lang="en-US" altLang="zh-CN" dirty="0" smtClean="0">
               <a:latin typeface="黑体" panose="02010609060101010101" pitchFamily="49" charset="-122"/>
@@ -3178,6 +3165,302 @@
     <p:extLst>
       <p:ext uri="{BB962C8B-B14F-4D97-AF65-F5344CB8AC3E}">
         <p14:creationId xmlns:p14="http://schemas.microsoft.com/office/powerpoint/2010/main" val="1505222756"/>
+      </p:ext>
+    </p:extLst>
+  </p:cSld>
+  <p:clrMapOvr>
+    <a:masterClrMapping/>
+  </p:clrMapOvr>
+</p:sld>
+</file>
+
+<file path=ppt/slides/slide10.xml><?xml version="1.0" encoding="utf-8"?>
+<p:sld xmlns:a="http://schemas.openxmlformats.org/drawingml/2006/main" xmlns:r="http://schemas.openxmlformats.org/officeDocument/2006/relationships" xmlns:p="http://schemas.openxmlformats.org/presentationml/2006/main">
+  <p:cSld>
+    <p:spTree>
+      <p:nvGrpSpPr>
+        <p:cNvPr id="1" name=""/>
+        <p:cNvGrpSpPr/>
+        <p:nvPr/>
+      </p:nvGrpSpPr>
+      <p:grpSpPr>
+        <a:xfrm>
+          <a:off x="0" y="0"/>
+          <a:ext cx="0" cy="0"/>
+          <a:chOff x="0" y="0"/>
+          <a:chExt cx="0" cy="0"/>
+        </a:xfrm>
+      </p:grpSpPr>
+      <p:sp>
+        <p:nvSpPr>
+          <p:cNvPr id="2" name="Title 1"/>
+          <p:cNvSpPr>
+            <a:spLocks noGrp="1"/>
+          </p:cNvSpPr>
+          <p:nvPr>
+            <p:ph type="title"/>
+          </p:nvPr>
+        </p:nvSpPr>
+        <p:spPr/>
+        <p:txBody>
+          <a:bodyPr/>
+          <a:lstStyle/>
+          <a:p>
+            <a:r>
+              <a:rPr lang="zh-CN" altLang="en-US" dirty="0">
+                <a:latin typeface="黑体" panose="02010609060101010101" pitchFamily="49" charset="-122"/>
+                <a:ea typeface="黑体" panose="02010609060101010101" pitchFamily="49" charset="-122"/>
+              </a:rPr>
+              <a:t>我的空间，我做主</a:t>
+            </a:r>
+          </a:p>
+        </p:txBody>
+      </p:sp>
+      <p:sp>
+        <p:nvSpPr>
+          <p:cNvPr id="3" name="Content Placeholder 2"/>
+          <p:cNvSpPr>
+            <a:spLocks noGrp="1"/>
+          </p:cNvSpPr>
+          <p:nvPr>
+            <p:ph idx="1"/>
+          </p:nvPr>
+        </p:nvSpPr>
+        <p:spPr/>
+        <p:txBody>
+          <a:bodyPr>
+            <a:normAutofit fontScale="92500" lnSpcReduction="20000"/>
+          </a:bodyPr>
+          <a:lstStyle/>
+          <a:p>
+            <a:r>
+              <a:rPr lang="zh-CN" altLang="en-US" dirty="0">
+                <a:latin typeface="黑体" panose="02010609060101010101" pitchFamily="49" charset="-122"/>
+                <a:ea typeface="黑体" panose="02010609060101010101" pitchFamily="49" charset="-122"/>
+              </a:rPr>
+              <a:t>从</a:t>
+            </a:r>
+            <a:r>
+              <a:rPr lang="zh-CN" altLang="en-US" dirty="0" smtClean="0">
+                <a:latin typeface="黑体" panose="02010609060101010101" pitchFamily="49" charset="-122"/>
+                <a:ea typeface="黑体" panose="02010609060101010101" pitchFamily="49" charset="-122"/>
+              </a:rPr>
+              <a:t>开放空间设计开始：</a:t>
+            </a:r>
+            <a:endParaRPr lang="en-US" altLang="zh-CN" dirty="0">
+              <a:latin typeface="黑体" panose="02010609060101010101" pitchFamily="49" charset="-122"/>
+              <a:ea typeface="黑体" panose="02010609060101010101" pitchFamily="49" charset="-122"/>
+            </a:endParaRPr>
+          </a:p>
+          <a:p>
+            <a:pPr lvl="1"/>
+            <a:r>
+              <a:rPr lang="zh-CN" altLang="en-US" dirty="0">
+                <a:latin typeface="黑体" panose="02010609060101010101" pitchFamily="49" charset="-122"/>
+                <a:ea typeface="黑体" panose="02010609060101010101" pitchFamily="49" charset="-122"/>
+              </a:rPr>
+              <a:t>中心室内视觉系统及导引标识系统设计</a:t>
+            </a:r>
+            <a:endParaRPr lang="en-US" altLang="zh-CN" dirty="0">
+              <a:latin typeface="黑体" panose="02010609060101010101" pitchFamily="49" charset="-122"/>
+              <a:ea typeface="黑体" panose="02010609060101010101" pitchFamily="49" charset="-122"/>
+            </a:endParaRPr>
+          </a:p>
+          <a:p>
+            <a:pPr lvl="2"/>
+            <a:r>
+              <a:rPr lang="zh-CN" altLang="en-US" dirty="0">
+                <a:latin typeface="黑体" panose="02010609060101010101" pitchFamily="49" charset="-122"/>
+                <a:ea typeface="黑体" panose="02010609060101010101" pitchFamily="49" charset="-122"/>
+              </a:rPr>
+              <a:t>交叉结合人因工程、心理学、室内设计、色彩等专业知识</a:t>
+            </a:r>
+            <a:endParaRPr lang="en-US" altLang="zh-CN" dirty="0">
+              <a:latin typeface="黑体" panose="02010609060101010101" pitchFamily="49" charset="-122"/>
+              <a:ea typeface="黑体" panose="02010609060101010101" pitchFamily="49" charset="-122"/>
+            </a:endParaRPr>
+          </a:p>
+          <a:p>
+            <a:pPr lvl="2"/>
+            <a:r>
+              <a:rPr lang="zh-CN" altLang="en-US" dirty="0">
+                <a:latin typeface="黑体" panose="02010609060101010101" pitchFamily="49" charset="-122"/>
+                <a:ea typeface="黑体" panose="02010609060101010101" pitchFamily="49" charset="-122"/>
+              </a:rPr>
+              <a:t>需要对新大楼空间内部结构进行建模</a:t>
+            </a:r>
+            <a:endParaRPr lang="en-US" altLang="zh-CN" dirty="0">
+              <a:latin typeface="黑体" panose="02010609060101010101" pitchFamily="49" charset="-122"/>
+              <a:ea typeface="黑体" panose="02010609060101010101" pitchFamily="49" charset="-122"/>
+            </a:endParaRPr>
+          </a:p>
+          <a:p>
+            <a:pPr lvl="2"/>
+            <a:r>
+              <a:rPr lang="zh-CN" altLang="en-US" dirty="0">
+                <a:latin typeface="黑体" panose="02010609060101010101" pitchFamily="49" charset="-122"/>
+                <a:ea typeface="黑体" panose="02010609060101010101" pitchFamily="49" charset="-122"/>
+              </a:rPr>
+              <a:t>工业工程系张伟老师、美术学院付志勇老师、美院校友李久太老师等</a:t>
+            </a:r>
+            <a:endParaRPr lang="en-US" altLang="zh-CN" dirty="0">
+              <a:latin typeface="黑体" panose="02010609060101010101" pitchFamily="49" charset="-122"/>
+              <a:ea typeface="黑体" panose="02010609060101010101" pitchFamily="49" charset="-122"/>
+            </a:endParaRPr>
+          </a:p>
+          <a:p>
+            <a:pPr lvl="1"/>
+            <a:r>
+              <a:rPr lang="zh-CN" altLang="en-US" dirty="0">
+                <a:latin typeface="黑体" panose="02010609060101010101" pitchFamily="49" charset="-122"/>
+                <a:ea typeface="黑体" panose="02010609060101010101" pitchFamily="49" charset="-122"/>
+              </a:rPr>
+              <a:t>中心文化墙</a:t>
+            </a:r>
+            <a:endParaRPr lang="en-US" altLang="zh-CN" dirty="0">
+              <a:latin typeface="黑体" panose="02010609060101010101" pitchFamily="49" charset="-122"/>
+              <a:ea typeface="黑体" panose="02010609060101010101" pitchFamily="49" charset="-122"/>
+            </a:endParaRPr>
+          </a:p>
+          <a:p>
+            <a:pPr lvl="2"/>
+            <a:r>
+              <a:rPr lang="zh-CN" altLang="en-US" dirty="0">
+                <a:latin typeface="黑体" panose="02010609060101010101" pitchFamily="49" charset="-122"/>
+                <a:ea typeface="黑体" panose="02010609060101010101" pitchFamily="49" charset="-122"/>
+              </a:rPr>
+              <a:t>邀请中心教师职工设计制作，协同美术学院、新闻学院等</a:t>
+            </a:r>
+            <a:endParaRPr lang="en-US" altLang="zh-CN" dirty="0">
+              <a:latin typeface="黑体" panose="02010609060101010101" pitchFamily="49" charset="-122"/>
+              <a:ea typeface="黑体" panose="02010609060101010101" pitchFamily="49" charset="-122"/>
+            </a:endParaRPr>
+          </a:p>
+          <a:p>
+            <a:pPr lvl="2"/>
+            <a:r>
+              <a:rPr lang="zh-CN" altLang="en-US" dirty="0">
+                <a:latin typeface="黑体" panose="02010609060101010101" pitchFamily="49" charset="-122"/>
+                <a:ea typeface="黑体" panose="02010609060101010101" pitchFamily="49" charset="-122"/>
+              </a:rPr>
+              <a:t>嵌入显示屏，播放全球最新咨询及最新学生作品</a:t>
+            </a:r>
+            <a:endParaRPr lang="en-US" altLang="zh-CN" dirty="0">
+              <a:latin typeface="黑体" panose="02010609060101010101" pitchFamily="49" charset="-122"/>
+              <a:ea typeface="黑体" panose="02010609060101010101" pitchFamily="49" charset="-122"/>
+            </a:endParaRPr>
+          </a:p>
+          <a:p>
+            <a:pPr lvl="2"/>
+            <a:r>
+              <a:rPr lang="zh-CN" altLang="en-US" dirty="0">
+                <a:latin typeface="黑体" panose="02010609060101010101" pitchFamily="49" charset="-122"/>
+                <a:ea typeface="黑体" panose="02010609060101010101" pitchFamily="49" charset="-122"/>
+              </a:rPr>
+              <a:t>利用精雕机、激光切割机等数控加工设备制作</a:t>
+            </a:r>
+            <a:endParaRPr lang="en-US" altLang="zh-CN" dirty="0">
+              <a:latin typeface="黑体" panose="02010609060101010101" pitchFamily="49" charset="-122"/>
+              <a:ea typeface="黑体" panose="02010609060101010101" pitchFamily="49" charset="-122"/>
+            </a:endParaRPr>
+          </a:p>
+          <a:p>
+            <a:pPr lvl="2"/>
+            <a:r>
+              <a:rPr lang="zh-CN" altLang="en-US" dirty="0">
+                <a:latin typeface="黑体" panose="02010609060101010101" pitchFamily="49" charset="-122"/>
+                <a:ea typeface="黑体" panose="02010609060101010101" pitchFamily="49" charset="-122"/>
+              </a:rPr>
+              <a:t>左晶老师、李睿老师等</a:t>
+            </a:r>
+            <a:endParaRPr lang="en-US" altLang="zh-CN" dirty="0">
+              <a:latin typeface="黑体" panose="02010609060101010101" pitchFamily="49" charset="-122"/>
+              <a:ea typeface="黑体" panose="02010609060101010101" pitchFamily="49" charset="-122"/>
+            </a:endParaRPr>
+          </a:p>
+          <a:p>
+            <a:pPr lvl="1"/>
+            <a:r>
+              <a:rPr lang="zh-CN" altLang="en-US" dirty="0">
+                <a:latin typeface="黑体" panose="02010609060101010101" pitchFamily="49" charset="-122"/>
+                <a:ea typeface="黑体" panose="02010609060101010101" pitchFamily="49" charset="-122"/>
+              </a:rPr>
+              <a:t>智能空间管理系统</a:t>
+            </a:r>
+            <a:endParaRPr lang="en-US" altLang="zh-CN" dirty="0">
+              <a:latin typeface="黑体" panose="02010609060101010101" pitchFamily="49" charset="-122"/>
+              <a:ea typeface="黑体" panose="02010609060101010101" pitchFamily="49" charset="-122"/>
+            </a:endParaRPr>
+          </a:p>
+          <a:p>
+            <a:pPr lvl="2"/>
+            <a:r>
+              <a:rPr lang="zh-CN" altLang="en-US" dirty="0">
+                <a:latin typeface="黑体" panose="02010609060101010101" pitchFamily="49" charset="-122"/>
+                <a:ea typeface="黑体" panose="02010609060101010101" pitchFamily="49" charset="-122"/>
+              </a:rPr>
+              <a:t>门禁系统、预约管理系统、资源使用监控系统、室内环境控制系统等</a:t>
+            </a:r>
+            <a:endParaRPr lang="en-US" altLang="zh-CN" dirty="0">
+              <a:latin typeface="黑体" panose="02010609060101010101" pitchFamily="49" charset="-122"/>
+              <a:ea typeface="黑体" panose="02010609060101010101" pitchFamily="49" charset="-122"/>
+            </a:endParaRPr>
+          </a:p>
+          <a:p>
+            <a:pPr lvl="2"/>
+            <a:r>
+              <a:rPr lang="zh-CN" altLang="en-US" dirty="0">
+                <a:latin typeface="黑体" panose="02010609060101010101" pitchFamily="49" charset="-122"/>
+                <a:ea typeface="黑体" panose="02010609060101010101" pitchFamily="49" charset="-122"/>
+              </a:rPr>
+              <a:t>邀请中心教师职工，协同创新社、天空工厂等学生社团进行联合开发</a:t>
+            </a:r>
+            <a:endParaRPr lang="en-US" altLang="zh-CN" dirty="0">
+              <a:latin typeface="黑体" panose="02010609060101010101" pitchFamily="49" charset="-122"/>
+              <a:ea typeface="黑体" panose="02010609060101010101" pitchFamily="49" charset="-122"/>
+            </a:endParaRPr>
+          </a:p>
+          <a:p>
+            <a:pPr lvl="1"/>
+            <a:r>
+              <a:rPr lang="zh-CN" altLang="en-US" dirty="0">
+                <a:latin typeface="黑体" panose="02010609060101010101" pitchFamily="49" charset="-122"/>
+                <a:ea typeface="黑体" panose="02010609060101010101" pitchFamily="49" charset="-122"/>
+              </a:rPr>
+              <a:t>外立面、大堂、走廊等室内外公共空间</a:t>
+            </a:r>
+            <a:endParaRPr lang="en-US" altLang="zh-CN" dirty="0">
+              <a:latin typeface="黑体" panose="02010609060101010101" pitchFamily="49" charset="-122"/>
+              <a:ea typeface="黑体" panose="02010609060101010101" pitchFamily="49" charset="-122"/>
+            </a:endParaRPr>
+          </a:p>
+          <a:p>
+            <a:pPr lvl="2"/>
+            <a:r>
+              <a:rPr lang="zh-CN" altLang="en-US" dirty="0">
+                <a:latin typeface="黑体" panose="02010609060101010101" pitchFamily="49" charset="-122"/>
+                <a:ea typeface="黑体" panose="02010609060101010101" pitchFamily="49" charset="-122"/>
+              </a:rPr>
+              <a:t>邀请美术学院马泉老师共同</a:t>
+            </a:r>
+            <a:r>
+              <a:rPr lang="zh-CN" altLang="en-US" dirty="0" smtClean="0">
+                <a:latin typeface="黑体" panose="02010609060101010101" pitchFamily="49" charset="-122"/>
+                <a:ea typeface="黑体" panose="02010609060101010101" pitchFamily="49" charset="-122"/>
+              </a:rPr>
+              <a:t>设计</a:t>
+            </a:r>
+            <a:endParaRPr lang="en-US" altLang="zh-CN" dirty="0">
+              <a:latin typeface="黑体" panose="02010609060101010101" pitchFamily="49" charset="-122"/>
+              <a:ea typeface="黑体" panose="02010609060101010101" pitchFamily="49" charset="-122"/>
+            </a:endParaRPr>
+          </a:p>
+        </p:txBody>
+      </p:sp>
+    </p:spTree>
+    <p:extLst>
+      <p:ext uri="{BB962C8B-B14F-4D97-AF65-F5344CB8AC3E}">
+        <p14:creationId xmlns:p14="http://schemas.microsoft.com/office/powerpoint/2010/main" val="4039013080"/>
       </p:ext>
     </p:extLst>
   </p:cSld>
@@ -4573,6 +4856,896 @@
 </file>
 
 <file path=ppt/slides/slide5.xml><?xml version="1.0" encoding="utf-8"?>
+<p:sld xmlns:a="http://schemas.openxmlformats.org/drawingml/2006/main" xmlns:r="http://schemas.openxmlformats.org/officeDocument/2006/relationships" xmlns:p="http://schemas.openxmlformats.org/presentationml/2006/main">
+  <p:cSld>
+    <p:spTree>
+      <p:nvGrpSpPr>
+        <p:cNvPr id="1" name=""/>
+        <p:cNvGrpSpPr/>
+        <p:nvPr/>
+      </p:nvGrpSpPr>
+      <p:grpSpPr>
+        <a:xfrm>
+          <a:off x="0" y="0"/>
+          <a:ext cx="0" cy="0"/>
+          <a:chOff x="0" y="0"/>
+          <a:chExt cx="0" cy="0"/>
+        </a:xfrm>
+      </p:grpSpPr>
+      <p:sp>
+        <p:nvSpPr>
+          <p:cNvPr id="35842" name="标题 1"/>
+          <p:cNvSpPr>
+            <a:spLocks noGrp="1"/>
+          </p:cNvSpPr>
+          <p:nvPr>
+            <p:ph type="title"/>
+          </p:nvPr>
+        </p:nvSpPr>
+        <p:spPr>
+          <a:xfrm>
+            <a:off x="4741334" y="194081"/>
+            <a:ext cx="6846194" cy="876203"/>
+          </a:xfrm>
+        </p:spPr>
+        <p:txBody>
+          <a:bodyPr/>
+          <a:lstStyle/>
+          <a:p>
+            <a:r>
+              <a:rPr lang="zh-CN" altLang="en-US" b="1" dirty="0" smtClean="0">
+                <a:solidFill>
+                  <a:srgbClr val="002060"/>
+                </a:solidFill>
+              </a:rPr>
+              <a:t>师资队伍保障机制</a:t>
+            </a:r>
+          </a:p>
+        </p:txBody>
+      </p:sp>
+      <p:sp>
+        <p:nvSpPr>
+          <p:cNvPr id="5" name="灯片编号占位符 4"/>
+          <p:cNvSpPr>
+            <a:spLocks noGrp="1"/>
+          </p:cNvSpPr>
+          <p:nvPr>
+            <p:ph type="sldNum" sz="quarter" idx="12"/>
+          </p:nvPr>
+        </p:nvSpPr>
+        <p:spPr/>
+        <p:txBody>
+          <a:bodyPr/>
+          <a:lstStyle>
+            <a:lvl1pPr>
+              <a:defRPr>
+                <a:solidFill>
+                  <a:schemeClr val="tx1"/>
+                </a:solidFill>
+                <a:latin typeface="Arial" panose="020B0604020202020204" pitchFamily="34" charset="0"/>
+                <a:ea typeface="宋体" panose="02010600030101010101" pitchFamily="2" charset="-122"/>
+              </a:defRPr>
+            </a:lvl1pPr>
+            <a:lvl2pPr marL="742950" indent="-285750">
+              <a:defRPr>
+                <a:solidFill>
+                  <a:schemeClr val="tx1"/>
+                </a:solidFill>
+                <a:latin typeface="Arial" panose="020B0604020202020204" pitchFamily="34" charset="0"/>
+                <a:ea typeface="宋体" panose="02010600030101010101" pitchFamily="2" charset="-122"/>
+              </a:defRPr>
+            </a:lvl2pPr>
+            <a:lvl3pPr marL="1143000" indent="-228600">
+              <a:defRPr>
+                <a:solidFill>
+                  <a:schemeClr val="tx1"/>
+                </a:solidFill>
+                <a:latin typeface="Arial" panose="020B0604020202020204" pitchFamily="34" charset="0"/>
+                <a:ea typeface="宋体" panose="02010600030101010101" pitchFamily="2" charset="-122"/>
+              </a:defRPr>
+            </a:lvl3pPr>
+            <a:lvl4pPr marL="1600200" indent="-228600">
+              <a:defRPr>
+                <a:solidFill>
+                  <a:schemeClr val="tx1"/>
+                </a:solidFill>
+                <a:latin typeface="Arial" panose="020B0604020202020204" pitchFamily="34" charset="0"/>
+                <a:ea typeface="宋体" panose="02010600030101010101" pitchFamily="2" charset="-122"/>
+              </a:defRPr>
+            </a:lvl4pPr>
+            <a:lvl5pPr marL="2057400" indent="-228600">
+              <a:defRPr>
+                <a:solidFill>
+                  <a:schemeClr val="tx1"/>
+                </a:solidFill>
+                <a:latin typeface="Arial" panose="020B0604020202020204" pitchFamily="34" charset="0"/>
+                <a:ea typeface="宋体" panose="02010600030101010101" pitchFamily="2" charset="-122"/>
+              </a:defRPr>
+            </a:lvl5pPr>
+            <a:lvl6pPr marL="2514600" indent="-228600" algn="ctr" eaLnBrk="0" fontAlgn="base" hangingPunct="0">
+              <a:spcBef>
+                <a:spcPct val="0"/>
+              </a:spcBef>
+              <a:spcAft>
+                <a:spcPct val="0"/>
+              </a:spcAft>
+              <a:defRPr>
+                <a:solidFill>
+                  <a:schemeClr val="tx1"/>
+                </a:solidFill>
+                <a:latin typeface="Arial" panose="020B0604020202020204" pitchFamily="34" charset="0"/>
+                <a:ea typeface="宋体" panose="02010600030101010101" pitchFamily="2" charset="-122"/>
+              </a:defRPr>
+            </a:lvl6pPr>
+            <a:lvl7pPr marL="2971800" indent="-228600" algn="ctr" eaLnBrk="0" fontAlgn="base" hangingPunct="0">
+              <a:spcBef>
+                <a:spcPct val="0"/>
+              </a:spcBef>
+              <a:spcAft>
+                <a:spcPct val="0"/>
+              </a:spcAft>
+              <a:defRPr>
+                <a:solidFill>
+                  <a:schemeClr val="tx1"/>
+                </a:solidFill>
+                <a:latin typeface="Arial" panose="020B0604020202020204" pitchFamily="34" charset="0"/>
+                <a:ea typeface="宋体" panose="02010600030101010101" pitchFamily="2" charset="-122"/>
+              </a:defRPr>
+            </a:lvl7pPr>
+            <a:lvl8pPr marL="3429000" indent="-228600" algn="ctr" eaLnBrk="0" fontAlgn="base" hangingPunct="0">
+              <a:spcBef>
+                <a:spcPct val="0"/>
+              </a:spcBef>
+              <a:spcAft>
+                <a:spcPct val="0"/>
+              </a:spcAft>
+              <a:defRPr>
+                <a:solidFill>
+                  <a:schemeClr val="tx1"/>
+                </a:solidFill>
+                <a:latin typeface="Arial" panose="020B0604020202020204" pitchFamily="34" charset="0"/>
+                <a:ea typeface="宋体" panose="02010600030101010101" pitchFamily="2" charset="-122"/>
+              </a:defRPr>
+            </a:lvl8pPr>
+            <a:lvl9pPr marL="3886200" indent="-228600" algn="ctr" eaLnBrk="0" fontAlgn="base" hangingPunct="0">
+              <a:spcBef>
+                <a:spcPct val="0"/>
+              </a:spcBef>
+              <a:spcAft>
+                <a:spcPct val="0"/>
+              </a:spcAft>
+              <a:defRPr>
+                <a:solidFill>
+                  <a:schemeClr val="tx1"/>
+                </a:solidFill>
+                <a:latin typeface="Arial" panose="020B0604020202020204" pitchFamily="34" charset="0"/>
+                <a:ea typeface="宋体" panose="02010600030101010101" pitchFamily="2" charset="-122"/>
+              </a:defRPr>
+            </a:lvl9pPr>
+          </a:lstStyle>
+          <a:p>
+            <a:fld id="{C56E2BAB-F254-4EC8-BF03-3F52CA32E1F2}" type="slidenum">
+              <a:rPr lang="en-US" altLang="zh-CN">
+                <a:solidFill>
+                  <a:srgbClr val="CC3399"/>
+                </a:solidFill>
+                <a:latin typeface="Verdana" panose="020B0604030504040204" pitchFamily="34" charset="0"/>
+              </a:rPr>
+              <a:pPr/>
+              <a:t>5</a:t>
+            </a:fld>
+            <a:endParaRPr lang="en-US" altLang="zh-CN">
+              <a:solidFill>
+                <a:srgbClr val="CC3399"/>
+              </a:solidFill>
+              <a:latin typeface="Verdana" panose="020B0604030504040204" pitchFamily="34" charset="0"/>
+            </a:endParaRPr>
+          </a:p>
+        </p:txBody>
+      </p:sp>
+      <p:pic>
+        <p:nvPicPr>
+          <p:cNvPr id="6" name="Picture 5"/>
+          <p:cNvPicPr>
+            <a:picLocks noChangeAspect="1"/>
+          </p:cNvPicPr>
+          <p:nvPr/>
+        </p:nvPicPr>
+        <p:blipFill rotWithShape="1">
+          <a:blip r:embed="rId2" cstate="print">
+            <a:extLst>
+              <a:ext uri="{28A0092B-C50C-407E-A947-70E740481C1C}">
+                <a14:useLocalDpi xmlns:a14="http://schemas.microsoft.com/office/drawing/2010/main" val="0"/>
+              </a:ext>
+            </a:extLst>
+          </a:blip>
+          <a:srcRect l="17214" t="1362" r="17505" b="532"/>
+          <a:stretch/>
+        </p:blipFill>
+        <p:spPr>
+          <a:xfrm>
+            <a:off x="894474" y="5053040"/>
+            <a:ext cx="1296000" cy="1296000"/>
+          </a:xfrm>
+          <a:prstGeom prst="ellipse">
+            <a:avLst/>
+          </a:prstGeom>
+          <a:ln>
+            <a:solidFill>
+              <a:schemeClr val="tx1"/>
+            </a:solidFill>
+          </a:ln>
+          <a:effectLst>
+            <a:softEdge rad="0"/>
+          </a:effectLst>
+        </p:spPr>
+      </p:pic>
+      <p:sp>
+        <p:nvSpPr>
+          <p:cNvPr id="7" name="TextBox 6"/>
+          <p:cNvSpPr txBox="1"/>
+          <p:nvPr/>
+        </p:nvSpPr>
+        <p:spPr>
+          <a:xfrm>
+            <a:off x="2594887" y="5223986"/>
+            <a:ext cx="2146447" cy="954107"/>
+          </a:xfrm>
+          <a:prstGeom prst="rect">
+            <a:avLst/>
+          </a:prstGeom>
+          <a:noFill/>
+        </p:spPr>
+        <p:txBody>
+          <a:bodyPr wrap="square" rtlCol="0">
+            <a:spAutoFit/>
+          </a:bodyPr>
+          <a:lstStyle/>
+          <a:p>
+            <a:pPr algn="ctr"/>
+            <a:r>
+              <a:rPr lang="zh-CN" altLang="en-US" sz="3200" dirty="0" smtClean="0">
+                <a:latin typeface="黑体" panose="02010609060101010101" pitchFamily="49" charset="-122"/>
+                <a:ea typeface="黑体" panose="02010609060101010101" pitchFamily="49" charset="-122"/>
+              </a:rPr>
+              <a:t>基础实践</a:t>
+            </a:r>
+            <a:endParaRPr lang="en-US" altLang="zh-CN" sz="3200" dirty="0" smtClean="0">
+              <a:latin typeface="黑体" panose="02010609060101010101" pitchFamily="49" charset="-122"/>
+              <a:ea typeface="黑体" panose="02010609060101010101" pitchFamily="49" charset="-122"/>
+            </a:endParaRPr>
+          </a:p>
+          <a:p>
+            <a:pPr algn="ctr"/>
+            <a:r>
+              <a:rPr lang="zh-CN" altLang="en-US" sz="2400" dirty="0" smtClean="0">
+                <a:latin typeface="黑体" panose="02010609060101010101" pitchFamily="49" charset="-122"/>
+                <a:ea typeface="黑体" panose="02010609060101010101" pitchFamily="49" charset="-122"/>
+              </a:rPr>
+              <a:t>融合</a:t>
+            </a:r>
+            <a:r>
+              <a:rPr lang="zh-CN" altLang="en-US" sz="2400" dirty="0" smtClean="0">
+                <a:solidFill>
+                  <a:schemeClr val="accent2"/>
+                </a:solidFill>
+                <a:latin typeface="黑体" panose="02010609060101010101" pitchFamily="49" charset="-122"/>
+                <a:ea typeface="黑体" panose="02010609060101010101" pitchFamily="49" charset="-122"/>
+              </a:rPr>
+              <a:t>微</a:t>
+            </a:r>
+            <a:r>
+              <a:rPr lang="zh-CN" altLang="en-US" sz="2400" dirty="0" smtClean="0">
+                <a:latin typeface="黑体" panose="02010609060101010101" pitchFamily="49" charset="-122"/>
+                <a:ea typeface="黑体" panose="02010609060101010101" pitchFamily="49" charset="-122"/>
+              </a:rPr>
+              <a:t>创新</a:t>
+            </a:r>
+            <a:endParaRPr lang="zh-CN" altLang="en-US" sz="2400" dirty="0">
+              <a:latin typeface="黑体" panose="02010609060101010101" pitchFamily="49" charset="-122"/>
+              <a:ea typeface="黑体" panose="02010609060101010101" pitchFamily="49" charset="-122"/>
+            </a:endParaRPr>
+          </a:p>
+        </p:txBody>
+      </p:sp>
+      <p:pic>
+        <p:nvPicPr>
+          <p:cNvPr id="8" name="Picture 7"/>
+          <p:cNvPicPr>
+            <a:picLocks noChangeAspect="1"/>
+          </p:cNvPicPr>
+          <p:nvPr/>
+        </p:nvPicPr>
+        <p:blipFill rotWithShape="1">
+          <a:blip r:embed="rId3" cstate="print">
+            <a:extLst>
+              <a:ext uri="{28A0092B-C50C-407E-A947-70E740481C1C}">
+                <a14:useLocalDpi xmlns:a14="http://schemas.microsoft.com/office/drawing/2010/main" val="0"/>
+              </a:ext>
+            </a:extLst>
+          </a:blip>
+          <a:srcRect l="5591" t="4565" r="17047" b="11936"/>
+          <a:stretch/>
+        </p:blipFill>
+        <p:spPr>
+          <a:xfrm>
+            <a:off x="678474" y="608163"/>
+            <a:ext cx="1728000" cy="1728000"/>
+          </a:xfrm>
+          <a:prstGeom prst="ellipse">
+            <a:avLst/>
+          </a:prstGeom>
+          <a:ln>
+            <a:solidFill>
+              <a:schemeClr val="tx1"/>
+            </a:solidFill>
+          </a:ln>
+          <a:effectLst>
+            <a:softEdge rad="0"/>
+          </a:effectLst>
+        </p:spPr>
+      </p:pic>
+      <p:pic>
+        <p:nvPicPr>
+          <p:cNvPr id="9" name="Picture 2"/>
+          <p:cNvPicPr>
+            <a:picLocks noChangeAspect="1" noChangeArrowheads="1"/>
+          </p:cNvPicPr>
+          <p:nvPr/>
+        </p:nvPicPr>
+        <p:blipFill rotWithShape="1">
+          <a:blip r:embed="rId4">
+            <a:extLst/>
+          </a:blip>
+          <a:srcRect l="3274" t="5028" r="36610" b="5035"/>
+          <a:stretch/>
+        </p:blipFill>
+        <p:spPr bwMode="auto">
+          <a:xfrm>
+            <a:off x="822474" y="2974602"/>
+            <a:ext cx="1440000" cy="1440000"/>
+          </a:xfrm>
+          <a:prstGeom prst="ellipse">
+            <a:avLst/>
+          </a:prstGeom>
+          <a:ln>
+            <a:solidFill>
+              <a:schemeClr val="tx1"/>
+            </a:solidFill>
+          </a:ln>
+          <a:effectLst>
+            <a:softEdge rad="0"/>
+          </a:effectLst>
+          <a:extLst/>
+        </p:spPr>
+      </p:pic>
+      <p:sp>
+        <p:nvSpPr>
+          <p:cNvPr id="10" name="TextBox 9"/>
+          <p:cNvSpPr txBox="1"/>
+          <p:nvPr/>
+        </p:nvSpPr>
+        <p:spPr>
+          <a:xfrm>
+            <a:off x="2408620" y="3217548"/>
+            <a:ext cx="2518982" cy="954107"/>
+          </a:xfrm>
+          <a:prstGeom prst="rect">
+            <a:avLst/>
+          </a:prstGeom>
+          <a:noFill/>
+        </p:spPr>
+        <p:txBody>
+          <a:bodyPr wrap="square" rtlCol="0">
+            <a:spAutoFit/>
+          </a:bodyPr>
+          <a:lstStyle/>
+          <a:p>
+            <a:pPr algn="ctr"/>
+            <a:r>
+              <a:rPr lang="zh-CN" altLang="en-US" sz="3200" dirty="0" smtClean="0">
+                <a:latin typeface="黑体" panose="02010609060101010101" pitchFamily="49" charset="-122"/>
+                <a:ea typeface="黑体" panose="02010609060101010101" pitchFamily="49" charset="-122"/>
+              </a:rPr>
+              <a:t>项目与竞赛</a:t>
+            </a:r>
+            <a:endParaRPr lang="en-US" altLang="zh-CN" sz="3200" dirty="0" smtClean="0">
+              <a:latin typeface="黑体" panose="02010609060101010101" pitchFamily="49" charset="-122"/>
+              <a:ea typeface="黑体" panose="02010609060101010101" pitchFamily="49" charset="-122"/>
+            </a:endParaRPr>
+          </a:p>
+          <a:p>
+            <a:pPr algn="ctr"/>
+            <a:r>
+              <a:rPr lang="zh-CN" altLang="en-US" sz="2400" dirty="0" smtClean="0">
+                <a:latin typeface="黑体" panose="02010609060101010101" pitchFamily="49" charset="-122"/>
+                <a:ea typeface="黑体" panose="02010609060101010101" pitchFamily="49" charset="-122"/>
+              </a:rPr>
+              <a:t>训练</a:t>
+            </a:r>
+            <a:r>
+              <a:rPr lang="zh-CN" altLang="en-US" sz="2400" dirty="0" smtClean="0">
+                <a:solidFill>
+                  <a:srgbClr val="FF3300"/>
+                </a:solidFill>
+                <a:latin typeface="黑体" panose="02010609060101010101" pitchFamily="49" charset="-122"/>
+                <a:ea typeface="黑体" panose="02010609060101010101" pitchFamily="49" charset="-122"/>
+              </a:rPr>
+              <a:t>应用</a:t>
+            </a:r>
+            <a:r>
+              <a:rPr lang="zh-CN" altLang="en-US" sz="2400" dirty="0" smtClean="0">
+                <a:latin typeface="黑体" panose="02010609060101010101" pitchFamily="49" charset="-122"/>
+                <a:ea typeface="黑体" panose="02010609060101010101" pitchFamily="49" charset="-122"/>
+              </a:rPr>
+              <a:t>创新</a:t>
+            </a:r>
+            <a:endParaRPr lang="zh-CN" altLang="en-US" sz="2400" dirty="0">
+              <a:latin typeface="黑体" panose="02010609060101010101" pitchFamily="49" charset="-122"/>
+              <a:ea typeface="黑体" panose="02010609060101010101" pitchFamily="49" charset="-122"/>
+            </a:endParaRPr>
+          </a:p>
+        </p:txBody>
+      </p:sp>
+      <p:sp>
+        <p:nvSpPr>
+          <p:cNvPr id="11" name="TextBox 10"/>
+          <p:cNvSpPr txBox="1"/>
+          <p:nvPr/>
+        </p:nvSpPr>
+        <p:spPr>
+          <a:xfrm>
+            <a:off x="2594887" y="995109"/>
+            <a:ext cx="2146447" cy="954107"/>
+          </a:xfrm>
+          <a:prstGeom prst="rect">
+            <a:avLst/>
+          </a:prstGeom>
+          <a:noFill/>
+        </p:spPr>
+        <p:txBody>
+          <a:bodyPr wrap="square" rtlCol="0">
+            <a:spAutoFit/>
+          </a:bodyPr>
+          <a:lstStyle/>
+          <a:p>
+            <a:pPr algn="ctr"/>
+            <a:r>
+              <a:rPr lang="zh-CN" altLang="en-US" sz="3200" dirty="0" smtClean="0">
+                <a:latin typeface="黑体" panose="02010609060101010101" pitchFamily="49" charset="-122"/>
+                <a:ea typeface="黑体" panose="02010609060101010101" pitchFamily="49" charset="-122"/>
+              </a:rPr>
+              <a:t>产品开发</a:t>
+            </a:r>
+            <a:endParaRPr lang="en-US" altLang="zh-CN" sz="3200" dirty="0" smtClean="0">
+              <a:latin typeface="黑体" panose="02010609060101010101" pitchFamily="49" charset="-122"/>
+              <a:ea typeface="黑体" panose="02010609060101010101" pitchFamily="49" charset="-122"/>
+            </a:endParaRPr>
+          </a:p>
+          <a:p>
+            <a:pPr algn="ctr"/>
+            <a:r>
+              <a:rPr lang="zh-CN" altLang="en-US" sz="2400" dirty="0" smtClean="0">
+                <a:latin typeface="黑体" panose="02010609060101010101" pitchFamily="49" charset="-122"/>
+                <a:ea typeface="黑体" panose="02010609060101010101" pitchFamily="49" charset="-122"/>
+              </a:rPr>
+              <a:t>培养</a:t>
+            </a:r>
+            <a:r>
+              <a:rPr lang="zh-CN" altLang="en-US" sz="2400" dirty="0" smtClean="0">
+                <a:solidFill>
+                  <a:srgbClr val="C00000"/>
+                </a:solidFill>
+                <a:latin typeface="黑体" panose="02010609060101010101" pitchFamily="49" charset="-122"/>
+                <a:ea typeface="黑体" panose="02010609060101010101" pitchFamily="49" charset="-122"/>
+              </a:rPr>
+              <a:t>系统</a:t>
+            </a:r>
+            <a:r>
+              <a:rPr lang="zh-CN" altLang="en-US" sz="2400" dirty="0" smtClean="0">
+                <a:latin typeface="黑体" panose="02010609060101010101" pitchFamily="49" charset="-122"/>
+                <a:ea typeface="黑体" panose="02010609060101010101" pitchFamily="49" charset="-122"/>
+              </a:rPr>
+              <a:t>创新</a:t>
+            </a:r>
+            <a:endParaRPr lang="zh-CN" altLang="en-US" sz="2400" dirty="0">
+              <a:latin typeface="黑体" panose="02010609060101010101" pitchFamily="49" charset="-122"/>
+              <a:ea typeface="黑体" panose="02010609060101010101" pitchFamily="49" charset="-122"/>
+            </a:endParaRPr>
+          </a:p>
+        </p:txBody>
+      </p:sp>
+      <p:sp>
+        <p:nvSpPr>
+          <p:cNvPr id="12" name="Flowchart: Manual Operation 11"/>
+          <p:cNvSpPr/>
+          <p:nvPr/>
+        </p:nvSpPr>
+        <p:spPr>
+          <a:xfrm flipV="1">
+            <a:off x="5073748" y="1241328"/>
+            <a:ext cx="5211381" cy="4875207"/>
+          </a:xfrm>
+          <a:prstGeom prst="flowChartManualOperation">
+            <a:avLst/>
+          </a:prstGeom>
+          <a:gradFill>
+            <a:gsLst>
+              <a:gs pos="0">
+                <a:schemeClr val="bg1"/>
+              </a:gs>
+              <a:gs pos="40000">
+                <a:schemeClr val="accent2">
+                  <a:lumMod val="20000"/>
+                  <a:lumOff val="80000"/>
+                </a:schemeClr>
+              </a:gs>
+              <a:gs pos="80000">
+                <a:schemeClr val="accent2">
+                  <a:lumMod val="60000"/>
+                  <a:lumOff val="40000"/>
+                </a:schemeClr>
+              </a:gs>
+              <a:gs pos="100000">
+                <a:schemeClr val="bg1"/>
+              </a:gs>
+            </a:gsLst>
+            <a:lin ang="5400000" scaled="1"/>
+          </a:gradFill>
+          <a:ln>
+            <a:noFill/>
+          </a:ln>
+        </p:spPr>
+        <p:style>
+          <a:lnRef idx="2">
+            <a:schemeClr val="accent1">
+              <a:shade val="50000"/>
+            </a:schemeClr>
+          </a:lnRef>
+          <a:fillRef idx="1">
+            <a:schemeClr val="accent1"/>
+          </a:fillRef>
+          <a:effectRef idx="0">
+            <a:schemeClr val="accent1"/>
+          </a:effectRef>
+          <a:fontRef idx="minor">
+            <a:schemeClr val="lt1"/>
+          </a:fontRef>
+        </p:style>
+        <p:txBody>
+          <a:bodyPr rtlCol="0" anchor="ctr"/>
+          <a:lstStyle/>
+          <a:p>
+            <a:pPr algn="ctr"/>
+            <a:endParaRPr lang="zh-CN" altLang="en-US"/>
+          </a:p>
+        </p:txBody>
+      </p:sp>
+      <p:sp>
+        <p:nvSpPr>
+          <p:cNvPr id="13" name="TextBox 12"/>
+          <p:cNvSpPr txBox="1"/>
+          <p:nvPr/>
+        </p:nvSpPr>
+        <p:spPr>
+          <a:xfrm>
+            <a:off x="6190051" y="5285540"/>
+            <a:ext cx="5847401" cy="461665"/>
+          </a:xfrm>
+          <a:prstGeom prst="rect">
+            <a:avLst/>
+          </a:prstGeom>
+          <a:noFill/>
+        </p:spPr>
+        <p:txBody>
+          <a:bodyPr wrap="square" rtlCol="0">
+            <a:spAutoFit/>
+          </a:bodyPr>
+          <a:lstStyle/>
+          <a:p>
+            <a:r>
+              <a:rPr lang="zh-CN" altLang="en-US" sz="2400" b="1" dirty="0" smtClean="0">
+                <a:solidFill>
+                  <a:srgbClr val="002060"/>
+                </a:solidFill>
+                <a:latin typeface="Times New Roman" panose="02020603050405020304" pitchFamily="18" charset="0"/>
+                <a:ea typeface="楷体" panose="02010609060101010101" pitchFamily="49" charset="-122"/>
+                <a:cs typeface="Times New Roman" panose="02020603050405020304" pitchFamily="18" charset="0"/>
+              </a:rPr>
+              <a:t>一线</a:t>
+            </a:r>
+            <a:r>
+              <a:rPr lang="zh-CN" altLang="en-US" sz="2400" b="1" dirty="0">
+                <a:solidFill>
+                  <a:srgbClr val="002060"/>
+                </a:solidFill>
+                <a:latin typeface="Times New Roman" panose="02020603050405020304" pitchFamily="18" charset="0"/>
+                <a:ea typeface="楷体" panose="02010609060101010101" pitchFamily="49" charset="-122"/>
+                <a:cs typeface="Times New Roman" panose="02020603050405020304" pitchFamily="18" charset="0"/>
+              </a:rPr>
+              <a:t>技能型辅导</a:t>
+            </a:r>
+            <a:r>
+              <a:rPr lang="zh-CN" altLang="en-US" sz="2400" b="1" dirty="0" smtClean="0">
+                <a:solidFill>
+                  <a:srgbClr val="002060"/>
+                </a:solidFill>
+                <a:latin typeface="Times New Roman" panose="02020603050405020304" pitchFamily="18" charset="0"/>
+                <a:ea typeface="楷体" panose="02010609060101010101" pitchFamily="49" charset="-122"/>
+                <a:cs typeface="Times New Roman" panose="02020603050405020304" pitchFamily="18" charset="0"/>
+              </a:rPr>
+              <a:t>人员</a:t>
+            </a:r>
+            <a:r>
+              <a:rPr lang="en-US" altLang="zh-CN" sz="2400" b="1" dirty="0" smtClean="0">
+                <a:solidFill>
+                  <a:srgbClr val="002060"/>
+                </a:solidFill>
+                <a:latin typeface="Times New Roman" panose="02020603050405020304" pitchFamily="18" charset="0"/>
+                <a:ea typeface="楷体" panose="02010609060101010101" pitchFamily="49" charset="-122"/>
+                <a:cs typeface="Times New Roman" panose="02020603050405020304" pitchFamily="18" charset="0"/>
+              </a:rPr>
+              <a:t>	</a:t>
+            </a:r>
+            <a:r>
+              <a:rPr lang="en-US" altLang="zh-CN" sz="2400" b="1" dirty="0" smtClean="0">
+                <a:solidFill>
+                  <a:srgbClr val="002060"/>
+                </a:solidFill>
+                <a:latin typeface="Times New Roman" panose="02020603050405020304" pitchFamily="18" charset="0"/>
+                <a:ea typeface="楷体" panose="02010609060101010101" pitchFamily="49" charset="-122"/>
+                <a:cs typeface="Times New Roman" panose="02020603050405020304" pitchFamily="18" charset="0"/>
+              </a:rPr>
+              <a:t>——60</a:t>
+            </a:r>
+            <a:r>
+              <a:rPr lang="zh-CN" altLang="en-US" sz="2400" b="1" dirty="0" smtClean="0">
+                <a:solidFill>
+                  <a:srgbClr val="002060"/>
+                </a:solidFill>
+                <a:latin typeface="Times New Roman" panose="02020603050405020304" pitchFamily="18" charset="0"/>
+                <a:ea typeface="楷体" panose="02010609060101010101" pitchFamily="49" charset="-122"/>
+                <a:cs typeface="Times New Roman" panose="02020603050405020304" pitchFamily="18" charset="0"/>
+              </a:rPr>
+              <a:t>人</a:t>
+            </a:r>
+            <a:endParaRPr lang="zh-CN" altLang="en-US" dirty="0">
+              <a:latin typeface="黑体" panose="02010609060101010101" pitchFamily="49" charset="-122"/>
+              <a:ea typeface="黑体" panose="02010609060101010101" pitchFamily="49" charset="-122"/>
+            </a:endParaRPr>
+          </a:p>
+        </p:txBody>
+      </p:sp>
+      <p:sp>
+        <p:nvSpPr>
+          <p:cNvPr id="14" name="TextBox 13"/>
+          <p:cNvSpPr txBox="1"/>
+          <p:nvPr/>
+        </p:nvSpPr>
+        <p:spPr>
+          <a:xfrm>
+            <a:off x="6387920" y="3937469"/>
+            <a:ext cx="5260064" cy="461665"/>
+          </a:xfrm>
+          <a:prstGeom prst="rect">
+            <a:avLst/>
+          </a:prstGeom>
+          <a:noFill/>
+        </p:spPr>
+        <p:txBody>
+          <a:bodyPr wrap="square" rtlCol="0">
+            <a:spAutoFit/>
+          </a:bodyPr>
+          <a:lstStyle/>
+          <a:p>
+            <a:r>
+              <a:rPr lang="zh-CN" altLang="en-US" sz="2400" b="1" dirty="0" smtClean="0">
+                <a:solidFill>
+                  <a:srgbClr val="002060"/>
+                </a:solidFill>
+                <a:latin typeface="Times New Roman" panose="02020603050405020304" pitchFamily="18" charset="0"/>
+                <a:ea typeface="楷体" panose="02010609060101010101" pitchFamily="49" charset="-122"/>
+                <a:cs typeface="Times New Roman" panose="02020603050405020304" pitchFamily="18" charset="0"/>
+              </a:rPr>
+              <a:t>工程实验技术人员</a:t>
+            </a:r>
+            <a:r>
+              <a:rPr lang="en-US" altLang="zh-CN" sz="2400" b="1" dirty="0" smtClean="0">
+                <a:solidFill>
+                  <a:srgbClr val="002060"/>
+                </a:solidFill>
+                <a:latin typeface="Times New Roman" panose="02020603050405020304" pitchFamily="18" charset="0"/>
+                <a:ea typeface="楷体" panose="02010609060101010101" pitchFamily="49" charset="-122"/>
+                <a:cs typeface="Times New Roman" panose="02020603050405020304" pitchFamily="18" charset="0"/>
+              </a:rPr>
+              <a:t>	       ——</a:t>
+            </a:r>
+            <a:r>
+              <a:rPr lang="en-US" altLang="zh-CN" sz="2400" b="1" dirty="0" smtClean="0">
+                <a:solidFill>
+                  <a:srgbClr val="002060"/>
+                </a:solidFill>
+                <a:latin typeface="Times New Roman" panose="02020603050405020304" pitchFamily="18" charset="0"/>
+                <a:ea typeface="楷体" panose="02010609060101010101" pitchFamily="49" charset="-122"/>
+                <a:cs typeface="Times New Roman" panose="02020603050405020304" pitchFamily="18" charset="0"/>
+              </a:rPr>
+              <a:t>20</a:t>
+            </a:r>
+            <a:r>
+              <a:rPr lang="zh-CN" altLang="en-US" sz="2400" b="1" dirty="0" smtClean="0">
+                <a:solidFill>
+                  <a:srgbClr val="002060"/>
+                </a:solidFill>
+                <a:latin typeface="Times New Roman" panose="02020603050405020304" pitchFamily="18" charset="0"/>
+                <a:ea typeface="楷体" panose="02010609060101010101" pitchFamily="49" charset="-122"/>
+                <a:cs typeface="Times New Roman" panose="02020603050405020304" pitchFamily="18" charset="0"/>
+              </a:rPr>
+              <a:t>人</a:t>
+            </a:r>
+            <a:endParaRPr lang="zh-CN" altLang="en-US" dirty="0">
+              <a:latin typeface="黑体" panose="02010609060101010101" pitchFamily="49" charset="-122"/>
+              <a:ea typeface="黑体" panose="02010609060101010101" pitchFamily="49" charset="-122"/>
+            </a:endParaRPr>
+          </a:p>
+        </p:txBody>
+      </p:sp>
+      <p:sp>
+        <p:nvSpPr>
+          <p:cNvPr id="15" name="TextBox 14"/>
+          <p:cNvSpPr txBox="1"/>
+          <p:nvPr/>
+        </p:nvSpPr>
+        <p:spPr>
+          <a:xfrm>
+            <a:off x="6933859" y="2589399"/>
+            <a:ext cx="4868673" cy="461665"/>
+          </a:xfrm>
+          <a:prstGeom prst="rect">
+            <a:avLst/>
+          </a:prstGeom>
+          <a:noFill/>
+        </p:spPr>
+        <p:txBody>
+          <a:bodyPr wrap="square" rtlCol="0">
+            <a:spAutoFit/>
+          </a:bodyPr>
+          <a:lstStyle/>
+          <a:p>
+            <a:r>
+              <a:rPr lang="zh-CN" altLang="en-US" sz="2400" b="1" dirty="0" smtClean="0">
+                <a:solidFill>
+                  <a:srgbClr val="002060"/>
+                </a:solidFill>
+                <a:latin typeface="Times New Roman" panose="02020603050405020304" pitchFamily="18" charset="0"/>
+                <a:ea typeface="楷体" panose="02010609060101010101" pitchFamily="49" charset="-122"/>
+                <a:cs typeface="Times New Roman" panose="02020603050405020304" pitchFamily="18" charset="0"/>
+              </a:rPr>
+              <a:t>驻校创客</a:t>
+            </a:r>
+            <a:r>
+              <a:rPr lang="en-US" altLang="zh-CN" sz="2400" b="1" dirty="0" smtClean="0">
+                <a:solidFill>
+                  <a:srgbClr val="002060"/>
+                </a:solidFill>
+                <a:latin typeface="Times New Roman" panose="02020603050405020304" pitchFamily="18" charset="0"/>
+                <a:ea typeface="楷体" panose="02010609060101010101" pitchFamily="49" charset="-122"/>
+                <a:cs typeface="Times New Roman" panose="02020603050405020304" pitchFamily="18" charset="0"/>
+              </a:rPr>
+              <a:t>	</a:t>
+            </a:r>
+            <a:r>
+              <a:rPr lang="en-US" altLang="zh-CN" sz="2400" b="1" dirty="0" smtClean="0">
+                <a:solidFill>
+                  <a:srgbClr val="002060"/>
+                </a:solidFill>
+                <a:latin typeface="Times New Roman" panose="02020603050405020304" pitchFamily="18" charset="0"/>
+                <a:ea typeface="楷体" panose="02010609060101010101" pitchFamily="49" charset="-122"/>
+                <a:cs typeface="Times New Roman" panose="02020603050405020304" pitchFamily="18" charset="0"/>
+              </a:rPr>
+              <a:t>	——20</a:t>
+            </a:r>
+            <a:r>
+              <a:rPr lang="zh-CN" altLang="en-US" sz="2400" b="1" dirty="0" smtClean="0">
+                <a:solidFill>
+                  <a:srgbClr val="002060"/>
+                </a:solidFill>
+                <a:latin typeface="Times New Roman" panose="02020603050405020304" pitchFamily="18" charset="0"/>
+                <a:ea typeface="楷体" panose="02010609060101010101" pitchFamily="49" charset="-122"/>
+                <a:cs typeface="Times New Roman" panose="02020603050405020304" pitchFamily="18" charset="0"/>
+              </a:rPr>
+              <a:t>人</a:t>
+            </a:r>
+            <a:endParaRPr lang="zh-CN" altLang="en-US" dirty="0">
+              <a:latin typeface="黑体" panose="02010609060101010101" pitchFamily="49" charset="-122"/>
+              <a:ea typeface="黑体" panose="02010609060101010101" pitchFamily="49" charset="-122"/>
+            </a:endParaRPr>
+          </a:p>
+        </p:txBody>
+      </p:sp>
+      <p:sp>
+        <p:nvSpPr>
+          <p:cNvPr id="16" name="TextBox 15"/>
+          <p:cNvSpPr txBox="1"/>
+          <p:nvPr/>
+        </p:nvSpPr>
+        <p:spPr>
+          <a:xfrm>
+            <a:off x="6190050" y="1241329"/>
+            <a:ext cx="5612481" cy="461665"/>
+          </a:xfrm>
+          <a:prstGeom prst="rect">
+            <a:avLst/>
+          </a:prstGeom>
+          <a:noFill/>
+        </p:spPr>
+        <p:txBody>
+          <a:bodyPr wrap="square" rtlCol="0">
+            <a:spAutoFit/>
+          </a:bodyPr>
+          <a:lstStyle/>
+          <a:p>
+            <a:r>
+              <a:rPr lang="zh-CN" altLang="en-US" sz="2400" b="1" dirty="0">
+                <a:solidFill>
+                  <a:srgbClr val="002060"/>
+                </a:solidFill>
+                <a:latin typeface="Times New Roman" panose="02020603050405020304" pitchFamily="18" charset="0"/>
+                <a:ea typeface="楷体" panose="02010609060101010101" pitchFamily="49" charset="-122"/>
+                <a:cs typeface="Times New Roman" panose="02020603050405020304" pitchFamily="18" charset="0"/>
+              </a:rPr>
+              <a:t>专兼结合的创客导师</a:t>
+            </a:r>
+            <a:r>
+              <a:rPr lang="en-US" altLang="zh-CN" sz="2400" b="1" dirty="0">
+                <a:solidFill>
+                  <a:srgbClr val="002060"/>
+                </a:solidFill>
+                <a:latin typeface="Times New Roman" panose="02020603050405020304" pitchFamily="18" charset="0"/>
+                <a:ea typeface="楷体" panose="02010609060101010101" pitchFamily="49" charset="-122"/>
+                <a:cs typeface="Times New Roman" panose="02020603050405020304" pitchFamily="18" charset="0"/>
+              </a:rPr>
+              <a:t>	——10</a:t>
+            </a:r>
+            <a:r>
+              <a:rPr lang="zh-CN" altLang="en-US" sz="2400" b="1" dirty="0">
+                <a:solidFill>
+                  <a:srgbClr val="002060"/>
+                </a:solidFill>
+                <a:latin typeface="Times New Roman" panose="02020603050405020304" pitchFamily="18" charset="0"/>
+                <a:ea typeface="楷体" panose="02010609060101010101" pitchFamily="49" charset="-122"/>
+                <a:cs typeface="Times New Roman" panose="02020603050405020304" pitchFamily="18" charset="0"/>
+              </a:rPr>
+              <a:t>人</a:t>
+            </a:r>
+            <a:endParaRPr lang="zh-CN" altLang="en-US" sz="2400" dirty="0">
+              <a:latin typeface="黑体" panose="02010609060101010101" pitchFamily="49" charset="-122"/>
+              <a:ea typeface="黑体" panose="02010609060101010101" pitchFamily="49" charset="-122"/>
+            </a:endParaRPr>
+          </a:p>
+        </p:txBody>
+      </p:sp>
+    </p:spTree>
+    <p:extLst>
+      <p:ext uri="{BB962C8B-B14F-4D97-AF65-F5344CB8AC3E}">
+        <p14:creationId xmlns:p14="http://schemas.microsoft.com/office/powerpoint/2010/main" val="2350838826"/>
+      </p:ext>
+    </p:extLst>
+  </p:cSld>
+  <p:clrMapOvr>
+    <a:masterClrMapping/>
+  </p:clrMapOvr>
+  <mc:AlternateContent xmlns:mc="http://schemas.openxmlformats.org/markup-compatibility/2006">
+    <mc:Choice xmlns:p14="http://schemas.microsoft.com/office/powerpoint/2010/main" Requires="p14">
+      <p:transition spd="slow" p14:dur="2000"/>
+    </mc:Choice>
+    <mc:Fallback>
+      <p:transition spd="slow"/>
+    </mc:Fallback>
+  </mc:AlternateContent>
+</p:sld>
+</file>
+
+<file path=ppt/slides/slide6.xml><?xml version="1.0" encoding="utf-8"?>
 <p:sld xmlns:a="http://schemas.openxmlformats.org/drawingml/2006/main" xmlns:r="http://schemas.openxmlformats.org/officeDocument/2006/relationships" xmlns:p="http://schemas.openxmlformats.org/presentationml/2006/main">
   <p:cSld>
     <p:spTree>
@@ -5737,7 +6910,7 @@
 </p:sld>
 </file>
 
-<file path=ppt/slides/slide6.xml><?xml version="1.0" encoding="utf-8"?>
+<file path=ppt/slides/slide7.xml><?xml version="1.0" encoding="utf-8"?>
 <p:sld xmlns:a="http://schemas.openxmlformats.org/drawingml/2006/main" xmlns:r="http://schemas.openxmlformats.org/officeDocument/2006/relationships" xmlns:p="http://schemas.openxmlformats.org/presentationml/2006/main">
   <p:cSld>
     <p:spTree>
@@ -6086,7 +7259,7 @@
 </p:sld>
 </file>
 
-<file path=ppt/slides/slide7.xml><?xml version="1.0" encoding="utf-8"?>
+<file path=ppt/slides/slide8.xml><?xml version="1.0" encoding="utf-8"?>
 <p:sld xmlns:a="http://schemas.openxmlformats.org/drawingml/2006/main" xmlns:r="http://schemas.openxmlformats.org/officeDocument/2006/relationships" xmlns:p="http://schemas.openxmlformats.org/presentationml/2006/main">
   <p:cSld>
     <p:spTree>
@@ -6279,190 +7452,6 @@
 </p:sld>
 </file>
 
-<file path=ppt/slides/slide8.xml><?xml version="1.0" encoding="utf-8"?>
-<p:sld xmlns:a="http://schemas.openxmlformats.org/drawingml/2006/main" xmlns:r="http://schemas.openxmlformats.org/officeDocument/2006/relationships" xmlns:p="http://schemas.openxmlformats.org/presentationml/2006/main">
-  <p:cSld>
-    <p:spTree>
-      <p:nvGrpSpPr>
-        <p:cNvPr id="1" name=""/>
-        <p:cNvGrpSpPr/>
-        <p:nvPr/>
-      </p:nvGrpSpPr>
-      <p:grpSpPr>
-        <a:xfrm>
-          <a:off x="0" y="0"/>
-          <a:ext cx="0" cy="0"/>
-          <a:chOff x="0" y="0"/>
-          <a:chExt cx="0" cy="0"/>
-        </a:xfrm>
-      </p:grpSpPr>
-      <p:sp>
-        <p:nvSpPr>
-          <p:cNvPr id="2" name="Title 1"/>
-          <p:cNvSpPr>
-            <a:spLocks noGrp="1"/>
-          </p:cNvSpPr>
-          <p:nvPr>
-            <p:ph type="title"/>
-          </p:nvPr>
-        </p:nvSpPr>
-        <p:spPr/>
-        <p:txBody>
-          <a:bodyPr/>
-          <a:lstStyle/>
-          <a:p>
-            <a:r>
-              <a:rPr lang="zh-CN" altLang="en-US" dirty="0" smtClean="0">
-                <a:latin typeface="黑体" panose="02010609060101010101" pitchFamily="49" charset="-122"/>
-                <a:ea typeface="黑体" panose="02010609060101010101" pitchFamily="49" charset="-122"/>
-              </a:rPr>
-              <a:t>充满活力的创客小生态，带动创新大环境</a:t>
-            </a:r>
-            <a:endParaRPr lang="zh-CN" altLang="en-US" dirty="0">
-              <a:latin typeface="黑体" panose="02010609060101010101" pitchFamily="49" charset="-122"/>
-              <a:ea typeface="黑体" panose="02010609060101010101" pitchFamily="49" charset="-122"/>
-            </a:endParaRPr>
-          </a:p>
-        </p:txBody>
-      </p:sp>
-      <p:sp>
-        <p:nvSpPr>
-          <p:cNvPr id="3" name="Content Placeholder 2"/>
-          <p:cNvSpPr>
-            <a:spLocks noGrp="1"/>
-          </p:cNvSpPr>
-          <p:nvPr>
-            <p:ph idx="1"/>
-          </p:nvPr>
-        </p:nvSpPr>
-        <p:spPr/>
-        <p:txBody>
-          <a:bodyPr/>
-          <a:lstStyle/>
-          <a:p>
-            <a:r>
-              <a:rPr lang="zh-CN" altLang="en-US" dirty="0">
-                <a:latin typeface="黑体" panose="02010609060101010101" pitchFamily="49" charset="-122"/>
-                <a:ea typeface="黑体" panose="02010609060101010101" pitchFamily="49" charset="-122"/>
-              </a:rPr>
-              <a:t>自</a:t>
-            </a:r>
-            <a:r>
-              <a:rPr lang="zh-CN" altLang="en-US" dirty="0" smtClean="0">
-                <a:latin typeface="黑体" panose="02010609060101010101" pitchFamily="49" charset="-122"/>
-                <a:ea typeface="黑体" panose="02010609060101010101" pitchFamily="49" charset="-122"/>
-              </a:rPr>
-              <a:t>媒体平台</a:t>
-            </a:r>
-            <a:endParaRPr lang="en-US" altLang="zh-CN" dirty="0" smtClean="0">
-              <a:latin typeface="黑体" panose="02010609060101010101" pitchFamily="49" charset="-122"/>
-              <a:ea typeface="黑体" panose="02010609060101010101" pitchFamily="49" charset="-122"/>
-            </a:endParaRPr>
-          </a:p>
-          <a:p>
-            <a:pPr lvl="1"/>
-            <a:r>
-              <a:rPr lang="zh-CN" altLang="en-US" dirty="0" smtClean="0">
-                <a:latin typeface="黑体" panose="02010609060101010101" pitchFamily="49" charset="-122"/>
-                <a:ea typeface="黑体" panose="02010609060101010101" pitchFamily="49" charset="-122"/>
-              </a:rPr>
-              <a:t>全校跨学科多师多生内容</a:t>
-            </a:r>
-            <a:endParaRPr lang="en-US" altLang="zh-CN" dirty="0" smtClean="0">
-              <a:latin typeface="黑体" panose="02010609060101010101" pitchFamily="49" charset="-122"/>
-              <a:ea typeface="黑体" panose="02010609060101010101" pitchFamily="49" charset="-122"/>
-            </a:endParaRPr>
-          </a:p>
-          <a:p>
-            <a:r>
-              <a:rPr lang="zh-CN" altLang="en-US" dirty="0" smtClean="0">
-                <a:latin typeface="黑体" panose="02010609060101010101" pitchFamily="49" charset="-122"/>
-                <a:ea typeface="黑体" panose="02010609060101010101" pitchFamily="49" charset="-122"/>
-              </a:rPr>
-              <a:t>分布式创新基地，随时随地做项目</a:t>
-            </a:r>
-            <a:endParaRPr lang="en-US" altLang="zh-CN" dirty="0" smtClean="0">
-              <a:latin typeface="黑体" panose="02010609060101010101" pitchFamily="49" charset="-122"/>
-              <a:ea typeface="黑体" panose="02010609060101010101" pitchFamily="49" charset="-122"/>
-            </a:endParaRPr>
-          </a:p>
-          <a:p>
-            <a:pPr lvl="1"/>
-            <a:r>
-              <a:rPr lang="zh-CN" altLang="en-US" dirty="0" smtClean="0">
-                <a:latin typeface="黑体" panose="02010609060101010101" pitchFamily="49" charset="-122"/>
-                <a:ea typeface="黑体" panose="02010609060101010101" pitchFamily="49" charset="-122"/>
-              </a:rPr>
-              <a:t>云计算平台，为项目管理、图纸设计助力</a:t>
-            </a:r>
-            <a:endParaRPr lang="en-US" altLang="zh-CN" dirty="0" smtClean="0">
-              <a:latin typeface="黑体" panose="02010609060101010101" pitchFamily="49" charset="-122"/>
-              <a:ea typeface="黑体" panose="02010609060101010101" pitchFamily="49" charset="-122"/>
-            </a:endParaRPr>
-          </a:p>
-          <a:p>
-            <a:pPr lvl="1"/>
-            <a:r>
-              <a:rPr lang="zh-CN" altLang="en-US" dirty="0" smtClean="0">
-                <a:latin typeface="黑体" panose="02010609060101010101" pitchFamily="49" charset="-122"/>
-                <a:ea typeface="黑体" panose="02010609060101010101" pitchFamily="49" charset="-122"/>
-              </a:rPr>
-              <a:t>设备联网，实现分布式数控加工</a:t>
-            </a:r>
-            <a:endParaRPr lang="en-US" altLang="zh-CN" dirty="0" smtClean="0">
-              <a:latin typeface="黑体" panose="02010609060101010101" pitchFamily="49" charset="-122"/>
-              <a:ea typeface="黑体" panose="02010609060101010101" pitchFamily="49" charset="-122"/>
-            </a:endParaRPr>
-          </a:p>
-          <a:p>
-            <a:pPr lvl="1"/>
-            <a:r>
-              <a:rPr lang="zh-CN" altLang="en-US" dirty="0" smtClean="0">
-                <a:latin typeface="黑体" panose="02010609060101010101" pitchFamily="49" charset="-122"/>
-                <a:ea typeface="黑体" panose="02010609060101010101" pitchFamily="49" charset="-122"/>
-              </a:rPr>
-              <a:t>版本控制，全面跟踪产品生命周期</a:t>
-            </a:r>
-            <a:endParaRPr lang="en-US" altLang="zh-CN" dirty="0" smtClean="0">
-              <a:latin typeface="黑体" panose="02010609060101010101" pitchFamily="49" charset="-122"/>
-              <a:ea typeface="黑体" panose="02010609060101010101" pitchFamily="49" charset="-122"/>
-            </a:endParaRPr>
-          </a:p>
-          <a:p>
-            <a:r>
-              <a:rPr lang="zh-CN" altLang="en-US" dirty="0">
-                <a:latin typeface="黑体" panose="02010609060101010101" pitchFamily="49" charset="-122"/>
-                <a:ea typeface="黑体" panose="02010609060101010101" pitchFamily="49" charset="-122"/>
-              </a:rPr>
-              <a:t>我</a:t>
-            </a:r>
-            <a:r>
-              <a:rPr lang="zh-CN" altLang="en-US" dirty="0" smtClean="0">
-                <a:latin typeface="黑体" panose="02010609060101010101" pitchFamily="49" charset="-122"/>
-                <a:ea typeface="黑体" panose="02010609060101010101" pitchFamily="49" charset="-122"/>
-              </a:rPr>
-              <a:t>的“空间”，我做主</a:t>
-            </a:r>
-            <a:endParaRPr lang="zh-CN" altLang="en-US" dirty="0">
-              <a:latin typeface="黑体" panose="02010609060101010101" pitchFamily="49" charset="-122"/>
-              <a:ea typeface="黑体" panose="02010609060101010101" pitchFamily="49" charset="-122"/>
-            </a:endParaRPr>
-          </a:p>
-        </p:txBody>
-      </p:sp>
-    </p:spTree>
-    <p:extLst>
-      <p:ext uri="{BB962C8B-B14F-4D97-AF65-F5344CB8AC3E}">
-        <p14:creationId xmlns:p14="http://schemas.microsoft.com/office/powerpoint/2010/main" val="184496029"/>
-      </p:ext>
-    </p:extLst>
-  </p:cSld>
-  <p:clrMapOvr>
-    <a:masterClrMapping/>
-  </p:clrMapOvr>
-</p:sld>
-</file>
-
 <file path=ppt/slides/slide9.xml><?xml version="1.0" encoding="utf-8"?>
 <p:sld xmlns:a="http://schemas.openxmlformats.org/drawingml/2006/main" xmlns:r="http://schemas.openxmlformats.org/officeDocument/2006/relationships" xmlns:p="http://schemas.openxmlformats.org/presentationml/2006/main">
   <p:cSld>
@@ -6496,12 +7485,16 @@
           <a:lstStyle/>
           <a:p>
             <a:r>
-              <a:rPr lang="zh-CN" altLang="en-US" dirty="0">
-                <a:latin typeface="黑体" panose="02010609060101010101" pitchFamily="49" charset="-122"/>
-                <a:ea typeface="黑体" panose="02010609060101010101" pitchFamily="49" charset="-122"/>
-              </a:rPr>
-              <a:t>我的空间，我做主</a:t>
-            </a:r>
+              <a:rPr lang="zh-CN" altLang="en-US" dirty="0" smtClean="0">
+                <a:latin typeface="黑体" panose="02010609060101010101" pitchFamily="49" charset="-122"/>
+                <a:ea typeface="黑体" panose="02010609060101010101" pitchFamily="49" charset="-122"/>
+              </a:rPr>
+              <a:t>充满活力的创客小生态，带动创新大环境</a:t>
+            </a:r>
+            <a:endParaRPr lang="zh-CN" altLang="en-US" dirty="0">
+              <a:latin typeface="黑体" panose="02010609060101010101" pitchFamily="49" charset="-122"/>
+              <a:ea typeface="黑体" panose="02010609060101010101" pitchFamily="49" charset="-122"/>
+            </a:endParaRPr>
           </a:p>
         </p:txBody>
       </p:sp>
@@ -6517,9 +7510,7 @@
         </p:nvSpPr>
         <p:spPr/>
         <p:txBody>
-          <a:bodyPr>
-            <a:normAutofit fontScale="92500" lnSpcReduction="20000"/>
-          </a:bodyPr>
+          <a:bodyPr/>
           <a:lstStyle/>
           <a:p>
             <a:r>
@@ -6527,16 +7518,16 @@
                 <a:latin typeface="黑体" panose="02010609060101010101" pitchFamily="49" charset="-122"/>
                 <a:ea typeface="黑体" panose="02010609060101010101" pitchFamily="49" charset="-122"/>
               </a:rPr>
-              <a:t>从</a:t>
+              <a:t>自</a:t>
             </a:r>
             <a:r>
               <a:rPr lang="zh-CN" altLang="en-US" dirty="0" smtClean="0">
                 <a:latin typeface="黑体" panose="02010609060101010101" pitchFamily="49" charset="-122"/>
                 <a:ea typeface="黑体" panose="02010609060101010101" pitchFamily="49" charset="-122"/>
               </a:rPr>
-              <a:t>开放空间设计开始：</a:t>
-            </a:r>
-            <a:endParaRPr lang="en-US" altLang="zh-CN" dirty="0">
+              <a:t>媒体平台</a:t>
+            </a:r>
+            <a:endParaRPr lang="en-US" altLang="zh-CN" dirty="0" smtClean="0">
               <a:latin typeface="黑体" panose="02010609060101010101" pitchFamily="49" charset="-122"/>
               <a:ea typeface="黑体" panose="02010609060101010101" pitchFamily="49" charset="-122"/>
             </a:endParaRPr>
@@ -6544,55 +7535,54 @@
           <a:p>
             <a:pPr lvl="1"/>
             <a:r>
-              <a:rPr lang="zh-CN" altLang="en-US" dirty="0">
-                <a:latin typeface="黑体" panose="02010609060101010101" pitchFamily="49" charset="-122"/>
-                <a:ea typeface="黑体" panose="02010609060101010101" pitchFamily="49" charset="-122"/>
-              </a:rPr>
-              <a:t>中心室内视觉系统及导引标识系统设计</a:t>
-            </a:r>
-            <a:endParaRPr lang="en-US" altLang="zh-CN" dirty="0">
+              <a:rPr lang="zh-CN" altLang="en-US" dirty="0" smtClean="0">
+                <a:latin typeface="黑体" panose="02010609060101010101" pitchFamily="49" charset="-122"/>
+                <a:ea typeface="黑体" panose="02010609060101010101" pitchFamily="49" charset="-122"/>
+              </a:rPr>
+              <a:t>全校跨学科多师多生内容</a:t>
+            </a:r>
+            <a:endParaRPr lang="en-US" altLang="zh-CN" dirty="0" smtClean="0">
               <a:latin typeface="黑体" panose="02010609060101010101" pitchFamily="49" charset="-122"/>
               <a:ea typeface="黑体" panose="02010609060101010101" pitchFamily="49" charset="-122"/>
             </a:endParaRPr>
           </a:p>
           <a:p>
-            <a:pPr lvl="2"/>
-            <a:r>
-              <a:rPr lang="zh-CN" altLang="en-US" dirty="0">
-                <a:latin typeface="黑体" panose="02010609060101010101" pitchFamily="49" charset="-122"/>
-                <a:ea typeface="黑体" panose="02010609060101010101" pitchFamily="49" charset="-122"/>
-              </a:rPr>
-              <a:t>交叉结合人因工程、心理学、室内设计、色彩等专业知识</a:t>
-            </a:r>
-            <a:endParaRPr lang="en-US" altLang="zh-CN" dirty="0">
+            <a:r>
+              <a:rPr lang="zh-CN" altLang="en-US" dirty="0" smtClean="0">
+                <a:latin typeface="黑体" panose="02010609060101010101" pitchFamily="49" charset="-122"/>
+                <a:ea typeface="黑体" panose="02010609060101010101" pitchFamily="49" charset="-122"/>
+              </a:rPr>
+              <a:t>分布式创新基地，随时随地做项目</a:t>
+            </a:r>
+            <a:endParaRPr lang="en-US" altLang="zh-CN" dirty="0" smtClean="0">
               <a:latin typeface="黑体" panose="02010609060101010101" pitchFamily="49" charset="-122"/>
               <a:ea typeface="黑体" panose="02010609060101010101" pitchFamily="49" charset="-122"/>
             </a:endParaRPr>
           </a:p>
           <a:p>
-            <a:pPr lvl="2"/>
-            <a:r>
-              <a:rPr lang="zh-CN" altLang="en-US" dirty="0">
-                <a:latin typeface="黑体" panose="02010609060101010101" pitchFamily="49" charset="-122"/>
-                <a:ea typeface="黑体" panose="02010609060101010101" pitchFamily="49" charset="-122"/>
-              </a:rPr>
-              <a:t>需要对新大楼空间内部结构进行建模</a:t>
-            </a:r>
-            <a:endParaRPr lang="en-US" altLang="zh-CN" dirty="0">
+            <a:pPr lvl="1"/>
+            <a:r>
+              <a:rPr lang="zh-CN" altLang="en-US" dirty="0" smtClean="0">
+                <a:latin typeface="黑体" panose="02010609060101010101" pitchFamily="49" charset="-122"/>
+                <a:ea typeface="黑体" panose="02010609060101010101" pitchFamily="49" charset="-122"/>
+              </a:rPr>
+              <a:t>云计算平台，为项目管理、图纸设计助力</a:t>
+            </a:r>
+            <a:endParaRPr lang="en-US" altLang="zh-CN" dirty="0" smtClean="0">
               <a:latin typeface="黑体" panose="02010609060101010101" pitchFamily="49" charset="-122"/>
               <a:ea typeface="黑体" panose="02010609060101010101" pitchFamily="49" charset="-122"/>
             </a:endParaRPr>
           </a:p>
           <a:p>
-            <a:pPr lvl="2"/>
-            <a:r>
-              <a:rPr lang="zh-CN" altLang="en-US" dirty="0">
-                <a:latin typeface="黑体" panose="02010609060101010101" pitchFamily="49" charset="-122"/>
-                <a:ea typeface="黑体" panose="02010609060101010101" pitchFamily="49" charset="-122"/>
-              </a:rPr>
-              <a:t>工业工程系张伟老师、美术学院付志勇老师、美院校友李久太老师等</a:t>
-            </a:r>
-            <a:endParaRPr lang="en-US" altLang="zh-CN" dirty="0">
+            <a:pPr lvl="1"/>
+            <a:r>
+              <a:rPr lang="zh-CN" altLang="en-US" dirty="0" smtClean="0">
+                <a:latin typeface="黑体" panose="02010609060101010101" pitchFamily="49" charset="-122"/>
+                <a:ea typeface="黑体" panose="02010609060101010101" pitchFamily="49" charset="-122"/>
+              </a:rPr>
+              <a:t>设备联网，实现分布式数控加工</a:t>
+            </a:r>
+            <a:endParaRPr lang="en-US" altLang="zh-CN" dirty="0" smtClean="0">
               <a:latin typeface="黑体" panose="02010609060101010101" pitchFamily="49" charset="-122"/>
               <a:ea typeface="黑体" panose="02010609060101010101" pitchFamily="49" charset="-122"/>
             </a:endParaRPr>
@@ -6600,156 +7590,43 @@
           <a:p>
             <a:pPr lvl="1"/>
             <a:r>
-              <a:rPr lang="zh-CN" altLang="en-US" dirty="0">
-                <a:latin typeface="黑体" panose="02010609060101010101" pitchFamily="49" charset="-122"/>
-                <a:ea typeface="黑体" panose="02010609060101010101" pitchFamily="49" charset="-122"/>
-              </a:rPr>
-              <a:t>中心文化墙</a:t>
-            </a:r>
-            <a:endParaRPr lang="en-US" altLang="zh-CN" dirty="0">
+              <a:rPr lang="zh-CN" altLang="en-US" dirty="0" smtClean="0">
+                <a:latin typeface="黑体" panose="02010609060101010101" pitchFamily="49" charset="-122"/>
+                <a:ea typeface="黑体" panose="02010609060101010101" pitchFamily="49" charset="-122"/>
+              </a:rPr>
+              <a:t>版本控制，全面跟踪产品生命周期</a:t>
+            </a:r>
+            <a:endParaRPr lang="en-US" altLang="zh-CN" dirty="0" smtClean="0">
               <a:latin typeface="黑体" panose="02010609060101010101" pitchFamily="49" charset="-122"/>
               <a:ea typeface="黑体" panose="02010609060101010101" pitchFamily="49" charset="-122"/>
             </a:endParaRPr>
           </a:p>
           <a:p>
-            <a:pPr lvl="2"/>
             <a:r>
               <a:rPr lang="zh-CN" altLang="en-US" dirty="0">
                 <a:latin typeface="黑体" panose="02010609060101010101" pitchFamily="49" charset="-122"/>
                 <a:ea typeface="黑体" panose="02010609060101010101" pitchFamily="49" charset="-122"/>
               </a:rPr>
-              <a:t>邀请中心教师职工设计制作，协同美术学院、新闻学院等</a:t>
-            </a:r>
-            <a:endParaRPr lang="en-US" altLang="zh-CN" dirty="0">
+              <a:t>我</a:t>
+            </a:r>
+            <a:r>
+              <a:rPr lang="zh-CN" altLang="en-US" dirty="0" smtClean="0">
+                <a:latin typeface="黑体" panose="02010609060101010101" pitchFamily="49" charset="-122"/>
+                <a:ea typeface="黑体" panose="02010609060101010101" pitchFamily="49" charset="-122"/>
+              </a:rPr>
+              <a:t>的“空间”，我做主</a:t>
+            </a:r>
+            <a:endParaRPr lang="zh-CN" altLang="en-US" dirty="0">
               <a:latin typeface="黑体" panose="02010609060101010101" pitchFamily="49" charset="-122"/>
               <a:ea typeface="黑体" panose="02010609060101010101" pitchFamily="49" charset="-122"/>
             </a:endParaRPr>
           </a:p>
-          <a:p>
-            <a:pPr lvl="2"/>
-            <a:r>
-              <a:rPr lang="zh-CN" altLang="en-US" dirty="0">
-                <a:latin typeface="黑体" panose="02010609060101010101" pitchFamily="49" charset="-122"/>
-                <a:ea typeface="黑体" panose="02010609060101010101" pitchFamily="49" charset="-122"/>
-              </a:rPr>
-              <a:t>嵌入显示屏，播放全球最新咨询及最新学生作品</a:t>
-            </a:r>
-            <a:endParaRPr lang="en-US" altLang="zh-CN" dirty="0">
-              <a:latin typeface="黑体" panose="02010609060101010101" pitchFamily="49" charset="-122"/>
-              <a:ea typeface="黑体" panose="02010609060101010101" pitchFamily="49" charset="-122"/>
-            </a:endParaRPr>
-          </a:p>
-          <a:p>
-            <a:pPr lvl="2"/>
-            <a:r>
-              <a:rPr lang="zh-CN" altLang="en-US" dirty="0">
-                <a:latin typeface="黑体" panose="02010609060101010101" pitchFamily="49" charset="-122"/>
-                <a:ea typeface="黑体" panose="02010609060101010101" pitchFamily="49" charset="-122"/>
-              </a:rPr>
-              <a:t>利用精雕机、激光切割机等数控加工设备制作</a:t>
-            </a:r>
-            <a:endParaRPr lang="en-US" altLang="zh-CN" dirty="0">
-              <a:latin typeface="黑体" panose="02010609060101010101" pitchFamily="49" charset="-122"/>
-              <a:ea typeface="黑体" panose="02010609060101010101" pitchFamily="49" charset="-122"/>
-            </a:endParaRPr>
-          </a:p>
-          <a:p>
-            <a:pPr lvl="2"/>
-            <a:r>
-              <a:rPr lang="zh-CN" altLang="en-US" dirty="0">
-                <a:latin typeface="黑体" panose="02010609060101010101" pitchFamily="49" charset="-122"/>
-                <a:ea typeface="黑体" panose="02010609060101010101" pitchFamily="49" charset="-122"/>
-              </a:rPr>
-              <a:t>左晶老师、李睿老师等</a:t>
-            </a:r>
-            <a:endParaRPr lang="en-US" altLang="zh-CN" dirty="0">
-              <a:latin typeface="黑体" panose="02010609060101010101" pitchFamily="49" charset="-122"/>
-              <a:ea typeface="黑体" panose="02010609060101010101" pitchFamily="49" charset="-122"/>
-            </a:endParaRPr>
-          </a:p>
-          <a:p>
-            <a:pPr lvl="1"/>
-            <a:r>
-              <a:rPr lang="zh-CN" altLang="en-US" dirty="0">
-                <a:latin typeface="黑体" panose="02010609060101010101" pitchFamily="49" charset="-122"/>
-                <a:ea typeface="黑体" panose="02010609060101010101" pitchFamily="49" charset="-122"/>
-              </a:rPr>
-              <a:t>智能空间管理系统</a:t>
-            </a:r>
-            <a:endParaRPr lang="en-US" altLang="zh-CN" dirty="0">
-              <a:latin typeface="黑体" panose="02010609060101010101" pitchFamily="49" charset="-122"/>
-              <a:ea typeface="黑体" panose="02010609060101010101" pitchFamily="49" charset="-122"/>
-            </a:endParaRPr>
-          </a:p>
-          <a:p>
-            <a:pPr lvl="2"/>
-            <a:r>
-              <a:rPr lang="zh-CN" altLang="en-US" dirty="0">
-                <a:latin typeface="黑体" panose="02010609060101010101" pitchFamily="49" charset="-122"/>
-                <a:ea typeface="黑体" panose="02010609060101010101" pitchFamily="49" charset="-122"/>
-              </a:rPr>
-              <a:t>门禁系统、预约管理系统、资源使用监控系统、室内环境控制系统等</a:t>
-            </a:r>
-            <a:endParaRPr lang="en-US" altLang="zh-CN" dirty="0">
-              <a:latin typeface="黑体" panose="02010609060101010101" pitchFamily="49" charset="-122"/>
-              <a:ea typeface="黑体" panose="02010609060101010101" pitchFamily="49" charset="-122"/>
-            </a:endParaRPr>
-          </a:p>
-          <a:p>
-            <a:pPr lvl="2"/>
-            <a:r>
-              <a:rPr lang="zh-CN" altLang="en-US" dirty="0">
-                <a:latin typeface="黑体" panose="02010609060101010101" pitchFamily="49" charset="-122"/>
-                <a:ea typeface="黑体" panose="02010609060101010101" pitchFamily="49" charset="-122"/>
-              </a:rPr>
-              <a:t>邀请中心教师职工，协同创新社、天空工厂等学生社团进行联合开发</a:t>
-            </a:r>
-            <a:endParaRPr lang="en-US" altLang="zh-CN" dirty="0">
-              <a:latin typeface="黑体" panose="02010609060101010101" pitchFamily="49" charset="-122"/>
-              <a:ea typeface="黑体" panose="02010609060101010101" pitchFamily="49" charset="-122"/>
-            </a:endParaRPr>
-          </a:p>
-          <a:p>
-            <a:pPr lvl="1"/>
-            <a:r>
-              <a:rPr lang="zh-CN" altLang="en-US" dirty="0">
-                <a:latin typeface="黑体" panose="02010609060101010101" pitchFamily="49" charset="-122"/>
-                <a:ea typeface="黑体" panose="02010609060101010101" pitchFamily="49" charset="-122"/>
-              </a:rPr>
-              <a:t>外立面、大堂、走廊等室内外公共空间</a:t>
-            </a:r>
-            <a:endParaRPr lang="en-US" altLang="zh-CN" dirty="0">
-              <a:latin typeface="黑体" panose="02010609060101010101" pitchFamily="49" charset="-122"/>
-              <a:ea typeface="黑体" panose="02010609060101010101" pitchFamily="49" charset="-122"/>
-            </a:endParaRPr>
-          </a:p>
-          <a:p>
-            <a:pPr lvl="2"/>
-            <a:r>
-              <a:rPr lang="zh-CN" altLang="en-US" dirty="0">
-                <a:latin typeface="黑体" panose="02010609060101010101" pitchFamily="49" charset="-122"/>
-                <a:ea typeface="黑体" panose="02010609060101010101" pitchFamily="49" charset="-122"/>
-              </a:rPr>
-              <a:t>邀请美术学院马泉老师共同</a:t>
-            </a:r>
-            <a:r>
-              <a:rPr lang="zh-CN" altLang="en-US" dirty="0" smtClean="0">
-                <a:latin typeface="黑体" panose="02010609060101010101" pitchFamily="49" charset="-122"/>
-                <a:ea typeface="黑体" panose="02010609060101010101" pitchFamily="49" charset="-122"/>
-              </a:rPr>
-              <a:t>设计</a:t>
-            </a:r>
-            <a:endParaRPr lang="en-US" altLang="zh-CN" dirty="0">
-              <a:latin typeface="黑体" panose="02010609060101010101" pitchFamily="49" charset="-122"/>
-              <a:ea typeface="黑体" panose="02010609060101010101" pitchFamily="49" charset="-122"/>
-            </a:endParaRPr>
-          </a:p>
         </p:txBody>
       </p:sp>
     </p:spTree>
     <p:extLst>
       <p:ext uri="{BB962C8B-B14F-4D97-AF65-F5344CB8AC3E}">
-        <p14:creationId xmlns:p14="http://schemas.microsoft.com/office/powerpoint/2010/main" val="4039013080"/>
+        <p14:creationId xmlns:p14="http://schemas.microsoft.com/office/powerpoint/2010/main" val="184496029"/>
       </p:ext>
     </p:extLst>
   </p:cSld>

--- a/训练中心创客交叉融合空间建设/doc/训练中心制造信息化平台和创客空间建设项目规划-新思路补充.pptx
+++ b/训练中心创客交叉融合空间建设/doc/训练中心制造信息化平台和创客空间建设项目规划-新思路补充.pptx
@@ -7,14 +7,15 @@
   <p:sldIdLst>
     <p:sldId id="256" r:id="rId2"/>
     <p:sldId id="258" r:id="rId3"/>
-    <p:sldId id="257" r:id="rId4"/>
-    <p:sldId id="259" r:id="rId5"/>
-    <p:sldId id="266" r:id="rId6"/>
-    <p:sldId id="262" r:id="rId7"/>
-    <p:sldId id="260" r:id="rId8"/>
-    <p:sldId id="261" r:id="rId9"/>
-    <p:sldId id="263" r:id="rId10"/>
-    <p:sldId id="264" r:id="rId11"/>
+    <p:sldId id="267" r:id="rId4"/>
+    <p:sldId id="257" r:id="rId5"/>
+    <p:sldId id="259" r:id="rId6"/>
+    <p:sldId id="266" r:id="rId7"/>
+    <p:sldId id="262" r:id="rId8"/>
+    <p:sldId id="260" r:id="rId9"/>
+    <p:sldId id="261" r:id="rId10"/>
+    <p:sldId id="263" r:id="rId11"/>
+    <p:sldId id="264" r:id="rId12"/>
   </p:sldIdLst>
   <p:sldSz cx="12192000" cy="6858000"/>
   <p:notesSz cx="6858000" cy="9144000"/>
@@ -252,7 +253,7 @@
           <a:p>
             <a:fld id="{AC9676F6-B558-4D31-A591-8ACF72D3C526}" type="datetimeFigureOut">
               <a:rPr lang="zh-CN" altLang="en-US" smtClean="0"/>
-              <a:t>2014/5/31</a:t>
+              <a:t>2014/6/6</a:t>
             </a:fld>
             <a:endParaRPr lang="zh-CN" altLang="en-US"/>
           </a:p>
@@ -422,7 +423,7 @@
           <a:p>
             <a:fld id="{AC9676F6-B558-4D31-A591-8ACF72D3C526}" type="datetimeFigureOut">
               <a:rPr lang="zh-CN" altLang="en-US" smtClean="0"/>
-              <a:t>2014/5/31</a:t>
+              <a:t>2014/6/6</a:t>
             </a:fld>
             <a:endParaRPr lang="zh-CN" altLang="en-US"/>
           </a:p>
@@ -602,7 +603,7 @@
           <a:p>
             <a:fld id="{AC9676F6-B558-4D31-A591-8ACF72D3C526}" type="datetimeFigureOut">
               <a:rPr lang="zh-CN" altLang="en-US" smtClean="0"/>
-              <a:t>2014/5/31</a:t>
+              <a:t>2014/6/6</a:t>
             </a:fld>
             <a:endParaRPr lang="zh-CN" altLang="en-US"/>
           </a:p>
@@ -772,7 +773,7 @@
           <a:p>
             <a:fld id="{AC9676F6-B558-4D31-A591-8ACF72D3C526}" type="datetimeFigureOut">
               <a:rPr lang="zh-CN" altLang="en-US" smtClean="0"/>
-              <a:t>2014/5/31</a:t>
+              <a:t>2014/6/6</a:t>
             </a:fld>
             <a:endParaRPr lang="zh-CN" altLang="en-US"/>
           </a:p>
@@ -1018,7 +1019,7 @@
           <a:p>
             <a:fld id="{AC9676F6-B558-4D31-A591-8ACF72D3C526}" type="datetimeFigureOut">
               <a:rPr lang="zh-CN" altLang="en-US" smtClean="0"/>
-              <a:t>2014/5/31</a:t>
+              <a:t>2014/6/6</a:t>
             </a:fld>
             <a:endParaRPr lang="zh-CN" altLang="en-US"/>
           </a:p>
@@ -1250,7 +1251,7 @@
           <a:p>
             <a:fld id="{AC9676F6-B558-4D31-A591-8ACF72D3C526}" type="datetimeFigureOut">
               <a:rPr lang="zh-CN" altLang="en-US" smtClean="0"/>
-              <a:t>2014/5/31</a:t>
+              <a:t>2014/6/6</a:t>
             </a:fld>
             <a:endParaRPr lang="zh-CN" altLang="en-US"/>
           </a:p>
@@ -1617,7 +1618,7 @@
           <a:p>
             <a:fld id="{AC9676F6-B558-4D31-A591-8ACF72D3C526}" type="datetimeFigureOut">
               <a:rPr lang="zh-CN" altLang="en-US" smtClean="0"/>
-              <a:t>2014/5/31</a:t>
+              <a:t>2014/6/6</a:t>
             </a:fld>
             <a:endParaRPr lang="zh-CN" altLang="en-US"/>
           </a:p>
@@ -1735,7 +1736,7 @@
           <a:p>
             <a:fld id="{AC9676F6-B558-4D31-A591-8ACF72D3C526}" type="datetimeFigureOut">
               <a:rPr lang="zh-CN" altLang="en-US" smtClean="0"/>
-              <a:t>2014/5/31</a:t>
+              <a:t>2014/6/6</a:t>
             </a:fld>
             <a:endParaRPr lang="zh-CN" altLang="en-US"/>
           </a:p>
@@ -1830,7 +1831,7 @@
           <a:p>
             <a:fld id="{AC9676F6-B558-4D31-A591-8ACF72D3C526}" type="datetimeFigureOut">
               <a:rPr lang="zh-CN" altLang="en-US" smtClean="0"/>
-              <a:t>2014/5/31</a:t>
+              <a:t>2014/6/6</a:t>
             </a:fld>
             <a:endParaRPr lang="zh-CN" altLang="en-US"/>
           </a:p>
@@ -2107,7 +2108,7 @@
           <a:p>
             <a:fld id="{AC9676F6-B558-4D31-A591-8ACF72D3C526}" type="datetimeFigureOut">
               <a:rPr lang="zh-CN" altLang="en-US" smtClean="0"/>
-              <a:t>2014/5/31</a:t>
+              <a:t>2014/6/6</a:t>
             </a:fld>
             <a:endParaRPr lang="zh-CN" altLang="en-US"/>
           </a:p>
@@ -2360,7 +2361,7 @@
           <a:p>
             <a:fld id="{AC9676F6-B558-4D31-A591-8ACF72D3C526}" type="datetimeFigureOut">
               <a:rPr lang="zh-CN" altLang="en-US" smtClean="0"/>
-              <a:t>2014/5/31</a:t>
+              <a:t>2014/6/6</a:t>
             </a:fld>
             <a:endParaRPr lang="zh-CN" altLang="en-US"/>
           </a:p>
@@ -2573,7 +2574,7 @@
           <a:p>
             <a:fld id="{AC9676F6-B558-4D31-A591-8ACF72D3C526}" type="datetimeFigureOut">
               <a:rPr lang="zh-CN" altLang="en-US" smtClean="0"/>
-              <a:t>2014/5/31</a:t>
+              <a:t>2014/6/6</a:t>
             </a:fld>
             <a:endParaRPr lang="zh-CN" altLang="en-US"/>
           </a:p>
@@ -3207,6 +3208,190 @@
           <a:lstStyle/>
           <a:p>
             <a:r>
+              <a:rPr lang="zh-CN" altLang="en-US" dirty="0" smtClean="0">
+                <a:latin typeface="黑体" panose="02010609060101010101" pitchFamily="49" charset="-122"/>
+                <a:ea typeface="黑体" panose="02010609060101010101" pitchFamily="49" charset="-122"/>
+              </a:rPr>
+              <a:t>充满活力的创客小生态，带动创新大环境</a:t>
+            </a:r>
+            <a:endParaRPr lang="zh-CN" altLang="en-US" dirty="0">
+              <a:latin typeface="黑体" panose="02010609060101010101" pitchFamily="49" charset="-122"/>
+              <a:ea typeface="黑体" panose="02010609060101010101" pitchFamily="49" charset="-122"/>
+            </a:endParaRPr>
+          </a:p>
+        </p:txBody>
+      </p:sp>
+      <p:sp>
+        <p:nvSpPr>
+          <p:cNvPr id="3" name="Content Placeholder 2"/>
+          <p:cNvSpPr>
+            <a:spLocks noGrp="1"/>
+          </p:cNvSpPr>
+          <p:nvPr>
+            <p:ph idx="1"/>
+          </p:nvPr>
+        </p:nvSpPr>
+        <p:spPr/>
+        <p:txBody>
+          <a:bodyPr/>
+          <a:lstStyle/>
+          <a:p>
+            <a:r>
+              <a:rPr lang="zh-CN" altLang="en-US" dirty="0">
+                <a:latin typeface="黑体" panose="02010609060101010101" pitchFamily="49" charset="-122"/>
+                <a:ea typeface="黑体" panose="02010609060101010101" pitchFamily="49" charset="-122"/>
+              </a:rPr>
+              <a:t>自</a:t>
+            </a:r>
+            <a:r>
+              <a:rPr lang="zh-CN" altLang="en-US" dirty="0" smtClean="0">
+                <a:latin typeface="黑体" panose="02010609060101010101" pitchFamily="49" charset="-122"/>
+                <a:ea typeface="黑体" panose="02010609060101010101" pitchFamily="49" charset="-122"/>
+              </a:rPr>
+              <a:t>媒体平台</a:t>
+            </a:r>
+            <a:endParaRPr lang="en-US" altLang="zh-CN" dirty="0" smtClean="0">
+              <a:latin typeface="黑体" panose="02010609060101010101" pitchFamily="49" charset="-122"/>
+              <a:ea typeface="黑体" panose="02010609060101010101" pitchFamily="49" charset="-122"/>
+            </a:endParaRPr>
+          </a:p>
+          <a:p>
+            <a:pPr lvl="1"/>
+            <a:r>
+              <a:rPr lang="zh-CN" altLang="en-US" dirty="0" smtClean="0">
+                <a:latin typeface="黑体" panose="02010609060101010101" pitchFamily="49" charset="-122"/>
+                <a:ea typeface="黑体" panose="02010609060101010101" pitchFamily="49" charset="-122"/>
+              </a:rPr>
+              <a:t>全校跨学科多师多生内容</a:t>
+            </a:r>
+            <a:endParaRPr lang="en-US" altLang="zh-CN" dirty="0" smtClean="0">
+              <a:latin typeface="黑体" panose="02010609060101010101" pitchFamily="49" charset="-122"/>
+              <a:ea typeface="黑体" panose="02010609060101010101" pitchFamily="49" charset="-122"/>
+            </a:endParaRPr>
+          </a:p>
+          <a:p>
+            <a:r>
+              <a:rPr lang="zh-CN" altLang="en-US" dirty="0" smtClean="0">
+                <a:latin typeface="黑体" panose="02010609060101010101" pitchFamily="49" charset="-122"/>
+                <a:ea typeface="黑体" panose="02010609060101010101" pitchFamily="49" charset="-122"/>
+              </a:rPr>
+              <a:t>分布式创新基地，随时随地做项目</a:t>
+            </a:r>
+            <a:endParaRPr lang="en-US" altLang="zh-CN" dirty="0" smtClean="0">
+              <a:latin typeface="黑体" panose="02010609060101010101" pitchFamily="49" charset="-122"/>
+              <a:ea typeface="黑体" panose="02010609060101010101" pitchFamily="49" charset="-122"/>
+            </a:endParaRPr>
+          </a:p>
+          <a:p>
+            <a:pPr lvl="1"/>
+            <a:r>
+              <a:rPr lang="zh-CN" altLang="en-US" dirty="0" smtClean="0">
+                <a:latin typeface="黑体" panose="02010609060101010101" pitchFamily="49" charset="-122"/>
+                <a:ea typeface="黑体" panose="02010609060101010101" pitchFamily="49" charset="-122"/>
+              </a:rPr>
+              <a:t>云计算平台，为项目管理、图纸设计助力</a:t>
+            </a:r>
+            <a:endParaRPr lang="en-US" altLang="zh-CN" dirty="0" smtClean="0">
+              <a:latin typeface="黑体" panose="02010609060101010101" pitchFamily="49" charset="-122"/>
+              <a:ea typeface="黑体" panose="02010609060101010101" pitchFamily="49" charset="-122"/>
+            </a:endParaRPr>
+          </a:p>
+          <a:p>
+            <a:pPr lvl="1"/>
+            <a:r>
+              <a:rPr lang="zh-CN" altLang="en-US" dirty="0" smtClean="0">
+                <a:latin typeface="黑体" panose="02010609060101010101" pitchFamily="49" charset="-122"/>
+                <a:ea typeface="黑体" panose="02010609060101010101" pitchFamily="49" charset="-122"/>
+              </a:rPr>
+              <a:t>设备联网，实现分布式数控加工</a:t>
+            </a:r>
+            <a:endParaRPr lang="en-US" altLang="zh-CN" dirty="0" smtClean="0">
+              <a:latin typeface="黑体" panose="02010609060101010101" pitchFamily="49" charset="-122"/>
+              <a:ea typeface="黑体" panose="02010609060101010101" pitchFamily="49" charset="-122"/>
+            </a:endParaRPr>
+          </a:p>
+          <a:p>
+            <a:pPr lvl="1"/>
+            <a:r>
+              <a:rPr lang="zh-CN" altLang="en-US" dirty="0" smtClean="0">
+                <a:latin typeface="黑体" panose="02010609060101010101" pitchFamily="49" charset="-122"/>
+                <a:ea typeface="黑体" panose="02010609060101010101" pitchFamily="49" charset="-122"/>
+              </a:rPr>
+              <a:t>版本控制，全面跟踪产品生命周期</a:t>
+            </a:r>
+            <a:endParaRPr lang="en-US" altLang="zh-CN" dirty="0" smtClean="0">
+              <a:latin typeface="黑体" panose="02010609060101010101" pitchFamily="49" charset="-122"/>
+              <a:ea typeface="黑体" panose="02010609060101010101" pitchFamily="49" charset="-122"/>
+            </a:endParaRPr>
+          </a:p>
+          <a:p>
+            <a:r>
+              <a:rPr lang="zh-CN" altLang="en-US" dirty="0">
+                <a:latin typeface="黑体" panose="02010609060101010101" pitchFamily="49" charset="-122"/>
+                <a:ea typeface="黑体" panose="02010609060101010101" pitchFamily="49" charset="-122"/>
+              </a:rPr>
+              <a:t>我</a:t>
+            </a:r>
+            <a:r>
+              <a:rPr lang="zh-CN" altLang="en-US" dirty="0" smtClean="0">
+                <a:latin typeface="黑体" panose="02010609060101010101" pitchFamily="49" charset="-122"/>
+                <a:ea typeface="黑体" panose="02010609060101010101" pitchFamily="49" charset="-122"/>
+              </a:rPr>
+              <a:t>的“空间”，我做主</a:t>
+            </a:r>
+            <a:endParaRPr lang="zh-CN" altLang="en-US" dirty="0">
+              <a:latin typeface="黑体" panose="02010609060101010101" pitchFamily="49" charset="-122"/>
+              <a:ea typeface="黑体" panose="02010609060101010101" pitchFamily="49" charset="-122"/>
+            </a:endParaRPr>
+          </a:p>
+        </p:txBody>
+      </p:sp>
+    </p:spTree>
+    <p:extLst>
+      <p:ext uri="{BB962C8B-B14F-4D97-AF65-F5344CB8AC3E}">
+        <p14:creationId xmlns:p14="http://schemas.microsoft.com/office/powerpoint/2010/main" val="184496029"/>
+      </p:ext>
+    </p:extLst>
+  </p:cSld>
+  <p:clrMapOvr>
+    <a:masterClrMapping/>
+  </p:clrMapOvr>
+</p:sld>
+</file>
+
+<file path=ppt/slides/slide11.xml><?xml version="1.0" encoding="utf-8"?>
+<p:sld xmlns:a="http://schemas.openxmlformats.org/drawingml/2006/main" xmlns:r="http://schemas.openxmlformats.org/officeDocument/2006/relationships" xmlns:p="http://schemas.openxmlformats.org/presentationml/2006/main">
+  <p:cSld>
+    <p:spTree>
+      <p:nvGrpSpPr>
+        <p:cNvPr id="1" name=""/>
+        <p:cNvGrpSpPr/>
+        <p:nvPr/>
+      </p:nvGrpSpPr>
+      <p:grpSpPr>
+        <a:xfrm>
+          <a:off x="0" y="0"/>
+          <a:ext cx="0" cy="0"/>
+          <a:chOff x="0" y="0"/>
+          <a:chExt cx="0" cy="0"/>
+        </a:xfrm>
+      </p:grpSpPr>
+      <p:sp>
+        <p:nvSpPr>
+          <p:cNvPr id="2" name="Title 1"/>
+          <p:cNvSpPr>
+            <a:spLocks noGrp="1"/>
+          </p:cNvSpPr>
+          <p:nvPr>
+            <p:ph type="title"/>
+          </p:nvPr>
+        </p:nvSpPr>
+        <p:spPr/>
+        <p:txBody>
+          <a:bodyPr/>
+          <a:lstStyle/>
+          <a:p>
+            <a:r>
               <a:rPr lang="zh-CN" altLang="en-US" dirty="0">
                 <a:latin typeface="黑体" panose="02010609060101010101" pitchFamily="49" charset="-122"/>
                 <a:ea typeface="黑体" panose="02010609060101010101" pitchFamily="49" charset="-122"/>
@@ -3690,1219 +3875,6 @@
           <a:chExt cx="0" cy="0"/>
         </a:xfrm>
       </p:grpSpPr>
-      <p:pic>
-        <p:nvPicPr>
-          <p:cNvPr id="4" name="Picture 1" descr="C:\Users\Administrator\Pictures\三创基地总体规划.png"/>
-          <p:cNvPicPr>
-            <a:picLocks noChangeAspect="1" noChangeArrowheads="1"/>
-          </p:cNvPicPr>
-          <p:nvPr/>
-        </p:nvPicPr>
-        <p:blipFill>
-          <a:blip r:embed="rId2">
-            <a:extLst>
-              <a:ext uri="{28A0092B-C50C-407E-A947-70E740481C1C}">
-                <a14:useLocalDpi xmlns:a14="http://schemas.microsoft.com/office/drawing/2010/main" val="0"/>
-              </a:ext>
-            </a:extLst>
-          </a:blip>
-          <a:srcRect/>
-          <a:stretch>
-            <a:fillRect/>
-          </a:stretch>
-        </p:blipFill>
-        <p:spPr bwMode="auto">
-          <a:xfrm>
-            <a:off x="168834" y="929897"/>
-            <a:ext cx="6500812" cy="4771143"/>
-          </a:xfrm>
-          <a:prstGeom prst="rect">
-            <a:avLst/>
-          </a:prstGeom>
-          <a:noFill/>
-          <a:ln>
-            <a:noFill/>
-          </a:ln>
-          <a:extLst>
-            <a:ext uri="{909E8E84-426E-40DD-AFC4-6F175D3DCCD1}">
-              <a14:hiddenFill xmlns:a14="http://schemas.microsoft.com/office/drawing/2010/main">
-                <a:solidFill>
-                  <a:srgbClr val="FFFFFF"/>
-                </a:solidFill>
-              </a14:hiddenFill>
-            </a:ext>
-            <a:ext uri="{91240B29-F687-4F45-9708-019B960494DF}">
-              <a14:hiddenLine xmlns:a14="http://schemas.microsoft.com/office/drawing/2010/main" w="9525">
-                <a:solidFill>
-                  <a:srgbClr val="000000"/>
-                </a:solidFill>
-                <a:miter lim="800000"/>
-                <a:headEnd/>
-                <a:tailEnd/>
-              </a14:hiddenLine>
-            </a:ext>
-          </a:extLst>
-        </p:spPr>
-      </p:pic>
-      <p:pic>
-        <p:nvPicPr>
-          <p:cNvPr id="5" name="Picture 4"/>
-          <p:cNvPicPr>
-            <a:picLocks noChangeAspect="1"/>
-          </p:cNvPicPr>
-          <p:nvPr/>
-        </p:nvPicPr>
-        <p:blipFill rotWithShape="1">
-          <a:blip r:embed="rId3" cstate="print">
-            <a:extLst>
-              <a:ext uri="{28A0092B-C50C-407E-A947-70E740481C1C}">
-                <a14:useLocalDpi xmlns:a14="http://schemas.microsoft.com/office/drawing/2010/main" val="0"/>
-              </a:ext>
-            </a:extLst>
-          </a:blip>
-          <a:srcRect l="17214" t="1362" r="17505" b="532"/>
-          <a:stretch/>
-        </p:blipFill>
-        <p:spPr>
-          <a:xfrm>
-            <a:off x="7735540" y="5053040"/>
-            <a:ext cx="1296000" cy="1296000"/>
-          </a:xfrm>
-          <a:prstGeom prst="ellipse">
-            <a:avLst/>
-          </a:prstGeom>
-          <a:ln>
-            <a:solidFill>
-              <a:schemeClr val="tx1"/>
-            </a:solidFill>
-          </a:ln>
-          <a:effectLst>
-            <a:softEdge rad="0"/>
-          </a:effectLst>
-        </p:spPr>
-      </p:pic>
-      <p:sp>
-        <p:nvSpPr>
-          <p:cNvPr id="6" name="TextBox 5"/>
-          <p:cNvSpPr txBox="1"/>
-          <p:nvPr/>
-        </p:nvSpPr>
-        <p:spPr>
-          <a:xfrm>
-            <a:off x="9435953" y="5223986"/>
-            <a:ext cx="2146447" cy="954107"/>
-          </a:xfrm>
-          <a:prstGeom prst="rect">
-            <a:avLst/>
-          </a:prstGeom>
-          <a:noFill/>
-        </p:spPr>
-        <p:txBody>
-          <a:bodyPr wrap="square" rtlCol="0">
-            <a:spAutoFit/>
-          </a:bodyPr>
-          <a:lstStyle/>
-          <a:p>
-            <a:pPr algn="ctr"/>
-            <a:r>
-              <a:rPr lang="zh-CN" altLang="en-US" sz="3200" dirty="0" smtClean="0">
-                <a:latin typeface="黑体" panose="02010609060101010101" pitchFamily="49" charset="-122"/>
-                <a:ea typeface="黑体" panose="02010609060101010101" pitchFamily="49" charset="-122"/>
-              </a:rPr>
-              <a:t>基础实践</a:t>
-            </a:r>
-            <a:endParaRPr lang="en-US" altLang="zh-CN" sz="3200" dirty="0" smtClean="0">
-              <a:latin typeface="黑体" panose="02010609060101010101" pitchFamily="49" charset="-122"/>
-              <a:ea typeface="黑体" panose="02010609060101010101" pitchFamily="49" charset="-122"/>
-            </a:endParaRPr>
-          </a:p>
-          <a:p>
-            <a:pPr algn="ctr"/>
-            <a:r>
-              <a:rPr lang="zh-CN" altLang="en-US" sz="2400" dirty="0" smtClean="0">
-                <a:latin typeface="黑体" panose="02010609060101010101" pitchFamily="49" charset="-122"/>
-                <a:ea typeface="黑体" panose="02010609060101010101" pitchFamily="49" charset="-122"/>
-              </a:rPr>
-              <a:t>融合</a:t>
-            </a:r>
-            <a:r>
-              <a:rPr lang="zh-CN" altLang="en-US" sz="2400" dirty="0" smtClean="0">
-                <a:solidFill>
-                  <a:schemeClr val="accent5"/>
-                </a:solidFill>
-                <a:latin typeface="黑体" panose="02010609060101010101" pitchFamily="49" charset="-122"/>
-                <a:ea typeface="黑体" panose="02010609060101010101" pitchFamily="49" charset="-122"/>
-              </a:rPr>
-              <a:t>微</a:t>
-            </a:r>
-            <a:r>
-              <a:rPr lang="zh-CN" altLang="en-US" sz="2400" dirty="0" smtClean="0">
-                <a:latin typeface="黑体" panose="02010609060101010101" pitchFamily="49" charset="-122"/>
-                <a:ea typeface="黑体" panose="02010609060101010101" pitchFamily="49" charset="-122"/>
-              </a:rPr>
-              <a:t>创新</a:t>
-            </a:r>
-            <a:endParaRPr lang="zh-CN" altLang="en-US" sz="2400" dirty="0">
-              <a:latin typeface="黑体" panose="02010609060101010101" pitchFamily="49" charset="-122"/>
-              <a:ea typeface="黑体" panose="02010609060101010101" pitchFamily="49" charset="-122"/>
-            </a:endParaRPr>
-          </a:p>
-        </p:txBody>
-      </p:sp>
-      <p:pic>
-        <p:nvPicPr>
-          <p:cNvPr id="7" name="Picture 6"/>
-          <p:cNvPicPr>
-            <a:picLocks noChangeAspect="1"/>
-          </p:cNvPicPr>
-          <p:nvPr/>
-        </p:nvPicPr>
-        <p:blipFill rotWithShape="1">
-          <a:blip r:embed="rId4" cstate="print">
-            <a:extLst>
-              <a:ext uri="{28A0092B-C50C-407E-A947-70E740481C1C}">
-                <a14:useLocalDpi xmlns:a14="http://schemas.microsoft.com/office/drawing/2010/main" val="0"/>
-              </a:ext>
-            </a:extLst>
-          </a:blip>
-          <a:srcRect l="5591" t="4565" r="17047" b="11936"/>
-          <a:stretch/>
-        </p:blipFill>
-        <p:spPr>
-          <a:xfrm>
-            <a:off x="7519540" y="608163"/>
-            <a:ext cx="1728000" cy="1728000"/>
-          </a:xfrm>
-          <a:prstGeom prst="ellipse">
-            <a:avLst/>
-          </a:prstGeom>
-          <a:ln>
-            <a:solidFill>
-              <a:schemeClr val="tx1"/>
-            </a:solidFill>
-          </a:ln>
-          <a:effectLst>
-            <a:softEdge rad="0"/>
-          </a:effectLst>
-        </p:spPr>
-      </p:pic>
-      <p:pic>
-        <p:nvPicPr>
-          <p:cNvPr id="8" name="Picture 2"/>
-          <p:cNvPicPr>
-            <a:picLocks noChangeAspect="1" noChangeArrowheads="1"/>
-          </p:cNvPicPr>
-          <p:nvPr/>
-        </p:nvPicPr>
-        <p:blipFill rotWithShape="1">
-          <a:blip r:embed="rId5">
-            <a:extLst/>
-          </a:blip>
-          <a:srcRect l="3274" t="5028" r="36610" b="5035"/>
-          <a:stretch/>
-        </p:blipFill>
-        <p:spPr bwMode="auto">
-          <a:xfrm>
-            <a:off x="7663540" y="2974602"/>
-            <a:ext cx="1440000" cy="1440000"/>
-          </a:xfrm>
-          <a:prstGeom prst="ellipse">
-            <a:avLst/>
-          </a:prstGeom>
-          <a:ln>
-            <a:solidFill>
-              <a:schemeClr val="tx1"/>
-            </a:solidFill>
-          </a:ln>
-          <a:effectLst>
-            <a:softEdge rad="0"/>
-          </a:effectLst>
-          <a:extLst/>
-        </p:spPr>
-      </p:pic>
-      <p:sp>
-        <p:nvSpPr>
-          <p:cNvPr id="9" name="TextBox 8"/>
-          <p:cNvSpPr txBox="1"/>
-          <p:nvPr/>
-        </p:nvSpPr>
-        <p:spPr>
-          <a:xfrm>
-            <a:off x="9249686" y="3217548"/>
-            <a:ext cx="2518982" cy="954107"/>
-          </a:xfrm>
-          <a:prstGeom prst="rect">
-            <a:avLst/>
-          </a:prstGeom>
-          <a:noFill/>
-        </p:spPr>
-        <p:txBody>
-          <a:bodyPr wrap="square" rtlCol="0">
-            <a:spAutoFit/>
-          </a:bodyPr>
-          <a:lstStyle/>
-          <a:p>
-            <a:pPr algn="ctr"/>
-            <a:r>
-              <a:rPr lang="zh-CN" altLang="en-US" sz="3200" dirty="0" smtClean="0">
-                <a:latin typeface="黑体" panose="02010609060101010101" pitchFamily="49" charset="-122"/>
-                <a:ea typeface="黑体" panose="02010609060101010101" pitchFamily="49" charset="-122"/>
-              </a:rPr>
-              <a:t>项目与竞赛</a:t>
-            </a:r>
-            <a:endParaRPr lang="en-US" altLang="zh-CN" sz="3200" dirty="0" smtClean="0">
-              <a:latin typeface="黑体" panose="02010609060101010101" pitchFamily="49" charset="-122"/>
-              <a:ea typeface="黑体" panose="02010609060101010101" pitchFamily="49" charset="-122"/>
-            </a:endParaRPr>
-          </a:p>
-          <a:p>
-            <a:pPr algn="ctr"/>
-            <a:r>
-              <a:rPr lang="zh-CN" altLang="en-US" sz="2400" dirty="0" smtClean="0">
-                <a:latin typeface="黑体" panose="02010609060101010101" pitchFamily="49" charset="-122"/>
-                <a:ea typeface="黑体" panose="02010609060101010101" pitchFamily="49" charset="-122"/>
-              </a:rPr>
-              <a:t>训练</a:t>
-            </a:r>
-            <a:r>
-              <a:rPr lang="zh-CN" altLang="en-US" sz="2400" dirty="0" smtClean="0">
-                <a:solidFill>
-                  <a:schemeClr val="accent2"/>
-                </a:solidFill>
-                <a:latin typeface="黑体" panose="02010609060101010101" pitchFamily="49" charset="-122"/>
-                <a:ea typeface="黑体" panose="02010609060101010101" pitchFamily="49" charset="-122"/>
-              </a:rPr>
-              <a:t>应用</a:t>
-            </a:r>
-            <a:r>
-              <a:rPr lang="zh-CN" altLang="en-US" sz="2400" dirty="0" smtClean="0">
-                <a:latin typeface="黑体" panose="02010609060101010101" pitchFamily="49" charset="-122"/>
-                <a:ea typeface="黑体" panose="02010609060101010101" pitchFamily="49" charset="-122"/>
-              </a:rPr>
-              <a:t>创新</a:t>
-            </a:r>
-            <a:endParaRPr lang="zh-CN" altLang="en-US" sz="2400" dirty="0">
-              <a:latin typeface="黑体" panose="02010609060101010101" pitchFamily="49" charset="-122"/>
-              <a:ea typeface="黑体" panose="02010609060101010101" pitchFamily="49" charset="-122"/>
-            </a:endParaRPr>
-          </a:p>
-        </p:txBody>
-      </p:sp>
-      <p:sp>
-        <p:nvSpPr>
-          <p:cNvPr id="10" name="TextBox 9"/>
-          <p:cNvSpPr txBox="1"/>
-          <p:nvPr/>
-        </p:nvSpPr>
-        <p:spPr>
-          <a:xfrm>
-            <a:off x="9435953" y="995109"/>
-            <a:ext cx="2146447" cy="954107"/>
-          </a:xfrm>
-          <a:prstGeom prst="rect">
-            <a:avLst/>
-          </a:prstGeom>
-          <a:noFill/>
-        </p:spPr>
-        <p:txBody>
-          <a:bodyPr wrap="square" rtlCol="0">
-            <a:spAutoFit/>
-          </a:bodyPr>
-          <a:lstStyle/>
-          <a:p>
-            <a:pPr algn="ctr"/>
-            <a:r>
-              <a:rPr lang="zh-CN" altLang="en-US" sz="3200" dirty="0" smtClean="0">
-                <a:latin typeface="黑体" panose="02010609060101010101" pitchFamily="49" charset="-122"/>
-                <a:ea typeface="黑体" panose="02010609060101010101" pitchFamily="49" charset="-122"/>
-              </a:rPr>
-              <a:t>产品开发</a:t>
-            </a:r>
-            <a:endParaRPr lang="en-US" altLang="zh-CN" sz="3200" dirty="0" smtClean="0">
-              <a:latin typeface="黑体" panose="02010609060101010101" pitchFamily="49" charset="-122"/>
-              <a:ea typeface="黑体" panose="02010609060101010101" pitchFamily="49" charset="-122"/>
-            </a:endParaRPr>
-          </a:p>
-          <a:p>
-            <a:pPr algn="ctr"/>
-            <a:r>
-              <a:rPr lang="zh-CN" altLang="en-US" sz="2400" dirty="0" smtClean="0">
-                <a:latin typeface="黑体" panose="02010609060101010101" pitchFamily="49" charset="-122"/>
-                <a:ea typeface="黑体" panose="02010609060101010101" pitchFamily="49" charset="-122"/>
-              </a:rPr>
-              <a:t>培养</a:t>
-            </a:r>
-            <a:r>
-              <a:rPr lang="zh-CN" altLang="en-US" sz="2400" dirty="0" smtClean="0">
-                <a:solidFill>
-                  <a:srgbClr val="C00000"/>
-                </a:solidFill>
-                <a:latin typeface="黑体" panose="02010609060101010101" pitchFamily="49" charset="-122"/>
-                <a:ea typeface="黑体" panose="02010609060101010101" pitchFamily="49" charset="-122"/>
-              </a:rPr>
-              <a:t>系统</a:t>
-            </a:r>
-            <a:r>
-              <a:rPr lang="zh-CN" altLang="en-US" sz="2400" dirty="0" smtClean="0">
-                <a:latin typeface="黑体" panose="02010609060101010101" pitchFamily="49" charset="-122"/>
-                <a:ea typeface="黑体" panose="02010609060101010101" pitchFamily="49" charset="-122"/>
-              </a:rPr>
-              <a:t>创新</a:t>
-            </a:r>
-            <a:endParaRPr lang="zh-CN" altLang="en-US" sz="2400" dirty="0">
-              <a:latin typeface="黑体" panose="02010609060101010101" pitchFamily="49" charset="-122"/>
-              <a:ea typeface="黑体" panose="02010609060101010101" pitchFamily="49" charset="-122"/>
-            </a:endParaRPr>
-          </a:p>
-        </p:txBody>
-      </p:sp>
-    </p:spTree>
-    <p:extLst>
-      <p:ext uri="{BB962C8B-B14F-4D97-AF65-F5344CB8AC3E}">
-        <p14:creationId xmlns:p14="http://schemas.microsoft.com/office/powerpoint/2010/main" val="3745389318"/>
-      </p:ext>
-    </p:extLst>
-  </p:cSld>
-  <p:clrMapOvr>
-    <a:masterClrMapping/>
-  </p:clrMapOvr>
-  <p:timing>
-    <p:tnLst>
-      <p:par>
-        <p:cTn id="1" dur="indefinite" restart="never" nodeType="tmRoot"/>
-      </p:par>
-    </p:tnLst>
-  </p:timing>
-</p:sld>
-</file>
-
-<file path=ppt/slides/slide4.xml><?xml version="1.0" encoding="utf-8"?>
-<p:sld xmlns:a="http://schemas.openxmlformats.org/drawingml/2006/main" xmlns:r="http://schemas.openxmlformats.org/officeDocument/2006/relationships" xmlns:p="http://schemas.openxmlformats.org/presentationml/2006/main">
-  <p:cSld>
-    <p:spTree>
-      <p:nvGrpSpPr>
-        <p:cNvPr id="1" name=""/>
-        <p:cNvGrpSpPr/>
-        <p:nvPr/>
-      </p:nvGrpSpPr>
-      <p:grpSpPr>
-        <a:xfrm>
-          <a:off x="0" y="0"/>
-          <a:ext cx="0" cy="0"/>
-          <a:chOff x="0" y="0"/>
-          <a:chExt cx="0" cy="0"/>
-        </a:xfrm>
-      </p:grpSpPr>
-      <p:sp>
-        <p:nvSpPr>
-          <p:cNvPr id="15" name="Flowchart: Manual Operation 14"/>
-          <p:cNvSpPr/>
-          <p:nvPr/>
-        </p:nvSpPr>
-        <p:spPr>
-          <a:xfrm flipV="1">
-            <a:off x="5073748" y="1241328"/>
-            <a:ext cx="5211381" cy="4875207"/>
-          </a:xfrm>
-          <a:prstGeom prst="flowChartManualOperation">
-            <a:avLst/>
-          </a:prstGeom>
-          <a:gradFill>
-            <a:gsLst>
-              <a:gs pos="0">
-                <a:schemeClr val="bg1"/>
-              </a:gs>
-              <a:gs pos="40000">
-                <a:schemeClr val="accent2">
-                  <a:lumMod val="20000"/>
-                  <a:lumOff val="80000"/>
-                </a:schemeClr>
-              </a:gs>
-              <a:gs pos="80000">
-                <a:schemeClr val="accent2">
-                  <a:lumMod val="60000"/>
-                  <a:lumOff val="40000"/>
-                </a:schemeClr>
-              </a:gs>
-              <a:gs pos="100000">
-                <a:schemeClr val="bg1"/>
-              </a:gs>
-            </a:gsLst>
-            <a:lin ang="5400000" scaled="1"/>
-          </a:gradFill>
-          <a:ln>
-            <a:noFill/>
-          </a:ln>
-        </p:spPr>
-        <p:style>
-          <a:lnRef idx="2">
-            <a:schemeClr val="accent1">
-              <a:shade val="50000"/>
-            </a:schemeClr>
-          </a:lnRef>
-          <a:fillRef idx="1">
-            <a:schemeClr val="accent1"/>
-          </a:fillRef>
-          <a:effectRef idx="0">
-            <a:schemeClr val="accent1"/>
-          </a:effectRef>
-          <a:fontRef idx="minor">
-            <a:schemeClr val="lt1"/>
-          </a:fontRef>
-        </p:style>
-        <p:txBody>
-          <a:bodyPr rtlCol="0" anchor="ctr"/>
-          <a:lstStyle/>
-          <a:p>
-            <a:pPr algn="ctr"/>
-            <a:endParaRPr lang="zh-CN" altLang="en-US"/>
-          </a:p>
-        </p:txBody>
-      </p:sp>
-      <p:pic>
-        <p:nvPicPr>
-          <p:cNvPr id="2" name="Picture 1"/>
-          <p:cNvPicPr>
-            <a:picLocks noChangeAspect="1"/>
-          </p:cNvPicPr>
-          <p:nvPr/>
-        </p:nvPicPr>
-        <p:blipFill rotWithShape="1">
-          <a:blip r:embed="rId2" cstate="print">
-            <a:extLst>
-              <a:ext uri="{28A0092B-C50C-407E-A947-70E740481C1C}">
-                <a14:useLocalDpi xmlns:a14="http://schemas.microsoft.com/office/drawing/2010/main" val="0"/>
-              </a:ext>
-            </a:extLst>
-          </a:blip>
-          <a:srcRect l="17214" t="1362" r="17505" b="532"/>
-          <a:stretch/>
-        </p:blipFill>
-        <p:spPr>
-          <a:xfrm>
-            <a:off x="894474" y="5053040"/>
-            <a:ext cx="1296000" cy="1296000"/>
-          </a:xfrm>
-          <a:prstGeom prst="ellipse">
-            <a:avLst/>
-          </a:prstGeom>
-          <a:ln>
-            <a:solidFill>
-              <a:schemeClr val="tx1"/>
-            </a:solidFill>
-          </a:ln>
-          <a:effectLst>
-            <a:softEdge rad="0"/>
-          </a:effectLst>
-        </p:spPr>
-      </p:pic>
-      <p:sp>
-        <p:nvSpPr>
-          <p:cNvPr id="3" name="TextBox 2"/>
-          <p:cNvSpPr txBox="1"/>
-          <p:nvPr/>
-        </p:nvSpPr>
-        <p:spPr>
-          <a:xfrm>
-            <a:off x="2594887" y="5223986"/>
-            <a:ext cx="2146447" cy="954107"/>
-          </a:xfrm>
-          <a:prstGeom prst="rect">
-            <a:avLst/>
-          </a:prstGeom>
-          <a:noFill/>
-        </p:spPr>
-        <p:txBody>
-          <a:bodyPr wrap="square" rtlCol="0">
-            <a:spAutoFit/>
-          </a:bodyPr>
-          <a:lstStyle/>
-          <a:p>
-            <a:pPr algn="ctr"/>
-            <a:r>
-              <a:rPr lang="zh-CN" altLang="en-US" sz="3200" dirty="0" smtClean="0">
-                <a:latin typeface="黑体" panose="02010609060101010101" pitchFamily="49" charset="-122"/>
-                <a:ea typeface="黑体" panose="02010609060101010101" pitchFamily="49" charset="-122"/>
-              </a:rPr>
-              <a:t>基础实践</a:t>
-            </a:r>
-            <a:endParaRPr lang="en-US" altLang="zh-CN" sz="3200" dirty="0" smtClean="0">
-              <a:latin typeface="黑体" panose="02010609060101010101" pitchFamily="49" charset="-122"/>
-              <a:ea typeface="黑体" panose="02010609060101010101" pitchFamily="49" charset="-122"/>
-            </a:endParaRPr>
-          </a:p>
-          <a:p>
-            <a:pPr algn="ctr"/>
-            <a:r>
-              <a:rPr lang="zh-CN" altLang="en-US" sz="2400" dirty="0" smtClean="0">
-                <a:latin typeface="黑体" panose="02010609060101010101" pitchFamily="49" charset="-122"/>
-                <a:ea typeface="黑体" panose="02010609060101010101" pitchFamily="49" charset="-122"/>
-              </a:rPr>
-              <a:t>融合</a:t>
-            </a:r>
-            <a:r>
-              <a:rPr lang="zh-CN" altLang="en-US" sz="2400" dirty="0" smtClean="0">
-                <a:solidFill>
-                  <a:schemeClr val="accent2"/>
-                </a:solidFill>
-                <a:latin typeface="黑体" panose="02010609060101010101" pitchFamily="49" charset="-122"/>
-                <a:ea typeface="黑体" panose="02010609060101010101" pitchFamily="49" charset="-122"/>
-              </a:rPr>
-              <a:t>微</a:t>
-            </a:r>
-            <a:r>
-              <a:rPr lang="zh-CN" altLang="en-US" sz="2400" dirty="0" smtClean="0">
-                <a:latin typeface="黑体" panose="02010609060101010101" pitchFamily="49" charset="-122"/>
-                <a:ea typeface="黑体" panose="02010609060101010101" pitchFamily="49" charset="-122"/>
-              </a:rPr>
-              <a:t>创新</a:t>
-            </a:r>
-            <a:endParaRPr lang="zh-CN" altLang="en-US" sz="2400" dirty="0">
-              <a:latin typeface="黑体" panose="02010609060101010101" pitchFamily="49" charset="-122"/>
-              <a:ea typeface="黑体" panose="02010609060101010101" pitchFamily="49" charset="-122"/>
-            </a:endParaRPr>
-          </a:p>
-        </p:txBody>
-      </p:sp>
-      <p:pic>
-        <p:nvPicPr>
-          <p:cNvPr id="4" name="Picture 3"/>
-          <p:cNvPicPr>
-            <a:picLocks noChangeAspect="1"/>
-          </p:cNvPicPr>
-          <p:nvPr/>
-        </p:nvPicPr>
-        <p:blipFill rotWithShape="1">
-          <a:blip r:embed="rId3" cstate="print">
-            <a:extLst>
-              <a:ext uri="{28A0092B-C50C-407E-A947-70E740481C1C}">
-                <a14:useLocalDpi xmlns:a14="http://schemas.microsoft.com/office/drawing/2010/main" val="0"/>
-              </a:ext>
-            </a:extLst>
-          </a:blip>
-          <a:srcRect l="5591" t="4565" r="17047" b="11936"/>
-          <a:stretch/>
-        </p:blipFill>
-        <p:spPr>
-          <a:xfrm>
-            <a:off x="678474" y="608163"/>
-            <a:ext cx="1728000" cy="1728000"/>
-          </a:xfrm>
-          <a:prstGeom prst="ellipse">
-            <a:avLst/>
-          </a:prstGeom>
-          <a:ln>
-            <a:solidFill>
-              <a:schemeClr val="tx1"/>
-            </a:solidFill>
-          </a:ln>
-          <a:effectLst>
-            <a:softEdge rad="0"/>
-          </a:effectLst>
-        </p:spPr>
-      </p:pic>
-      <p:pic>
-        <p:nvPicPr>
-          <p:cNvPr id="5" name="Picture 2"/>
-          <p:cNvPicPr>
-            <a:picLocks noChangeAspect="1" noChangeArrowheads="1"/>
-          </p:cNvPicPr>
-          <p:nvPr/>
-        </p:nvPicPr>
-        <p:blipFill rotWithShape="1">
-          <a:blip r:embed="rId4">
-            <a:extLst/>
-          </a:blip>
-          <a:srcRect l="3274" t="5028" r="36610" b="5035"/>
-          <a:stretch/>
-        </p:blipFill>
-        <p:spPr bwMode="auto">
-          <a:xfrm>
-            <a:off x="822474" y="2974602"/>
-            <a:ext cx="1440000" cy="1440000"/>
-          </a:xfrm>
-          <a:prstGeom prst="ellipse">
-            <a:avLst/>
-          </a:prstGeom>
-          <a:ln>
-            <a:solidFill>
-              <a:schemeClr val="tx1"/>
-            </a:solidFill>
-          </a:ln>
-          <a:effectLst>
-            <a:softEdge rad="0"/>
-          </a:effectLst>
-          <a:extLst/>
-        </p:spPr>
-      </p:pic>
-      <p:sp>
-        <p:nvSpPr>
-          <p:cNvPr id="6" name="TextBox 5"/>
-          <p:cNvSpPr txBox="1"/>
-          <p:nvPr/>
-        </p:nvSpPr>
-        <p:spPr>
-          <a:xfrm>
-            <a:off x="2408620" y="3217548"/>
-            <a:ext cx="2518982" cy="954107"/>
-          </a:xfrm>
-          <a:prstGeom prst="rect">
-            <a:avLst/>
-          </a:prstGeom>
-          <a:noFill/>
-        </p:spPr>
-        <p:txBody>
-          <a:bodyPr wrap="square" rtlCol="0">
-            <a:spAutoFit/>
-          </a:bodyPr>
-          <a:lstStyle/>
-          <a:p>
-            <a:pPr algn="ctr"/>
-            <a:r>
-              <a:rPr lang="zh-CN" altLang="en-US" sz="3200" dirty="0" smtClean="0">
-                <a:latin typeface="黑体" panose="02010609060101010101" pitchFamily="49" charset="-122"/>
-                <a:ea typeface="黑体" panose="02010609060101010101" pitchFamily="49" charset="-122"/>
-              </a:rPr>
-              <a:t>项目与竞赛</a:t>
-            </a:r>
-            <a:endParaRPr lang="en-US" altLang="zh-CN" sz="3200" dirty="0" smtClean="0">
-              <a:latin typeface="黑体" panose="02010609060101010101" pitchFamily="49" charset="-122"/>
-              <a:ea typeface="黑体" panose="02010609060101010101" pitchFamily="49" charset="-122"/>
-            </a:endParaRPr>
-          </a:p>
-          <a:p>
-            <a:pPr algn="ctr"/>
-            <a:r>
-              <a:rPr lang="zh-CN" altLang="en-US" sz="2400" dirty="0" smtClean="0">
-                <a:latin typeface="黑体" panose="02010609060101010101" pitchFamily="49" charset="-122"/>
-                <a:ea typeface="黑体" panose="02010609060101010101" pitchFamily="49" charset="-122"/>
-              </a:rPr>
-              <a:t>训练</a:t>
-            </a:r>
-            <a:r>
-              <a:rPr lang="zh-CN" altLang="en-US" sz="2400" dirty="0" smtClean="0">
-                <a:solidFill>
-                  <a:srgbClr val="FF3300"/>
-                </a:solidFill>
-                <a:latin typeface="黑体" panose="02010609060101010101" pitchFamily="49" charset="-122"/>
-                <a:ea typeface="黑体" panose="02010609060101010101" pitchFamily="49" charset="-122"/>
-              </a:rPr>
-              <a:t>应用</a:t>
-            </a:r>
-            <a:r>
-              <a:rPr lang="zh-CN" altLang="en-US" sz="2400" dirty="0" smtClean="0">
-                <a:latin typeface="黑体" panose="02010609060101010101" pitchFamily="49" charset="-122"/>
-                <a:ea typeface="黑体" panose="02010609060101010101" pitchFamily="49" charset="-122"/>
-              </a:rPr>
-              <a:t>创新</a:t>
-            </a:r>
-            <a:endParaRPr lang="zh-CN" altLang="en-US" sz="2400" dirty="0">
-              <a:latin typeface="黑体" panose="02010609060101010101" pitchFamily="49" charset="-122"/>
-              <a:ea typeface="黑体" panose="02010609060101010101" pitchFamily="49" charset="-122"/>
-            </a:endParaRPr>
-          </a:p>
-        </p:txBody>
-      </p:sp>
-      <p:sp>
-        <p:nvSpPr>
-          <p:cNvPr id="7" name="TextBox 6"/>
-          <p:cNvSpPr txBox="1"/>
-          <p:nvPr/>
-        </p:nvSpPr>
-        <p:spPr>
-          <a:xfrm>
-            <a:off x="2594887" y="995109"/>
-            <a:ext cx="2146447" cy="954107"/>
-          </a:xfrm>
-          <a:prstGeom prst="rect">
-            <a:avLst/>
-          </a:prstGeom>
-          <a:noFill/>
-        </p:spPr>
-        <p:txBody>
-          <a:bodyPr wrap="square" rtlCol="0">
-            <a:spAutoFit/>
-          </a:bodyPr>
-          <a:lstStyle/>
-          <a:p>
-            <a:pPr algn="ctr"/>
-            <a:r>
-              <a:rPr lang="zh-CN" altLang="en-US" sz="3200" dirty="0" smtClean="0">
-                <a:latin typeface="黑体" panose="02010609060101010101" pitchFamily="49" charset="-122"/>
-                <a:ea typeface="黑体" panose="02010609060101010101" pitchFamily="49" charset="-122"/>
-              </a:rPr>
-              <a:t>产品开发</a:t>
-            </a:r>
-            <a:endParaRPr lang="en-US" altLang="zh-CN" sz="3200" dirty="0" smtClean="0">
-              <a:latin typeface="黑体" panose="02010609060101010101" pitchFamily="49" charset="-122"/>
-              <a:ea typeface="黑体" panose="02010609060101010101" pitchFamily="49" charset="-122"/>
-            </a:endParaRPr>
-          </a:p>
-          <a:p>
-            <a:pPr algn="ctr"/>
-            <a:r>
-              <a:rPr lang="zh-CN" altLang="en-US" sz="2400" dirty="0" smtClean="0">
-                <a:latin typeface="黑体" panose="02010609060101010101" pitchFamily="49" charset="-122"/>
-                <a:ea typeface="黑体" panose="02010609060101010101" pitchFamily="49" charset="-122"/>
-              </a:rPr>
-              <a:t>培养</a:t>
-            </a:r>
-            <a:r>
-              <a:rPr lang="zh-CN" altLang="en-US" sz="2400" dirty="0" smtClean="0">
-                <a:solidFill>
-                  <a:srgbClr val="C00000"/>
-                </a:solidFill>
-                <a:latin typeface="黑体" panose="02010609060101010101" pitchFamily="49" charset="-122"/>
-                <a:ea typeface="黑体" panose="02010609060101010101" pitchFamily="49" charset="-122"/>
-              </a:rPr>
-              <a:t>系统</a:t>
-            </a:r>
-            <a:r>
-              <a:rPr lang="zh-CN" altLang="en-US" sz="2400" dirty="0" smtClean="0">
-                <a:latin typeface="黑体" panose="02010609060101010101" pitchFamily="49" charset="-122"/>
-                <a:ea typeface="黑体" panose="02010609060101010101" pitchFamily="49" charset="-122"/>
-              </a:rPr>
-              <a:t>创新</a:t>
-            </a:r>
-            <a:endParaRPr lang="zh-CN" altLang="en-US" sz="2400" dirty="0">
-              <a:latin typeface="黑体" panose="02010609060101010101" pitchFamily="49" charset="-122"/>
-              <a:ea typeface="黑体" panose="02010609060101010101" pitchFamily="49" charset="-122"/>
-            </a:endParaRPr>
-          </a:p>
-        </p:txBody>
-      </p:sp>
-      <p:sp>
-        <p:nvSpPr>
-          <p:cNvPr id="10" name="TextBox 9"/>
-          <p:cNvSpPr txBox="1"/>
-          <p:nvPr/>
-        </p:nvSpPr>
-        <p:spPr>
-          <a:xfrm>
-            <a:off x="6994488" y="5285540"/>
-            <a:ext cx="5197512" cy="830997"/>
-          </a:xfrm>
-          <a:prstGeom prst="rect">
-            <a:avLst/>
-          </a:prstGeom>
-          <a:noFill/>
-        </p:spPr>
-        <p:txBody>
-          <a:bodyPr wrap="square" rtlCol="0">
-            <a:spAutoFit/>
-          </a:bodyPr>
-          <a:lstStyle/>
-          <a:p>
-            <a:r>
-              <a:rPr lang="zh-CN" altLang="en-US" sz="2400" b="1" dirty="0">
-                <a:solidFill>
-                  <a:srgbClr val="002060"/>
-                </a:solidFill>
-                <a:latin typeface="Times New Roman" panose="02020603050405020304" pitchFamily="18" charset="0"/>
-                <a:ea typeface="楷体" panose="02010609060101010101" pitchFamily="49" charset="-122"/>
-                <a:cs typeface="Times New Roman" panose="02020603050405020304" pitchFamily="18" charset="0"/>
-              </a:rPr>
-              <a:t>金工</a:t>
-            </a:r>
-            <a:r>
-              <a:rPr lang="zh-CN" altLang="en-US" sz="2400" b="1" dirty="0" smtClean="0">
-                <a:solidFill>
-                  <a:srgbClr val="002060"/>
-                </a:solidFill>
-                <a:latin typeface="Times New Roman" panose="02020603050405020304" pitchFamily="18" charset="0"/>
-                <a:ea typeface="楷体" panose="02010609060101010101" pitchFamily="49" charset="-122"/>
-                <a:cs typeface="Times New Roman" panose="02020603050405020304" pitchFamily="18" charset="0"/>
-              </a:rPr>
-              <a:t>实习</a:t>
-            </a:r>
-            <a:r>
-              <a:rPr lang="en-US" altLang="zh-CN" sz="2400" b="1" dirty="0" smtClean="0">
-                <a:solidFill>
-                  <a:srgbClr val="002060"/>
-                </a:solidFill>
-                <a:latin typeface="Times New Roman" panose="02020603050405020304" pitchFamily="18" charset="0"/>
-                <a:ea typeface="楷体" panose="02010609060101010101" pitchFamily="49" charset="-122"/>
-                <a:cs typeface="Times New Roman" panose="02020603050405020304" pitchFamily="18" charset="0"/>
-              </a:rPr>
-              <a:t>	         ——1420</a:t>
-            </a:r>
-            <a:r>
-              <a:rPr lang="zh-CN" altLang="en-US" sz="2400" b="1" dirty="0" smtClean="0">
-                <a:solidFill>
-                  <a:srgbClr val="002060"/>
-                </a:solidFill>
-                <a:latin typeface="Times New Roman" panose="02020603050405020304" pitchFamily="18" charset="0"/>
-                <a:ea typeface="楷体" panose="02010609060101010101" pitchFamily="49" charset="-122"/>
-                <a:cs typeface="Times New Roman" panose="02020603050405020304" pitchFamily="18" charset="0"/>
-              </a:rPr>
-              <a:t>名本科生</a:t>
-            </a:r>
-            <a:endParaRPr lang="en-US" altLang="zh-CN" sz="2400" b="1" dirty="0" smtClean="0">
-              <a:solidFill>
-                <a:srgbClr val="002060"/>
-              </a:solidFill>
-              <a:latin typeface="Times New Roman" panose="02020603050405020304" pitchFamily="18" charset="0"/>
-              <a:ea typeface="楷体" panose="02010609060101010101" pitchFamily="49" charset="-122"/>
-              <a:cs typeface="Times New Roman" panose="02020603050405020304" pitchFamily="18" charset="0"/>
-            </a:endParaRPr>
-          </a:p>
-          <a:p>
-            <a:r>
-              <a:rPr lang="zh-CN" altLang="en-US" sz="2400" b="1" dirty="0" smtClean="0">
-                <a:solidFill>
-                  <a:srgbClr val="002060"/>
-                </a:solidFill>
-                <a:latin typeface="Times New Roman" panose="02020603050405020304" pitchFamily="18" charset="0"/>
-                <a:ea typeface="楷体" panose="02010609060101010101" pitchFamily="49" charset="-122"/>
-                <a:cs typeface="Times New Roman" panose="02020603050405020304" pitchFamily="18" charset="0"/>
-              </a:rPr>
-              <a:t>电子实习</a:t>
-            </a:r>
-            <a:r>
-              <a:rPr lang="en-US" altLang="zh-CN" sz="2400" b="1" dirty="0" smtClean="0">
-                <a:solidFill>
-                  <a:srgbClr val="002060"/>
-                </a:solidFill>
-                <a:latin typeface="Times New Roman" panose="02020603050405020304" pitchFamily="18" charset="0"/>
-                <a:ea typeface="楷体" panose="02010609060101010101" pitchFamily="49" charset="-122"/>
-                <a:cs typeface="Times New Roman" panose="02020603050405020304" pitchFamily="18" charset="0"/>
-              </a:rPr>
-              <a:t>	         ——879</a:t>
-            </a:r>
-            <a:r>
-              <a:rPr lang="zh-CN" altLang="en-US" sz="2400" b="1" dirty="0" smtClean="0">
-                <a:solidFill>
-                  <a:srgbClr val="002060"/>
-                </a:solidFill>
-                <a:latin typeface="Times New Roman" panose="02020603050405020304" pitchFamily="18" charset="0"/>
-                <a:ea typeface="楷体" panose="02010609060101010101" pitchFamily="49" charset="-122"/>
-                <a:cs typeface="Times New Roman" panose="02020603050405020304" pitchFamily="18" charset="0"/>
-              </a:rPr>
-              <a:t>名本科生</a:t>
-            </a:r>
-            <a:endParaRPr lang="zh-CN" altLang="en-US" dirty="0">
-              <a:latin typeface="黑体" panose="02010609060101010101" pitchFamily="49" charset="-122"/>
-              <a:ea typeface="黑体" panose="02010609060101010101" pitchFamily="49" charset="-122"/>
-            </a:endParaRPr>
-          </a:p>
-        </p:txBody>
-      </p:sp>
-      <p:sp>
-        <p:nvSpPr>
-          <p:cNvPr id="11" name="TextBox 10"/>
-          <p:cNvSpPr txBox="1"/>
-          <p:nvPr/>
-        </p:nvSpPr>
-        <p:spPr>
-          <a:xfrm>
-            <a:off x="6404885" y="3937469"/>
-            <a:ext cx="5397647" cy="461665"/>
-          </a:xfrm>
-          <a:prstGeom prst="rect">
-            <a:avLst/>
-          </a:prstGeom>
-          <a:noFill/>
-        </p:spPr>
-        <p:txBody>
-          <a:bodyPr wrap="square" rtlCol="0">
-            <a:spAutoFit/>
-          </a:bodyPr>
-          <a:lstStyle/>
-          <a:p>
-            <a:r>
-              <a:rPr lang="zh-CN" altLang="en-US" sz="2400" b="1" dirty="0" smtClean="0">
-                <a:solidFill>
-                  <a:srgbClr val="002060"/>
-                </a:solidFill>
-                <a:latin typeface="Times New Roman" panose="02020603050405020304" pitchFamily="18" charset="0"/>
-                <a:ea typeface="楷体" panose="02010609060101010101" pitchFamily="49" charset="-122"/>
-                <a:cs typeface="Times New Roman" panose="02020603050405020304" pitchFamily="18" charset="0"/>
-              </a:rPr>
-              <a:t>实验室科研探究课</a:t>
-            </a:r>
-            <a:r>
-              <a:rPr lang="en-US" altLang="zh-CN" sz="2400" b="1" dirty="0" smtClean="0">
-                <a:solidFill>
-                  <a:srgbClr val="002060"/>
-                </a:solidFill>
-                <a:latin typeface="Times New Roman" panose="02020603050405020304" pitchFamily="18" charset="0"/>
-                <a:ea typeface="楷体" panose="02010609060101010101" pitchFamily="49" charset="-122"/>
-                <a:cs typeface="Times New Roman" panose="02020603050405020304" pitchFamily="18" charset="0"/>
-              </a:rPr>
-              <a:t>	       ——2446</a:t>
-            </a:r>
-            <a:r>
-              <a:rPr lang="zh-CN" altLang="en-US" sz="2400" b="1" dirty="0" smtClean="0">
-                <a:solidFill>
-                  <a:srgbClr val="002060"/>
-                </a:solidFill>
-                <a:latin typeface="Times New Roman" panose="02020603050405020304" pitchFamily="18" charset="0"/>
-                <a:ea typeface="楷体" panose="02010609060101010101" pitchFamily="49" charset="-122"/>
-                <a:cs typeface="Times New Roman" panose="02020603050405020304" pitchFamily="18" charset="0"/>
-              </a:rPr>
-              <a:t>人次</a:t>
-            </a:r>
-            <a:endParaRPr lang="zh-CN" altLang="en-US" dirty="0">
-              <a:latin typeface="黑体" panose="02010609060101010101" pitchFamily="49" charset="-122"/>
-              <a:ea typeface="黑体" panose="02010609060101010101" pitchFamily="49" charset="-122"/>
-            </a:endParaRPr>
-          </a:p>
-        </p:txBody>
-      </p:sp>
-      <p:sp>
-        <p:nvSpPr>
-          <p:cNvPr id="12" name="TextBox 11"/>
-          <p:cNvSpPr txBox="1"/>
-          <p:nvPr/>
-        </p:nvSpPr>
-        <p:spPr>
-          <a:xfrm>
-            <a:off x="6828221" y="2589399"/>
-            <a:ext cx="4974311" cy="461665"/>
-          </a:xfrm>
-          <a:prstGeom prst="rect">
-            <a:avLst/>
-          </a:prstGeom>
-          <a:noFill/>
-        </p:spPr>
-        <p:txBody>
-          <a:bodyPr wrap="square" rtlCol="0">
-            <a:spAutoFit/>
-          </a:bodyPr>
-          <a:lstStyle/>
-          <a:p>
-            <a:r>
-              <a:rPr lang="zh-CN" altLang="en-US" sz="2400" b="1" dirty="0" smtClean="0">
-                <a:solidFill>
-                  <a:srgbClr val="002060"/>
-                </a:solidFill>
-                <a:latin typeface="Times New Roman" panose="02020603050405020304" pitchFamily="18" charset="0"/>
-                <a:ea typeface="楷体" panose="02010609060101010101" pitchFamily="49" charset="-122"/>
-                <a:cs typeface="Times New Roman" panose="02020603050405020304" pitchFamily="18" charset="0"/>
-              </a:rPr>
-              <a:t>科技类竞赛</a:t>
-            </a:r>
-            <a:r>
-              <a:rPr lang="en-US" altLang="zh-CN" sz="2400" b="1" dirty="0" smtClean="0">
-                <a:solidFill>
-                  <a:srgbClr val="002060"/>
-                </a:solidFill>
-                <a:latin typeface="Times New Roman" panose="02020603050405020304" pitchFamily="18" charset="0"/>
-                <a:ea typeface="楷体" panose="02010609060101010101" pitchFamily="49" charset="-122"/>
-                <a:cs typeface="Times New Roman" panose="02020603050405020304" pitchFamily="18" charset="0"/>
-              </a:rPr>
-              <a:t>		——</a:t>
-            </a:r>
-            <a:r>
-              <a:rPr lang="en-US" altLang="zh-CN" sz="2400" b="1" dirty="0" err="1" smtClean="0">
-                <a:solidFill>
-                  <a:srgbClr val="002060"/>
-                </a:solidFill>
-                <a:latin typeface="Times New Roman" panose="02020603050405020304" pitchFamily="18" charset="0"/>
-                <a:ea typeface="楷体" panose="02010609060101010101" pitchFamily="49" charset="-122"/>
-                <a:cs typeface="Times New Roman" panose="02020603050405020304" pitchFamily="18" charset="0"/>
-              </a:rPr>
-              <a:t>xxxx</a:t>
-            </a:r>
-            <a:r>
-              <a:rPr lang="zh-CN" altLang="en-US" sz="2400" b="1" dirty="0" smtClean="0">
-                <a:solidFill>
-                  <a:srgbClr val="002060"/>
-                </a:solidFill>
-                <a:latin typeface="Times New Roman" panose="02020603050405020304" pitchFamily="18" charset="0"/>
-                <a:ea typeface="楷体" panose="02010609060101010101" pitchFamily="49" charset="-122"/>
-                <a:cs typeface="Times New Roman" panose="02020603050405020304" pitchFamily="18" charset="0"/>
-              </a:rPr>
-              <a:t>人次</a:t>
-            </a:r>
-            <a:endParaRPr lang="zh-CN" altLang="en-US" dirty="0">
-              <a:latin typeface="黑体" panose="02010609060101010101" pitchFamily="49" charset="-122"/>
-              <a:ea typeface="黑体" panose="02010609060101010101" pitchFamily="49" charset="-122"/>
-            </a:endParaRPr>
-          </a:p>
-        </p:txBody>
-      </p:sp>
-      <p:sp>
-        <p:nvSpPr>
-          <p:cNvPr id="13" name="TextBox 12"/>
-          <p:cNvSpPr txBox="1"/>
-          <p:nvPr/>
-        </p:nvSpPr>
-        <p:spPr>
-          <a:xfrm>
-            <a:off x="6049286" y="1241329"/>
-            <a:ext cx="5753246" cy="461665"/>
-          </a:xfrm>
-          <a:prstGeom prst="rect">
-            <a:avLst/>
-          </a:prstGeom>
-          <a:noFill/>
-        </p:spPr>
-        <p:txBody>
-          <a:bodyPr wrap="square" rtlCol="0">
-            <a:spAutoFit/>
-          </a:bodyPr>
-          <a:lstStyle/>
-          <a:p>
-            <a:r>
-              <a:rPr lang="zh-CN" altLang="en-US" sz="2400" b="1" dirty="0" smtClean="0">
-                <a:solidFill>
-                  <a:srgbClr val="002060"/>
-                </a:solidFill>
-                <a:latin typeface="Times New Roman" panose="02020603050405020304" pitchFamily="18" charset="0"/>
-                <a:ea typeface="楷体" panose="02010609060101010101" pitchFamily="49" charset="-122"/>
-                <a:cs typeface="Times New Roman" panose="02020603050405020304" pitchFamily="18" charset="0"/>
-              </a:rPr>
-              <a:t>挑战性课程、创客活动</a:t>
-            </a:r>
-            <a:r>
-              <a:rPr lang="en-US" altLang="zh-CN" sz="2400" b="1" dirty="0" smtClean="0">
-                <a:solidFill>
-                  <a:srgbClr val="002060"/>
-                </a:solidFill>
-                <a:latin typeface="Times New Roman" panose="02020603050405020304" pitchFamily="18" charset="0"/>
-                <a:ea typeface="楷体" panose="02010609060101010101" pitchFamily="49" charset="-122"/>
-                <a:cs typeface="Times New Roman" panose="02020603050405020304" pitchFamily="18" charset="0"/>
-              </a:rPr>
-              <a:t>	——</a:t>
-            </a:r>
-            <a:r>
-              <a:rPr lang="en-US" altLang="zh-CN" sz="2400" b="1" dirty="0" err="1" smtClean="0">
-                <a:solidFill>
-                  <a:srgbClr val="002060"/>
-                </a:solidFill>
-                <a:latin typeface="Times New Roman" panose="02020603050405020304" pitchFamily="18" charset="0"/>
-                <a:ea typeface="楷体" panose="02010609060101010101" pitchFamily="49" charset="-122"/>
-                <a:cs typeface="Times New Roman" panose="02020603050405020304" pitchFamily="18" charset="0"/>
-              </a:rPr>
-              <a:t>xxxx</a:t>
-            </a:r>
-            <a:r>
-              <a:rPr lang="zh-CN" altLang="en-US" sz="2400" b="1" dirty="0" smtClean="0">
-                <a:solidFill>
-                  <a:srgbClr val="002060"/>
-                </a:solidFill>
-                <a:latin typeface="Times New Roman" panose="02020603050405020304" pitchFamily="18" charset="0"/>
-                <a:ea typeface="楷体" panose="02010609060101010101" pitchFamily="49" charset="-122"/>
-                <a:cs typeface="Times New Roman" panose="02020603050405020304" pitchFamily="18" charset="0"/>
-              </a:rPr>
-              <a:t>人次</a:t>
-            </a:r>
-            <a:endParaRPr lang="zh-CN" altLang="en-US" dirty="0">
-              <a:latin typeface="黑体" panose="02010609060101010101" pitchFamily="49" charset="-122"/>
-              <a:ea typeface="黑体" panose="02010609060101010101" pitchFamily="49" charset="-122"/>
-            </a:endParaRPr>
-          </a:p>
-        </p:txBody>
-      </p:sp>
-      <p:sp>
-        <p:nvSpPr>
-          <p:cNvPr id="14" name="TextBox 13"/>
-          <p:cNvSpPr txBox="1"/>
-          <p:nvPr/>
-        </p:nvSpPr>
-        <p:spPr>
-          <a:xfrm>
-            <a:off x="4624844" y="131109"/>
-            <a:ext cx="4739289" cy="584775"/>
-          </a:xfrm>
-          <a:prstGeom prst="rect">
-            <a:avLst/>
-          </a:prstGeom>
-          <a:noFill/>
-        </p:spPr>
-        <p:txBody>
-          <a:bodyPr wrap="square" rtlCol="0">
-            <a:spAutoFit/>
-          </a:bodyPr>
-          <a:lstStyle/>
-          <a:p>
-            <a:pPr algn="ctr"/>
-            <a:r>
-              <a:rPr lang="zh-CN" altLang="en-US" sz="3200" dirty="0" smtClean="0">
-                <a:latin typeface="黑体" panose="02010609060101010101" pitchFamily="49" charset="-122"/>
-                <a:ea typeface="黑体" panose="02010609060101010101" pitchFamily="49" charset="-122"/>
-              </a:rPr>
-              <a:t>多方位覆盖，有序创新</a:t>
-            </a:r>
-            <a:endParaRPr lang="en-US" altLang="zh-CN" sz="3200" dirty="0" smtClean="0">
-              <a:latin typeface="黑体" panose="02010609060101010101" pitchFamily="49" charset="-122"/>
-              <a:ea typeface="黑体" panose="02010609060101010101" pitchFamily="49" charset="-122"/>
-            </a:endParaRPr>
-          </a:p>
-        </p:txBody>
-      </p:sp>
-    </p:spTree>
-    <p:extLst>
-      <p:ext uri="{BB962C8B-B14F-4D97-AF65-F5344CB8AC3E}">
-        <p14:creationId xmlns:p14="http://schemas.microsoft.com/office/powerpoint/2010/main" val="1514713857"/>
-      </p:ext>
-    </p:extLst>
-  </p:cSld>
-  <p:clrMapOvr>
-    <a:masterClrMapping/>
-  </p:clrMapOvr>
-  <p:transition spd="slow">
-    <p:push/>
-  </p:transition>
-  <p:timing>
-    <p:tnLst>
-      <p:par>
-        <p:cTn id="1" dur="indefinite" restart="never" nodeType="tmRoot"/>
-      </p:par>
-    </p:tnLst>
-  </p:timing>
-</p:sld>
-</file>
-
-<file path=ppt/slides/slide5.xml><?xml version="1.0" encoding="utf-8"?>
-<p:sld xmlns:a="http://schemas.openxmlformats.org/drawingml/2006/main" xmlns:r="http://schemas.openxmlformats.org/officeDocument/2006/relationships" xmlns:p="http://schemas.openxmlformats.org/presentationml/2006/main">
-  <p:cSld>
-    <p:spTree>
-      <p:nvGrpSpPr>
-        <p:cNvPr id="1" name=""/>
-        <p:cNvGrpSpPr/>
-        <p:nvPr/>
-      </p:nvGrpSpPr>
-      <p:grpSpPr>
-        <a:xfrm>
-          <a:off x="0" y="0"/>
-          <a:ext cx="0" cy="0"/>
-          <a:chOff x="0" y="0"/>
-          <a:chExt cx="0" cy="0"/>
-        </a:xfrm>
-      </p:grpSpPr>
-      <p:sp>
-        <p:nvSpPr>
-          <p:cNvPr id="35842" name="标题 1"/>
-          <p:cNvSpPr>
-            <a:spLocks noGrp="1"/>
-          </p:cNvSpPr>
-          <p:nvPr>
-            <p:ph type="title"/>
-          </p:nvPr>
-        </p:nvSpPr>
-        <p:spPr>
-          <a:xfrm>
-            <a:off x="4741334" y="194081"/>
-            <a:ext cx="6846194" cy="876203"/>
-          </a:xfrm>
-        </p:spPr>
-        <p:txBody>
-          <a:bodyPr/>
-          <a:lstStyle/>
-          <a:p>
-            <a:r>
-              <a:rPr lang="zh-CN" altLang="en-US" b="1" dirty="0" smtClean="0">
-                <a:solidFill>
-                  <a:srgbClr val="002060"/>
-                </a:solidFill>
-              </a:rPr>
-              <a:t>师资队伍保障机制</a:t>
-            </a:r>
-          </a:p>
-        </p:txBody>
-      </p:sp>
       <p:sp>
         <p:nvSpPr>
           <p:cNvPr id="5" name="灯片编号占位符 4"/>
@@ -5024,6 +3996,2597 @@
             </a:lvl9pPr>
           </a:lstStyle>
           <a:p>
+            <a:fld id="{A02D84AA-8C61-447C-9EAD-0023E753268C}" type="slidenum">
+              <a:rPr lang="en-US" altLang="zh-CN">
+                <a:solidFill>
+                  <a:srgbClr val="CC3399"/>
+                </a:solidFill>
+                <a:latin typeface="Verdana" panose="020B0604030504040204" pitchFamily="34" charset="0"/>
+              </a:rPr>
+              <a:pPr/>
+              <a:t>3</a:t>
+            </a:fld>
+            <a:endParaRPr lang="en-US" altLang="zh-CN">
+              <a:solidFill>
+                <a:srgbClr val="CC3399"/>
+              </a:solidFill>
+              <a:latin typeface="Verdana" panose="020B0604030504040204" pitchFamily="34" charset="0"/>
+            </a:endParaRPr>
+          </a:p>
+        </p:txBody>
+      </p:sp>
+      <p:graphicFrame>
+        <p:nvGraphicFramePr>
+          <p:cNvPr id="2" name="Table 1"/>
+          <p:cNvGraphicFramePr>
+            <a:graphicFrameLocks noGrp="1"/>
+          </p:cNvGraphicFramePr>
+          <p:nvPr>
+            <p:extLst>
+              <p:ext uri="{D42A27DB-BD31-4B8C-83A1-F6EECF244321}">
+                <p14:modId xmlns:p14="http://schemas.microsoft.com/office/powerpoint/2010/main" val="969584595"/>
+              </p:ext>
+            </p:extLst>
+          </p:nvPr>
+        </p:nvGraphicFramePr>
+        <p:xfrm>
+          <a:off x="2302934" y="2396066"/>
+          <a:ext cx="7674702" cy="2524761"/>
+        </p:xfrm>
+        <a:graphic>
+          <a:graphicData uri="http://schemas.openxmlformats.org/drawingml/2006/table">
+            <a:tbl>
+              <a:tblPr firstRow="1" bandRow="1">
+                <a:tableStyleId>{5C22544A-7EE6-4342-B048-85BDC9FD1C3A}</a:tableStyleId>
+              </a:tblPr>
+              <a:tblGrid>
+                <a:gridCol w="1659255"/>
+                <a:gridCol w="1161143"/>
+                <a:gridCol w="1161143"/>
+                <a:gridCol w="2076768"/>
+                <a:gridCol w="1616393"/>
+              </a:tblGrid>
+              <a:tr h="651934">
+                <a:tc>
+                  <a:txBody>
+                    <a:bodyPr/>
+                    <a:lstStyle/>
+                    <a:p>
+                      <a:r>
+                        <a:rPr lang="zh-CN" altLang="en-US" dirty="0" smtClean="0"/>
+                        <a:t>功能</a:t>
+                      </a:r>
+                      <a:endParaRPr lang="zh-CN" altLang="en-US" dirty="0"/>
+                    </a:p>
+                  </a:txBody>
+                  <a:tcPr anchor="ctr"/>
+                </a:tc>
+                <a:tc>
+                  <a:txBody>
+                    <a:bodyPr/>
+                    <a:lstStyle/>
+                    <a:p>
+                      <a:r>
+                        <a:rPr lang="zh-CN" altLang="en-US" dirty="0" smtClean="0"/>
+                        <a:t>面积</a:t>
+                      </a:r>
+                      <a:endParaRPr lang="zh-CN" altLang="en-US" dirty="0"/>
+                    </a:p>
+                  </a:txBody>
+                  <a:tcPr anchor="ctr"/>
+                </a:tc>
+                <a:tc>
+                  <a:txBody>
+                    <a:bodyPr/>
+                    <a:lstStyle/>
+                    <a:p>
+                      <a:r>
+                        <a:rPr lang="zh-CN" altLang="en-US" dirty="0" smtClean="0"/>
+                        <a:t>比例</a:t>
+                      </a:r>
+                      <a:endParaRPr lang="zh-CN" altLang="en-US" dirty="0"/>
+                    </a:p>
+                  </a:txBody>
+                  <a:tcPr anchor="ctr"/>
+                </a:tc>
+                <a:tc>
+                  <a:txBody>
+                    <a:bodyPr/>
+                    <a:lstStyle/>
+                    <a:p>
+                      <a:r>
+                        <a:rPr lang="zh-CN" altLang="en-US" dirty="0" smtClean="0"/>
+                        <a:t>创新活动时间比例</a:t>
+                      </a:r>
+                      <a:endParaRPr lang="zh-CN" altLang="en-US" dirty="0"/>
+                    </a:p>
+                  </a:txBody>
+                  <a:tcPr anchor="ctr"/>
+                </a:tc>
+                <a:tc>
+                  <a:txBody>
+                    <a:bodyPr/>
+                    <a:lstStyle/>
+                    <a:p>
+                      <a:r>
+                        <a:rPr lang="zh-CN" altLang="en-US" dirty="0" smtClean="0"/>
+                        <a:t>时间空间比例</a:t>
+                      </a:r>
+                      <a:endParaRPr lang="zh-CN" altLang="en-US" dirty="0"/>
+                    </a:p>
+                  </a:txBody>
+                  <a:tcPr anchor="ctr"/>
+                </a:tc>
+              </a:tr>
+              <a:tr h="389467">
+                <a:tc>
+                  <a:txBody>
+                    <a:bodyPr/>
+                    <a:lstStyle/>
+                    <a:p>
+                      <a:r>
+                        <a:rPr lang="zh-CN" altLang="en-US" dirty="0" smtClean="0"/>
+                        <a:t>全时创新开放</a:t>
+                      </a:r>
+                      <a:endParaRPr lang="en-US" altLang="zh-CN" dirty="0" smtClean="0"/>
+                    </a:p>
+                  </a:txBody>
+                  <a:tcPr anchor="ctr"/>
+                </a:tc>
+                <a:tc>
+                  <a:txBody>
+                    <a:bodyPr/>
+                    <a:lstStyle/>
+                    <a:p>
+                      <a:r>
+                        <a:rPr lang="en-US" altLang="zh-CN" dirty="0" smtClean="0"/>
+                        <a:t>1107 </a:t>
+                      </a:r>
+                      <a:endParaRPr lang="zh-CN" altLang="en-US" dirty="0"/>
+                    </a:p>
+                  </a:txBody>
+                  <a:tcPr anchor="ctr"/>
+                </a:tc>
+                <a:tc>
+                  <a:txBody>
+                    <a:bodyPr/>
+                    <a:lstStyle/>
+                    <a:p>
+                      <a:r>
+                        <a:rPr lang="en-US" altLang="zh-CN" dirty="0" smtClean="0"/>
+                        <a:t>14%</a:t>
+                      </a:r>
+                      <a:endParaRPr lang="zh-CN" altLang="en-US" dirty="0"/>
+                    </a:p>
+                  </a:txBody>
+                  <a:tcPr anchor="ctr"/>
+                </a:tc>
+                <a:tc>
+                  <a:txBody>
+                    <a:bodyPr/>
+                    <a:lstStyle/>
+                    <a:p>
+                      <a:r>
+                        <a:rPr lang="en-US" altLang="zh-CN" dirty="0" smtClean="0"/>
+                        <a:t>100%</a:t>
+                      </a:r>
+                      <a:endParaRPr lang="zh-CN" altLang="en-US" dirty="0"/>
+                    </a:p>
+                  </a:txBody>
+                  <a:tcPr anchor="ctr"/>
+                </a:tc>
+                <a:tc>
+                  <a:txBody>
+                    <a:bodyPr/>
+                    <a:lstStyle/>
+                    <a:p>
+                      <a:r>
+                        <a:rPr lang="en-US" altLang="zh-CN" dirty="0" smtClean="0"/>
+                        <a:t>14%</a:t>
+                      </a:r>
+                      <a:endParaRPr lang="zh-CN" altLang="en-US" dirty="0"/>
+                    </a:p>
+                  </a:txBody>
+                  <a:tcPr anchor="ctr"/>
+                </a:tc>
+              </a:tr>
+              <a:tr h="370840">
+                <a:tc>
+                  <a:txBody>
+                    <a:bodyPr/>
+                    <a:lstStyle/>
+                    <a:p>
+                      <a:r>
+                        <a:rPr lang="zh-CN" altLang="en-US" dirty="0" smtClean="0"/>
+                        <a:t>实习创新共用 </a:t>
+                      </a:r>
+                      <a:endParaRPr lang="zh-CN" altLang="en-US" dirty="0"/>
+                    </a:p>
+                  </a:txBody>
+                  <a:tcPr anchor="ctr"/>
+                </a:tc>
+                <a:tc>
+                  <a:txBody>
+                    <a:bodyPr/>
+                    <a:lstStyle/>
+                    <a:p>
+                      <a:r>
+                        <a:rPr lang="en-US" altLang="zh-CN" dirty="0" smtClean="0"/>
+                        <a:t>5429 </a:t>
+                      </a:r>
+                      <a:endParaRPr lang="zh-CN" altLang="en-US" dirty="0"/>
+                    </a:p>
+                  </a:txBody>
+                  <a:tcPr anchor="ctr"/>
+                </a:tc>
+                <a:tc>
+                  <a:txBody>
+                    <a:bodyPr/>
+                    <a:lstStyle/>
+                    <a:p>
+                      <a:pPr marL="0" marR="0" indent="0" algn="l" defTabSz="914400" rtl="0" eaLnBrk="1" fontAlgn="auto" latinLnBrk="0" hangingPunct="1">
+                        <a:lnSpc>
+                          <a:spcPct val="100000"/>
+                        </a:lnSpc>
+                        <a:spcBef>
+                          <a:spcPts val="0"/>
+                        </a:spcBef>
+                        <a:spcAft>
+                          <a:spcPts val="0"/>
+                        </a:spcAft>
+                        <a:buClrTx/>
+                        <a:buSzTx/>
+                        <a:buFontTx/>
+                        <a:buNone/>
+                        <a:tabLst/>
+                        <a:defRPr/>
+                      </a:pPr>
+                      <a:r>
+                        <a:rPr lang="en-US" altLang="zh-CN" dirty="0" smtClean="0"/>
+                        <a:t>70%</a:t>
+                      </a:r>
+                    </a:p>
+                  </a:txBody>
+                  <a:tcPr anchor="ctr"/>
+                </a:tc>
+                <a:tc>
+                  <a:txBody>
+                    <a:bodyPr/>
+                    <a:lstStyle/>
+                    <a:p>
+                      <a:r>
+                        <a:rPr lang="en-US" altLang="zh-CN" dirty="0" smtClean="0"/>
+                        <a:t>80%</a:t>
+                      </a:r>
+                      <a:endParaRPr lang="zh-CN" altLang="en-US" dirty="0"/>
+                    </a:p>
+                  </a:txBody>
+                  <a:tcPr anchor="ctr"/>
+                </a:tc>
+                <a:tc>
+                  <a:txBody>
+                    <a:bodyPr/>
+                    <a:lstStyle/>
+                    <a:p>
+                      <a:r>
+                        <a:rPr lang="en-US" altLang="zh-CN" dirty="0" smtClean="0"/>
+                        <a:t>56%</a:t>
+                      </a:r>
+                      <a:endParaRPr lang="zh-CN" altLang="en-US" dirty="0"/>
+                    </a:p>
+                  </a:txBody>
+                  <a:tcPr anchor="ctr"/>
+                </a:tc>
+              </a:tr>
+              <a:tr h="370840">
+                <a:tc>
+                  <a:txBody>
+                    <a:bodyPr/>
+                    <a:lstStyle/>
+                    <a:p>
+                      <a:r>
+                        <a:rPr lang="zh-CN" altLang="en-US" dirty="0" smtClean="0"/>
+                        <a:t>实习科研专用 </a:t>
+                      </a:r>
+                      <a:endParaRPr lang="zh-CN" altLang="en-US" dirty="0"/>
+                    </a:p>
+                  </a:txBody>
+                  <a:tcPr anchor="ctr"/>
+                </a:tc>
+                <a:tc>
+                  <a:txBody>
+                    <a:bodyPr/>
+                    <a:lstStyle/>
+                    <a:p>
+                      <a:r>
+                        <a:rPr lang="en-US" altLang="zh-CN" dirty="0" smtClean="0"/>
+                        <a:t>619 </a:t>
+                      </a:r>
+                      <a:endParaRPr lang="zh-CN" altLang="en-US" dirty="0"/>
+                    </a:p>
+                  </a:txBody>
+                  <a:tcPr anchor="ctr"/>
+                </a:tc>
+                <a:tc>
+                  <a:txBody>
+                    <a:bodyPr/>
+                    <a:lstStyle/>
+                    <a:p>
+                      <a:pPr marL="0" marR="0" indent="0" algn="l" defTabSz="914400" rtl="0" eaLnBrk="1" fontAlgn="auto" latinLnBrk="0" hangingPunct="1">
+                        <a:lnSpc>
+                          <a:spcPct val="100000"/>
+                        </a:lnSpc>
+                        <a:spcBef>
+                          <a:spcPts val="0"/>
+                        </a:spcBef>
+                        <a:spcAft>
+                          <a:spcPts val="0"/>
+                        </a:spcAft>
+                        <a:buClrTx/>
+                        <a:buSzTx/>
+                        <a:buFontTx/>
+                        <a:buNone/>
+                        <a:tabLst/>
+                        <a:defRPr/>
+                      </a:pPr>
+                      <a:r>
+                        <a:rPr lang="en-US" altLang="zh-CN" dirty="0" smtClean="0"/>
+                        <a:t>8%</a:t>
+                      </a:r>
+                    </a:p>
+                  </a:txBody>
+                  <a:tcPr anchor="ctr"/>
+                </a:tc>
+                <a:tc>
+                  <a:txBody>
+                    <a:bodyPr/>
+                    <a:lstStyle/>
+                    <a:p>
+                      <a:r>
+                        <a:rPr lang="en-US" altLang="zh-CN" dirty="0" smtClean="0"/>
+                        <a:t>50%</a:t>
+                      </a:r>
+                      <a:endParaRPr lang="zh-CN" altLang="en-US" dirty="0"/>
+                    </a:p>
+                  </a:txBody>
+                  <a:tcPr anchor="ctr"/>
+                </a:tc>
+                <a:tc>
+                  <a:txBody>
+                    <a:bodyPr/>
+                    <a:lstStyle/>
+                    <a:p>
+                      <a:r>
+                        <a:rPr lang="en-US" altLang="zh-CN" dirty="0" smtClean="0"/>
+                        <a:t>4%</a:t>
+                      </a:r>
+                      <a:endParaRPr lang="zh-CN" altLang="en-US" dirty="0"/>
+                    </a:p>
+                  </a:txBody>
+                  <a:tcPr anchor="ctr"/>
+                </a:tc>
+              </a:tr>
+              <a:tr h="370840">
+                <a:tc>
+                  <a:txBody>
+                    <a:bodyPr/>
+                    <a:lstStyle/>
+                    <a:p>
+                      <a:r>
+                        <a:rPr lang="zh-CN" altLang="en-US" dirty="0" smtClean="0"/>
+                        <a:t>中心行政办公 </a:t>
+                      </a:r>
+                      <a:endParaRPr lang="zh-CN" altLang="en-US" dirty="0"/>
+                    </a:p>
+                  </a:txBody>
+                  <a:tcPr anchor="ctr"/>
+                </a:tc>
+                <a:tc>
+                  <a:txBody>
+                    <a:bodyPr/>
+                    <a:lstStyle/>
+                    <a:p>
+                      <a:r>
+                        <a:rPr lang="en-US" altLang="zh-CN" dirty="0" smtClean="0"/>
+                        <a:t>612 </a:t>
+                      </a:r>
+                      <a:endParaRPr lang="zh-CN" altLang="en-US" dirty="0"/>
+                    </a:p>
+                  </a:txBody>
+                  <a:tcPr anchor="ctr"/>
+                </a:tc>
+                <a:tc>
+                  <a:txBody>
+                    <a:bodyPr/>
+                    <a:lstStyle/>
+                    <a:p>
+                      <a:pPr marL="0" marR="0" indent="0" algn="l" defTabSz="914400" rtl="0" eaLnBrk="1" fontAlgn="auto" latinLnBrk="0" hangingPunct="1">
+                        <a:lnSpc>
+                          <a:spcPct val="100000"/>
+                        </a:lnSpc>
+                        <a:spcBef>
+                          <a:spcPts val="0"/>
+                        </a:spcBef>
+                        <a:spcAft>
+                          <a:spcPts val="0"/>
+                        </a:spcAft>
+                        <a:buClrTx/>
+                        <a:buSzTx/>
+                        <a:buFontTx/>
+                        <a:buNone/>
+                        <a:tabLst/>
+                        <a:defRPr/>
+                      </a:pPr>
+                      <a:r>
+                        <a:rPr lang="en-US" altLang="zh-CN" dirty="0" smtClean="0"/>
+                        <a:t>8%</a:t>
+                      </a:r>
+                    </a:p>
+                  </a:txBody>
+                  <a:tcPr anchor="ctr"/>
+                </a:tc>
+                <a:tc>
+                  <a:txBody>
+                    <a:bodyPr/>
+                    <a:lstStyle/>
+                    <a:p>
+                      <a:r>
+                        <a:rPr lang="en-US" altLang="zh-CN" dirty="0" smtClean="0"/>
+                        <a:t>0%</a:t>
+                      </a:r>
+                      <a:endParaRPr lang="zh-CN" altLang="en-US" dirty="0"/>
+                    </a:p>
+                  </a:txBody>
+                  <a:tcPr anchor="ctr"/>
+                </a:tc>
+                <a:tc>
+                  <a:txBody>
+                    <a:bodyPr/>
+                    <a:lstStyle/>
+                    <a:p>
+                      <a:endParaRPr lang="zh-CN" altLang="en-US" dirty="0"/>
+                    </a:p>
+                  </a:txBody>
+                  <a:tcPr anchor="ctr"/>
+                </a:tc>
+              </a:tr>
+              <a:tr h="370840">
+                <a:tc>
+                  <a:txBody>
+                    <a:bodyPr/>
+                    <a:lstStyle/>
+                    <a:p>
+                      <a:r>
+                        <a:rPr lang="zh-CN" altLang="en-US" dirty="0" smtClean="0"/>
+                        <a:t>总面积</a:t>
+                      </a:r>
+                      <a:endParaRPr lang="zh-CN" altLang="en-US" dirty="0"/>
+                    </a:p>
+                  </a:txBody>
+                  <a:tcPr anchor="ctr"/>
+                </a:tc>
+                <a:tc>
+                  <a:txBody>
+                    <a:bodyPr/>
+                    <a:lstStyle/>
+                    <a:p>
+                      <a:pPr marL="0" marR="0" indent="0" algn="l" defTabSz="914400" rtl="0" eaLnBrk="1" fontAlgn="auto" latinLnBrk="0" hangingPunct="1">
+                        <a:lnSpc>
+                          <a:spcPct val="100000"/>
+                        </a:lnSpc>
+                        <a:spcBef>
+                          <a:spcPts val="0"/>
+                        </a:spcBef>
+                        <a:spcAft>
+                          <a:spcPts val="0"/>
+                        </a:spcAft>
+                        <a:buClrTx/>
+                        <a:buSzTx/>
+                        <a:buFontTx/>
+                        <a:buNone/>
+                        <a:tabLst/>
+                        <a:defRPr/>
+                      </a:pPr>
+                      <a:r>
+                        <a:rPr lang="en-US" altLang="zh-CN" dirty="0" smtClean="0"/>
+                        <a:t>7767</a:t>
+                      </a:r>
+                      <a:endParaRPr lang="zh-CN" altLang="en-US" dirty="0" smtClean="0"/>
+                    </a:p>
+                  </a:txBody>
+                  <a:tcPr anchor="ctr"/>
+                </a:tc>
+                <a:tc>
+                  <a:txBody>
+                    <a:bodyPr/>
+                    <a:lstStyle/>
+                    <a:p>
+                      <a:endParaRPr lang="zh-CN" altLang="en-US" dirty="0"/>
+                    </a:p>
+                  </a:txBody>
+                  <a:tcPr anchor="ctr"/>
+                </a:tc>
+                <a:tc>
+                  <a:txBody>
+                    <a:bodyPr/>
+                    <a:lstStyle/>
+                    <a:p>
+                      <a:endParaRPr lang="zh-CN" altLang="en-US" dirty="0"/>
+                    </a:p>
+                  </a:txBody>
+                  <a:tcPr anchor="ctr"/>
+                </a:tc>
+                <a:tc>
+                  <a:txBody>
+                    <a:bodyPr/>
+                    <a:lstStyle/>
+                    <a:p>
+                      <a:r>
+                        <a:rPr lang="en-US" altLang="zh-CN" dirty="0" smtClean="0"/>
+                        <a:t>74%</a:t>
+                      </a:r>
+                      <a:endParaRPr lang="zh-CN" altLang="en-US" dirty="0"/>
+                    </a:p>
+                  </a:txBody>
+                  <a:tcPr anchor="ctr"/>
+                </a:tc>
+              </a:tr>
+            </a:tbl>
+          </a:graphicData>
+        </a:graphic>
+      </p:graphicFrame>
+    </p:spTree>
+    <p:extLst>
+      <p:ext uri="{BB962C8B-B14F-4D97-AF65-F5344CB8AC3E}">
+        <p14:creationId xmlns:p14="http://schemas.microsoft.com/office/powerpoint/2010/main" val="259303235"/>
+      </p:ext>
+    </p:extLst>
+  </p:cSld>
+  <p:clrMapOvr>
+    <a:masterClrMapping/>
+  </p:clrMapOvr>
+  <mc:AlternateContent xmlns:mc="http://schemas.openxmlformats.org/markup-compatibility/2006">
+    <mc:Choice xmlns:p14="http://schemas.microsoft.com/office/powerpoint/2010/main" Requires="p14">
+      <p:transition spd="slow" p14:dur="2000"/>
+    </mc:Choice>
+    <mc:Fallback>
+      <p:transition spd="slow"/>
+    </mc:Fallback>
+  </mc:AlternateContent>
+</p:sld>
+</file>
+
+<file path=ppt/slides/slide4.xml><?xml version="1.0" encoding="utf-8"?>
+<p:sld xmlns:a="http://schemas.openxmlformats.org/drawingml/2006/main" xmlns:r="http://schemas.openxmlformats.org/officeDocument/2006/relationships" xmlns:p="http://schemas.openxmlformats.org/presentationml/2006/main">
+  <p:cSld>
+    <p:spTree>
+      <p:nvGrpSpPr>
+        <p:cNvPr id="1" name=""/>
+        <p:cNvGrpSpPr/>
+        <p:nvPr/>
+      </p:nvGrpSpPr>
+      <p:grpSpPr>
+        <a:xfrm>
+          <a:off x="0" y="0"/>
+          <a:ext cx="0" cy="0"/>
+          <a:chOff x="0" y="0"/>
+          <a:chExt cx="0" cy="0"/>
+        </a:xfrm>
+      </p:grpSpPr>
+      <p:grpSp>
+        <p:nvGrpSpPr>
+          <p:cNvPr id="15" name="Group 14"/>
+          <p:cNvGrpSpPr/>
+          <p:nvPr/>
+        </p:nvGrpSpPr>
+        <p:grpSpPr>
+          <a:xfrm>
+            <a:off x="208433" y="4413879"/>
+            <a:ext cx="2462170" cy="1152000"/>
+            <a:chOff x="208433" y="4413879"/>
+            <a:chExt cx="2462170" cy="1152000"/>
+          </a:xfrm>
+        </p:grpSpPr>
+        <p:pic>
+          <p:nvPicPr>
+            <p:cNvPr id="5" name="Picture 4"/>
+            <p:cNvPicPr>
+              <a:picLocks noChangeAspect="1"/>
+            </p:cNvPicPr>
+            <p:nvPr/>
+          </p:nvPicPr>
+          <p:blipFill rotWithShape="1">
+            <a:blip r:embed="rId2" cstate="print">
+              <a:extLst>
+                <a:ext uri="{28A0092B-C50C-407E-A947-70E740481C1C}">
+                  <a14:useLocalDpi xmlns:a14="http://schemas.microsoft.com/office/drawing/2010/main" val="0"/>
+                </a:ext>
+              </a:extLst>
+            </a:blip>
+            <a:srcRect l="17214" t="1362" r="17505" b="532"/>
+            <a:stretch/>
+          </p:blipFill>
+          <p:spPr>
+            <a:xfrm>
+              <a:off x="208433" y="4413879"/>
+              <a:ext cx="1152000" cy="1152000"/>
+            </a:xfrm>
+            <a:prstGeom prst="ellipse">
+              <a:avLst/>
+            </a:prstGeom>
+            <a:ln>
+              <a:solidFill>
+                <a:schemeClr val="tx1"/>
+              </a:solidFill>
+            </a:ln>
+            <a:effectLst>
+              <a:softEdge rad="0"/>
+            </a:effectLst>
+          </p:spPr>
+        </p:pic>
+        <p:sp>
+          <p:nvSpPr>
+            <p:cNvPr id="6" name="TextBox 5"/>
+            <p:cNvSpPr txBox="1"/>
+            <p:nvPr/>
+          </p:nvSpPr>
+          <p:spPr>
+            <a:xfrm>
+              <a:off x="1360433" y="4666713"/>
+              <a:ext cx="1310170" cy="646331"/>
+            </a:xfrm>
+            <a:prstGeom prst="rect">
+              <a:avLst/>
+            </a:prstGeom>
+            <a:noFill/>
+          </p:spPr>
+          <p:txBody>
+            <a:bodyPr wrap="square" rtlCol="0">
+              <a:spAutoFit/>
+            </a:bodyPr>
+            <a:lstStyle/>
+            <a:p>
+              <a:pPr algn="ctr"/>
+              <a:r>
+                <a:rPr lang="zh-CN" altLang="en-US" sz="2000" dirty="0" smtClean="0">
+                  <a:latin typeface="黑体" panose="02010609060101010101" pitchFamily="49" charset="-122"/>
+                  <a:ea typeface="黑体" panose="02010609060101010101" pitchFamily="49" charset="-122"/>
+                </a:rPr>
+                <a:t>基础实践</a:t>
+              </a:r>
+              <a:endParaRPr lang="en-US" altLang="zh-CN" sz="2000" dirty="0" smtClean="0">
+                <a:latin typeface="黑体" panose="02010609060101010101" pitchFamily="49" charset="-122"/>
+                <a:ea typeface="黑体" panose="02010609060101010101" pitchFamily="49" charset="-122"/>
+              </a:endParaRPr>
+            </a:p>
+            <a:p>
+              <a:pPr algn="ctr"/>
+              <a:r>
+                <a:rPr lang="zh-CN" altLang="en-US" sz="1600" dirty="0" smtClean="0">
+                  <a:latin typeface="黑体" panose="02010609060101010101" pitchFamily="49" charset="-122"/>
+                  <a:ea typeface="黑体" panose="02010609060101010101" pitchFamily="49" charset="-122"/>
+                </a:rPr>
+                <a:t>融合</a:t>
+              </a:r>
+              <a:r>
+                <a:rPr lang="zh-CN" altLang="en-US" sz="1600" dirty="0" smtClean="0">
+                  <a:solidFill>
+                    <a:schemeClr val="accent5"/>
+                  </a:solidFill>
+                  <a:latin typeface="黑体" panose="02010609060101010101" pitchFamily="49" charset="-122"/>
+                  <a:ea typeface="黑体" panose="02010609060101010101" pitchFamily="49" charset="-122"/>
+                </a:rPr>
+                <a:t>微</a:t>
+              </a:r>
+              <a:r>
+                <a:rPr lang="zh-CN" altLang="en-US" sz="1600" dirty="0" smtClean="0">
+                  <a:latin typeface="黑体" panose="02010609060101010101" pitchFamily="49" charset="-122"/>
+                  <a:ea typeface="黑体" panose="02010609060101010101" pitchFamily="49" charset="-122"/>
+                </a:rPr>
+                <a:t>创新</a:t>
+              </a:r>
+              <a:endParaRPr lang="zh-CN" altLang="en-US" sz="1600" dirty="0">
+                <a:latin typeface="黑体" panose="02010609060101010101" pitchFamily="49" charset="-122"/>
+                <a:ea typeface="黑体" panose="02010609060101010101" pitchFamily="49" charset="-122"/>
+              </a:endParaRPr>
+            </a:p>
+          </p:txBody>
+        </p:sp>
+      </p:grpSp>
+      <p:grpSp>
+        <p:nvGrpSpPr>
+          <p:cNvPr id="14" name="Group 13"/>
+          <p:cNvGrpSpPr/>
+          <p:nvPr/>
+        </p:nvGrpSpPr>
+        <p:grpSpPr>
+          <a:xfrm>
+            <a:off x="208433" y="2511021"/>
+            <a:ext cx="2616714" cy="1152000"/>
+            <a:chOff x="208433" y="2533548"/>
+            <a:chExt cx="2616714" cy="1152000"/>
+          </a:xfrm>
+        </p:grpSpPr>
+        <p:pic>
+          <p:nvPicPr>
+            <p:cNvPr id="8" name="Picture 2"/>
+            <p:cNvPicPr>
+              <a:picLocks noChangeAspect="1" noChangeArrowheads="1"/>
+            </p:cNvPicPr>
+            <p:nvPr/>
+          </p:nvPicPr>
+          <p:blipFill rotWithShape="1">
+            <a:blip r:embed="rId3">
+              <a:extLst/>
+            </a:blip>
+            <a:srcRect l="3274" t="5028" r="36610" b="5035"/>
+            <a:stretch/>
+          </p:blipFill>
+          <p:spPr bwMode="auto">
+            <a:xfrm>
+              <a:off x="208433" y="2533548"/>
+              <a:ext cx="1152000" cy="1152000"/>
+            </a:xfrm>
+            <a:prstGeom prst="ellipse">
+              <a:avLst/>
+            </a:prstGeom>
+            <a:ln>
+              <a:solidFill>
+                <a:schemeClr val="tx1"/>
+              </a:solidFill>
+            </a:ln>
+            <a:effectLst>
+              <a:softEdge rad="0"/>
+            </a:effectLst>
+            <a:extLst/>
+          </p:spPr>
+        </p:pic>
+        <p:sp>
+          <p:nvSpPr>
+            <p:cNvPr id="9" name="TextBox 8"/>
+            <p:cNvSpPr txBox="1"/>
+            <p:nvPr/>
+          </p:nvSpPr>
+          <p:spPr>
+            <a:xfrm>
+              <a:off x="1360433" y="2786383"/>
+              <a:ext cx="1464714" cy="646331"/>
+            </a:xfrm>
+            <a:prstGeom prst="rect">
+              <a:avLst/>
+            </a:prstGeom>
+            <a:noFill/>
+          </p:spPr>
+          <p:txBody>
+            <a:bodyPr wrap="square" rtlCol="0">
+              <a:spAutoFit/>
+            </a:bodyPr>
+            <a:lstStyle/>
+            <a:p>
+              <a:pPr algn="ctr"/>
+              <a:r>
+                <a:rPr lang="zh-CN" altLang="en-US" sz="2000" dirty="0" smtClean="0">
+                  <a:latin typeface="黑体" panose="02010609060101010101" pitchFamily="49" charset="-122"/>
+                  <a:ea typeface="黑体" panose="02010609060101010101" pitchFamily="49" charset="-122"/>
+                </a:rPr>
+                <a:t>项目与竞赛</a:t>
+              </a:r>
+              <a:endParaRPr lang="en-US" altLang="zh-CN" sz="2000" dirty="0" smtClean="0">
+                <a:latin typeface="黑体" panose="02010609060101010101" pitchFamily="49" charset="-122"/>
+                <a:ea typeface="黑体" panose="02010609060101010101" pitchFamily="49" charset="-122"/>
+              </a:endParaRPr>
+            </a:p>
+            <a:p>
+              <a:pPr algn="ctr"/>
+              <a:r>
+                <a:rPr lang="zh-CN" altLang="en-US" sz="1600" dirty="0" smtClean="0">
+                  <a:latin typeface="黑体" panose="02010609060101010101" pitchFamily="49" charset="-122"/>
+                  <a:ea typeface="黑体" panose="02010609060101010101" pitchFamily="49" charset="-122"/>
+                </a:rPr>
+                <a:t>训练</a:t>
+              </a:r>
+              <a:r>
+                <a:rPr lang="zh-CN" altLang="en-US" sz="1600" dirty="0" smtClean="0">
+                  <a:solidFill>
+                    <a:schemeClr val="accent2"/>
+                  </a:solidFill>
+                  <a:latin typeface="黑体" panose="02010609060101010101" pitchFamily="49" charset="-122"/>
+                  <a:ea typeface="黑体" panose="02010609060101010101" pitchFamily="49" charset="-122"/>
+                </a:rPr>
+                <a:t>应用</a:t>
+              </a:r>
+              <a:r>
+                <a:rPr lang="zh-CN" altLang="en-US" sz="1600" dirty="0" smtClean="0">
+                  <a:latin typeface="黑体" panose="02010609060101010101" pitchFamily="49" charset="-122"/>
+                  <a:ea typeface="黑体" panose="02010609060101010101" pitchFamily="49" charset="-122"/>
+                </a:rPr>
+                <a:t>创新</a:t>
+              </a:r>
+              <a:endParaRPr lang="zh-CN" altLang="en-US" sz="1600" dirty="0">
+                <a:latin typeface="黑体" panose="02010609060101010101" pitchFamily="49" charset="-122"/>
+                <a:ea typeface="黑体" panose="02010609060101010101" pitchFamily="49" charset="-122"/>
+              </a:endParaRPr>
+            </a:p>
+          </p:txBody>
+        </p:sp>
+      </p:grpSp>
+      <p:grpSp>
+        <p:nvGrpSpPr>
+          <p:cNvPr id="13" name="Group 12"/>
+          <p:cNvGrpSpPr/>
+          <p:nvPr/>
+        </p:nvGrpSpPr>
+        <p:grpSpPr>
+          <a:xfrm>
+            <a:off x="208433" y="608163"/>
+            <a:ext cx="2601948" cy="1152000"/>
+            <a:chOff x="208433" y="608163"/>
+            <a:chExt cx="2601948" cy="1152000"/>
+          </a:xfrm>
+        </p:grpSpPr>
+        <p:pic>
+          <p:nvPicPr>
+            <p:cNvPr id="7" name="Picture 6"/>
+            <p:cNvPicPr>
+              <a:picLocks noChangeAspect="1"/>
+            </p:cNvPicPr>
+            <p:nvPr/>
+          </p:nvPicPr>
+          <p:blipFill rotWithShape="1">
+            <a:blip r:embed="rId4" cstate="print">
+              <a:extLst>
+                <a:ext uri="{28A0092B-C50C-407E-A947-70E740481C1C}">
+                  <a14:useLocalDpi xmlns:a14="http://schemas.microsoft.com/office/drawing/2010/main" val="0"/>
+                </a:ext>
+              </a:extLst>
+            </a:blip>
+            <a:srcRect l="5591" t="4565" r="17047" b="11936"/>
+            <a:stretch/>
+          </p:blipFill>
+          <p:spPr>
+            <a:xfrm>
+              <a:off x="208433" y="608163"/>
+              <a:ext cx="1152000" cy="1152000"/>
+            </a:xfrm>
+            <a:prstGeom prst="ellipse">
+              <a:avLst/>
+            </a:prstGeom>
+            <a:ln>
+              <a:solidFill>
+                <a:schemeClr val="tx1"/>
+              </a:solidFill>
+            </a:ln>
+            <a:effectLst>
+              <a:softEdge rad="0"/>
+            </a:effectLst>
+          </p:spPr>
+        </p:pic>
+        <p:sp>
+          <p:nvSpPr>
+            <p:cNvPr id="10" name="TextBox 9"/>
+            <p:cNvSpPr txBox="1"/>
+            <p:nvPr/>
+          </p:nvSpPr>
+          <p:spPr>
+            <a:xfrm>
+              <a:off x="1360433" y="860998"/>
+              <a:ext cx="1449948" cy="646331"/>
+            </a:xfrm>
+            <a:prstGeom prst="rect">
+              <a:avLst/>
+            </a:prstGeom>
+            <a:noFill/>
+          </p:spPr>
+          <p:txBody>
+            <a:bodyPr wrap="square" rtlCol="0">
+              <a:spAutoFit/>
+            </a:bodyPr>
+            <a:lstStyle/>
+            <a:p>
+              <a:pPr algn="ctr"/>
+              <a:r>
+                <a:rPr lang="zh-CN" altLang="en-US" sz="2000" dirty="0" smtClean="0">
+                  <a:latin typeface="黑体" panose="02010609060101010101" pitchFamily="49" charset="-122"/>
+                  <a:ea typeface="黑体" panose="02010609060101010101" pitchFamily="49" charset="-122"/>
+                </a:rPr>
+                <a:t>产品开发</a:t>
+              </a:r>
+              <a:endParaRPr lang="en-US" altLang="zh-CN" sz="2000" dirty="0" smtClean="0">
+                <a:latin typeface="黑体" panose="02010609060101010101" pitchFamily="49" charset="-122"/>
+                <a:ea typeface="黑体" panose="02010609060101010101" pitchFamily="49" charset="-122"/>
+              </a:endParaRPr>
+            </a:p>
+            <a:p>
+              <a:pPr algn="ctr"/>
+              <a:r>
+                <a:rPr lang="zh-CN" altLang="en-US" sz="1600" dirty="0" smtClean="0">
+                  <a:latin typeface="黑体" panose="02010609060101010101" pitchFamily="49" charset="-122"/>
+                  <a:ea typeface="黑体" panose="02010609060101010101" pitchFamily="49" charset="-122"/>
+                </a:rPr>
+                <a:t>培养</a:t>
+              </a:r>
+              <a:r>
+                <a:rPr lang="zh-CN" altLang="en-US" sz="1600" dirty="0" smtClean="0">
+                  <a:solidFill>
+                    <a:srgbClr val="C00000"/>
+                  </a:solidFill>
+                  <a:latin typeface="黑体" panose="02010609060101010101" pitchFamily="49" charset="-122"/>
+                  <a:ea typeface="黑体" panose="02010609060101010101" pitchFamily="49" charset="-122"/>
+                </a:rPr>
+                <a:t>系统</a:t>
+              </a:r>
+              <a:r>
+                <a:rPr lang="zh-CN" altLang="en-US" sz="1600" dirty="0" smtClean="0">
+                  <a:latin typeface="黑体" panose="02010609060101010101" pitchFamily="49" charset="-122"/>
+                  <a:ea typeface="黑体" panose="02010609060101010101" pitchFamily="49" charset="-122"/>
+                </a:rPr>
+                <a:t>创新</a:t>
+              </a:r>
+              <a:endParaRPr lang="zh-CN" altLang="en-US" sz="1600" dirty="0">
+                <a:latin typeface="黑体" panose="02010609060101010101" pitchFamily="49" charset="-122"/>
+                <a:ea typeface="黑体" panose="02010609060101010101" pitchFamily="49" charset="-122"/>
+              </a:endParaRPr>
+            </a:p>
+          </p:txBody>
+        </p:sp>
+      </p:grpSp>
+      <p:sp>
+        <p:nvSpPr>
+          <p:cNvPr id="2" name="Pentagon 1"/>
+          <p:cNvSpPr/>
+          <p:nvPr/>
+        </p:nvSpPr>
+        <p:spPr>
+          <a:xfrm rot="16200000">
+            <a:off x="196356" y="3298093"/>
+            <a:ext cx="5760000" cy="144000"/>
+          </a:xfrm>
+          <a:prstGeom prst="homePlate">
+            <a:avLst/>
+          </a:prstGeom>
+          <a:solidFill>
+            <a:schemeClr val="bg1">
+              <a:lumMod val="65000"/>
+            </a:schemeClr>
+          </a:solidFill>
+          <a:ln>
+            <a:noFill/>
+          </a:ln>
+        </p:spPr>
+        <p:style>
+          <a:lnRef idx="2">
+            <a:schemeClr val="accent1">
+              <a:shade val="50000"/>
+            </a:schemeClr>
+          </a:lnRef>
+          <a:fillRef idx="1">
+            <a:schemeClr val="accent1"/>
+          </a:fillRef>
+          <a:effectRef idx="0">
+            <a:schemeClr val="accent1"/>
+          </a:effectRef>
+          <a:fontRef idx="minor">
+            <a:schemeClr val="lt1"/>
+          </a:fontRef>
+        </p:style>
+        <p:txBody>
+          <a:bodyPr rtlCol="0" anchor="ctr"/>
+          <a:lstStyle/>
+          <a:p>
+            <a:pPr algn="ctr"/>
+            <a:endParaRPr lang="zh-CN" altLang="en-US"/>
+          </a:p>
+        </p:txBody>
+      </p:sp>
+      <p:sp>
+        <p:nvSpPr>
+          <p:cNvPr id="11" name="Pentagon 10"/>
+          <p:cNvSpPr/>
+          <p:nvPr/>
+        </p:nvSpPr>
+        <p:spPr>
+          <a:xfrm>
+            <a:off x="3148357" y="6106093"/>
+            <a:ext cx="8640000" cy="144000"/>
+          </a:xfrm>
+          <a:prstGeom prst="homePlate">
+            <a:avLst/>
+          </a:prstGeom>
+          <a:solidFill>
+            <a:schemeClr val="bg1">
+              <a:lumMod val="65000"/>
+            </a:schemeClr>
+          </a:solidFill>
+          <a:ln>
+            <a:noFill/>
+          </a:ln>
+        </p:spPr>
+        <p:style>
+          <a:lnRef idx="2">
+            <a:schemeClr val="accent1">
+              <a:shade val="50000"/>
+            </a:schemeClr>
+          </a:lnRef>
+          <a:fillRef idx="1">
+            <a:schemeClr val="accent1"/>
+          </a:fillRef>
+          <a:effectRef idx="0">
+            <a:schemeClr val="accent1"/>
+          </a:effectRef>
+          <a:fontRef idx="minor">
+            <a:schemeClr val="lt1"/>
+          </a:fontRef>
+        </p:style>
+        <p:txBody>
+          <a:bodyPr rtlCol="0" anchor="ctr"/>
+          <a:lstStyle/>
+          <a:p>
+            <a:pPr algn="ctr"/>
+            <a:endParaRPr lang="zh-CN" altLang="en-US"/>
+          </a:p>
+        </p:txBody>
+      </p:sp>
+      <p:sp>
+        <p:nvSpPr>
+          <p:cNvPr id="3" name="TextBox 2"/>
+          <p:cNvSpPr txBox="1"/>
+          <p:nvPr/>
+        </p:nvSpPr>
+        <p:spPr>
+          <a:xfrm>
+            <a:off x="3004354" y="6349285"/>
+            <a:ext cx="9187645" cy="369332"/>
+          </a:xfrm>
+          <a:prstGeom prst="rect">
+            <a:avLst/>
+          </a:prstGeom>
+          <a:noFill/>
+        </p:spPr>
+        <p:txBody>
+          <a:bodyPr wrap="square" rtlCol="0">
+            <a:spAutoFit/>
+          </a:bodyPr>
+          <a:lstStyle/>
+          <a:p>
+            <a:r>
+              <a:rPr lang="en-US" altLang="zh-CN" dirty="0" smtClean="0"/>
+              <a:t>1</a:t>
+            </a:r>
+            <a:r>
+              <a:rPr lang="zh-CN" altLang="en-US" dirty="0" smtClean="0"/>
+              <a:t>小时</a:t>
+            </a:r>
+            <a:r>
+              <a:rPr lang="en-US" altLang="zh-CN" dirty="0" smtClean="0"/>
+              <a:t>	1</a:t>
+            </a:r>
+            <a:r>
+              <a:rPr lang="zh-CN" altLang="en-US" dirty="0" smtClean="0"/>
+              <a:t>天</a:t>
+            </a:r>
+            <a:r>
+              <a:rPr lang="en-US" altLang="zh-CN" dirty="0" smtClean="0"/>
+              <a:t>	1</a:t>
+            </a:r>
+            <a:r>
+              <a:rPr lang="zh-CN" altLang="en-US" dirty="0" smtClean="0"/>
+              <a:t>周</a:t>
+            </a:r>
+            <a:r>
+              <a:rPr lang="en-US" altLang="zh-CN" dirty="0" smtClean="0"/>
+              <a:t>		0.5</a:t>
+            </a:r>
+            <a:r>
+              <a:rPr lang="zh-CN" altLang="en-US" dirty="0" smtClean="0"/>
+              <a:t>学期</a:t>
+            </a:r>
+            <a:r>
+              <a:rPr lang="en-US" altLang="zh-CN" dirty="0" smtClean="0"/>
+              <a:t>		1</a:t>
+            </a:r>
+            <a:r>
+              <a:rPr lang="zh-CN" altLang="en-US" dirty="0" smtClean="0"/>
+              <a:t>学期</a:t>
+            </a:r>
+            <a:r>
+              <a:rPr lang="en-US" altLang="zh-CN" dirty="0" smtClean="0"/>
+              <a:t>		1</a:t>
+            </a:r>
+            <a:r>
+              <a:rPr lang="zh-CN" altLang="en-US" dirty="0" smtClean="0"/>
+              <a:t>学年</a:t>
+            </a:r>
+            <a:r>
+              <a:rPr lang="en-US" altLang="zh-CN" dirty="0" smtClean="0"/>
+              <a:t>	</a:t>
+            </a:r>
+            <a:r>
+              <a:rPr lang="zh-CN" altLang="en-US" dirty="0" smtClean="0"/>
+              <a:t>长期</a:t>
+            </a:r>
+            <a:endParaRPr lang="zh-CN" altLang="en-US" dirty="0"/>
+          </a:p>
+        </p:txBody>
+      </p:sp>
+      <p:sp>
+        <p:nvSpPr>
+          <p:cNvPr id="16" name="Oval 15"/>
+          <p:cNvSpPr>
+            <a:spLocks noChangeAspect="1"/>
+          </p:cNvSpPr>
+          <p:nvPr/>
+        </p:nvSpPr>
+        <p:spPr>
+          <a:xfrm>
+            <a:off x="4792279" y="3994421"/>
+            <a:ext cx="1944000" cy="1944000"/>
+          </a:xfrm>
+          <a:prstGeom prst="ellipse">
+            <a:avLst/>
+          </a:prstGeom>
+        </p:spPr>
+        <p:style>
+          <a:lnRef idx="2">
+            <a:schemeClr val="accent1">
+              <a:shade val="50000"/>
+            </a:schemeClr>
+          </a:lnRef>
+          <a:fillRef idx="1">
+            <a:schemeClr val="accent1"/>
+          </a:fillRef>
+          <a:effectRef idx="0">
+            <a:schemeClr val="accent1"/>
+          </a:effectRef>
+          <a:fontRef idx="minor">
+            <a:schemeClr val="lt1"/>
+          </a:fontRef>
+        </p:style>
+        <p:txBody>
+          <a:bodyPr wrap="none" lIns="0" tIns="108000" rIns="0" bIns="36000" rtlCol="0" anchor="ctr"/>
+          <a:lstStyle/>
+          <a:p>
+            <a:pPr algn="ctr"/>
+            <a:r>
+              <a:rPr lang="zh-CN" altLang="en-US" dirty="0"/>
+              <a:t>工程</a:t>
+            </a:r>
+            <a:r>
+              <a:rPr lang="zh-CN" altLang="en-US" dirty="0" smtClean="0"/>
+              <a:t>训练</a:t>
+            </a:r>
+            <a:endParaRPr lang="en-US" altLang="zh-CN" dirty="0" smtClean="0"/>
+          </a:p>
+          <a:p>
+            <a:pPr algn="ctr"/>
+            <a:r>
+              <a:rPr lang="zh-CN" altLang="en-US" dirty="0" smtClean="0"/>
+              <a:t>课群</a:t>
+            </a:r>
+            <a:endParaRPr lang="zh-CN" altLang="en-US" dirty="0"/>
+          </a:p>
+        </p:txBody>
+      </p:sp>
+      <p:sp>
+        <p:nvSpPr>
+          <p:cNvPr id="17" name="Oval 16"/>
+          <p:cNvSpPr>
+            <a:spLocks noChangeAspect="1"/>
+          </p:cNvSpPr>
+          <p:nvPr/>
+        </p:nvSpPr>
+        <p:spPr>
+          <a:xfrm>
+            <a:off x="3814242" y="3716283"/>
+            <a:ext cx="1296000" cy="1296000"/>
+          </a:xfrm>
+          <a:prstGeom prst="ellipse">
+            <a:avLst/>
+          </a:prstGeom>
+        </p:spPr>
+        <p:style>
+          <a:lnRef idx="2">
+            <a:schemeClr val="accent1">
+              <a:shade val="50000"/>
+            </a:schemeClr>
+          </a:lnRef>
+          <a:fillRef idx="1">
+            <a:schemeClr val="accent1"/>
+          </a:fillRef>
+          <a:effectRef idx="0">
+            <a:schemeClr val="accent1"/>
+          </a:effectRef>
+          <a:fontRef idx="minor">
+            <a:schemeClr val="lt1"/>
+          </a:fontRef>
+        </p:style>
+        <p:txBody>
+          <a:bodyPr wrap="none" lIns="0" tIns="108000" rIns="0" bIns="36000" rtlCol="0" anchor="ctr"/>
+          <a:lstStyle/>
+          <a:p>
+            <a:pPr algn="ctr"/>
+            <a:r>
+              <a:rPr lang="zh-CN" altLang="en-US" dirty="0" smtClean="0"/>
+              <a:t>协同素养</a:t>
+            </a:r>
+            <a:endParaRPr lang="zh-CN" altLang="en-US" dirty="0"/>
+          </a:p>
+        </p:txBody>
+      </p:sp>
+      <p:sp>
+        <p:nvSpPr>
+          <p:cNvPr id="18" name="Oval 17"/>
+          <p:cNvSpPr>
+            <a:spLocks noChangeAspect="1"/>
+          </p:cNvSpPr>
+          <p:nvPr/>
+        </p:nvSpPr>
+        <p:spPr>
+          <a:xfrm>
+            <a:off x="3148357" y="4643992"/>
+            <a:ext cx="1440000" cy="1440000"/>
+          </a:xfrm>
+          <a:prstGeom prst="ellipse">
+            <a:avLst/>
+          </a:prstGeom>
+        </p:spPr>
+        <p:style>
+          <a:lnRef idx="2">
+            <a:schemeClr val="accent1">
+              <a:shade val="50000"/>
+            </a:schemeClr>
+          </a:lnRef>
+          <a:fillRef idx="1">
+            <a:schemeClr val="accent1"/>
+          </a:fillRef>
+          <a:effectRef idx="0">
+            <a:schemeClr val="accent1"/>
+          </a:effectRef>
+          <a:fontRef idx="minor">
+            <a:schemeClr val="lt1"/>
+          </a:fontRef>
+        </p:style>
+        <p:txBody>
+          <a:bodyPr wrap="none" lIns="0" tIns="108000" rIns="0" bIns="36000" rtlCol="0" anchor="ctr"/>
+          <a:lstStyle/>
+          <a:p>
+            <a:pPr algn="ctr"/>
+            <a:r>
+              <a:rPr lang="zh-CN" altLang="en-US" dirty="0" smtClean="0"/>
+              <a:t>实用技能</a:t>
+            </a:r>
+            <a:endParaRPr lang="en-US" altLang="zh-CN" dirty="0" smtClean="0"/>
+          </a:p>
+          <a:p>
+            <a:pPr algn="ctr"/>
+            <a:r>
+              <a:rPr lang="zh-CN" altLang="en-US" dirty="0" smtClean="0"/>
+              <a:t>模块课程</a:t>
+            </a:r>
+            <a:endParaRPr lang="zh-CN" altLang="en-US" dirty="0"/>
+          </a:p>
+        </p:txBody>
+      </p:sp>
+      <p:sp>
+        <p:nvSpPr>
+          <p:cNvPr id="19" name="Oval 18"/>
+          <p:cNvSpPr>
+            <a:spLocks noChangeAspect="1"/>
+          </p:cNvSpPr>
+          <p:nvPr/>
+        </p:nvSpPr>
+        <p:spPr>
+          <a:xfrm>
+            <a:off x="6520279" y="2685879"/>
+            <a:ext cx="1296000" cy="1296000"/>
+          </a:xfrm>
+          <a:prstGeom prst="ellipse">
+            <a:avLst/>
+          </a:prstGeom>
+        </p:spPr>
+        <p:style>
+          <a:lnRef idx="2">
+            <a:schemeClr val="accent1">
+              <a:shade val="50000"/>
+            </a:schemeClr>
+          </a:lnRef>
+          <a:fillRef idx="1">
+            <a:schemeClr val="accent1"/>
+          </a:fillRef>
+          <a:effectRef idx="0">
+            <a:schemeClr val="accent1"/>
+          </a:effectRef>
+          <a:fontRef idx="minor">
+            <a:schemeClr val="lt1"/>
+          </a:fontRef>
+        </p:style>
+        <p:txBody>
+          <a:bodyPr wrap="none" lIns="0" tIns="108000" rIns="0" bIns="36000" rtlCol="0" anchor="ctr"/>
+          <a:lstStyle/>
+          <a:p>
+            <a:pPr algn="ctr"/>
+            <a:r>
+              <a:rPr lang="zh-CN" altLang="en-US" dirty="0" smtClean="0"/>
+              <a:t>设计方法</a:t>
+            </a:r>
+            <a:endParaRPr lang="zh-CN" altLang="en-US" dirty="0"/>
+          </a:p>
+        </p:txBody>
+      </p:sp>
+      <p:sp>
+        <p:nvSpPr>
+          <p:cNvPr id="20" name="Oval 19"/>
+          <p:cNvSpPr>
+            <a:spLocks noChangeAspect="1"/>
+          </p:cNvSpPr>
+          <p:nvPr/>
+        </p:nvSpPr>
+        <p:spPr>
+          <a:xfrm>
+            <a:off x="8789346" y="2037879"/>
+            <a:ext cx="1296000" cy="1296000"/>
+          </a:xfrm>
+          <a:prstGeom prst="ellipse">
+            <a:avLst/>
+          </a:prstGeom>
+        </p:spPr>
+        <p:style>
+          <a:lnRef idx="2">
+            <a:schemeClr val="accent2">
+              <a:shade val="50000"/>
+            </a:schemeClr>
+          </a:lnRef>
+          <a:fillRef idx="1">
+            <a:schemeClr val="accent2"/>
+          </a:fillRef>
+          <a:effectRef idx="0">
+            <a:schemeClr val="accent2"/>
+          </a:effectRef>
+          <a:fontRef idx="minor">
+            <a:schemeClr val="lt1"/>
+          </a:fontRef>
+        </p:style>
+        <p:txBody>
+          <a:bodyPr wrap="none" lIns="0" tIns="108000" rIns="0" bIns="36000" rtlCol="0" anchor="ctr"/>
+          <a:lstStyle/>
+          <a:p>
+            <a:pPr algn="ctr"/>
+            <a:r>
+              <a:rPr lang="zh-CN" altLang="en-US" dirty="0" smtClean="0"/>
+              <a:t>竞赛</a:t>
+            </a:r>
+            <a:r>
+              <a:rPr lang="zh-CN" altLang="en-US" dirty="0"/>
+              <a:t>活动</a:t>
+            </a:r>
+          </a:p>
+        </p:txBody>
+      </p:sp>
+      <p:sp>
+        <p:nvSpPr>
+          <p:cNvPr id="22" name="Oval 21"/>
+          <p:cNvSpPr>
+            <a:spLocks noChangeAspect="1"/>
+          </p:cNvSpPr>
+          <p:nvPr/>
+        </p:nvSpPr>
+        <p:spPr>
+          <a:xfrm>
+            <a:off x="7705304" y="1247902"/>
+            <a:ext cx="1296000" cy="1296000"/>
+          </a:xfrm>
+          <a:prstGeom prst="ellipse">
+            <a:avLst/>
+          </a:prstGeom>
+        </p:spPr>
+        <p:style>
+          <a:lnRef idx="2">
+            <a:schemeClr val="accent1">
+              <a:shade val="50000"/>
+            </a:schemeClr>
+          </a:lnRef>
+          <a:fillRef idx="1">
+            <a:schemeClr val="accent1"/>
+          </a:fillRef>
+          <a:effectRef idx="0">
+            <a:schemeClr val="accent1"/>
+          </a:effectRef>
+          <a:fontRef idx="minor">
+            <a:schemeClr val="lt1"/>
+          </a:fontRef>
+        </p:style>
+        <p:txBody>
+          <a:bodyPr wrap="none" lIns="0" tIns="108000" rIns="0" bIns="36000" rtlCol="0" anchor="ctr"/>
+          <a:lstStyle/>
+          <a:p>
+            <a:pPr algn="ctr"/>
+            <a:r>
+              <a:rPr lang="zh-CN" altLang="en-US" dirty="0" smtClean="0"/>
+              <a:t>全球</a:t>
+            </a:r>
+            <a:endParaRPr lang="en-US" altLang="zh-CN" dirty="0" smtClean="0"/>
+          </a:p>
+          <a:p>
+            <a:pPr algn="ctr"/>
+            <a:r>
+              <a:rPr lang="zh-CN" altLang="en-US" dirty="0" smtClean="0"/>
+              <a:t>制造战略</a:t>
+            </a:r>
+            <a:endParaRPr lang="zh-CN" altLang="en-US" dirty="0"/>
+          </a:p>
+        </p:txBody>
+      </p:sp>
+      <p:sp>
+        <p:nvSpPr>
+          <p:cNvPr id="23" name="Oval 22"/>
+          <p:cNvSpPr>
+            <a:spLocks noChangeAspect="1"/>
+          </p:cNvSpPr>
+          <p:nvPr/>
+        </p:nvSpPr>
+        <p:spPr>
+          <a:xfrm>
+            <a:off x="5140628" y="2481249"/>
+            <a:ext cx="969438" cy="969438"/>
+          </a:xfrm>
+          <a:prstGeom prst="ellipse">
+            <a:avLst/>
+          </a:prstGeom>
+        </p:spPr>
+        <p:style>
+          <a:lnRef idx="2">
+            <a:schemeClr val="accent2">
+              <a:shade val="50000"/>
+            </a:schemeClr>
+          </a:lnRef>
+          <a:fillRef idx="1">
+            <a:schemeClr val="accent2"/>
+          </a:fillRef>
+          <a:effectRef idx="0">
+            <a:schemeClr val="accent2"/>
+          </a:effectRef>
+          <a:fontRef idx="minor">
+            <a:schemeClr val="lt1"/>
+          </a:fontRef>
+        </p:style>
+        <p:txBody>
+          <a:bodyPr wrap="none" lIns="0" tIns="108000" rIns="0" bIns="36000" rtlCol="0" anchor="ctr"/>
+          <a:lstStyle/>
+          <a:p>
+            <a:pPr algn="ctr"/>
+            <a:r>
+              <a:rPr lang="zh-CN" altLang="en-US" dirty="0" smtClean="0"/>
+              <a:t>工作坊</a:t>
+            </a:r>
+            <a:endParaRPr lang="zh-CN" altLang="en-US" dirty="0"/>
+          </a:p>
+        </p:txBody>
+      </p:sp>
+      <p:sp>
+        <p:nvSpPr>
+          <p:cNvPr id="24" name="Oval 23"/>
+          <p:cNvSpPr>
+            <a:spLocks noChangeAspect="1"/>
+          </p:cNvSpPr>
+          <p:nvPr/>
+        </p:nvSpPr>
+        <p:spPr>
+          <a:xfrm>
+            <a:off x="9844139" y="1464055"/>
+            <a:ext cx="1645747" cy="1645747"/>
+          </a:xfrm>
+          <a:prstGeom prst="ellipse">
+            <a:avLst/>
+          </a:prstGeom>
+        </p:spPr>
+        <p:style>
+          <a:lnRef idx="2">
+            <a:schemeClr val="accent2">
+              <a:shade val="50000"/>
+            </a:schemeClr>
+          </a:lnRef>
+          <a:fillRef idx="1">
+            <a:schemeClr val="accent2"/>
+          </a:fillRef>
+          <a:effectRef idx="0">
+            <a:schemeClr val="accent2"/>
+          </a:effectRef>
+          <a:fontRef idx="minor">
+            <a:schemeClr val="lt1"/>
+          </a:fontRef>
+        </p:style>
+        <p:txBody>
+          <a:bodyPr wrap="none" lIns="0" tIns="108000" rIns="0" bIns="36000" rtlCol="0" anchor="ctr"/>
+          <a:lstStyle/>
+          <a:p>
+            <a:pPr algn="ctr"/>
+            <a:r>
+              <a:rPr lang="en-US" altLang="zh-CN" dirty="0" smtClean="0"/>
+              <a:t>SRT</a:t>
+            </a:r>
+            <a:r>
+              <a:rPr lang="zh-CN" altLang="en-US" dirty="0" smtClean="0"/>
+              <a:t>项目</a:t>
+            </a:r>
+            <a:endParaRPr lang="zh-CN" altLang="en-US" dirty="0"/>
+          </a:p>
+        </p:txBody>
+      </p:sp>
+      <p:sp>
+        <p:nvSpPr>
+          <p:cNvPr id="21" name="Oval 20"/>
+          <p:cNvSpPr>
+            <a:spLocks noChangeAspect="1"/>
+          </p:cNvSpPr>
+          <p:nvPr/>
+        </p:nvSpPr>
+        <p:spPr>
+          <a:xfrm>
+            <a:off x="10818919" y="789821"/>
+            <a:ext cx="969438" cy="969438"/>
+          </a:xfrm>
+          <a:prstGeom prst="ellipse">
+            <a:avLst/>
+          </a:prstGeom>
+        </p:spPr>
+        <p:style>
+          <a:lnRef idx="2">
+            <a:schemeClr val="accent2">
+              <a:shade val="50000"/>
+            </a:schemeClr>
+          </a:lnRef>
+          <a:fillRef idx="1">
+            <a:schemeClr val="accent2"/>
+          </a:fillRef>
+          <a:effectRef idx="0">
+            <a:schemeClr val="accent2"/>
+          </a:effectRef>
+          <a:fontRef idx="minor">
+            <a:schemeClr val="lt1"/>
+          </a:fontRef>
+        </p:style>
+        <p:txBody>
+          <a:bodyPr wrap="none" lIns="0" tIns="108000" rIns="0" bIns="36000" rtlCol="0" anchor="ctr"/>
+          <a:lstStyle/>
+          <a:p>
+            <a:pPr algn="ctr"/>
+            <a:r>
+              <a:rPr lang="zh-CN" altLang="en-US" dirty="0" smtClean="0"/>
+              <a:t>项目</a:t>
+            </a:r>
+            <a:endParaRPr lang="en-US" altLang="zh-CN" dirty="0" smtClean="0"/>
+          </a:p>
+          <a:p>
+            <a:pPr algn="ctr"/>
+            <a:r>
+              <a:rPr lang="zh-CN" altLang="en-US" dirty="0" smtClean="0"/>
+              <a:t>团队</a:t>
+            </a:r>
+            <a:endParaRPr lang="zh-CN" altLang="en-US" dirty="0"/>
+          </a:p>
+        </p:txBody>
+      </p:sp>
+      <p:sp>
+        <p:nvSpPr>
+          <p:cNvPr id="25" name="Oval 24"/>
+          <p:cNvSpPr>
+            <a:spLocks noChangeAspect="1"/>
+          </p:cNvSpPr>
+          <p:nvPr/>
+        </p:nvSpPr>
+        <p:spPr>
+          <a:xfrm>
+            <a:off x="8036321" y="3266137"/>
+            <a:ext cx="1728000" cy="1728000"/>
+          </a:xfrm>
+          <a:prstGeom prst="ellipse">
+            <a:avLst/>
+          </a:prstGeom>
+        </p:spPr>
+        <p:style>
+          <a:lnRef idx="2">
+            <a:schemeClr val="accent1">
+              <a:shade val="50000"/>
+            </a:schemeClr>
+          </a:lnRef>
+          <a:fillRef idx="1">
+            <a:schemeClr val="accent1"/>
+          </a:fillRef>
+          <a:effectRef idx="0">
+            <a:schemeClr val="accent1"/>
+          </a:effectRef>
+          <a:fontRef idx="minor">
+            <a:schemeClr val="lt1"/>
+          </a:fontRef>
+        </p:style>
+        <p:txBody>
+          <a:bodyPr wrap="none" lIns="0" tIns="108000" rIns="0" bIns="36000" rtlCol="0" anchor="ctr"/>
+          <a:lstStyle/>
+          <a:p>
+            <a:pPr algn="ctr"/>
+            <a:r>
+              <a:rPr lang="zh-CN" altLang="en-US" dirty="0" smtClean="0"/>
+              <a:t>实验室</a:t>
+            </a:r>
+            <a:endParaRPr lang="en-US" altLang="zh-CN" dirty="0" smtClean="0"/>
+          </a:p>
+          <a:p>
+            <a:pPr algn="ctr"/>
+            <a:r>
+              <a:rPr lang="zh-CN" altLang="en-US" dirty="0" smtClean="0"/>
+              <a:t>科研探究</a:t>
+            </a:r>
+            <a:endParaRPr lang="zh-CN" altLang="en-US" dirty="0"/>
+          </a:p>
+        </p:txBody>
+      </p:sp>
+    </p:spTree>
+    <p:extLst>
+      <p:ext uri="{BB962C8B-B14F-4D97-AF65-F5344CB8AC3E}">
+        <p14:creationId xmlns:p14="http://schemas.microsoft.com/office/powerpoint/2010/main" val="3745389318"/>
+      </p:ext>
+    </p:extLst>
+  </p:cSld>
+  <p:clrMapOvr>
+    <a:masterClrMapping/>
+  </p:clrMapOvr>
+  <p:timing>
+    <p:tnLst>
+      <p:par>
+        <p:cTn id="1" dur="indefinite" restart="never" nodeType="tmRoot"/>
+      </p:par>
+    </p:tnLst>
+  </p:timing>
+</p:sld>
+</file>
+
+<file path=ppt/slides/slide5.xml><?xml version="1.0" encoding="utf-8"?>
+<p:sld xmlns:a="http://schemas.openxmlformats.org/drawingml/2006/main" xmlns:r="http://schemas.openxmlformats.org/officeDocument/2006/relationships" xmlns:p="http://schemas.openxmlformats.org/presentationml/2006/main">
+  <p:cSld>
+    <p:spTree>
+      <p:nvGrpSpPr>
+        <p:cNvPr id="1" name=""/>
+        <p:cNvGrpSpPr/>
+        <p:nvPr/>
+      </p:nvGrpSpPr>
+      <p:grpSpPr>
+        <a:xfrm>
+          <a:off x="0" y="0"/>
+          <a:ext cx="0" cy="0"/>
+          <a:chOff x="0" y="0"/>
+          <a:chExt cx="0" cy="0"/>
+        </a:xfrm>
+      </p:grpSpPr>
+      <p:sp>
+        <p:nvSpPr>
+          <p:cNvPr id="15" name="Flowchart: Manual Operation 14"/>
+          <p:cNvSpPr/>
+          <p:nvPr/>
+        </p:nvSpPr>
+        <p:spPr>
+          <a:xfrm flipV="1">
+            <a:off x="5073748" y="1241328"/>
+            <a:ext cx="5211381" cy="4875207"/>
+          </a:xfrm>
+          <a:prstGeom prst="flowChartManualOperation">
+            <a:avLst/>
+          </a:prstGeom>
+          <a:gradFill>
+            <a:gsLst>
+              <a:gs pos="0">
+                <a:schemeClr val="bg1"/>
+              </a:gs>
+              <a:gs pos="40000">
+                <a:schemeClr val="accent2">
+                  <a:lumMod val="20000"/>
+                  <a:lumOff val="80000"/>
+                </a:schemeClr>
+              </a:gs>
+              <a:gs pos="80000">
+                <a:schemeClr val="accent2">
+                  <a:lumMod val="60000"/>
+                  <a:lumOff val="40000"/>
+                </a:schemeClr>
+              </a:gs>
+              <a:gs pos="100000">
+                <a:schemeClr val="bg1"/>
+              </a:gs>
+            </a:gsLst>
+            <a:lin ang="5400000" scaled="1"/>
+          </a:gradFill>
+          <a:ln>
+            <a:noFill/>
+          </a:ln>
+        </p:spPr>
+        <p:style>
+          <a:lnRef idx="2">
+            <a:schemeClr val="accent1">
+              <a:shade val="50000"/>
+            </a:schemeClr>
+          </a:lnRef>
+          <a:fillRef idx="1">
+            <a:schemeClr val="accent1"/>
+          </a:fillRef>
+          <a:effectRef idx="0">
+            <a:schemeClr val="accent1"/>
+          </a:effectRef>
+          <a:fontRef idx="minor">
+            <a:schemeClr val="lt1"/>
+          </a:fontRef>
+        </p:style>
+        <p:txBody>
+          <a:bodyPr rtlCol="0" anchor="ctr"/>
+          <a:lstStyle/>
+          <a:p>
+            <a:pPr algn="ctr"/>
+            <a:endParaRPr lang="zh-CN" altLang="en-US"/>
+          </a:p>
+        </p:txBody>
+      </p:sp>
+      <p:pic>
+        <p:nvPicPr>
+          <p:cNvPr id="2" name="Picture 1"/>
+          <p:cNvPicPr>
+            <a:picLocks noChangeAspect="1"/>
+          </p:cNvPicPr>
+          <p:nvPr/>
+        </p:nvPicPr>
+        <p:blipFill rotWithShape="1">
+          <a:blip r:embed="rId2" cstate="print">
+            <a:extLst>
+              <a:ext uri="{28A0092B-C50C-407E-A947-70E740481C1C}">
+                <a14:useLocalDpi xmlns:a14="http://schemas.microsoft.com/office/drawing/2010/main" val="0"/>
+              </a:ext>
+            </a:extLst>
+          </a:blip>
+          <a:srcRect l="17214" t="1362" r="17505" b="532"/>
+          <a:stretch/>
+        </p:blipFill>
+        <p:spPr>
+          <a:xfrm>
+            <a:off x="894474" y="5053040"/>
+            <a:ext cx="1296000" cy="1296000"/>
+          </a:xfrm>
+          <a:prstGeom prst="ellipse">
+            <a:avLst/>
+          </a:prstGeom>
+          <a:ln>
+            <a:solidFill>
+              <a:schemeClr val="tx1"/>
+            </a:solidFill>
+          </a:ln>
+          <a:effectLst>
+            <a:softEdge rad="0"/>
+          </a:effectLst>
+        </p:spPr>
+      </p:pic>
+      <p:sp>
+        <p:nvSpPr>
+          <p:cNvPr id="3" name="TextBox 2"/>
+          <p:cNvSpPr txBox="1"/>
+          <p:nvPr/>
+        </p:nvSpPr>
+        <p:spPr>
+          <a:xfrm>
+            <a:off x="2594887" y="5223986"/>
+            <a:ext cx="2146447" cy="954107"/>
+          </a:xfrm>
+          <a:prstGeom prst="rect">
+            <a:avLst/>
+          </a:prstGeom>
+          <a:noFill/>
+        </p:spPr>
+        <p:txBody>
+          <a:bodyPr wrap="square" rtlCol="0">
+            <a:spAutoFit/>
+          </a:bodyPr>
+          <a:lstStyle/>
+          <a:p>
+            <a:pPr algn="ctr"/>
+            <a:r>
+              <a:rPr lang="zh-CN" altLang="en-US" sz="3200" dirty="0" smtClean="0">
+                <a:latin typeface="黑体" panose="02010609060101010101" pitchFamily="49" charset="-122"/>
+                <a:ea typeface="黑体" panose="02010609060101010101" pitchFamily="49" charset="-122"/>
+              </a:rPr>
+              <a:t>基础实践</a:t>
+            </a:r>
+            <a:endParaRPr lang="en-US" altLang="zh-CN" sz="3200" dirty="0" smtClean="0">
+              <a:latin typeface="黑体" panose="02010609060101010101" pitchFamily="49" charset="-122"/>
+              <a:ea typeface="黑体" panose="02010609060101010101" pitchFamily="49" charset="-122"/>
+            </a:endParaRPr>
+          </a:p>
+          <a:p>
+            <a:pPr algn="ctr"/>
+            <a:r>
+              <a:rPr lang="zh-CN" altLang="en-US" sz="2400" dirty="0" smtClean="0">
+                <a:latin typeface="黑体" panose="02010609060101010101" pitchFamily="49" charset="-122"/>
+                <a:ea typeface="黑体" panose="02010609060101010101" pitchFamily="49" charset="-122"/>
+              </a:rPr>
+              <a:t>融合</a:t>
+            </a:r>
+            <a:r>
+              <a:rPr lang="zh-CN" altLang="en-US" sz="2400" dirty="0" smtClean="0">
+                <a:solidFill>
+                  <a:schemeClr val="accent2"/>
+                </a:solidFill>
+                <a:latin typeface="黑体" panose="02010609060101010101" pitchFamily="49" charset="-122"/>
+                <a:ea typeface="黑体" panose="02010609060101010101" pitchFamily="49" charset="-122"/>
+              </a:rPr>
+              <a:t>微</a:t>
+            </a:r>
+            <a:r>
+              <a:rPr lang="zh-CN" altLang="en-US" sz="2400" dirty="0" smtClean="0">
+                <a:latin typeface="黑体" panose="02010609060101010101" pitchFamily="49" charset="-122"/>
+                <a:ea typeface="黑体" panose="02010609060101010101" pitchFamily="49" charset="-122"/>
+              </a:rPr>
+              <a:t>创新</a:t>
+            </a:r>
+            <a:endParaRPr lang="zh-CN" altLang="en-US" sz="2400" dirty="0">
+              <a:latin typeface="黑体" panose="02010609060101010101" pitchFamily="49" charset="-122"/>
+              <a:ea typeface="黑体" panose="02010609060101010101" pitchFamily="49" charset="-122"/>
+            </a:endParaRPr>
+          </a:p>
+        </p:txBody>
+      </p:sp>
+      <p:pic>
+        <p:nvPicPr>
+          <p:cNvPr id="4" name="Picture 3"/>
+          <p:cNvPicPr>
+            <a:picLocks noChangeAspect="1"/>
+          </p:cNvPicPr>
+          <p:nvPr/>
+        </p:nvPicPr>
+        <p:blipFill rotWithShape="1">
+          <a:blip r:embed="rId3" cstate="print">
+            <a:extLst>
+              <a:ext uri="{28A0092B-C50C-407E-A947-70E740481C1C}">
+                <a14:useLocalDpi xmlns:a14="http://schemas.microsoft.com/office/drawing/2010/main" val="0"/>
+              </a:ext>
+            </a:extLst>
+          </a:blip>
+          <a:srcRect l="5591" t="4565" r="17047" b="11936"/>
+          <a:stretch/>
+        </p:blipFill>
+        <p:spPr>
+          <a:xfrm>
+            <a:off x="678474" y="608163"/>
+            <a:ext cx="1728000" cy="1728000"/>
+          </a:xfrm>
+          <a:prstGeom prst="ellipse">
+            <a:avLst/>
+          </a:prstGeom>
+          <a:ln>
+            <a:solidFill>
+              <a:schemeClr val="tx1"/>
+            </a:solidFill>
+          </a:ln>
+          <a:effectLst>
+            <a:softEdge rad="0"/>
+          </a:effectLst>
+        </p:spPr>
+      </p:pic>
+      <p:pic>
+        <p:nvPicPr>
+          <p:cNvPr id="5" name="Picture 2"/>
+          <p:cNvPicPr>
+            <a:picLocks noChangeAspect="1" noChangeArrowheads="1"/>
+          </p:cNvPicPr>
+          <p:nvPr/>
+        </p:nvPicPr>
+        <p:blipFill rotWithShape="1">
+          <a:blip r:embed="rId4">
+            <a:extLst/>
+          </a:blip>
+          <a:srcRect l="3274" t="5028" r="36610" b="5035"/>
+          <a:stretch/>
+        </p:blipFill>
+        <p:spPr bwMode="auto">
+          <a:xfrm>
+            <a:off x="822474" y="2974602"/>
+            <a:ext cx="1440000" cy="1440000"/>
+          </a:xfrm>
+          <a:prstGeom prst="ellipse">
+            <a:avLst/>
+          </a:prstGeom>
+          <a:ln>
+            <a:solidFill>
+              <a:schemeClr val="tx1"/>
+            </a:solidFill>
+          </a:ln>
+          <a:effectLst>
+            <a:softEdge rad="0"/>
+          </a:effectLst>
+          <a:extLst/>
+        </p:spPr>
+      </p:pic>
+      <p:sp>
+        <p:nvSpPr>
+          <p:cNvPr id="6" name="TextBox 5"/>
+          <p:cNvSpPr txBox="1"/>
+          <p:nvPr/>
+        </p:nvSpPr>
+        <p:spPr>
+          <a:xfrm>
+            <a:off x="2408620" y="3217548"/>
+            <a:ext cx="2518982" cy="954107"/>
+          </a:xfrm>
+          <a:prstGeom prst="rect">
+            <a:avLst/>
+          </a:prstGeom>
+          <a:noFill/>
+        </p:spPr>
+        <p:txBody>
+          <a:bodyPr wrap="square" rtlCol="0">
+            <a:spAutoFit/>
+          </a:bodyPr>
+          <a:lstStyle/>
+          <a:p>
+            <a:pPr algn="ctr"/>
+            <a:r>
+              <a:rPr lang="zh-CN" altLang="en-US" sz="3200" dirty="0" smtClean="0">
+                <a:latin typeface="黑体" panose="02010609060101010101" pitchFamily="49" charset="-122"/>
+                <a:ea typeface="黑体" panose="02010609060101010101" pitchFamily="49" charset="-122"/>
+              </a:rPr>
+              <a:t>项目与竞赛</a:t>
+            </a:r>
+            <a:endParaRPr lang="en-US" altLang="zh-CN" sz="3200" dirty="0" smtClean="0">
+              <a:latin typeface="黑体" panose="02010609060101010101" pitchFamily="49" charset="-122"/>
+              <a:ea typeface="黑体" panose="02010609060101010101" pitchFamily="49" charset="-122"/>
+            </a:endParaRPr>
+          </a:p>
+          <a:p>
+            <a:pPr algn="ctr"/>
+            <a:r>
+              <a:rPr lang="zh-CN" altLang="en-US" sz="2400" dirty="0" smtClean="0">
+                <a:latin typeface="黑体" panose="02010609060101010101" pitchFamily="49" charset="-122"/>
+                <a:ea typeface="黑体" panose="02010609060101010101" pitchFamily="49" charset="-122"/>
+              </a:rPr>
+              <a:t>训练</a:t>
+            </a:r>
+            <a:r>
+              <a:rPr lang="zh-CN" altLang="en-US" sz="2400" dirty="0" smtClean="0">
+                <a:solidFill>
+                  <a:srgbClr val="FF3300"/>
+                </a:solidFill>
+                <a:latin typeface="黑体" panose="02010609060101010101" pitchFamily="49" charset="-122"/>
+                <a:ea typeface="黑体" panose="02010609060101010101" pitchFamily="49" charset="-122"/>
+              </a:rPr>
+              <a:t>应用</a:t>
+            </a:r>
+            <a:r>
+              <a:rPr lang="zh-CN" altLang="en-US" sz="2400" dirty="0" smtClean="0">
+                <a:latin typeface="黑体" panose="02010609060101010101" pitchFamily="49" charset="-122"/>
+                <a:ea typeface="黑体" panose="02010609060101010101" pitchFamily="49" charset="-122"/>
+              </a:rPr>
+              <a:t>创新</a:t>
+            </a:r>
+            <a:endParaRPr lang="zh-CN" altLang="en-US" sz="2400" dirty="0">
+              <a:latin typeface="黑体" panose="02010609060101010101" pitchFamily="49" charset="-122"/>
+              <a:ea typeface="黑体" panose="02010609060101010101" pitchFamily="49" charset="-122"/>
+            </a:endParaRPr>
+          </a:p>
+        </p:txBody>
+      </p:sp>
+      <p:sp>
+        <p:nvSpPr>
+          <p:cNvPr id="7" name="TextBox 6"/>
+          <p:cNvSpPr txBox="1"/>
+          <p:nvPr/>
+        </p:nvSpPr>
+        <p:spPr>
+          <a:xfrm>
+            <a:off x="2594887" y="995109"/>
+            <a:ext cx="2146447" cy="954107"/>
+          </a:xfrm>
+          <a:prstGeom prst="rect">
+            <a:avLst/>
+          </a:prstGeom>
+          <a:noFill/>
+        </p:spPr>
+        <p:txBody>
+          <a:bodyPr wrap="square" rtlCol="0">
+            <a:spAutoFit/>
+          </a:bodyPr>
+          <a:lstStyle/>
+          <a:p>
+            <a:pPr algn="ctr"/>
+            <a:r>
+              <a:rPr lang="zh-CN" altLang="en-US" sz="3200" dirty="0" smtClean="0">
+                <a:latin typeface="黑体" panose="02010609060101010101" pitchFamily="49" charset="-122"/>
+                <a:ea typeface="黑体" panose="02010609060101010101" pitchFamily="49" charset="-122"/>
+              </a:rPr>
+              <a:t>产品开发</a:t>
+            </a:r>
+            <a:endParaRPr lang="en-US" altLang="zh-CN" sz="3200" dirty="0" smtClean="0">
+              <a:latin typeface="黑体" panose="02010609060101010101" pitchFamily="49" charset="-122"/>
+              <a:ea typeface="黑体" panose="02010609060101010101" pitchFamily="49" charset="-122"/>
+            </a:endParaRPr>
+          </a:p>
+          <a:p>
+            <a:pPr algn="ctr"/>
+            <a:r>
+              <a:rPr lang="zh-CN" altLang="en-US" sz="2400" dirty="0" smtClean="0">
+                <a:latin typeface="黑体" panose="02010609060101010101" pitchFamily="49" charset="-122"/>
+                <a:ea typeface="黑体" panose="02010609060101010101" pitchFamily="49" charset="-122"/>
+              </a:rPr>
+              <a:t>培养</a:t>
+            </a:r>
+            <a:r>
+              <a:rPr lang="zh-CN" altLang="en-US" sz="2400" dirty="0" smtClean="0">
+                <a:solidFill>
+                  <a:srgbClr val="C00000"/>
+                </a:solidFill>
+                <a:latin typeface="黑体" panose="02010609060101010101" pitchFamily="49" charset="-122"/>
+                <a:ea typeface="黑体" panose="02010609060101010101" pitchFamily="49" charset="-122"/>
+              </a:rPr>
+              <a:t>系统</a:t>
+            </a:r>
+            <a:r>
+              <a:rPr lang="zh-CN" altLang="en-US" sz="2400" dirty="0" smtClean="0">
+                <a:latin typeface="黑体" panose="02010609060101010101" pitchFamily="49" charset="-122"/>
+                <a:ea typeface="黑体" panose="02010609060101010101" pitchFamily="49" charset="-122"/>
+              </a:rPr>
+              <a:t>创新</a:t>
+            </a:r>
+            <a:endParaRPr lang="zh-CN" altLang="en-US" sz="2400" dirty="0">
+              <a:latin typeface="黑体" panose="02010609060101010101" pitchFamily="49" charset="-122"/>
+              <a:ea typeface="黑体" panose="02010609060101010101" pitchFamily="49" charset="-122"/>
+            </a:endParaRPr>
+          </a:p>
+        </p:txBody>
+      </p:sp>
+      <p:sp>
+        <p:nvSpPr>
+          <p:cNvPr id="10" name="TextBox 9"/>
+          <p:cNvSpPr txBox="1"/>
+          <p:nvPr/>
+        </p:nvSpPr>
+        <p:spPr>
+          <a:xfrm>
+            <a:off x="6994488" y="5285540"/>
+            <a:ext cx="5197512" cy="830997"/>
+          </a:xfrm>
+          <a:prstGeom prst="rect">
+            <a:avLst/>
+          </a:prstGeom>
+          <a:noFill/>
+        </p:spPr>
+        <p:txBody>
+          <a:bodyPr wrap="square" rtlCol="0">
+            <a:spAutoFit/>
+          </a:bodyPr>
+          <a:lstStyle/>
+          <a:p>
+            <a:r>
+              <a:rPr lang="zh-CN" altLang="en-US" sz="2400" b="1" dirty="0">
+                <a:solidFill>
+                  <a:srgbClr val="002060"/>
+                </a:solidFill>
+                <a:latin typeface="Times New Roman" panose="02020603050405020304" pitchFamily="18" charset="0"/>
+                <a:ea typeface="楷体" panose="02010609060101010101" pitchFamily="49" charset="-122"/>
+                <a:cs typeface="Times New Roman" panose="02020603050405020304" pitchFamily="18" charset="0"/>
+              </a:rPr>
+              <a:t>金工</a:t>
+            </a:r>
+            <a:r>
+              <a:rPr lang="zh-CN" altLang="en-US" sz="2400" b="1" dirty="0" smtClean="0">
+                <a:solidFill>
+                  <a:srgbClr val="002060"/>
+                </a:solidFill>
+                <a:latin typeface="Times New Roman" panose="02020603050405020304" pitchFamily="18" charset="0"/>
+                <a:ea typeface="楷体" panose="02010609060101010101" pitchFamily="49" charset="-122"/>
+                <a:cs typeface="Times New Roman" panose="02020603050405020304" pitchFamily="18" charset="0"/>
+              </a:rPr>
+              <a:t>实习</a:t>
+            </a:r>
+            <a:r>
+              <a:rPr lang="en-US" altLang="zh-CN" sz="2400" b="1" dirty="0" smtClean="0">
+                <a:solidFill>
+                  <a:srgbClr val="002060"/>
+                </a:solidFill>
+                <a:latin typeface="Times New Roman" panose="02020603050405020304" pitchFamily="18" charset="0"/>
+                <a:ea typeface="楷体" panose="02010609060101010101" pitchFamily="49" charset="-122"/>
+                <a:cs typeface="Times New Roman" panose="02020603050405020304" pitchFamily="18" charset="0"/>
+              </a:rPr>
+              <a:t>	         ——1420</a:t>
+            </a:r>
+            <a:r>
+              <a:rPr lang="zh-CN" altLang="en-US" sz="2400" b="1" dirty="0" smtClean="0">
+                <a:solidFill>
+                  <a:srgbClr val="002060"/>
+                </a:solidFill>
+                <a:latin typeface="Times New Roman" panose="02020603050405020304" pitchFamily="18" charset="0"/>
+                <a:ea typeface="楷体" panose="02010609060101010101" pitchFamily="49" charset="-122"/>
+                <a:cs typeface="Times New Roman" panose="02020603050405020304" pitchFamily="18" charset="0"/>
+              </a:rPr>
+              <a:t>名本科生</a:t>
+            </a:r>
+            <a:endParaRPr lang="en-US" altLang="zh-CN" sz="2400" b="1" dirty="0" smtClean="0">
+              <a:solidFill>
+                <a:srgbClr val="002060"/>
+              </a:solidFill>
+              <a:latin typeface="Times New Roman" panose="02020603050405020304" pitchFamily="18" charset="0"/>
+              <a:ea typeface="楷体" panose="02010609060101010101" pitchFamily="49" charset="-122"/>
+              <a:cs typeface="Times New Roman" panose="02020603050405020304" pitchFamily="18" charset="0"/>
+            </a:endParaRPr>
+          </a:p>
+          <a:p>
+            <a:r>
+              <a:rPr lang="zh-CN" altLang="en-US" sz="2400" b="1" dirty="0" smtClean="0">
+                <a:solidFill>
+                  <a:srgbClr val="002060"/>
+                </a:solidFill>
+                <a:latin typeface="Times New Roman" panose="02020603050405020304" pitchFamily="18" charset="0"/>
+                <a:ea typeface="楷体" panose="02010609060101010101" pitchFamily="49" charset="-122"/>
+                <a:cs typeface="Times New Roman" panose="02020603050405020304" pitchFamily="18" charset="0"/>
+              </a:rPr>
+              <a:t>电子实习</a:t>
+            </a:r>
+            <a:r>
+              <a:rPr lang="en-US" altLang="zh-CN" sz="2400" b="1" dirty="0" smtClean="0">
+                <a:solidFill>
+                  <a:srgbClr val="002060"/>
+                </a:solidFill>
+                <a:latin typeface="Times New Roman" panose="02020603050405020304" pitchFamily="18" charset="0"/>
+                <a:ea typeface="楷体" panose="02010609060101010101" pitchFamily="49" charset="-122"/>
+                <a:cs typeface="Times New Roman" panose="02020603050405020304" pitchFamily="18" charset="0"/>
+              </a:rPr>
+              <a:t>	         ——879</a:t>
+            </a:r>
+            <a:r>
+              <a:rPr lang="zh-CN" altLang="en-US" sz="2400" b="1" dirty="0" smtClean="0">
+                <a:solidFill>
+                  <a:srgbClr val="002060"/>
+                </a:solidFill>
+                <a:latin typeface="Times New Roman" panose="02020603050405020304" pitchFamily="18" charset="0"/>
+                <a:ea typeface="楷体" panose="02010609060101010101" pitchFamily="49" charset="-122"/>
+                <a:cs typeface="Times New Roman" panose="02020603050405020304" pitchFamily="18" charset="0"/>
+              </a:rPr>
+              <a:t>名本科生</a:t>
+            </a:r>
+            <a:endParaRPr lang="zh-CN" altLang="en-US" dirty="0">
+              <a:latin typeface="黑体" panose="02010609060101010101" pitchFamily="49" charset="-122"/>
+              <a:ea typeface="黑体" panose="02010609060101010101" pitchFamily="49" charset="-122"/>
+            </a:endParaRPr>
+          </a:p>
+        </p:txBody>
+      </p:sp>
+      <p:sp>
+        <p:nvSpPr>
+          <p:cNvPr id="11" name="TextBox 10"/>
+          <p:cNvSpPr txBox="1"/>
+          <p:nvPr/>
+        </p:nvSpPr>
+        <p:spPr>
+          <a:xfrm>
+            <a:off x="6404885" y="3937469"/>
+            <a:ext cx="5397647" cy="461665"/>
+          </a:xfrm>
+          <a:prstGeom prst="rect">
+            <a:avLst/>
+          </a:prstGeom>
+          <a:noFill/>
+        </p:spPr>
+        <p:txBody>
+          <a:bodyPr wrap="square" rtlCol="0">
+            <a:spAutoFit/>
+          </a:bodyPr>
+          <a:lstStyle/>
+          <a:p>
+            <a:r>
+              <a:rPr lang="zh-CN" altLang="en-US" sz="2400" b="1" dirty="0" smtClean="0">
+                <a:solidFill>
+                  <a:srgbClr val="002060"/>
+                </a:solidFill>
+                <a:latin typeface="Times New Roman" panose="02020603050405020304" pitchFamily="18" charset="0"/>
+                <a:ea typeface="楷体" panose="02010609060101010101" pitchFamily="49" charset="-122"/>
+                <a:cs typeface="Times New Roman" panose="02020603050405020304" pitchFamily="18" charset="0"/>
+              </a:rPr>
+              <a:t>实验室科研探究课</a:t>
+            </a:r>
+            <a:r>
+              <a:rPr lang="en-US" altLang="zh-CN" sz="2400" b="1" dirty="0" smtClean="0">
+                <a:solidFill>
+                  <a:srgbClr val="002060"/>
+                </a:solidFill>
+                <a:latin typeface="Times New Roman" panose="02020603050405020304" pitchFamily="18" charset="0"/>
+                <a:ea typeface="楷体" panose="02010609060101010101" pitchFamily="49" charset="-122"/>
+                <a:cs typeface="Times New Roman" panose="02020603050405020304" pitchFamily="18" charset="0"/>
+              </a:rPr>
+              <a:t>	       ——2446</a:t>
+            </a:r>
+            <a:r>
+              <a:rPr lang="zh-CN" altLang="en-US" sz="2400" b="1" dirty="0" smtClean="0">
+                <a:solidFill>
+                  <a:srgbClr val="002060"/>
+                </a:solidFill>
+                <a:latin typeface="Times New Roman" panose="02020603050405020304" pitchFamily="18" charset="0"/>
+                <a:ea typeface="楷体" panose="02010609060101010101" pitchFamily="49" charset="-122"/>
+                <a:cs typeface="Times New Roman" panose="02020603050405020304" pitchFamily="18" charset="0"/>
+              </a:rPr>
+              <a:t>人次</a:t>
+            </a:r>
+            <a:endParaRPr lang="zh-CN" altLang="en-US" dirty="0">
+              <a:latin typeface="黑体" panose="02010609060101010101" pitchFamily="49" charset="-122"/>
+              <a:ea typeface="黑体" panose="02010609060101010101" pitchFamily="49" charset="-122"/>
+            </a:endParaRPr>
+          </a:p>
+        </p:txBody>
+      </p:sp>
+      <p:sp>
+        <p:nvSpPr>
+          <p:cNvPr id="12" name="TextBox 11"/>
+          <p:cNvSpPr txBox="1"/>
+          <p:nvPr/>
+        </p:nvSpPr>
+        <p:spPr>
+          <a:xfrm>
+            <a:off x="6828221" y="2589399"/>
+            <a:ext cx="4974311" cy="461665"/>
+          </a:xfrm>
+          <a:prstGeom prst="rect">
+            <a:avLst/>
+          </a:prstGeom>
+          <a:noFill/>
+        </p:spPr>
+        <p:txBody>
+          <a:bodyPr wrap="square" rtlCol="0">
+            <a:spAutoFit/>
+          </a:bodyPr>
+          <a:lstStyle/>
+          <a:p>
+            <a:r>
+              <a:rPr lang="zh-CN" altLang="en-US" sz="2400" b="1" dirty="0" smtClean="0">
+                <a:solidFill>
+                  <a:srgbClr val="002060"/>
+                </a:solidFill>
+                <a:latin typeface="Times New Roman" panose="02020603050405020304" pitchFamily="18" charset="0"/>
+                <a:ea typeface="楷体" panose="02010609060101010101" pitchFamily="49" charset="-122"/>
+                <a:cs typeface="Times New Roman" panose="02020603050405020304" pitchFamily="18" charset="0"/>
+              </a:rPr>
+              <a:t>科技类竞赛</a:t>
+            </a:r>
+            <a:r>
+              <a:rPr lang="en-US" altLang="zh-CN" sz="2400" b="1" dirty="0" smtClean="0">
+                <a:solidFill>
+                  <a:srgbClr val="002060"/>
+                </a:solidFill>
+                <a:latin typeface="Times New Roman" panose="02020603050405020304" pitchFamily="18" charset="0"/>
+                <a:ea typeface="楷体" panose="02010609060101010101" pitchFamily="49" charset="-122"/>
+                <a:cs typeface="Times New Roman" panose="02020603050405020304" pitchFamily="18" charset="0"/>
+              </a:rPr>
+              <a:t>		——</a:t>
+            </a:r>
+            <a:r>
+              <a:rPr lang="en-US" altLang="zh-CN" sz="2400" b="1" dirty="0" err="1" smtClean="0">
+                <a:solidFill>
+                  <a:srgbClr val="002060"/>
+                </a:solidFill>
+                <a:latin typeface="Times New Roman" panose="02020603050405020304" pitchFamily="18" charset="0"/>
+                <a:ea typeface="楷体" panose="02010609060101010101" pitchFamily="49" charset="-122"/>
+                <a:cs typeface="Times New Roman" panose="02020603050405020304" pitchFamily="18" charset="0"/>
+              </a:rPr>
+              <a:t>xxxx</a:t>
+            </a:r>
+            <a:r>
+              <a:rPr lang="zh-CN" altLang="en-US" sz="2400" b="1" dirty="0" smtClean="0">
+                <a:solidFill>
+                  <a:srgbClr val="002060"/>
+                </a:solidFill>
+                <a:latin typeface="Times New Roman" panose="02020603050405020304" pitchFamily="18" charset="0"/>
+                <a:ea typeface="楷体" panose="02010609060101010101" pitchFamily="49" charset="-122"/>
+                <a:cs typeface="Times New Roman" panose="02020603050405020304" pitchFamily="18" charset="0"/>
+              </a:rPr>
+              <a:t>人次</a:t>
+            </a:r>
+            <a:endParaRPr lang="zh-CN" altLang="en-US" dirty="0">
+              <a:latin typeface="黑体" panose="02010609060101010101" pitchFamily="49" charset="-122"/>
+              <a:ea typeface="黑体" panose="02010609060101010101" pitchFamily="49" charset="-122"/>
+            </a:endParaRPr>
+          </a:p>
+        </p:txBody>
+      </p:sp>
+      <p:sp>
+        <p:nvSpPr>
+          <p:cNvPr id="13" name="TextBox 12"/>
+          <p:cNvSpPr txBox="1"/>
+          <p:nvPr/>
+        </p:nvSpPr>
+        <p:spPr>
+          <a:xfrm>
+            <a:off x="6049286" y="1241329"/>
+            <a:ext cx="5753246" cy="461665"/>
+          </a:xfrm>
+          <a:prstGeom prst="rect">
+            <a:avLst/>
+          </a:prstGeom>
+          <a:noFill/>
+        </p:spPr>
+        <p:txBody>
+          <a:bodyPr wrap="square" rtlCol="0">
+            <a:spAutoFit/>
+          </a:bodyPr>
+          <a:lstStyle/>
+          <a:p>
+            <a:r>
+              <a:rPr lang="zh-CN" altLang="en-US" sz="2400" b="1" dirty="0" smtClean="0">
+                <a:solidFill>
+                  <a:srgbClr val="002060"/>
+                </a:solidFill>
+                <a:latin typeface="Times New Roman" panose="02020603050405020304" pitchFamily="18" charset="0"/>
+                <a:ea typeface="楷体" panose="02010609060101010101" pitchFamily="49" charset="-122"/>
+                <a:cs typeface="Times New Roman" panose="02020603050405020304" pitchFamily="18" charset="0"/>
+              </a:rPr>
+              <a:t>挑战性课程、创客活动</a:t>
+            </a:r>
+            <a:r>
+              <a:rPr lang="en-US" altLang="zh-CN" sz="2400" b="1" dirty="0" smtClean="0">
+                <a:solidFill>
+                  <a:srgbClr val="002060"/>
+                </a:solidFill>
+                <a:latin typeface="Times New Roman" panose="02020603050405020304" pitchFamily="18" charset="0"/>
+                <a:ea typeface="楷体" panose="02010609060101010101" pitchFamily="49" charset="-122"/>
+                <a:cs typeface="Times New Roman" panose="02020603050405020304" pitchFamily="18" charset="0"/>
+              </a:rPr>
+              <a:t>	——</a:t>
+            </a:r>
+            <a:r>
+              <a:rPr lang="en-US" altLang="zh-CN" sz="2400" b="1" dirty="0" err="1" smtClean="0">
+                <a:solidFill>
+                  <a:srgbClr val="002060"/>
+                </a:solidFill>
+                <a:latin typeface="Times New Roman" panose="02020603050405020304" pitchFamily="18" charset="0"/>
+                <a:ea typeface="楷体" panose="02010609060101010101" pitchFamily="49" charset="-122"/>
+                <a:cs typeface="Times New Roman" panose="02020603050405020304" pitchFamily="18" charset="0"/>
+              </a:rPr>
+              <a:t>xxxx</a:t>
+            </a:r>
+            <a:r>
+              <a:rPr lang="zh-CN" altLang="en-US" sz="2400" b="1" dirty="0" smtClean="0">
+                <a:solidFill>
+                  <a:srgbClr val="002060"/>
+                </a:solidFill>
+                <a:latin typeface="Times New Roman" panose="02020603050405020304" pitchFamily="18" charset="0"/>
+                <a:ea typeface="楷体" panose="02010609060101010101" pitchFamily="49" charset="-122"/>
+                <a:cs typeface="Times New Roman" panose="02020603050405020304" pitchFamily="18" charset="0"/>
+              </a:rPr>
+              <a:t>人次</a:t>
+            </a:r>
+            <a:endParaRPr lang="zh-CN" altLang="en-US" dirty="0">
+              <a:latin typeface="黑体" panose="02010609060101010101" pitchFamily="49" charset="-122"/>
+              <a:ea typeface="黑体" panose="02010609060101010101" pitchFamily="49" charset="-122"/>
+            </a:endParaRPr>
+          </a:p>
+        </p:txBody>
+      </p:sp>
+      <p:sp>
+        <p:nvSpPr>
+          <p:cNvPr id="14" name="TextBox 13"/>
+          <p:cNvSpPr txBox="1"/>
+          <p:nvPr/>
+        </p:nvSpPr>
+        <p:spPr>
+          <a:xfrm>
+            <a:off x="4624844" y="131109"/>
+            <a:ext cx="4739289" cy="584775"/>
+          </a:xfrm>
+          <a:prstGeom prst="rect">
+            <a:avLst/>
+          </a:prstGeom>
+          <a:noFill/>
+        </p:spPr>
+        <p:txBody>
+          <a:bodyPr wrap="square" rtlCol="0">
+            <a:spAutoFit/>
+          </a:bodyPr>
+          <a:lstStyle/>
+          <a:p>
+            <a:pPr algn="ctr"/>
+            <a:r>
+              <a:rPr lang="zh-CN" altLang="en-US" sz="3200" dirty="0" smtClean="0">
+                <a:latin typeface="黑体" panose="02010609060101010101" pitchFamily="49" charset="-122"/>
+                <a:ea typeface="黑体" panose="02010609060101010101" pitchFamily="49" charset="-122"/>
+              </a:rPr>
+              <a:t>多方位覆盖，有序创新</a:t>
+            </a:r>
+            <a:endParaRPr lang="en-US" altLang="zh-CN" sz="3200" dirty="0" smtClean="0">
+              <a:latin typeface="黑体" panose="02010609060101010101" pitchFamily="49" charset="-122"/>
+              <a:ea typeface="黑体" panose="02010609060101010101" pitchFamily="49" charset="-122"/>
+            </a:endParaRPr>
+          </a:p>
+        </p:txBody>
+      </p:sp>
+    </p:spTree>
+    <p:extLst>
+      <p:ext uri="{BB962C8B-B14F-4D97-AF65-F5344CB8AC3E}">
+        <p14:creationId xmlns:p14="http://schemas.microsoft.com/office/powerpoint/2010/main" val="1514713857"/>
+      </p:ext>
+    </p:extLst>
+  </p:cSld>
+  <p:clrMapOvr>
+    <a:masterClrMapping/>
+  </p:clrMapOvr>
+  <p:transition spd="slow">
+    <p:push/>
+  </p:transition>
+  <p:timing>
+    <p:tnLst>
+      <p:par>
+        <p:cTn id="1" dur="indefinite" restart="never" nodeType="tmRoot"/>
+      </p:par>
+    </p:tnLst>
+  </p:timing>
+</p:sld>
+</file>
+
+<file path=ppt/slides/slide6.xml><?xml version="1.0" encoding="utf-8"?>
+<p:sld xmlns:a="http://schemas.openxmlformats.org/drawingml/2006/main" xmlns:r="http://schemas.openxmlformats.org/officeDocument/2006/relationships" xmlns:p="http://schemas.openxmlformats.org/presentationml/2006/main">
+  <p:cSld>
+    <p:spTree>
+      <p:nvGrpSpPr>
+        <p:cNvPr id="1" name=""/>
+        <p:cNvGrpSpPr/>
+        <p:nvPr/>
+      </p:nvGrpSpPr>
+      <p:grpSpPr>
+        <a:xfrm>
+          <a:off x="0" y="0"/>
+          <a:ext cx="0" cy="0"/>
+          <a:chOff x="0" y="0"/>
+          <a:chExt cx="0" cy="0"/>
+        </a:xfrm>
+      </p:grpSpPr>
+      <p:sp>
+        <p:nvSpPr>
+          <p:cNvPr id="35842" name="标题 1"/>
+          <p:cNvSpPr>
+            <a:spLocks noGrp="1"/>
+          </p:cNvSpPr>
+          <p:nvPr>
+            <p:ph type="title"/>
+          </p:nvPr>
+        </p:nvSpPr>
+        <p:spPr>
+          <a:xfrm>
+            <a:off x="4741334" y="194081"/>
+            <a:ext cx="6846194" cy="876203"/>
+          </a:xfrm>
+        </p:spPr>
+        <p:txBody>
+          <a:bodyPr/>
+          <a:lstStyle/>
+          <a:p>
+            <a:r>
+              <a:rPr lang="zh-CN" altLang="en-US" b="1" dirty="0" smtClean="0">
+                <a:solidFill>
+                  <a:srgbClr val="002060"/>
+                </a:solidFill>
+              </a:rPr>
+              <a:t>师资队伍保障机制</a:t>
+            </a:r>
+          </a:p>
+        </p:txBody>
+      </p:sp>
+      <p:sp>
+        <p:nvSpPr>
+          <p:cNvPr id="5" name="灯片编号占位符 4"/>
+          <p:cNvSpPr>
+            <a:spLocks noGrp="1"/>
+          </p:cNvSpPr>
+          <p:nvPr>
+            <p:ph type="sldNum" sz="quarter" idx="12"/>
+          </p:nvPr>
+        </p:nvSpPr>
+        <p:spPr/>
+        <p:txBody>
+          <a:bodyPr/>
+          <a:lstStyle>
+            <a:lvl1pPr>
+              <a:defRPr>
+                <a:solidFill>
+                  <a:schemeClr val="tx1"/>
+                </a:solidFill>
+                <a:latin typeface="Arial" panose="020B0604020202020204" pitchFamily="34" charset="0"/>
+                <a:ea typeface="宋体" panose="02010600030101010101" pitchFamily="2" charset="-122"/>
+              </a:defRPr>
+            </a:lvl1pPr>
+            <a:lvl2pPr marL="742950" indent="-285750">
+              <a:defRPr>
+                <a:solidFill>
+                  <a:schemeClr val="tx1"/>
+                </a:solidFill>
+                <a:latin typeface="Arial" panose="020B0604020202020204" pitchFamily="34" charset="0"/>
+                <a:ea typeface="宋体" panose="02010600030101010101" pitchFamily="2" charset="-122"/>
+              </a:defRPr>
+            </a:lvl2pPr>
+            <a:lvl3pPr marL="1143000" indent="-228600">
+              <a:defRPr>
+                <a:solidFill>
+                  <a:schemeClr val="tx1"/>
+                </a:solidFill>
+                <a:latin typeface="Arial" panose="020B0604020202020204" pitchFamily="34" charset="0"/>
+                <a:ea typeface="宋体" panose="02010600030101010101" pitchFamily="2" charset="-122"/>
+              </a:defRPr>
+            </a:lvl3pPr>
+            <a:lvl4pPr marL="1600200" indent="-228600">
+              <a:defRPr>
+                <a:solidFill>
+                  <a:schemeClr val="tx1"/>
+                </a:solidFill>
+                <a:latin typeface="Arial" panose="020B0604020202020204" pitchFamily="34" charset="0"/>
+                <a:ea typeface="宋体" panose="02010600030101010101" pitchFamily="2" charset="-122"/>
+              </a:defRPr>
+            </a:lvl4pPr>
+            <a:lvl5pPr marL="2057400" indent="-228600">
+              <a:defRPr>
+                <a:solidFill>
+                  <a:schemeClr val="tx1"/>
+                </a:solidFill>
+                <a:latin typeface="Arial" panose="020B0604020202020204" pitchFamily="34" charset="0"/>
+                <a:ea typeface="宋体" panose="02010600030101010101" pitchFamily="2" charset="-122"/>
+              </a:defRPr>
+            </a:lvl5pPr>
+            <a:lvl6pPr marL="2514600" indent="-228600" algn="ctr" eaLnBrk="0" fontAlgn="base" hangingPunct="0">
+              <a:spcBef>
+                <a:spcPct val="0"/>
+              </a:spcBef>
+              <a:spcAft>
+                <a:spcPct val="0"/>
+              </a:spcAft>
+              <a:defRPr>
+                <a:solidFill>
+                  <a:schemeClr val="tx1"/>
+                </a:solidFill>
+                <a:latin typeface="Arial" panose="020B0604020202020204" pitchFamily="34" charset="0"/>
+                <a:ea typeface="宋体" panose="02010600030101010101" pitchFamily="2" charset="-122"/>
+              </a:defRPr>
+            </a:lvl6pPr>
+            <a:lvl7pPr marL="2971800" indent="-228600" algn="ctr" eaLnBrk="0" fontAlgn="base" hangingPunct="0">
+              <a:spcBef>
+                <a:spcPct val="0"/>
+              </a:spcBef>
+              <a:spcAft>
+                <a:spcPct val="0"/>
+              </a:spcAft>
+              <a:defRPr>
+                <a:solidFill>
+                  <a:schemeClr val="tx1"/>
+                </a:solidFill>
+                <a:latin typeface="Arial" panose="020B0604020202020204" pitchFamily="34" charset="0"/>
+                <a:ea typeface="宋体" panose="02010600030101010101" pitchFamily="2" charset="-122"/>
+              </a:defRPr>
+            </a:lvl7pPr>
+            <a:lvl8pPr marL="3429000" indent="-228600" algn="ctr" eaLnBrk="0" fontAlgn="base" hangingPunct="0">
+              <a:spcBef>
+                <a:spcPct val="0"/>
+              </a:spcBef>
+              <a:spcAft>
+                <a:spcPct val="0"/>
+              </a:spcAft>
+              <a:defRPr>
+                <a:solidFill>
+                  <a:schemeClr val="tx1"/>
+                </a:solidFill>
+                <a:latin typeface="Arial" panose="020B0604020202020204" pitchFamily="34" charset="0"/>
+                <a:ea typeface="宋体" panose="02010600030101010101" pitchFamily="2" charset="-122"/>
+              </a:defRPr>
+            </a:lvl8pPr>
+            <a:lvl9pPr marL="3886200" indent="-228600" algn="ctr" eaLnBrk="0" fontAlgn="base" hangingPunct="0">
+              <a:spcBef>
+                <a:spcPct val="0"/>
+              </a:spcBef>
+              <a:spcAft>
+                <a:spcPct val="0"/>
+              </a:spcAft>
+              <a:defRPr>
+                <a:solidFill>
+                  <a:schemeClr val="tx1"/>
+                </a:solidFill>
+                <a:latin typeface="Arial" panose="020B0604020202020204" pitchFamily="34" charset="0"/>
+                <a:ea typeface="宋体" panose="02010600030101010101" pitchFamily="2" charset="-122"/>
+              </a:defRPr>
+            </a:lvl9pPr>
+          </a:lstStyle>
+          <a:p>
             <a:fld id="{C56E2BAB-F254-4EC8-BF03-3F52CA32E1F2}" type="slidenum">
               <a:rPr lang="en-US" altLang="zh-CN">
                 <a:solidFill>
@@ -5032,7 +6595,7 @@
                 <a:latin typeface="Verdana" panose="020B0604030504040204" pitchFamily="34" charset="0"/>
               </a:rPr>
               <a:pPr/>
-              <a:t>5</a:t>
+              <a:t>6</a:t>
             </a:fld>
             <a:endParaRPr lang="en-US" altLang="zh-CN">
               <a:solidFill>
@@ -5485,18 +7048,7 @@
                 <a:ea typeface="楷体" panose="02010609060101010101" pitchFamily="49" charset="-122"/>
                 <a:cs typeface="Times New Roman" panose="02020603050405020304" pitchFamily="18" charset="0"/>
               </a:rPr>
-              <a:t>	</a:t>
-            </a:r>
-            <a:r>
-              <a:rPr lang="en-US" altLang="zh-CN" sz="2400" b="1" dirty="0" smtClean="0">
-                <a:solidFill>
-                  <a:srgbClr val="002060"/>
-                </a:solidFill>
-                <a:latin typeface="Times New Roman" panose="02020603050405020304" pitchFamily="18" charset="0"/>
-                <a:ea typeface="楷体" panose="02010609060101010101" pitchFamily="49" charset="-122"/>
-                <a:cs typeface="Times New Roman" panose="02020603050405020304" pitchFamily="18" charset="0"/>
-              </a:rPr>
-              <a:t>——60</a:t>
+              <a:t>	——60</a:t>
             </a:r>
             <a:r>
               <a:rPr lang="zh-CN" altLang="en-US" sz="2400" b="1" dirty="0" smtClean="0">
@@ -5558,18 +7110,7 @@
                 <a:ea typeface="楷体" panose="02010609060101010101" pitchFamily="49" charset="-122"/>
                 <a:cs typeface="Times New Roman" panose="02020603050405020304" pitchFamily="18" charset="0"/>
               </a:rPr>
-              <a:t>	       ——</a:t>
-            </a:r>
-            <a:r>
-              <a:rPr lang="en-US" altLang="zh-CN" sz="2400" b="1" dirty="0" smtClean="0">
-                <a:solidFill>
-                  <a:srgbClr val="002060"/>
-                </a:solidFill>
-                <a:latin typeface="Times New Roman" panose="02020603050405020304" pitchFamily="18" charset="0"/>
-                <a:ea typeface="楷体" panose="02010609060101010101" pitchFamily="49" charset="-122"/>
-                <a:cs typeface="Times New Roman" panose="02020603050405020304" pitchFamily="18" charset="0"/>
-              </a:rPr>
-              <a:t>20</a:t>
+              <a:t>	       ——20</a:t>
             </a:r>
             <a:r>
               <a:rPr lang="zh-CN" altLang="en-US" sz="2400" b="1" dirty="0" smtClean="0">
@@ -5631,18 +7172,7 @@
                 <a:ea typeface="楷体" panose="02010609060101010101" pitchFamily="49" charset="-122"/>
                 <a:cs typeface="Times New Roman" panose="02020603050405020304" pitchFamily="18" charset="0"/>
               </a:rPr>
-              <a:t>	</a:t>
-            </a:r>
-            <a:r>
-              <a:rPr lang="en-US" altLang="zh-CN" sz="2400" b="1" dirty="0" smtClean="0">
-                <a:solidFill>
-                  <a:srgbClr val="002060"/>
-                </a:solidFill>
-                <a:latin typeface="Times New Roman" panose="02020603050405020304" pitchFamily="18" charset="0"/>
-                <a:ea typeface="楷体" panose="02010609060101010101" pitchFamily="49" charset="-122"/>
-                <a:cs typeface="Times New Roman" panose="02020603050405020304" pitchFamily="18" charset="0"/>
-              </a:rPr>
-              <a:t>	——20</a:t>
+              <a:t>		——20</a:t>
             </a:r>
             <a:r>
               <a:rPr lang="zh-CN" altLang="en-US" sz="2400" b="1" dirty="0" smtClean="0">
@@ -5734,18 +7264,18 @@
   <p:clrMapOvr>
     <a:masterClrMapping/>
   </p:clrMapOvr>
-  <mc:AlternateContent xmlns:mc="http://schemas.openxmlformats.org/markup-compatibility/2006">
-    <mc:Choice xmlns:p14="http://schemas.microsoft.com/office/powerpoint/2010/main" Requires="p14">
+  <mc:AlternateContent xmlns:mc="http://schemas.openxmlformats.org/markup-compatibility/2006" xmlns:p14="http://schemas.microsoft.com/office/powerpoint/2010/main">
+    <mc:Choice Requires="p14">
       <p:transition spd="slow" p14:dur="2000"/>
     </mc:Choice>
-    <mc:Fallback>
+    <mc:Fallback xmlns="">
       <p:transition spd="slow"/>
     </mc:Fallback>
   </mc:AlternateContent>
 </p:sld>
 </file>
 
-<file path=ppt/slides/slide6.xml><?xml version="1.0" encoding="utf-8"?>
+<file path=ppt/slides/slide7.xml><?xml version="1.0" encoding="utf-8"?>
 <p:sld xmlns:a="http://schemas.openxmlformats.org/drawingml/2006/main" xmlns:r="http://schemas.openxmlformats.org/officeDocument/2006/relationships" xmlns:p="http://schemas.openxmlformats.org/presentationml/2006/main">
   <p:cSld>
     <p:spTree>
@@ -6910,355 +8440,6 @@
 </p:sld>
 </file>
 
-<file path=ppt/slides/slide7.xml><?xml version="1.0" encoding="utf-8"?>
-<p:sld xmlns:a="http://schemas.openxmlformats.org/drawingml/2006/main" xmlns:r="http://schemas.openxmlformats.org/officeDocument/2006/relationships" xmlns:p="http://schemas.openxmlformats.org/presentationml/2006/main">
-  <p:cSld>
-    <p:spTree>
-      <p:nvGrpSpPr>
-        <p:cNvPr id="1" name=""/>
-        <p:cNvGrpSpPr/>
-        <p:nvPr/>
-      </p:nvGrpSpPr>
-      <p:grpSpPr>
-        <a:xfrm>
-          <a:off x="0" y="0"/>
-          <a:ext cx="0" cy="0"/>
-          <a:chOff x="0" y="0"/>
-          <a:chExt cx="0" cy="0"/>
-        </a:xfrm>
-      </p:grpSpPr>
-      <p:sp>
-        <p:nvSpPr>
-          <p:cNvPr id="2" name="Title 1"/>
-          <p:cNvSpPr>
-            <a:spLocks noGrp="1"/>
-          </p:cNvSpPr>
-          <p:nvPr>
-            <p:ph type="title"/>
-          </p:nvPr>
-        </p:nvSpPr>
-        <p:spPr/>
-        <p:txBody>
-          <a:bodyPr/>
-          <a:lstStyle/>
-          <a:p>
-            <a:r>
-              <a:rPr lang="zh-CN" altLang="en-US" dirty="0" smtClean="0">
-                <a:latin typeface="Arial" panose="020B0604020202020204" pitchFamily="34" charset="0"/>
-                <a:ea typeface="黑体" panose="02010609060101010101" pitchFamily="49" charset="-122"/>
-                <a:cs typeface="Arial" panose="020B0604020202020204" pitchFamily="34" charset="0"/>
-              </a:rPr>
-              <a:t>学生创新活动相关校外资源的引入</a:t>
-            </a:r>
-            <a:endParaRPr lang="zh-CN" altLang="en-US" dirty="0">
-              <a:latin typeface="Arial" panose="020B0604020202020204" pitchFamily="34" charset="0"/>
-              <a:ea typeface="黑体" panose="02010609060101010101" pitchFamily="49" charset="-122"/>
-              <a:cs typeface="Arial" panose="020B0604020202020204" pitchFamily="34" charset="0"/>
-            </a:endParaRPr>
-          </a:p>
-        </p:txBody>
-      </p:sp>
-      <p:sp>
-        <p:nvSpPr>
-          <p:cNvPr id="3" name="Content Placeholder 2"/>
-          <p:cNvSpPr>
-            <a:spLocks noGrp="1"/>
-          </p:cNvSpPr>
-          <p:nvPr>
-            <p:ph idx="1"/>
-          </p:nvPr>
-        </p:nvSpPr>
-        <p:spPr/>
-        <p:txBody>
-          <a:bodyPr/>
-          <a:lstStyle/>
-          <a:p>
-            <a:r>
-              <a:rPr lang="zh-CN" altLang="en-US" dirty="0" smtClean="0">
-                <a:latin typeface="Arial" panose="020B0604020202020204" pitchFamily="34" charset="0"/>
-                <a:ea typeface="黑体" panose="02010609060101010101" pitchFamily="49" charset="-122"/>
-                <a:cs typeface="Arial" panose="020B0604020202020204" pitchFamily="34" charset="0"/>
-              </a:rPr>
-              <a:t>思维发散之种</a:t>
-            </a:r>
-            <a:r>
-              <a:rPr lang="en-US" altLang="zh-CN" dirty="0" smtClean="0">
-                <a:latin typeface="Arial" panose="020B0604020202020204" pitchFamily="34" charset="0"/>
-                <a:ea typeface="黑体" panose="02010609060101010101" pitchFamily="49" charset="-122"/>
-                <a:cs typeface="Arial" panose="020B0604020202020204" pitchFamily="34" charset="0"/>
-              </a:rPr>
-              <a:t>——</a:t>
-            </a:r>
-            <a:r>
-              <a:rPr lang="zh-CN" altLang="en-US" dirty="0">
-                <a:latin typeface="Arial" panose="020B0604020202020204" pitchFamily="34" charset="0"/>
-                <a:ea typeface="黑体" panose="02010609060101010101" pitchFamily="49" charset="-122"/>
-                <a:cs typeface="Arial" panose="020B0604020202020204" pitchFamily="34" charset="0"/>
-              </a:rPr>
-              <a:t>延伸</a:t>
-            </a:r>
-            <a:r>
-              <a:rPr lang="zh-CN" altLang="en-US" dirty="0" smtClean="0">
-                <a:latin typeface="Arial" panose="020B0604020202020204" pitchFamily="34" charset="0"/>
-                <a:ea typeface="黑体" panose="02010609060101010101" pitchFamily="49" charset="-122"/>
-                <a:cs typeface="Arial" panose="020B0604020202020204" pitchFamily="34" charset="0"/>
-              </a:rPr>
-              <a:t>至中小学等基础教育领域</a:t>
-            </a:r>
-            <a:endParaRPr lang="en-US" altLang="zh-CN" dirty="0">
-              <a:latin typeface="Arial" panose="020B0604020202020204" pitchFamily="34" charset="0"/>
-              <a:ea typeface="黑体" panose="02010609060101010101" pitchFamily="49" charset="-122"/>
-              <a:cs typeface="Arial" panose="020B0604020202020204" pitchFamily="34" charset="0"/>
-            </a:endParaRPr>
-          </a:p>
-          <a:p>
-            <a:pPr lvl="1"/>
-            <a:r>
-              <a:rPr lang="zh-CN" altLang="en-US" dirty="0" smtClean="0">
-                <a:latin typeface="Arial" panose="020B0604020202020204" pitchFamily="34" charset="0"/>
-                <a:ea typeface="黑体" panose="02010609060101010101" pitchFamily="49" charset="-122"/>
-                <a:cs typeface="Arial" panose="020B0604020202020204" pitchFamily="34" charset="0"/>
-              </a:rPr>
-              <a:t>清华附中（</a:t>
-            </a:r>
-            <a:r>
-              <a:rPr lang="en-US" altLang="zh-CN" dirty="0" smtClean="0">
-                <a:latin typeface="Arial" panose="020B0604020202020204" pitchFamily="34" charset="0"/>
-                <a:ea typeface="黑体" panose="02010609060101010101" pitchFamily="49" charset="-122"/>
-                <a:cs typeface="Arial" panose="020B0604020202020204" pitchFamily="34" charset="0"/>
-              </a:rPr>
-              <a:t>2013</a:t>
-            </a:r>
-            <a:r>
-              <a:rPr lang="zh-CN" altLang="en-US" dirty="0" smtClean="0">
-                <a:latin typeface="Arial" panose="020B0604020202020204" pitchFamily="34" charset="0"/>
-                <a:ea typeface="黑体" panose="02010609060101010101" pitchFamily="49" charset="-122"/>
-                <a:cs typeface="Arial" panose="020B0604020202020204" pitchFamily="34" charset="0"/>
-              </a:rPr>
-              <a:t>清华国际暑期学校、中美绿色电子创客挑战）</a:t>
-            </a:r>
-            <a:endParaRPr lang="en-US" altLang="zh-CN" dirty="0" smtClean="0">
-              <a:latin typeface="Arial" panose="020B0604020202020204" pitchFamily="34" charset="0"/>
-              <a:ea typeface="黑体" panose="02010609060101010101" pitchFamily="49" charset="-122"/>
-              <a:cs typeface="Arial" panose="020B0604020202020204" pitchFamily="34" charset="0"/>
-            </a:endParaRPr>
-          </a:p>
-          <a:p>
-            <a:pPr lvl="1"/>
-            <a:r>
-              <a:rPr lang="zh-CN" altLang="en-US" dirty="0" smtClean="0">
-                <a:latin typeface="Arial" panose="020B0604020202020204" pitchFamily="34" charset="0"/>
-                <a:ea typeface="黑体" panose="02010609060101010101" pitchFamily="49" charset="-122"/>
-                <a:cs typeface="Arial" panose="020B0604020202020204" pitchFamily="34" charset="0"/>
-              </a:rPr>
-              <a:t>北京四中（中美绿色电子创客挑战、中美青年创客挑战）</a:t>
-            </a:r>
-            <a:endParaRPr lang="en-US" altLang="zh-CN" dirty="0" smtClean="0">
-              <a:latin typeface="Arial" panose="020B0604020202020204" pitchFamily="34" charset="0"/>
-              <a:ea typeface="黑体" panose="02010609060101010101" pitchFamily="49" charset="-122"/>
-              <a:cs typeface="Arial" panose="020B0604020202020204" pitchFamily="34" charset="0"/>
-            </a:endParaRPr>
-          </a:p>
-          <a:p>
-            <a:r>
-              <a:rPr lang="zh-CN" altLang="en-US" dirty="0" smtClean="0">
-                <a:latin typeface="Arial" panose="020B0604020202020204" pitchFamily="34" charset="0"/>
-                <a:ea typeface="黑体" panose="02010609060101010101" pitchFamily="49" charset="-122"/>
-                <a:cs typeface="Arial" panose="020B0604020202020204" pitchFamily="34" charset="0"/>
-              </a:rPr>
-              <a:t>专业经验之泉</a:t>
-            </a:r>
-            <a:r>
-              <a:rPr lang="en-US" altLang="zh-CN" dirty="0" smtClean="0">
-                <a:latin typeface="Arial" panose="020B0604020202020204" pitchFamily="34" charset="0"/>
-                <a:ea typeface="黑体" panose="02010609060101010101" pitchFamily="49" charset="-122"/>
-                <a:cs typeface="Arial" panose="020B0604020202020204" pitchFamily="34" charset="0"/>
-              </a:rPr>
-              <a:t>——</a:t>
-            </a:r>
-            <a:r>
-              <a:rPr lang="zh-CN" altLang="en-US" dirty="0" smtClean="0">
-                <a:latin typeface="Arial" panose="020B0604020202020204" pitchFamily="34" charset="0"/>
-                <a:ea typeface="黑体" panose="02010609060101010101" pitchFamily="49" charset="-122"/>
-                <a:cs typeface="Arial" panose="020B0604020202020204" pitchFamily="34" charset="0"/>
-              </a:rPr>
-              <a:t>社会创客群体</a:t>
-            </a:r>
-            <a:endParaRPr lang="en-US" altLang="zh-CN" dirty="0" smtClean="0">
-              <a:latin typeface="Arial" panose="020B0604020202020204" pitchFamily="34" charset="0"/>
-              <a:ea typeface="黑体" panose="02010609060101010101" pitchFamily="49" charset="-122"/>
-              <a:cs typeface="Arial" panose="020B0604020202020204" pitchFamily="34" charset="0"/>
-            </a:endParaRPr>
-          </a:p>
-          <a:p>
-            <a:pPr lvl="1"/>
-            <a:r>
-              <a:rPr lang="en-US" altLang="zh-CN" dirty="0" smtClean="0">
-                <a:latin typeface="Arial" panose="020B0604020202020204" pitchFamily="34" charset="0"/>
-                <a:ea typeface="黑体" panose="02010609060101010101" pitchFamily="49" charset="-122"/>
-                <a:cs typeface="Arial" panose="020B0604020202020204" pitchFamily="34" charset="0"/>
-              </a:rPr>
-              <a:t>Mitch Altman</a:t>
-            </a:r>
-            <a:r>
-              <a:rPr lang="zh-CN" altLang="en-US" dirty="0" smtClean="0">
-                <a:latin typeface="Arial" panose="020B0604020202020204" pitchFamily="34" charset="0"/>
-                <a:ea typeface="黑体" panose="02010609060101010101" pitchFamily="49" charset="-122"/>
-                <a:cs typeface="Arial" panose="020B0604020202020204" pitchFamily="34" charset="0"/>
-              </a:rPr>
-              <a:t>（</a:t>
-            </a:r>
-            <a:r>
-              <a:rPr lang="en-US" altLang="zh-CN" dirty="0" err="1" smtClean="0">
-                <a:latin typeface="Arial" panose="020B0604020202020204" pitchFamily="34" charset="0"/>
-                <a:ea typeface="黑体" panose="02010609060101010101" pitchFamily="49" charset="-122"/>
-                <a:cs typeface="Arial" panose="020B0604020202020204" pitchFamily="34" charset="0"/>
-              </a:rPr>
-              <a:t>Hackerspaces</a:t>
-            </a:r>
-            <a:r>
-              <a:rPr lang="en-US" altLang="zh-CN" dirty="0" smtClean="0">
-                <a:latin typeface="Arial" panose="020B0604020202020204" pitchFamily="34" charset="0"/>
-                <a:ea typeface="黑体" panose="02010609060101010101" pitchFamily="49" charset="-122"/>
-                <a:cs typeface="Arial" panose="020B0604020202020204" pitchFamily="34" charset="0"/>
-              </a:rPr>
-              <a:t> Movement</a:t>
-            </a:r>
-            <a:r>
-              <a:rPr lang="zh-CN" altLang="en-US" dirty="0" smtClean="0">
-                <a:latin typeface="Arial" panose="020B0604020202020204" pitchFamily="34" charset="0"/>
-                <a:ea typeface="黑体" panose="02010609060101010101" pitchFamily="49" charset="-122"/>
-                <a:cs typeface="Arial" panose="020B0604020202020204" pitchFamily="34" charset="0"/>
-              </a:rPr>
-              <a:t>创客空间运动发起人）</a:t>
-            </a:r>
-            <a:endParaRPr lang="en-US" altLang="zh-CN" dirty="0" smtClean="0">
-              <a:latin typeface="Arial" panose="020B0604020202020204" pitchFamily="34" charset="0"/>
-              <a:ea typeface="黑体" panose="02010609060101010101" pitchFamily="49" charset="-122"/>
-              <a:cs typeface="Arial" panose="020B0604020202020204" pitchFamily="34" charset="0"/>
-            </a:endParaRPr>
-          </a:p>
-          <a:p>
-            <a:pPr lvl="1"/>
-            <a:r>
-              <a:rPr lang="en-US" altLang="zh-CN" dirty="0" smtClean="0">
-                <a:latin typeface="Arial" panose="020B0604020202020204" pitchFamily="34" charset="0"/>
-                <a:ea typeface="黑体" panose="02010609060101010101" pitchFamily="49" charset="-122"/>
-                <a:cs typeface="Arial" panose="020B0604020202020204" pitchFamily="34" charset="0"/>
-              </a:rPr>
-              <a:t>Marcin </a:t>
-            </a:r>
-            <a:r>
-              <a:rPr lang="en-US" altLang="zh-CN" dirty="0" err="1" smtClean="0">
-                <a:latin typeface="Arial" panose="020B0604020202020204" pitchFamily="34" charset="0"/>
-                <a:ea typeface="黑体" panose="02010609060101010101" pitchFamily="49" charset="-122"/>
-                <a:cs typeface="Arial" panose="020B0604020202020204" pitchFamily="34" charset="0"/>
-              </a:rPr>
-              <a:t>Jakubowski</a:t>
-            </a:r>
-            <a:r>
-              <a:rPr lang="zh-CN" altLang="en-US" dirty="0" smtClean="0">
-                <a:latin typeface="Arial" panose="020B0604020202020204" pitchFamily="34" charset="0"/>
-                <a:ea typeface="黑体" panose="02010609060101010101" pitchFamily="49" charset="-122"/>
-                <a:cs typeface="Arial" panose="020B0604020202020204" pitchFamily="34" charset="0"/>
-              </a:rPr>
-              <a:t>（</a:t>
-            </a:r>
-            <a:r>
-              <a:rPr lang="en-US" altLang="zh-CN" dirty="0" smtClean="0">
-                <a:latin typeface="Arial" panose="020B0604020202020204" pitchFamily="34" charset="0"/>
-                <a:ea typeface="黑体" panose="02010609060101010101" pitchFamily="49" charset="-122"/>
-                <a:cs typeface="Arial" panose="020B0604020202020204" pitchFamily="34" charset="0"/>
-              </a:rPr>
-              <a:t>Open Source Ecology</a:t>
-            </a:r>
-            <a:r>
-              <a:rPr lang="zh-CN" altLang="en-US" dirty="0" smtClean="0">
-                <a:latin typeface="Arial" panose="020B0604020202020204" pitchFamily="34" charset="0"/>
-                <a:ea typeface="黑体" panose="02010609060101010101" pitchFamily="49" charset="-122"/>
-                <a:cs typeface="Arial" panose="020B0604020202020204" pitchFamily="34" charset="0"/>
-              </a:rPr>
-              <a:t>开源生态创始人）</a:t>
-            </a:r>
-            <a:endParaRPr lang="en-US" altLang="zh-CN" dirty="0" smtClean="0">
-              <a:latin typeface="Arial" panose="020B0604020202020204" pitchFamily="34" charset="0"/>
-              <a:ea typeface="黑体" panose="02010609060101010101" pitchFamily="49" charset="-122"/>
-              <a:cs typeface="Arial" panose="020B0604020202020204" pitchFamily="34" charset="0"/>
-            </a:endParaRPr>
-          </a:p>
-          <a:p>
-            <a:pPr lvl="1"/>
-            <a:r>
-              <a:rPr lang="zh-CN" altLang="en-US" dirty="0" smtClean="0">
-                <a:latin typeface="Arial" panose="020B0604020202020204" pitchFamily="34" charset="0"/>
-                <a:ea typeface="黑体" panose="02010609060101010101" pitchFamily="49" charset="-122"/>
-                <a:cs typeface="Arial" panose="020B0604020202020204" pitchFamily="34" charset="0"/>
-              </a:rPr>
-              <a:t>李大维（新车间创客空间创始人）</a:t>
-            </a:r>
-            <a:endParaRPr lang="en-US" altLang="zh-CN" dirty="0" smtClean="0">
-              <a:latin typeface="Arial" panose="020B0604020202020204" pitchFamily="34" charset="0"/>
-              <a:ea typeface="黑体" panose="02010609060101010101" pitchFamily="49" charset="-122"/>
-              <a:cs typeface="Arial" panose="020B0604020202020204" pitchFamily="34" charset="0"/>
-            </a:endParaRPr>
-          </a:p>
-          <a:p>
-            <a:r>
-              <a:rPr lang="zh-CN" altLang="en-US" dirty="0" smtClean="0">
-                <a:latin typeface="Arial" panose="020B0604020202020204" pitchFamily="34" charset="0"/>
-                <a:ea typeface="黑体" panose="02010609060101010101" pitchFamily="49" charset="-122"/>
-                <a:cs typeface="Arial" panose="020B0604020202020204" pitchFamily="34" charset="0"/>
-              </a:rPr>
-              <a:t>行业对接之桥</a:t>
-            </a:r>
-            <a:r>
-              <a:rPr lang="en-US" altLang="zh-CN" dirty="0" smtClean="0">
-                <a:latin typeface="Arial" panose="020B0604020202020204" pitchFamily="34" charset="0"/>
-                <a:ea typeface="黑体" panose="02010609060101010101" pitchFamily="49" charset="-122"/>
-                <a:cs typeface="Arial" panose="020B0604020202020204" pitchFamily="34" charset="0"/>
-              </a:rPr>
-              <a:t>——</a:t>
-            </a:r>
-            <a:r>
-              <a:rPr lang="zh-CN" altLang="en-US" dirty="0">
-                <a:latin typeface="Arial" panose="020B0604020202020204" pitchFamily="34" charset="0"/>
-                <a:ea typeface="黑体" panose="02010609060101010101" pitchFamily="49" charset="-122"/>
-                <a:cs typeface="Arial" panose="020B0604020202020204" pitchFamily="34" charset="0"/>
-              </a:rPr>
-              <a:t>领军企业</a:t>
-            </a:r>
-            <a:endParaRPr lang="en-US" altLang="zh-CN" dirty="0" smtClean="0">
-              <a:latin typeface="Arial" panose="020B0604020202020204" pitchFamily="34" charset="0"/>
-              <a:ea typeface="黑体" panose="02010609060101010101" pitchFamily="49" charset="-122"/>
-              <a:cs typeface="Arial" panose="020B0604020202020204" pitchFamily="34" charset="0"/>
-            </a:endParaRPr>
-          </a:p>
-          <a:p>
-            <a:pPr lvl="1"/>
-            <a:r>
-              <a:rPr lang="en-US" altLang="zh-CN" dirty="0" smtClean="0">
-                <a:latin typeface="Arial" panose="020B0604020202020204" pitchFamily="34" charset="0"/>
-                <a:ea typeface="黑体" panose="02010609060101010101" pitchFamily="49" charset="-122"/>
-                <a:cs typeface="Arial" panose="020B0604020202020204" pitchFamily="34" charset="0"/>
-              </a:rPr>
-              <a:t>Intel</a:t>
-            </a:r>
-          </a:p>
-        </p:txBody>
-      </p:sp>
-    </p:spTree>
-    <p:extLst>
-      <p:ext uri="{BB962C8B-B14F-4D97-AF65-F5344CB8AC3E}">
-        <p14:creationId xmlns:p14="http://schemas.microsoft.com/office/powerpoint/2010/main" val="3885963269"/>
-      </p:ext>
-    </p:extLst>
-  </p:cSld>
-  <p:clrMapOvr>
-    <a:masterClrMapping/>
-  </p:clrMapOvr>
-</p:sld>
-</file>
-
 <file path=ppt/slides/slide8.xml><?xml version="1.0" encoding="utf-8"?>
 <p:sld xmlns:a="http://schemas.openxmlformats.org/drawingml/2006/main" xmlns:r="http://schemas.openxmlformats.org/officeDocument/2006/relationships" xmlns:p="http://schemas.openxmlformats.org/presentationml/2006/main">
   <p:cSld>
@@ -7293,14 +8474,16 @@
           <a:p>
             <a:r>
               <a:rPr lang="zh-CN" altLang="en-US" dirty="0" smtClean="0">
-                <a:latin typeface="黑体" panose="02010609060101010101" pitchFamily="49" charset="-122"/>
-                <a:ea typeface="黑体" panose="02010609060101010101" pitchFamily="49" charset="-122"/>
-              </a:rPr>
-              <a:t>乐高一般的拼插式空间</a:t>
+                <a:latin typeface="Arial" panose="020B0604020202020204" pitchFamily="34" charset="0"/>
+                <a:ea typeface="黑体" panose="02010609060101010101" pitchFamily="49" charset="-122"/>
+                <a:cs typeface="Arial" panose="020B0604020202020204" pitchFamily="34" charset="0"/>
+              </a:rPr>
+              <a:t>学生创新活动相关校外资源的引入</a:t>
             </a:r>
             <a:endParaRPr lang="zh-CN" altLang="en-US" dirty="0">
-              <a:latin typeface="黑体" panose="02010609060101010101" pitchFamily="49" charset="-122"/>
+              <a:latin typeface="Arial" panose="020B0604020202020204" pitchFamily="34" charset="0"/>
               <a:ea typeface="黑体" panose="02010609060101010101" pitchFamily="49" charset="-122"/>
+              <a:cs typeface="Arial" panose="020B0604020202020204" pitchFamily="34" charset="0"/>
             </a:endParaRPr>
           </a:p>
         </p:txBody>
@@ -7322,133 +8505,287 @@
           <a:p>
             <a:r>
               <a:rPr lang="zh-CN" altLang="en-US" dirty="0" smtClean="0">
-                <a:latin typeface="黑体" panose="02010609060101010101" pitchFamily="49" charset="-122"/>
-                <a:ea typeface="黑体" panose="02010609060101010101" pitchFamily="49" charset="-122"/>
-              </a:rPr>
-              <a:t>空间</a:t>
+                <a:latin typeface="Arial" panose="020B0604020202020204" pitchFamily="34" charset="0"/>
+                <a:ea typeface="黑体" panose="02010609060101010101" pitchFamily="49" charset="-122"/>
+                <a:cs typeface="Arial" panose="020B0604020202020204" pitchFamily="34" charset="0"/>
+              </a:rPr>
+              <a:t>思维发散之种</a:t>
             </a:r>
             <a:r>
               <a:rPr lang="en-US" altLang="zh-CN" dirty="0" smtClean="0">
-                <a:latin typeface="黑体" panose="02010609060101010101" pitchFamily="49" charset="-122"/>
-                <a:ea typeface="黑体" panose="02010609060101010101" pitchFamily="49" charset="-122"/>
-              </a:rPr>
-              <a:t>+</a:t>
+                <a:latin typeface="Arial" panose="020B0604020202020204" pitchFamily="34" charset="0"/>
+                <a:ea typeface="黑体" panose="02010609060101010101" pitchFamily="49" charset="-122"/>
+                <a:cs typeface="Arial" panose="020B0604020202020204" pitchFamily="34" charset="0"/>
+              </a:rPr>
+              <a:t>——</a:t>
+            </a:r>
+            <a:r>
+              <a:rPr lang="zh-CN" altLang="en-US" dirty="0">
+                <a:latin typeface="Arial" panose="020B0604020202020204" pitchFamily="34" charset="0"/>
+                <a:ea typeface="黑体" panose="02010609060101010101" pitchFamily="49" charset="-122"/>
+                <a:cs typeface="Arial" panose="020B0604020202020204" pitchFamily="34" charset="0"/>
+              </a:rPr>
+              <a:t>延伸</a:t>
             </a:r>
             <a:r>
               <a:rPr lang="zh-CN" altLang="en-US" dirty="0" smtClean="0">
-                <a:latin typeface="黑体" panose="02010609060101010101" pitchFamily="49" charset="-122"/>
-                <a:ea typeface="黑体" panose="02010609060101010101" pitchFamily="49" charset="-122"/>
-              </a:rPr>
-              <a:t>设施工具</a:t>
+                <a:latin typeface="Arial" panose="020B0604020202020204" pitchFamily="34" charset="0"/>
+                <a:ea typeface="黑体" panose="02010609060101010101" pitchFamily="49" charset="-122"/>
+                <a:cs typeface="Arial" panose="020B0604020202020204" pitchFamily="34" charset="0"/>
+              </a:rPr>
+              <a:t>至中小学等基础教育领域</a:t>
+            </a:r>
+            <a:endParaRPr lang="en-US" altLang="zh-CN" dirty="0">
+              <a:latin typeface="Arial" panose="020B0604020202020204" pitchFamily="34" charset="0"/>
+              <a:ea typeface="黑体" panose="02010609060101010101" pitchFamily="49" charset="-122"/>
+              <a:cs typeface="Arial" panose="020B0604020202020204" pitchFamily="34" charset="0"/>
+            </a:endParaRPr>
+          </a:p>
+          <a:p>
+            <a:pPr lvl="1"/>
+            <a:r>
+              <a:rPr lang="zh-CN" altLang="en-US" dirty="0" smtClean="0">
+                <a:latin typeface="Arial" panose="020B0604020202020204" pitchFamily="34" charset="0"/>
+                <a:ea typeface="黑体" panose="02010609060101010101" pitchFamily="49" charset="-122"/>
+                <a:cs typeface="Arial" panose="020B0604020202020204" pitchFamily="34" charset="0"/>
+              </a:rPr>
+              <a:t>清华附中（</a:t>
+            </a:r>
+            <a:r>
+              <a:rPr lang="en-US" altLang="zh-CN" dirty="0" smtClean="0">
+                <a:latin typeface="Arial" panose="020B0604020202020204" pitchFamily="34" charset="0"/>
+                <a:ea typeface="黑体" panose="02010609060101010101" pitchFamily="49" charset="-122"/>
+                <a:cs typeface="Arial" panose="020B0604020202020204" pitchFamily="34" charset="0"/>
+              </a:rPr>
+              <a:t>2013</a:t>
+            </a:r>
+            <a:r>
+              <a:rPr lang="zh-CN" altLang="en-US" dirty="0" smtClean="0">
+                <a:latin typeface="Arial" panose="020B0604020202020204" pitchFamily="34" charset="0"/>
+                <a:ea typeface="黑体" panose="02010609060101010101" pitchFamily="49" charset="-122"/>
+                <a:cs typeface="Arial" panose="020B0604020202020204" pitchFamily="34" charset="0"/>
+              </a:rPr>
+              <a:t>清华国际暑期学校、中美绿色电子创客挑战）</a:t>
             </a:r>
             <a:endParaRPr lang="en-US" altLang="zh-CN" dirty="0" smtClean="0">
-              <a:latin typeface="黑体" panose="02010609060101010101" pitchFamily="49" charset="-122"/>
+              <a:latin typeface="Arial" panose="020B0604020202020204" pitchFamily="34" charset="0"/>
               <a:ea typeface="黑体" panose="02010609060101010101" pitchFamily="49" charset="-122"/>
+              <a:cs typeface="Arial" panose="020B0604020202020204" pitchFamily="34" charset="0"/>
             </a:endParaRPr>
           </a:p>
           <a:p>
             <a:pPr lvl="1"/>
             <a:r>
               <a:rPr lang="zh-CN" altLang="en-US" dirty="0" smtClean="0">
-                <a:latin typeface="黑体" panose="02010609060101010101" pitchFamily="49" charset="-122"/>
-                <a:ea typeface="黑体" panose="02010609060101010101" pitchFamily="49" charset="-122"/>
-              </a:rPr>
-              <a:t>定制化、单元化、可重组的“移动创客柜”</a:t>
+                <a:latin typeface="Arial" panose="020B0604020202020204" pitchFamily="34" charset="0"/>
+                <a:ea typeface="黑体" panose="02010609060101010101" pitchFamily="49" charset="-122"/>
+                <a:cs typeface="Arial" panose="020B0604020202020204" pitchFamily="34" charset="0"/>
+              </a:rPr>
+              <a:t>北京四中（中美绿色电子创客挑战、中美青年创客挑战）</a:t>
             </a:r>
             <a:endParaRPr lang="en-US" altLang="zh-CN" dirty="0" smtClean="0">
-              <a:latin typeface="黑体" panose="02010609060101010101" pitchFamily="49" charset="-122"/>
+              <a:latin typeface="Arial" panose="020B0604020202020204" pitchFamily="34" charset="0"/>
               <a:ea typeface="黑体" panose="02010609060101010101" pitchFamily="49" charset="-122"/>
+              <a:cs typeface="Arial" panose="020B0604020202020204" pitchFamily="34" charset="0"/>
             </a:endParaRPr>
           </a:p>
           <a:p>
-            <a:pPr lvl="2"/>
             <a:r>
               <a:rPr lang="zh-CN" altLang="en-US" dirty="0" smtClean="0">
-                <a:latin typeface="黑体" panose="02010609060101010101" pitchFamily="49" charset="-122"/>
-                <a:ea typeface="黑体" panose="02010609060101010101" pitchFamily="49" charset="-122"/>
-              </a:rPr>
-              <a:t>包含工作台、工具、原材料等</a:t>
-            </a:r>
+                <a:latin typeface="Arial" panose="020B0604020202020204" pitchFamily="34" charset="0"/>
+                <a:ea typeface="黑体" panose="02010609060101010101" pitchFamily="49" charset="-122"/>
+                <a:cs typeface="Arial" panose="020B0604020202020204" pitchFamily="34" charset="0"/>
+              </a:rPr>
+              <a:t>专业经验之泉</a:t>
+            </a:r>
+            <a:r>
+              <a:rPr lang="en-US" altLang="zh-CN" dirty="0" smtClean="0">
+                <a:latin typeface="Arial" panose="020B0604020202020204" pitchFamily="34" charset="0"/>
+                <a:ea typeface="黑体" panose="02010609060101010101" pitchFamily="49" charset="-122"/>
+                <a:cs typeface="Arial" panose="020B0604020202020204" pitchFamily="34" charset="0"/>
+              </a:rPr>
+              <a:t>——</a:t>
+            </a:r>
+            <a:r>
+              <a:rPr lang="zh-CN" altLang="en-US" dirty="0" smtClean="0">
+                <a:latin typeface="Arial" panose="020B0604020202020204" pitchFamily="34" charset="0"/>
+                <a:ea typeface="黑体" panose="02010609060101010101" pitchFamily="49" charset="-122"/>
+                <a:cs typeface="Arial" panose="020B0604020202020204" pitchFamily="34" charset="0"/>
+              </a:rPr>
+              <a:t>社会创客群体</a:t>
+            </a:r>
+            <a:endParaRPr lang="en-US" altLang="zh-CN" dirty="0" smtClean="0">
+              <a:latin typeface="Arial" panose="020B0604020202020204" pitchFamily="34" charset="0"/>
+              <a:ea typeface="黑体" panose="02010609060101010101" pitchFamily="49" charset="-122"/>
+              <a:cs typeface="Arial" panose="020B0604020202020204" pitchFamily="34" charset="0"/>
+            </a:endParaRPr>
           </a:p>
           <a:p>
             <a:pPr lvl="1"/>
             <a:r>
+              <a:rPr lang="en-US" altLang="zh-CN" dirty="0" smtClean="0">
+                <a:latin typeface="Arial" panose="020B0604020202020204" pitchFamily="34" charset="0"/>
+                <a:ea typeface="黑体" panose="02010609060101010101" pitchFamily="49" charset="-122"/>
+                <a:cs typeface="Arial" panose="020B0604020202020204" pitchFamily="34" charset="0"/>
+              </a:rPr>
+              <a:t>Mitch Altman</a:t>
+            </a:r>
+            <a:r>
               <a:rPr lang="zh-CN" altLang="en-US" dirty="0" smtClean="0">
-                <a:latin typeface="黑体" panose="02010609060101010101" pitchFamily="49" charset="-122"/>
-                <a:ea typeface="黑体" panose="02010609060101010101" pitchFamily="49" charset="-122"/>
-              </a:rPr>
-              <a:t>空间开放预约</a:t>
+                <a:latin typeface="Arial" panose="020B0604020202020204" pitchFamily="34" charset="0"/>
+                <a:ea typeface="黑体" panose="02010609060101010101" pitchFamily="49" charset="-122"/>
+                <a:cs typeface="Arial" panose="020B0604020202020204" pitchFamily="34" charset="0"/>
+              </a:rPr>
+              <a:t>（</a:t>
+            </a:r>
+            <a:r>
+              <a:rPr lang="en-US" altLang="zh-CN" dirty="0" err="1" smtClean="0">
+                <a:latin typeface="Arial" panose="020B0604020202020204" pitchFamily="34" charset="0"/>
+                <a:ea typeface="黑体" panose="02010609060101010101" pitchFamily="49" charset="-122"/>
+                <a:cs typeface="Arial" panose="020B0604020202020204" pitchFamily="34" charset="0"/>
+              </a:rPr>
+              <a:t>Hackerspaces</a:t>
+            </a:r>
+            <a:r>
+              <a:rPr lang="en-US" altLang="zh-CN" dirty="0" smtClean="0">
+                <a:latin typeface="Arial" panose="020B0604020202020204" pitchFamily="34" charset="0"/>
+                <a:ea typeface="黑体" panose="02010609060101010101" pitchFamily="49" charset="-122"/>
+                <a:cs typeface="Arial" panose="020B0604020202020204" pitchFamily="34" charset="0"/>
+              </a:rPr>
+              <a:t> Movement</a:t>
+            </a:r>
+            <a:r>
+              <a:rPr lang="zh-CN" altLang="en-US" dirty="0" smtClean="0">
+                <a:latin typeface="Arial" panose="020B0604020202020204" pitchFamily="34" charset="0"/>
+                <a:ea typeface="黑体" panose="02010609060101010101" pitchFamily="49" charset="-122"/>
+                <a:cs typeface="Arial" panose="020B0604020202020204" pitchFamily="34" charset="0"/>
+              </a:rPr>
+              <a:t>创客空间运动发起人）</a:t>
             </a:r>
             <a:endParaRPr lang="en-US" altLang="zh-CN" dirty="0" smtClean="0">
-              <a:latin typeface="黑体" panose="02010609060101010101" pitchFamily="49" charset="-122"/>
+              <a:latin typeface="Arial" panose="020B0604020202020204" pitchFamily="34" charset="0"/>
               <a:ea typeface="黑体" panose="02010609060101010101" pitchFamily="49" charset="-122"/>
+              <a:cs typeface="Arial" panose="020B0604020202020204" pitchFamily="34" charset="0"/>
             </a:endParaRPr>
           </a:p>
           <a:p>
+            <a:pPr lvl="1"/>
+            <a:r>
+              <a:rPr lang="en-US" altLang="zh-CN" dirty="0" smtClean="0">
+                <a:latin typeface="Arial" panose="020B0604020202020204" pitchFamily="34" charset="0"/>
+                <a:ea typeface="黑体" panose="02010609060101010101" pitchFamily="49" charset="-122"/>
+                <a:cs typeface="Arial" panose="020B0604020202020204" pitchFamily="34" charset="0"/>
+              </a:rPr>
+              <a:t>Marcin </a:t>
+            </a:r>
+            <a:r>
+              <a:rPr lang="en-US" altLang="zh-CN" dirty="0" err="1" smtClean="0">
+                <a:latin typeface="Arial" panose="020B0604020202020204" pitchFamily="34" charset="0"/>
+                <a:ea typeface="黑体" panose="02010609060101010101" pitchFamily="49" charset="-122"/>
+                <a:cs typeface="Arial" panose="020B0604020202020204" pitchFamily="34" charset="0"/>
+              </a:rPr>
+              <a:t>Jakubowski</a:t>
+            </a:r>
             <a:r>
               <a:rPr lang="zh-CN" altLang="en-US" dirty="0" smtClean="0">
-                <a:latin typeface="黑体" panose="02010609060101010101" pitchFamily="49" charset="-122"/>
-                <a:ea typeface="黑体" panose="02010609060101010101" pitchFamily="49" charset="-122"/>
-              </a:rPr>
-              <a:t>使用方法：将项目对应的创客柜“拼插”到预约好的场地上</a:t>
+                <a:latin typeface="Arial" panose="020B0604020202020204" pitchFamily="34" charset="0"/>
+                <a:ea typeface="黑体" panose="02010609060101010101" pitchFamily="49" charset="-122"/>
+                <a:cs typeface="Arial" panose="020B0604020202020204" pitchFamily="34" charset="0"/>
+              </a:rPr>
+              <a:t>（</a:t>
+            </a:r>
+            <a:r>
+              <a:rPr lang="en-US" altLang="zh-CN" dirty="0" smtClean="0">
+                <a:latin typeface="Arial" panose="020B0604020202020204" pitchFamily="34" charset="0"/>
+                <a:ea typeface="黑体" panose="02010609060101010101" pitchFamily="49" charset="-122"/>
+                <a:cs typeface="Arial" panose="020B0604020202020204" pitchFamily="34" charset="0"/>
+              </a:rPr>
+              <a:t>Open Source Ecology</a:t>
+            </a:r>
+            <a:r>
+              <a:rPr lang="zh-CN" altLang="en-US" dirty="0" smtClean="0">
+                <a:latin typeface="Arial" panose="020B0604020202020204" pitchFamily="34" charset="0"/>
+                <a:ea typeface="黑体" panose="02010609060101010101" pitchFamily="49" charset="-122"/>
+                <a:cs typeface="Arial" panose="020B0604020202020204" pitchFamily="34" charset="0"/>
+              </a:rPr>
+              <a:t>开源生态创始人）</a:t>
             </a:r>
             <a:endParaRPr lang="en-US" altLang="zh-CN" dirty="0" smtClean="0">
-              <a:latin typeface="黑体" panose="02010609060101010101" pitchFamily="49" charset="-122"/>
+              <a:latin typeface="Arial" panose="020B0604020202020204" pitchFamily="34" charset="0"/>
               <a:ea typeface="黑体" panose="02010609060101010101" pitchFamily="49" charset="-122"/>
+              <a:cs typeface="Arial" panose="020B0604020202020204" pitchFamily="34" charset="0"/>
             </a:endParaRPr>
           </a:p>
           <a:p>
             <a:pPr lvl="1"/>
             <a:r>
               <a:rPr lang="zh-CN" altLang="en-US" dirty="0" smtClean="0">
-                <a:latin typeface="黑体" panose="02010609060101010101" pitchFamily="49" charset="-122"/>
-                <a:ea typeface="黑体" panose="02010609060101010101" pitchFamily="49" charset="-122"/>
-              </a:rPr>
-              <a:t>获得空间、采光、电源等公共资源</a:t>
+                <a:latin typeface="Arial" panose="020B0604020202020204" pitchFamily="34" charset="0"/>
+                <a:ea typeface="黑体" panose="02010609060101010101" pitchFamily="49" charset="-122"/>
+                <a:cs typeface="Arial" panose="020B0604020202020204" pitchFamily="34" charset="0"/>
+              </a:rPr>
+              <a:t>李大维（新车间创客空间创始人）</a:t>
             </a:r>
             <a:endParaRPr lang="en-US" altLang="zh-CN" dirty="0" smtClean="0">
-              <a:latin typeface="黑体" panose="02010609060101010101" pitchFamily="49" charset="-122"/>
+              <a:latin typeface="Arial" panose="020B0604020202020204" pitchFamily="34" charset="0"/>
               <a:ea typeface="黑体" panose="02010609060101010101" pitchFamily="49" charset="-122"/>
+              <a:cs typeface="Arial" panose="020B0604020202020204" pitchFamily="34" charset="0"/>
             </a:endParaRPr>
           </a:p>
           <a:p>
-            <a:endParaRPr lang="en-US" altLang="zh-CN" dirty="0">
-              <a:latin typeface="黑体" panose="02010609060101010101" pitchFamily="49" charset="-122"/>
+            <a:r>
+              <a:rPr lang="zh-CN" altLang="en-US" dirty="0" smtClean="0">
+                <a:latin typeface="Arial" panose="020B0604020202020204" pitchFamily="34" charset="0"/>
+                <a:ea typeface="黑体" panose="02010609060101010101" pitchFamily="49" charset="-122"/>
+                <a:cs typeface="Arial" panose="020B0604020202020204" pitchFamily="34" charset="0"/>
+              </a:rPr>
+              <a:t>行业对接之桥</a:t>
+            </a:r>
+            <a:r>
+              <a:rPr lang="en-US" altLang="zh-CN" dirty="0" smtClean="0">
+                <a:latin typeface="Arial" panose="020B0604020202020204" pitchFamily="34" charset="0"/>
+                <a:ea typeface="黑体" panose="02010609060101010101" pitchFamily="49" charset="-122"/>
+                <a:cs typeface="Arial" panose="020B0604020202020204" pitchFamily="34" charset="0"/>
+              </a:rPr>
+              <a:t>——</a:t>
+            </a:r>
+            <a:r>
+              <a:rPr lang="zh-CN" altLang="en-US" dirty="0">
+                <a:latin typeface="Arial" panose="020B0604020202020204" pitchFamily="34" charset="0"/>
+                <a:ea typeface="黑体" panose="02010609060101010101" pitchFamily="49" charset="-122"/>
+                <a:cs typeface="Arial" panose="020B0604020202020204" pitchFamily="34" charset="0"/>
+              </a:rPr>
+              <a:t>领军企业</a:t>
+            </a:r>
+            <a:endParaRPr lang="en-US" altLang="zh-CN" dirty="0" smtClean="0">
+              <a:latin typeface="Arial" panose="020B0604020202020204" pitchFamily="34" charset="0"/>
               <a:ea typeface="黑体" panose="02010609060101010101" pitchFamily="49" charset="-122"/>
+              <a:cs typeface="Arial" panose="020B0604020202020204" pitchFamily="34" charset="0"/>
             </a:endParaRPr>
           </a:p>
           <a:p>
-            <a:r>
-              <a:rPr lang="zh-CN" altLang="en-US" dirty="0" smtClean="0">
-                <a:latin typeface="黑体" panose="02010609060101010101" pitchFamily="49" charset="-122"/>
-                <a:ea typeface="黑体" panose="02010609060101010101" pitchFamily="49" charset="-122"/>
-              </a:rPr>
-              <a:t>另外，可预约使用各种加工设备</a:t>
-            </a:r>
-            <a:endParaRPr lang="en-US" altLang="zh-CN" dirty="0" smtClean="0">
-              <a:latin typeface="黑体" panose="02010609060101010101" pitchFamily="49" charset="-122"/>
-              <a:ea typeface="黑体" panose="02010609060101010101" pitchFamily="49" charset="-122"/>
-            </a:endParaRPr>
+            <a:pPr lvl="1"/>
+            <a:r>
+              <a:rPr lang="en-US" altLang="zh-CN" dirty="0" smtClean="0">
+                <a:latin typeface="Arial" panose="020B0604020202020204" pitchFamily="34" charset="0"/>
+                <a:ea typeface="黑体" panose="02010609060101010101" pitchFamily="49" charset="-122"/>
+                <a:cs typeface="Arial" panose="020B0604020202020204" pitchFamily="34" charset="0"/>
+              </a:rPr>
+              <a:t>Intel</a:t>
+            </a:r>
           </a:p>
         </p:txBody>
       </p:sp>
     </p:spTree>
     <p:extLst>
       <p:ext uri="{BB962C8B-B14F-4D97-AF65-F5344CB8AC3E}">
-        <p14:creationId xmlns:p14="http://schemas.microsoft.com/office/powerpoint/2010/main" val="1564133264"/>
+        <p14:creationId xmlns:p14="http://schemas.microsoft.com/office/powerpoint/2010/main" val="3885963269"/>
       </p:ext>
     </p:extLst>
   </p:cSld>
   <p:clrMapOvr>
     <a:masterClrMapping/>
   </p:clrMapOvr>
-  <p:timing>
-    <p:tnLst>
-      <p:par>
-        <p:cTn id="1" dur="indefinite" restart="never" nodeType="tmRoot"/>
-      </p:par>
-    </p:tnLst>
-  </p:timing>
 </p:sld>
 </file>
 
@@ -7489,7 +8826,7 @@
                 <a:latin typeface="黑体" panose="02010609060101010101" pitchFamily="49" charset="-122"/>
                 <a:ea typeface="黑体" panose="02010609060101010101" pitchFamily="49" charset="-122"/>
               </a:rPr>
-              <a:t>充满活力的创客小生态，带动创新大环境</a:t>
+              <a:t>乐高一般的拼插式空间</a:t>
             </a:r>
             <a:endParaRPr lang="zh-CN" altLang="en-US" dirty="0">
               <a:latin typeface="黑体" panose="02010609060101010101" pitchFamily="49" charset="-122"/>
@@ -7514,18 +8851,25 @@
           <a:lstStyle/>
           <a:p>
             <a:r>
-              <a:rPr lang="zh-CN" altLang="en-US" dirty="0">
-                <a:latin typeface="黑体" panose="02010609060101010101" pitchFamily="49" charset="-122"/>
-                <a:ea typeface="黑体" panose="02010609060101010101" pitchFamily="49" charset="-122"/>
-              </a:rPr>
-              <a:t>自</a:t>
-            </a:r>
-            <a:r>
               <a:rPr lang="zh-CN" altLang="en-US" dirty="0" smtClean="0">
                 <a:latin typeface="黑体" panose="02010609060101010101" pitchFamily="49" charset="-122"/>
                 <a:ea typeface="黑体" panose="02010609060101010101" pitchFamily="49" charset="-122"/>
               </a:rPr>
-              <a:t>媒体平台</a:t>
+              <a:t>空间</a:t>
+            </a:r>
+            <a:r>
+              <a:rPr lang="en-US" altLang="zh-CN" dirty="0" smtClean="0">
+                <a:latin typeface="黑体" panose="02010609060101010101" pitchFamily="49" charset="-122"/>
+                <a:ea typeface="黑体" panose="02010609060101010101" pitchFamily="49" charset="-122"/>
+              </a:rPr>
+              <a:t>+</a:t>
+            </a:r>
+            <a:r>
+              <a:rPr lang="zh-CN" altLang="en-US" dirty="0" smtClean="0">
+                <a:latin typeface="黑体" panose="02010609060101010101" pitchFamily="49" charset="-122"/>
+                <a:ea typeface="黑体" panose="02010609060101010101" pitchFamily="49" charset="-122"/>
+              </a:rPr>
+              <a:t>设施工具</a:t>
             </a:r>
             <a:endParaRPr lang="en-US" altLang="zh-CN" dirty="0" smtClean="0">
               <a:latin typeface="黑体" panose="02010609060101010101" pitchFamily="49" charset="-122"/>
@@ -7539,7 +8883,7 @@
                 <a:latin typeface="黑体" panose="02010609060101010101" pitchFamily="49" charset="-122"/>
                 <a:ea typeface="黑体" panose="02010609060101010101" pitchFamily="49" charset="-122"/>
               </a:rPr>
-              <a:t>全校跨学科多师多生内容</a:t>
+              <a:t>定制化、单元化、可重组的“移动创客柜”</a:t>
             </a:r>
             <a:endParaRPr lang="en-US" altLang="zh-CN" dirty="0" smtClean="0">
               <a:latin typeface="黑体" panose="02010609060101010101" pitchFamily="49" charset="-122"/>
@@ -7547,12 +8891,23 @@
             </a:endParaRPr>
           </a:p>
           <a:p>
+            <a:pPr lvl="2"/>
             <a:r>
               <a:rPr lang="zh-CN" altLang="en-US" dirty="0" smtClean="0">
                 <a:latin typeface="黑体" panose="02010609060101010101" pitchFamily="49" charset="-122"/>
                 <a:ea typeface="黑体" panose="02010609060101010101" pitchFamily="49" charset="-122"/>
               </a:rPr>
-              <a:t>分布式创新基地，随时随地做项目</a:t>
+              <a:t>包含工作台、工具、原材料等</a:t>
+            </a:r>
+          </a:p>
+          <a:p>
+            <a:pPr lvl="1"/>
+            <a:r>
+              <a:rPr lang="zh-CN" altLang="en-US" dirty="0" smtClean="0">
+                <a:latin typeface="黑体" panose="02010609060101010101" pitchFamily="49" charset="-122"/>
+                <a:ea typeface="黑体" panose="02010609060101010101" pitchFamily="49" charset="-122"/>
+              </a:rPr>
+              <a:t>空间开放预约</a:t>
             </a:r>
             <a:endParaRPr lang="en-US" altLang="zh-CN" dirty="0" smtClean="0">
               <a:latin typeface="黑体" panose="02010609060101010101" pitchFamily="49" charset="-122"/>
@@ -7560,13 +8915,12 @@
             </a:endParaRPr>
           </a:p>
           <a:p>
-            <a:pPr lvl="1"/>
             <a:r>
               <a:rPr lang="zh-CN" altLang="en-US" dirty="0" smtClean="0">
                 <a:latin typeface="黑体" panose="02010609060101010101" pitchFamily="49" charset="-122"/>
                 <a:ea typeface="黑体" panose="02010609060101010101" pitchFamily="49" charset="-122"/>
               </a:rPr>
-              <a:t>云计算平台，为项目管理、图纸设计助力</a:t>
+              <a:t>使用方法：将项目对应的创客柜“拼插”到预约好的场地上</a:t>
             </a:r>
             <a:endParaRPr lang="en-US" altLang="zh-CN" dirty="0" smtClean="0">
               <a:latin typeface="黑体" panose="02010609060101010101" pitchFamily="49" charset="-122"/>
@@ -7580,7 +8934,7 @@
                 <a:latin typeface="黑体" panose="02010609060101010101" pitchFamily="49" charset="-122"/>
                 <a:ea typeface="黑体" panose="02010609060101010101" pitchFamily="49" charset="-122"/>
               </a:rPr>
-              <a:t>设备联网，实现分布式数控加工</a:t>
+              <a:t>获得空间、采光、电源等公共资源</a:t>
             </a:r>
             <a:endParaRPr lang="en-US" altLang="zh-CN" dirty="0" smtClean="0">
               <a:latin typeface="黑体" panose="02010609060101010101" pitchFamily="49" charset="-122"/>
@@ -7588,51 +8942,43 @@
             </a:endParaRPr>
           </a:p>
           <a:p>
-            <a:pPr lvl="1"/>
+            <a:endParaRPr lang="en-US" altLang="zh-CN" dirty="0">
+              <a:latin typeface="黑体" panose="02010609060101010101" pitchFamily="49" charset="-122"/>
+              <a:ea typeface="黑体" panose="02010609060101010101" pitchFamily="49" charset="-122"/>
+            </a:endParaRPr>
+          </a:p>
+          <a:p>
             <a:r>
               <a:rPr lang="zh-CN" altLang="en-US" dirty="0" smtClean="0">
                 <a:latin typeface="黑体" panose="02010609060101010101" pitchFamily="49" charset="-122"/>
                 <a:ea typeface="黑体" panose="02010609060101010101" pitchFamily="49" charset="-122"/>
               </a:rPr>
-              <a:t>版本控制，全面跟踪产品生命周期</a:t>
+              <a:t>另外，可预约使用各种加工设备</a:t>
             </a:r>
             <a:endParaRPr lang="en-US" altLang="zh-CN" dirty="0" smtClean="0">
               <a:latin typeface="黑体" panose="02010609060101010101" pitchFamily="49" charset="-122"/>
               <a:ea typeface="黑体" panose="02010609060101010101" pitchFamily="49" charset="-122"/>
             </a:endParaRPr>
           </a:p>
-          <a:p>
-            <a:r>
-              <a:rPr lang="zh-CN" altLang="en-US" dirty="0">
-                <a:latin typeface="黑体" panose="02010609060101010101" pitchFamily="49" charset="-122"/>
-                <a:ea typeface="黑体" panose="02010609060101010101" pitchFamily="49" charset="-122"/>
-              </a:rPr>
-              <a:t>我</a:t>
-            </a:r>
-            <a:r>
-              <a:rPr lang="zh-CN" altLang="en-US" dirty="0" smtClean="0">
-                <a:latin typeface="黑体" panose="02010609060101010101" pitchFamily="49" charset="-122"/>
-                <a:ea typeface="黑体" panose="02010609060101010101" pitchFamily="49" charset="-122"/>
-              </a:rPr>
-              <a:t>的“空间”，我做主</a:t>
-            </a:r>
-            <a:endParaRPr lang="zh-CN" altLang="en-US" dirty="0">
-              <a:latin typeface="黑体" panose="02010609060101010101" pitchFamily="49" charset="-122"/>
-              <a:ea typeface="黑体" panose="02010609060101010101" pitchFamily="49" charset="-122"/>
-            </a:endParaRPr>
-          </a:p>
         </p:txBody>
       </p:sp>
     </p:spTree>
     <p:extLst>
       <p:ext uri="{BB962C8B-B14F-4D97-AF65-F5344CB8AC3E}">
-        <p14:creationId xmlns:p14="http://schemas.microsoft.com/office/powerpoint/2010/main" val="184496029"/>
+        <p14:creationId xmlns:p14="http://schemas.microsoft.com/office/powerpoint/2010/main" val="1564133264"/>
       </p:ext>
     </p:extLst>
   </p:cSld>
   <p:clrMapOvr>
     <a:masterClrMapping/>
   </p:clrMapOvr>
+  <p:timing>
+    <p:tnLst>
+      <p:par>
+        <p:cTn id="1" dur="indefinite" restart="never" nodeType="tmRoot"/>
+      </p:par>
+    </p:tnLst>
+  </p:timing>
 </p:sld>
 </file>
 

--- a/训练中心创客交叉融合空间建设/doc/训练中心制造信息化平台和创客空间建设项目规划-新思路补充.pptx
+++ b/训练中心创客交叉融合空间建设/doc/训练中心制造信息化平台和创客空间建设项目规划-新思路补充.pptx
@@ -5,17 +5,18 @@
     <p:sldMasterId id="2147483648" r:id="rId1"/>
   </p:sldMasterIdLst>
   <p:sldIdLst>
-    <p:sldId id="256" r:id="rId2"/>
-    <p:sldId id="258" r:id="rId3"/>
-    <p:sldId id="267" r:id="rId4"/>
-    <p:sldId id="257" r:id="rId5"/>
-    <p:sldId id="259" r:id="rId6"/>
-    <p:sldId id="266" r:id="rId7"/>
-    <p:sldId id="262" r:id="rId8"/>
-    <p:sldId id="260" r:id="rId9"/>
-    <p:sldId id="261" r:id="rId10"/>
-    <p:sldId id="263" r:id="rId11"/>
-    <p:sldId id="264" r:id="rId12"/>
+    <p:sldId id="268" r:id="rId2"/>
+    <p:sldId id="256" r:id="rId3"/>
+    <p:sldId id="258" r:id="rId4"/>
+    <p:sldId id="267" r:id="rId5"/>
+    <p:sldId id="257" r:id="rId6"/>
+    <p:sldId id="259" r:id="rId7"/>
+    <p:sldId id="266" r:id="rId8"/>
+    <p:sldId id="262" r:id="rId9"/>
+    <p:sldId id="260" r:id="rId10"/>
+    <p:sldId id="261" r:id="rId11"/>
+    <p:sldId id="263" r:id="rId12"/>
+    <p:sldId id="264" r:id="rId13"/>
   </p:sldIdLst>
   <p:sldSz cx="12192000" cy="6858000"/>
   <p:notesSz cx="6858000" cy="9144000"/>
@@ -253,7 +254,7 @@
           <a:p>
             <a:fld id="{AC9676F6-B558-4D31-A591-8ACF72D3C526}" type="datetimeFigureOut">
               <a:rPr lang="zh-CN" altLang="en-US" smtClean="0"/>
-              <a:t>2014/6/6</a:t>
+              <a:t>2014/10/21</a:t>
             </a:fld>
             <a:endParaRPr lang="zh-CN" altLang="en-US"/>
           </a:p>
@@ -423,7 +424,7 @@
           <a:p>
             <a:fld id="{AC9676F6-B558-4D31-A591-8ACF72D3C526}" type="datetimeFigureOut">
               <a:rPr lang="zh-CN" altLang="en-US" smtClean="0"/>
-              <a:t>2014/6/6</a:t>
+              <a:t>2014/10/21</a:t>
             </a:fld>
             <a:endParaRPr lang="zh-CN" altLang="en-US"/>
           </a:p>
@@ -603,7 +604,7 @@
           <a:p>
             <a:fld id="{AC9676F6-B558-4D31-A591-8ACF72D3C526}" type="datetimeFigureOut">
               <a:rPr lang="zh-CN" altLang="en-US" smtClean="0"/>
-              <a:t>2014/6/6</a:t>
+              <a:t>2014/10/21</a:t>
             </a:fld>
             <a:endParaRPr lang="zh-CN" altLang="en-US"/>
           </a:p>
@@ -773,7 +774,7 @@
           <a:p>
             <a:fld id="{AC9676F6-B558-4D31-A591-8ACF72D3C526}" type="datetimeFigureOut">
               <a:rPr lang="zh-CN" altLang="en-US" smtClean="0"/>
-              <a:t>2014/6/6</a:t>
+              <a:t>2014/10/21</a:t>
             </a:fld>
             <a:endParaRPr lang="zh-CN" altLang="en-US"/>
           </a:p>
@@ -1019,7 +1020,7 @@
           <a:p>
             <a:fld id="{AC9676F6-B558-4D31-A591-8ACF72D3C526}" type="datetimeFigureOut">
               <a:rPr lang="zh-CN" altLang="en-US" smtClean="0"/>
-              <a:t>2014/6/6</a:t>
+              <a:t>2014/10/21</a:t>
             </a:fld>
             <a:endParaRPr lang="zh-CN" altLang="en-US"/>
           </a:p>
@@ -1251,7 +1252,7 @@
           <a:p>
             <a:fld id="{AC9676F6-B558-4D31-A591-8ACF72D3C526}" type="datetimeFigureOut">
               <a:rPr lang="zh-CN" altLang="en-US" smtClean="0"/>
-              <a:t>2014/6/6</a:t>
+              <a:t>2014/10/21</a:t>
             </a:fld>
             <a:endParaRPr lang="zh-CN" altLang="en-US"/>
           </a:p>
@@ -1618,7 +1619,7 @@
           <a:p>
             <a:fld id="{AC9676F6-B558-4D31-A591-8ACF72D3C526}" type="datetimeFigureOut">
               <a:rPr lang="zh-CN" altLang="en-US" smtClean="0"/>
-              <a:t>2014/6/6</a:t>
+              <a:t>2014/10/21</a:t>
             </a:fld>
             <a:endParaRPr lang="zh-CN" altLang="en-US"/>
           </a:p>
@@ -1736,7 +1737,7 @@
           <a:p>
             <a:fld id="{AC9676F6-B558-4D31-A591-8ACF72D3C526}" type="datetimeFigureOut">
               <a:rPr lang="zh-CN" altLang="en-US" smtClean="0"/>
-              <a:t>2014/6/6</a:t>
+              <a:t>2014/10/21</a:t>
             </a:fld>
             <a:endParaRPr lang="zh-CN" altLang="en-US"/>
           </a:p>
@@ -1831,7 +1832,7 @@
           <a:p>
             <a:fld id="{AC9676F6-B558-4D31-A591-8ACF72D3C526}" type="datetimeFigureOut">
               <a:rPr lang="zh-CN" altLang="en-US" smtClean="0"/>
-              <a:t>2014/6/6</a:t>
+              <a:t>2014/10/21</a:t>
             </a:fld>
             <a:endParaRPr lang="zh-CN" altLang="en-US"/>
           </a:p>
@@ -2108,7 +2109,7 @@
           <a:p>
             <a:fld id="{AC9676F6-B558-4D31-A591-8ACF72D3C526}" type="datetimeFigureOut">
               <a:rPr lang="zh-CN" altLang="en-US" smtClean="0"/>
-              <a:t>2014/6/6</a:t>
+              <a:t>2014/10/21</a:t>
             </a:fld>
             <a:endParaRPr lang="zh-CN" altLang="en-US"/>
           </a:p>
@@ -2361,7 +2362,7 @@
           <a:p>
             <a:fld id="{AC9676F6-B558-4D31-A591-8ACF72D3C526}" type="datetimeFigureOut">
               <a:rPr lang="zh-CN" altLang="en-US" smtClean="0"/>
-              <a:t>2014/6/6</a:t>
+              <a:t>2014/10/21</a:t>
             </a:fld>
             <a:endParaRPr lang="zh-CN" altLang="en-US"/>
           </a:p>
@@ -2574,7 +2575,7 @@
           <a:p>
             <a:fld id="{AC9676F6-B558-4D31-A591-8ACF72D3C526}" type="datetimeFigureOut">
               <a:rPr lang="zh-CN" altLang="en-US" smtClean="0"/>
-              <a:t>2014/6/6</a:t>
+              <a:t>2014/10/21</a:t>
             </a:fld>
             <a:endParaRPr lang="zh-CN" altLang="en-US"/>
           </a:p>
@@ -2981,191 +2982,589 @@
       </p:grpSpPr>
       <p:sp>
         <p:nvSpPr>
-          <p:cNvPr id="4" name="Title 3"/>
-          <p:cNvSpPr>
-            <a:spLocks noGrp="1"/>
-          </p:cNvSpPr>
-          <p:nvPr>
-            <p:ph type="title"/>
-          </p:nvPr>
-        </p:nvSpPr>
-        <p:spPr/>
-        <p:txBody>
-          <a:bodyPr/>
-          <a:lstStyle/>
-          <a:p>
-            <a:r>
-              <a:rPr lang="zh-CN" altLang="en-US" dirty="0" smtClean="0">
-                <a:latin typeface="黑体" panose="02010609060101010101" pitchFamily="49" charset="-122"/>
-                <a:ea typeface="黑体" panose="02010609060101010101" pitchFamily="49" charset="-122"/>
-              </a:rPr>
-              <a:t>空间的吸引力</a:t>
-            </a:r>
-            <a:endParaRPr lang="zh-CN" altLang="en-US" dirty="0">
-              <a:latin typeface="黑体" panose="02010609060101010101" pitchFamily="49" charset="-122"/>
-              <a:ea typeface="黑体" panose="02010609060101010101" pitchFamily="49" charset="-122"/>
-            </a:endParaRPr>
-          </a:p>
-        </p:txBody>
-      </p:sp>
-      <p:sp>
-        <p:nvSpPr>
-          <p:cNvPr id="5" name="Content Placeholder 4"/>
-          <p:cNvSpPr>
-            <a:spLocks noGrp="1"/>
-          </p:cNvSpPr>
-          <p:nvPr>
-            <p:ph idx="1"/>
-          </p:nvPr>
-        </p:nvSpPr>
-        <p:spPr/>
-        <p:txBody>
-          <a:bodyPr/>
-          <a:lstStyle/>
-          <a:p>
-            <a:r>
-              <a:rPr lang="zh-CN" altLang="en-US" dirty="0">
-                <a:latin typeface="黑体" panose="02010609060101010101" pitchFamily="49" charset="-122"/>
-                <a:ea typeface="黑体" panose="02010609060101010101" pitchFamily="49" charset="-122"/>
-              </a:rPr>
-              <a:t>过程</a:t>
-            </a:r>
-            <a:r>
-              <a:rPr lang="zh-CN" altLang="en-US" dirty="0" smtClean="0">
-                <a:latin typeface="黑体" panose="02010609060101010101" pitchFamily="49" charset="-122"/>
-                <a:ea typeface="黑体" panose="02010609060101010101" pitchFamily="49" charset="-122"/>
-              </a:rPr>
-              <a:t>记录作为学生与教师的评价</a:t>
-            </a:r>
-            <a:r>
-              <a:rPr lang="en-US" altLang="zh-CN" dirty="0" smtClean="0">
-                <a:latin typeface="黑体" panose="02010609060101010101" pitchFamily="49" charset="-122"/>
-                <a:ea typeface="黑体" panose="02010609060101010101" pitchFamily="49" charset="-122"/>
-              </a:rPr>
-              <a:t>/</a:t>
-            </a:r>
-            <a:r>
-              <a:rPr lang="zh-CN" altLang="en-US" dirty="0" smtClean="0">
-                <a:latin typeface="黑体" panose="02010609060101010101" pitchFamily="49" charset="-122"/>
-                <a:ea typeface="黑体" panose="02010609060101010101" pitchFamily="49" charset="-122"/>
-              </a:rPr>
-              <a:t>激励机制</a:t>
-            </a:r>
-            <a:endParaRPr lang="en-US" altLang="zh-CN" dirty="0" smtClean="0">
-              <a:latin typeface="黑体" panose="02010609060101010101" pitchFamily="49" charset="-122"/>
-              <a:ea typeface="黑体" panose="02010609060101010101" pitchFamily="49" charset="-122"/>
-            </a:endParaRPr>
-          </a:p>
-          <a:p>
-            <a:pPr lvl="1"/>
-            <a:r>
-              <a:rPr lang="zh-CN" altLang="en-US" dirty="0">
-                <a:latin typeface="黑体" panose="02010609060101010101" pitchFamily="49" charset="-122"/>
-                <a:ea typeface="黑体" panose="02010609060101010101" pitchFamily="49" charset="-122"/>
-              </a:rPr>
-              <a:t>尤其</a:t>
-            </a:r>
-            <a:r>
-              <a:rPr lang="zh-CN" altLang="en-US" dirty="0" smtClean="0">
-                <a:latin typeface="黑体" panose="02010609060101010101" pitchFamily="49" charset="-122"/>
-                <a:ea typeface="黑体" panose="02010609060101010101" pitchFamily="49" charset="-122"/>
-              </a:rPr>
-              <a:t>是工作量度量，以及知识产权认证，成果认可</a:t>
-            </a:r>
-            <a:endParaRPr lang="en-US" altLang="zh-CN" dirty="0" smtClean="0">
-              <a:latin typeface="黑体" panose="02010609060101010101" pitchFamily="49" charset="-122"/>
-              <a:ea typeface="黑体" panose="02010609060101010101" pitchFamily="49" charset="-122"/>
-            </a:endParaRPr>
-          </a:p>
-          <a:p>
-            <a:r>
-              <a:rPr lang="zh-CN" altLang="en-US" dirty="0" smtClean="0">
-                <a:latin typeface="黑体" panose="02010609060101010101" pitchFamily="49" charset="-122"/>
-                <a:ea typeface="黑体" panose="02010609060101010101" pitchFamily="49" charset="-122"/>
-              </a:rPr>
-              <a:t>为师生提供各类资源</a:t>
-            </a:r>
-            <a:endParaRPr lang="en-US" altLang="zh-CN" dirty="0" smtClean="0">
-              <a:latin typeface="黑体" panose="02010609060101010101" pitchFamily="49" charset="-122"/>
-              <a:ea typeface="黑体" panose="02010609060101010101" pitchFamily="49" charset="-122"/>
-            </a:endParaRPr>
-          </a:p>
-          <a:p>
-            <a:pPr lvl="1"/>
-            <a:r>
-              <a:rPr lang="zh-CN" altLang="en-US" dirty="0" smtClean="0">
-                <a:latin typeface="黑体" panose="02010609060101010101" pitchFamily="49" charset="-122"/>
-                <a:ea typeface="黑体" panose="02010609060101010101" pitchFamily="49" charset="-122"/>
-              </a:rPr>
-              <a:t>空间资源盘点</a:t>
-            </a:r>
-            <a:endParaRPr lang="en-US" altLang="zh-CN" dirty="0" smtClean="0">
-              <a:latin typeface="黑体" panose="02010609060101010101" pitchFamily="49" charset="-122"/>
-              <a:ea typeface="黑体" panose="02010609060101010101" pitchFamily="49" charset="-122"/>
-            </a:endParaRPr>
-          </a:p>
-          <a:p>
-            <a:pPr lvl="2"/>
-            <a:r>
-              <a:rPr lang="zh-CN" altLang="en-US" dirty="0">
-                <a:latin typeface="黑体" panose="02010609060101010101" pitchFamily="49" charset="-122"/>
-                <a:ea typeface="黑体" panose="02010609060101010101" pitchFamily="49" charset="-122"/>
-              </a:rPr>
-              <a:t>制造</a:t>
-            </a:r>
-            <a:r>
-              <a:rPr lang="zh-CN" altLang="en-US" dirty="0" smtClean="0">
-                <a:latin typeface="黑体" panose="02010609060101010101" pitchFamily="49" charset="-122"/>
-                <a:ea typeface="黑体" panose="02010609060101010101" pitchFamily="49" charset="-122"/>
-              </a:rPr>
-              <a:t>类</a:t>
-            </a:r>
-            <a:endParaRPr lang="en-US" altLang="zh-CN" dirty="0" smtClean="0">
-              <a:latin typeface="黑体" panose="02010609060101010101" pitchFamily="49" charset="-122"/>
-              <a:ea typeface="黑体" panose="02010609060101010101" pitchFamily="49" charset="-122"/>
-            </a:endParaRPr>
-          </a:p>
-          <a:p>
-            <a:pPr lvl="2"/>
-            <a:r>
-              <a:rPr lang="zh-CN" altLang="en-US" dirty="0">
-                <a:latin typeface="黑体" panose="02010609060101010101" pitchFamily="49" charset="-122"/>
-                <a:ea typeface="黑体" panose="02010609060101010101" pitchFamily="49" charset="-122"/>
-              </a:rPr>
-              <a:t>创</a:t>
-            </a:r>
-            <a:r>
-              <a:rPr lang="zh-CN" altLang="en-US" dirty="0" smtClean="0">
-                <a:latin typeface="黑体" panose="02010609060101010101" pitchFamily="49" charset="-122"/>
-                <a:ea typeface="黑体" panose="02010609060101010101" pitchFamily="49" charset="-122"/>
-              </a:rPr>
-              <a:t>客类</a:t>
-            </a:r>
-            <a:endParaRPr lang="en-US" altLang="zh-CN" dirty="0" smtClean="0">
-              <a:latin typeface="黑体" panose="02010609060101010101" pitchFamily="49" charset="-122"/>
-              <a:ea typeface="黑体" panose="02010609060101010101" pitchFamily="49" charset="-122"/>
-            </a:endParaRPr>
-          </a:p>
-          <a:p>
-            <a:pPr lvl="2"/>
-            <a:r>
-              <a:rPr lang="zh-CN" altLang="en-US" dirty="0" smtClean="0">
-                <a:latin typeface="黑体" panose="02010609060101010101" pitchFamily="49" charset="-122"/>
-                <a:ea typeface="黑体" panose="02010609060101010101" pitchFamily="49" charset="-122"/>
-              </a:rPr>
-              <a:t>设计类</a:t>
-            </a:r>
-            <a:endParaRPr lang="en-US" altLang="zh-CN" dirty="0" smtClean="0">
-              <a:latin typeface="黑体" panose="02010609060101010101" pitchFamily="49" charset="-122"/>
-              <a:ea typeface="黑体" panose="02010609060101010101" pitchFamily="49" charset="-122"/>
-            </a:endParaRPr>
+          <p:cNvPr id="4" name="Rectangle 3"/>
+          <p:cNvSpPr/>
+          <p:nvPr/>
+        </p:nvSpPr>
+        <p:spPr>
+          <a:xfrm>
+            <a:off x="1378040" y="90152"/>
+            <a:ext cx="9504000" cy="6624000"/>
+          </a:xfrm>
+          <a:prstGeom prst="rect">
+            <a:avLst/>
+          </a:prstGeom>
+        </p:spPr>
+        <p:style>
+          <a:lnRef idx="2">
+            <a:schemeClr val="accent1"/>
+          </a:lnRef>
+          <a:fillRef idx="1">
+            <a:schemeClr val="lt1"/>
+          </a:fillRef>
+          <a:effectRef idx="0">
+            <a:schemeClr val="accent1"/>
+          </a:effectRef>
+          <a:fontRef idx="minor">
+            <a:schemeClr val="dk1"/>
+          </a:fontRef>
+        </p:style>
+        <p:txBody>
+          <a:bodyPr rtlCol="0" anchor="ctr"/>
+          <a:lstStyle/>
+          <a:p>
+            <a:pPr algn="ctr"/>
+            <a:endParaRPr lang="zh-CN" altLang="en-US"/>
+          </a:p>
+        </p:txBody>
+      </p:sp>
+      <p:sp>
+        <p:nvSpPr>
+          <p:cNvPr id="5" name="Rectangle 4"/>
+          <p:cNvSpPr/>
+          <p:nvPr/>
+        </p:nvSpPr>
+        <p:spPr>
+          <a:xfrm>
+            <a:off x="8866040" y="90152"/>
+            <a:ext cx="2016000" cy="3168000"/>
+          </a:xfrm>
+          <a:prstGeom prst="rect">
+            <a:avLst/>
+          </a:prstGeom>
+        </p:spPr>
+        <p:style>
+          <a:lnRef idx="2">
+            <a:schemeClr val="accent1">
+              <a:shade val="50000"/>
+            </a:schemeClr>
+          </a:lnRef>
+          <a:fillRef idx="1">
+            <a:schemeClr val="accent1"/>
+          </a:fillRef>
+          <a:effectRef idx="0">
+            <a:schemeClr val="accent1"/>
+          </a:effectRef>
+          <a:fontRef idx="minor">
+            <a:schemeClr val="lt1"/>
+          </a:fontRef>
+        </p:style>
+        <p:txBody>
+          <a:bodyPr rtlCol="0" anchor="ctr"/>
+          <a:lstStyle/>
+          <a:p>
+            <a:pPr algn="ctr"/>
+            <a:endParaRPr lang="zh-CN" altLang="en-US"/>
+          </a:p>
+        </p:txBody>
+      </p:sp>
+      <p:sp>
+        <p:nvSpPr>
+          <p:cNvPr id="7" name="Rectangle 6"/>
+          <p:cNvSpPr/>
+          <p:nvPr/>
+        </p:nvSpPr>
+        <p:spPr>
+          <a:xfrm>
+            <a:off x="9272789" y="4614997"/>
+            <a:ext cx="1609251" cy="862885"/>
+          </a:xfrm>
+          <a:prstGeom prst="rect">
+            <a:avLst/>
+          </a:prstGeom>
+        </p:spPr>
+        <p:style>
+          <a:lnRef idx="2">
+            <a:schemeClr val="accent3">
+              <a:shade val="50000"/>
+            </a:schemeClr>
+          </a:lnRef>
+          <a:fillRef idx="1">
+            <a:schemeClr val="accent3"/>
+          </a:fillRef>
+          <a:effectRef idx="0">
+            <a:schemeClr val="accent3"/>
+          </a:effectRef>
+          <a:fontRef idx="minor">
+            <a:schemeClr val="lt1"/>
+          </a:fontRef>
+        </p:style>
+        <p:txBody>
+          <a:bodyPr rtlCol="0" anchor="ctr"/>
+          <a:lstStyle/>
+          <a:p>
+            <a:pPr algn="ctr"/>
+            <a:endParaRPr lang="zh-CN" altLang="en-US"/>
+          </a:p>
+        </p:txBody>
+      </p:sp>
+      <p:sp>
+        <p:nvSpPr>
+          <p:cNvPr id="8" name="Rectangle 7"/>
+          <p:cNvSpPr/>
+          <p:nvPr/>
+        </p:nvSpPr>
+        <p:spPr>
+          <a:xfrm>
+            <a:off x="9272789" y="6336609"/>
+            <a:ext cx="1609251" cy="377543"/>
+          </a:xfrm>
+          <a:prstGeom prst="rect">
+            <a:avLst/>
+          </a:prstGeom>
+        </p:spPr>
+        <p:style>
+          <a:lnRef idx="2">
+            <a:schemeClr val="accent3">
+              <a:shade val="50000"/>
+            </a:schemeClr>
+          </a:lnRef>
+          <a:fillRef idx="1">
+            <a:schemeClr val="accent3"/>
+          </a:fillRef>
+          <a:effectRef idx="0">
+            <a:schemeClr val="accent3"/>
+          </a:effectRef>
+          <a:fontRef idx="minor">
+            <a:schemeClr val="lt1"/>
+          </a:fontRef>
+        </p:style>
+        <p:txBody>
+          <a:bodyPr rtlCol="0" anchor="ctr"/>
+          <a:lstStyle/>
+          <a:p>
+            <a:pPr algn="ctr"/>
+            <a:endParaRPr lang="zh-CN" altLang="en-US"/>
+          </a:p>
+        </p:txBody>
+      </p:sp>
+      <p:sp>
+        <p:nvSpPr>
+          <p:cNvPr id="9" name="Rounded Rectangle 8"/>
+          <p:cNvSpPr/>
+          <p:nvPr/>
+        </p:nvSpPr>
+        <p:spPr>
+          <a:xfrm>
+            <a:off x="9736428" y="3906659"/>
+            <a:ext cx="412124" cy="437882"/>
+          </a:xfrm>
+          <a:prstGeom prst="roundRect">
+            <a:avLst/>
+          </a:prstGeom>
+        </p:spPr>
+        <p:style>
+          <a:lnRef idx="2">
+            <a:schemeClr val="accent3">
+              <a:shade val="50000"/>
+            </a:schemeClr>
+          </a:lnRef>
+          <a:fillRef idx="1">
+            <a:schemeClr val="accent3"/>
+          </a:fillRef>
+          <a:effectRef idx="0">
+            <a:schemeClr val="accent3"/>
+          </a:effectRef>
+          <a:fontRef idx="minor">
+            <a:schemeClr val="lt1"/>
+          </a:fontRef>
+        </p:style>
+        <p:txBody>
+          <a:bodyPr rtlCol="0" anchor="ctr"/>
+          <a:lstStyle/>
+          <a:p>
+            <a:pPr algn="ctr"/>
+            <a:endParaRPr lang="zh-CN" altLang="en-US"/>
+          </a:p>
+        </p:txBody>
+      </p:sp>
+      <p:sp>
+        <p:nvSpPr>
+          <p:cNvPr id="10" name="Rounded Rectangle 9"/>
+          <p:cNvSpPr/>
+          <p:nvPr/>
+        </p:nvSpPr>
+        <p:spPr>
+          <a:xfrm>
+            <a:off x="9736428" y="5748338"/>
+            <a:ext cx="412124" cy="437882"/>
+          </a:xfrm>
+          <a:prstGeom prst="roundRect">
+            <a:avLst/>
+          </a:prstGeom>
+        </p:spPr>
+        <p:style>
+          <a:lnRef idx="2">
+            <a:schemeClr val="accent3">
+              <a:shade val="50000"/>
+            </a:schemeClr>
+          </a:lnRef>
+          <a:fillRef idx="1">
+            <a:schemeClr val="accent3"/>
+          </a:fillRef>
+          <a:effectRef idx="0">
+            <a:schemeClr val="accent3"/>
+          </a:effectRef>
+          <a:fontRef idx="minor">
+            <a:schemeClr val="lt1"/>
+          </a:fontRef>
+        </p:style>
+        <p:txBody>
+          <a:bodyPr rtlCol="0" anchor="ctr"/>
+          <a:lstStyle/>
+          <a:p>
+            <a:pPr algn="ctr"/>
+            <a:endParaRPr lang="zh-CN" altLang="en-US"/>
+          </a:p>
+        </p:txBody>
+      </p:sp>
+      <p:sp>
+        <p:nvSpPr>
+          <p:cNvPr id="11" name="Rectangle 10"/>
+          <p:cNvSpPr/>
+          <p:nvPr/>
+        </p:nvSpPr>
+        <p:spPr>
+          <a:xfrm>
+            <a:off x="9272789" y="3273515"/>
+            <a:ext cx="1609251" cy="255093"/>
+          </a:xfrm>
+          <a:prstGeom prst="rect">
+            <a:avLst/>
+          </a:prstGeom>
+        </p:spPr>
+        <p:style>
+          <a:lnRef idx="2">
+            <a:schemeClr val="accent3">
+              <a:shade val="50000"/>
+            </a:schemeClr>
+          </a:lnRef>
+          <a:fillRef idx="1">
+            <a:schemeClr val="accent3"/>
+          </a:fillRef>
+          <a:effectRef idx="0">
+            <a:schemeClr val="accent3"/>
+          </a:effectRef>
+          <a:fontRef idx="minor">
+            <a:schemeClr val="lt1"/>
+          </a:fontRef>
+        </p:style>
+        <p:txBody>
+          <a:bodyPr rtlCol="0" anchor="ctr"/>
+          <a:lstStyle/>
+          <a:p>
+            <a:pPr algn="ctr"/>
+            <a:endParaRPr lang="zh-CN" altLang="en-US"/>
+          </a:p>
+        </p:txBody>
+      </p:sp>
+      <p:grpSp>
+        <p:nvGrpSpPr>
+          <p:cNvPr id="20" name="Group 19"/>
+          <p:cNvGrpSpPr/>
+          <p:nvPr/>
+        </p:nvGrpSpPr>
+        <p:grpSpPr>
+          <a:xfrm>
+            <a:off x="2997322" y="1527392"/>
+            <a:ext cx="4365044" cy="4176000"/>
+            <a:chOff x="2997322" y="1527392"/>
+            <a:chExt cx="4365044" cy="4176000"/>
+          </a:xfrm>
+        </p:grpSpPr>
+        <p:sp>
+          <p:nvSpPr>
+            <p:cNvPr id="13" name="Hexagon 12"/>
+            <p:cNvSpPr>
+              <a:spLocks noChangeAspect="1"/>
+            </p:cNvSpPr>
+            <p:nvPr/>
+          </p:nvSpPr>
+          <p:spPr>
+            <a:xfrm>
+              <a:off x="2997322" y="4191392"/>
+              <a:ext cx="1753920" cy="1512000"/>
+            </a:xfrm>
+            <a:prstGeom prst="hexagon">
+              <a:avLst/>
+            </a:prstGeom>
+          </p:spPr>
+          <p:style>
+            <a:lnRef idx="2">
+              <a:schemeClr val="accent1">
+                <a:shade val="50000"/>
+              </a:schemeClr>
+            </a:lnRef>
+            <a:fillRef idx="1">
+              <a:schemeClr val="accent1"/>
+            </a:fillRef>
+            <a:effectRef idx="0">
+              <a:schemeClr val="accent1"/>
+            </a:effectRef>
+            <a:fontRef idx="minor">
+              <a:schemeClr val="lt1"/>
+            </a:fontRef>
+          </p:style>
+          <p:txBody>
+            <a:bodyPr rtlCol="0" anchor="ctr"/>
+            <a:lstStyle/>
+            <a:p>
+              <a:pPr algn="ctr"/>
+              <a:endParaRPr lang="zh-CN" altLang="en-US"/>
+            </a:p>
+          </p:txBody>
+        </p:sp>
+        <p:sp>
+          <p:nvSpPr>
+            <p:cNvPr id="14" name="Hexagon 13"/>
+            <p:cNvSpPr>
+              <a:spLocks noChangeAspect="1"/>
+            </p:cNvSpPr>
+            <p:nvPr/>
+          </p:nvSpPr>
+          <p:spPr>
+            <a:xfrm>
+              <a:off x="5608446" y="4191392"/>
+              <a:ext cx="1753920" cy="1512000"/>
+            </a:xfrm>
+            <a:prstGeom prst="hexagon">
+              <a:avLst/>
+            </a:prstGeom>
+          </p:spPr>
+          <p:style>
+            <a:lnRef idx="2">
+              <a:schemeClr val="accent1">
+                <a:shade val="50000"/>
+              </a:schemeClr>
+            </a:lnRef>
+            <a:fillRef idx="1">
+              <a:schemeClr val="accent1"/>
+            </a:fillRef>
+            <a:effectRef idx="0">
+              <a:schemeClr val="accent1"/>
+            </a:effectRef>
+            <a:fontRef idx="minor">
+              <a:schemeClr val="lt1"/>
+            </a:fontRef>
+          </p:style>
+          <p:txBody>
+            <a:bodyPr rtlCol="0" anchor="ctr"/>
+            <a:lstStyle/>
+            <a:p>
+              <a:pPr algn="ctr"/>
+              <a:endParaRPr lang="zh-CN" altLang="en-US"/>
+            </a:p>
+          </p:txBody>
+        </p:sp>
+        <p:sp>
+          <p:nvSpPr>
+            <p:cNvPr id="15" name="Hexagon 14"/>
+            <p:cNvSpPr>
+              <a:spLocks noChangeAspect="1"/>
+            </p:cNvSpPr>
+            <p:nvPr/>
+          </p:nvSpPr>
+          <p:spPr>
+            <a:xfrm>
+              <a:off x="2997322" y="1527392"/>
+              <a:ext cx="1753920" cy="1512000"/>
+            </a:xfrm>
+            <a:prstGeom prst="hexagon">
+              <a:avLst/>
+            </a:prstGeom>
+          </p:spPr>
+          <p:style>
+            <a:lnRef idx="2">
+              <a:schemeClr val="accent1">
+                <a:shade val="50000"/>
+              </a:schemeClr>
+            </a:lnRef>
+            <a:fillRef idx="1">
+              <a:schemeClr val="accent1"/>
+            </a:fillRef>
+            <a:effectRef idx="0">
+              <a:schemeClr val="accent1"/>
+            </a:effectRef>
+            <a:fontRef idx="minor">
+              <a:schemeClr val="lt1"/>
+            </a:fontRef>
+          </p:style>
+          <p:txBody>
+            <a:bodyPr rtlCol="0" anchor="ctr"/>
+            <a:lstStyle/>
+            <a:p>
+              <a:pPr algn="ctr"/>
+              <a:endParaRPr lang="zh-CN" altLang="en-US"/>
+            </a:p>
+          </p:txBody>
+        </p:sp>
+        <p:sp>
+          <p:nvSpPr>
+            <p:cNvPr id="16" name="Hexagon 15"/>
+            <p:cNvSpPr>
+              <a:spLocks noChangeAspect="1"/>
+            </p:cNvSpPr>
+            <p:nvPr/>
+          </p:nvSpPr>
+          <p:spPr>
+            <a:xfrm>
+              <a:off x="5608446" y="1527392"/>
+              <a:ext cx="1753920" cy="1512000"/>
+            </a:xfrm>
+            <a:prstGeom prst="hexagon">
+              <a:avLst/>
+            </a:prstGeom>
+          </p:spPr>
+          <p:style>
+            <a:lnRef idx="2">
+              <a:schemeClr val="accent1">
+                <a:shade val="50000"/>
+              </a:schemeClr>
+            </a:lnRef>
+            <a:fillRef idx="1">
+              <a:schemeClr val="accent1"/>
+            </a:fillRef>
+            <a:effectRef idx="0">
+              <a:schemeClr val="accent1"/>
+            </a:effectRef>
+            <a:fontRef idx="minor">
+              <a:schemeClr val="lt1"/>
+            </a:fontRef>
+          </p:style>
+          <p:txBody>
+            <a:bodyPr rtlCol="0" anchor="ctr"/>
+            <a:lstStyle/>
+            <a:p>
+              <a:pPr algn="ctr"/>
+              <a:endParaRPr lang="zh-CN" altLang="en-US"/>
+            </a:p>
+          </p:txBody>
+        </p:sp>
+      </p:grpSp>
+      <p:sp>
+        <p:nvSpPr>
+          <p:cNvPr id="17" name="Rectangle 16"/>
+          <p:cNvSpPr/>
+          <p:nvPr/>
+        </p:nvSpPr>
+        <p:spPr>
+          <a:xfrm rot="16200000">
+            <a:off x="1187240" y="581218"/>
+            <a:ext cx="1512000" cy="1130400"/>
+          </a:xfrm>
+          <a:prstGeom prst="rect">
+            <a:avLst/>
+          </a:prstGeom>
+        </p:spPr>
+        <p:style>
+          <a:lnRef idx="2">
+            <a:schemeClr val="accent1">
+              <a:shade val="50000"/>
+            </a:schemeClr>
+          </a:lnRef>
+          <a:fillRef idx="1">
+            <a:schemeClr val="accent1"/>
+          </a:fillRef>
+          <a:effectRef idx="0">
+            <a:schemeClr val="accent1"/>
+          </a:effectRef>
+          <a:fontRef idx="minor">
+            <a:schemeClr val="lt1"/>
+          </a:fontRef>
+        </p:style>
+        <p:txBody>
+          <a:bodyPr rtlCol="0" anchor="ctr"/>
+          <a:lstStyle/>
+          <a:p>
+            <a:pPr algn="ctr"/>
+            <a:endParaRPr lang="zh-CN" altLang="en-US"/>
+          </a:p>
+        </p:txBody>
+      </p:sp>
+      <p:sp>
+        <p:nvSpPr>
+          <p:cNvPr id="22" name="Rectangle 21"/>
+          <p:cNvSpPr/>
+          <p:nvPr/>
+        </p:nvSpPr>
+        <p:spPr>
+          <a:xfrm rot="16200000">
+            <a:off x="946040" y="3204608"/>
+            <a:ext cx="1512000" cy="648000"/>
+          </a:xfrm>
+          <a:prstGeom prst="rect">
+            <a:avLst/>
+          </a:prstGeom>
+        </p:spPr>
+        <p:style>
+          <a:lnRef idx="2">
+            <a:schemeClr val="accent1">
+              <a:shade val="50000"/>
+            </a:schemeClr>
+          </a:lnRef>
+          <a:fillRef idx="1">
+            <a:schemeClr val="accent1"/>
+          </a:fillRef>
+          <a:effectRef idx="0">
+            <a:schemeClr val="accent1"/>
+          </a:effectRef>
+          <a:fontRef idx="minor">
+            <a:schemeClr val="lt1"/>
+          </a:fontRef>
+        </p:style>
+        <p:txBody>
+          <a:bodyPr rtlCol="0" anchor="ctr"/>
+          <a:lstStyle/>
+          <a:p>
+            <a:pPr algn="ctr"/>
+            <a:endParaRPr lang="zh-CN" altLang="en-US"/>
+          </a:p>
+        </p:txBody>
+      </p:sp>
+      <p:sp>
+        <p:nvSpPr>
+          <p:cNvPr id="23" name="Rectangle 22"/>
+          <p:cNvSpPr/>
+          <p:nvPr/>
+        </p:nvSpPr>
+        <p:spPr>
+          <a:xfrm>
+            <a:off x="4540641" y="90152"/>
+            <a:ext cx="1512000" cy="648000"/>
+          </a:xfrm>
+          <a:prstGeom prst="rect">
+            <a:avLst/>
+          </a:prstGeom>
+        </p:spPr>
+        <p:style>
+          <a:lnRef idx="2">
+            <a:schemeClr val="accent1">
+              <a:shade val="50000"/>
+            </a:schemeClr>
+          </a:lnRef>
+          <a:fillRef idx="1">
+            <a:schemeClr val="accent1"/>
+          </a:fillRef>
+          <a:effectRef idx="0">
+            <a:schemeClr val="accent1"/>
+          </a:effectRef>
+          <a:fontRef idx="minor">
+            <a:schemeClr val="lt1"/>
+          </a:fontRef>
+        </p:style>
+        <p:txBody>
+          <a:bodyPr rtlCol="0" anchor="ctr"/>
+          <a:lstStyle/>
+          <a:p>
+            <a:pPr algn="ctr"/>
+            <a:endParaRPr lang="zh-CN" altLang="en-US"/>
           </a:p>
         </p:txBody>
       </p:sp>
     </p:spTree>
     <p:extLst>
       <p:ext uri="{BB962C8B-B14F-4D97-AF65-F5344CB8AC3E}">
-        <p14:creationId xmlns:p14="http://schemas.microsoft.com/office/powerpoint/2010/main" val="1505222756"/>
+        <p14:creationId xmlns:p14="http://schemas.microsoft.com/office/powerpoint/2010/main" val="1424041024"/>
       </p:ext>
     </p:extLst>
   </p:cSld>
@@ -3212,6 +3611,199 @@
                 <a:latin typeface="黑体" panose="02010609060101010101" pitchFamily="49" charset="-122"/>
                 <a:ea typeface="黑体" panose="02010609060101010101" pitchFamily="49" charset="-122"/>
               </a:rPr>
+              <a:t>乐高一般的拼插式空间</a:t>
+            </a:r>
+            <a:endParaRPr lang="zh-CN" altLang="en-US" dirty="0">
+              <a:latin typeface="黑体" panose="02010609060101010101" pitchFamily="49" charset="-122"/>
+              <a:ea typeface="黑体" panose="02010609060101010101" pitchFamily="49" charset="-122"/>
+            </a:endParaRPr>
+          </a:p>
+        </p:txBody>
+      </p:sp>
+      <p:sp>
+        <p:nvSpPr>
+          <p:cNvPr id="3" name="Content Placeholder 2"/>
+          <p:cNvSpPr>
+            <a:spLocks noGrp="1"/>
+          </p:cNvSpPr>
+          <p:nvPr>
+            <p:ph idx="1"/>
+          </p:nvPr>
+        </p:nvSpPr>
+        <p:spPr/>
+        <p:txBody>
+          <a:bodyPr/>
+          <a:lstStyle/>
+          <a:p>
+            <a:r>
+              <a:rPr lang="zh-CN" altLang="en-US" dirty="0" smtClean="0">
+                <a:latin typeface="黑体" panose="02010609060101010101" pitchFamily="49" charset="-122"/>
+                <a:ea typeface="黑体" panose="02010609060101010101" pitchFamily="49" charset="-122"/>
+              </a:rPr>
+              <a:t>空间</a:t>
+            </a:r>
+            <a:r>
+              <a:rPr lang="en-US" altLang="zh-CN" dirty="0" smtClean="0">
+                <a:latin typeface="黑体" panose="02010609060101010101" pitchFamily="49" charset="-122"/>
+                <a:ea typeface="黑体" panose="02010609060101010101" pitchFamily="49" charset="-122"/>
+              </a:rPr>
+              <a:t>+</a:t>
+            </a:r>
+            <a:r>
+              <a:rPr lang="zh-CN" altLang="en-US" dirty="0" smtClean="0">
+                <a:latin typeface="黑体" panose="02010609060101010101" pitchFamily="49" charset="-122"/>
+                <a:ea typeface="黑体" panose="02010609060101010101" pitchFamily="49" charset="-122"/>
+              </a:rPr>
+              <a:t>设施工具</a:t>
+            </a:r>
+            <a:endParaRPr lang="en-US" altLang="zh-CN" dirty="0" smtClean="0">
+              <a:latin typeface="黑体" panose="02010609060101010101" pitchFamily="49" charset="-122"/>
+              <a:ea typeface="黑体" panose="02010609060101010101" pitchFamily="49" charset="-122"/>
+            </a:endParaRPr>
+          </a:p>
+          <a:p>
+            <a:pPr lvl="1"/>
+            <a:r>
+              <a:rPr lang="zh-CN" altLang="en-US" dirty="0" smtClean="0">
+                <a:latin typeface="黑体" panose="02010609060101010101" pitchFamily="49" charset="-122"/>
+                <a:ea typeface="黑体" panose="02010609060101010101" pitchFamily="49" charset="-122"/>
+              </a:rPr>
+              <a:t>定制化、单元化、可重组的“移动创客柜”</a:t>
+            </a:r>
+            <a:endParaRPr lang="en-US" altLang="zh-CN" dirty="0" smtClean="0">
+              <a:latin typeface="黑体" panose="02010609060101010101" pitchFamily="49" charset="-122"/>
+              <a:ea typeface="黑体" panose="02010609060101010101" pitchFamily="49" charset="-122"/>
+            </a:endParaRPr>
+          </a:p>
+          <a:p>
+            <a:pPr lvl="2"/>
+            <a:r>
+              <a:rPr lang="zh-CN" altLang="en-US" dirty="0" smtClean="0">
+                <a:latin typeface="黑体" panose="02010609060101010101" pitchFamily="49" charset="-122"/>
+                <a:ea typeface="黑体" panose="02010609060101010101" pitchFamily="49" charset="-122"/>
+              </a:rPr>
+              <a:t>包含工作台、工具、原材料等</a:t>
+            </a:r>
+          </a:p>
+          <a:p>
+            <a:pPr lvl="1"/>
+            <a:r>
+              <a:rPr lang="zh-CN" altLang="en-US" dirty="0" smtClean="0">
+                <a:latin typeface="黑体" panose="02010609060101010101" pitchFamily="49" charset="-122"/>
+                <a:ea typeface="黑体" panose="02010609060101010101" pitchFamily="49" charset="-122"/>
+              </a:rPr>
+              <a:t>空间开放预约</a:t>
+            </a:r>
+            <a:endParaRPr lang="en-US" altLang="zh-CN" dirty="0" smtClean="0">
+              <a:latin typeface="黑体" panose="02010609060101010101" pitchFamily="49" charset="-122"/>
+              <a:ea typeface="黑体" panose="02010609060101010101" pitchFamily="49" charset="-122"/>
+            </a:endParaRPr>
+          </a:p>
+          <a:p>
+            <a:r>
+              <a:rPr lang="zh-CN" altLang="en-US" dirty="0" smtClean="0">
+                <a:latin typeface="黑体" panose="02010609060101010101" pitchFamily="49" charset="-122"/>
+                <a:ea typeface="黑体" panose="02010609060101010101" pitchFamily="49" charset="-122"/>
+              </a:rPr>
+              <a:t>使用方法：将项目对应的创客柜“拼插”到预约好的场地上</a:t>
+            </a:r>
+            <a:endParaRPr lang="en-US" altLang="zh-CN" dirty="0" smtClean="0">
+              <a:latin typeface="黑体" panose="02010609060101010101" pitchFamily="49" charset="-122"/>
+              <a:ea typeface="黑体" panose="02010609060101010101" pitchFamily="49" charset="-122"/>
+            </a:endParaRPr>
+          </a:p>
+          <a:p>
+            <a:pPr lvl="1"/>
+            <a:r>
+              <a:rPr lang="zh-CN" altLang="en-US" dirty="0" smtClean="0">
+                <a:latin typeface="黑体" panose="02010609060101010101" pitchFamily="49" charset="-122"/>
+                <a:ea typeface="黑体" panose="02010609060101010101" pitchFamily="49" charset="-122"/>
+              </a:rPr>
+              <a:t>获得空间、采光、电源等公共资源</a:t>
+            </a:r>
+            <a:endParaRPr lang="en-US" altLang="zh-CN" dirty="0" smtClean="0">
+              <a:latin typeface="黑体" panose="02010609060101010101" pitchFamily="49" charset="-122"/>
+              <a:ea typeface="黑体" panose="02010609060101010101" pitchFamily="49" charset="-122"/>
+            </a:endParaRPr>
+          </a:p>
+          <a:p>
+            <a:endParaRPr lang="en-US" altLang="zh-CN" dirty="0">
+              <a:latin typeface="黑体" panose="02010609060101010101" pitchFamily="49" charset="-122"/>
+              <a:ea typeface="黑体" panose="02010609060101010101" pitchFamily="49" charset="-122"/>
+            </a:endParaRPr>
+          </a:p>
+          <a:p>
+            <a:r>
+              <a:rPr lang="zh-CN" altLang="en-US" dirty="0" smtClean="0">
+                <a:latin typeface="黑体" panose="02010609060101010101" pitchFamily="49" charset="-122"/>
+                <a:ea typeface="黑体" panose="02010609060101010101" pitchFamily="49" charset="-122"/>
+              </a:rPr>
+              <a:t>另外，可预约使用各种加工设备</a:t>
+            </a:r>
+            <a:endParaRPr lang="en-US" altLang="zh-CN" dirty="0" smtClean="0">
+              <a:latin typeface="黑体" panose="02010609060101010101" pitchFamily="49" charset="-122"/>
+              <a:ea typeface="黑体" panose="02010609060101010101" pitchFamily="49" charset="-122"/>
+            </a:endParaRPr>
+          </a:p>
+        </p:txBody>
+      </p:sp>
+    </p:spTree>
+    <p:extLst>
+      <p:ext uri="{BB962C8B-B14F-4D97-AF65-F5344CB8AC3E}">
+        <p14:creationId xmlns:p14="http://schemas.microsoft.com/office/powerpoint/2010/main" val="1564133264"/>
+      </p:ext>
+    </p:extLst>
+  </p:cSld>
+  <p:clrMapOvr>
+    <a:masterClrMapping/>
+  </p:clrMapOvr>
+  <p:timing>
+    <p:tnLst>
+      <p:par>
+        <p:cTn id="1" dur="indefinite" restart="never" nodeType="tmRoot"/>
+      </p:par>
+    </p:tnLst>
+  </p:timing>
+</p:sld>
+</file>
+
+<file path=ppt/slides/slide11.xml><?xml version="1.0" encoding="utf-8"?>
+<p:sld xmlns:a="http://schemas.openxmlformats.org/drawingml/2006/main" xmlns:r="http://schemas.openxmlformats.org/officeDocument/2006/relationships" xmlns:p="http://schemas.openxmlformats.org/presentationml/2006/main">
+  <p:cSld>
+    <p:spTree>
+      <p:nvGrpSpPr>
+        <p:cNvPr id="1" name=""/>
+        <p:cNvGrpSpPr/>
+        <p:nvPr/>
+      </p:nvGrpSpPr>
+      <p:grpSpPr>
+        <a:xfrm>
+          <a:off x="0" y="0"/>
+          <a:ext cx="0" cy="0"/>
+          <a:chOff x="0" y="0"/>
+          <a:chExt cx="0" cy="0"/>
+        </a:xfrm>
+      </p:grpSpPr>
+      <p:sp>
+        <p:nvSpPr>
+          <p:cNvPr id="2" name="Title 1"/>
+          <p:cNvSpPr>
+            <a:spLocks noGrp="1"/>
+          </p:cNvSpPr>
+          <p:nvPr>
+            <p:ph type="title"/>
+          </p:nvPr>
+        </p:nvSpPr>
+        <p:spPr/>
+        <p:txBody>
+          <a:bodyPr/>
+          <a:lstStyle/>
+          <a:p>
+            <a:r>
+              <a:rPr lang="zh-CN" altLang="en-US" dirty="0" smtClean="0">
+                <a:latin typeface="黑体" panose="02010609060101010101" pitchFamily="49" charset="-122"/>
+                <a:ea typeface="黑体" panose="02010609060101010101" pitchFamily="49" charset="-122"/>
+              </a:rPr>
               <a:t>充满活力的创客小生态，带动创新大环境</a:t>
             </a:r>
             <a:endParaRPr lang="zh-CN" altLang="en-US" dirty="0">
@@ -3359,7 +3951,7 @@
 </p:sld>
 </file>
 
-<file path=ppt/slides/slide11.xml><?xml version="1.0" encoding="utf-8"?>
+<file path=ppt/slides/slide12.xml><?xml version="1.0" encoding="utf-8"?>
 <p:sld xmlns:a="http://schemas.openxmlformats.org/drawingml/2006/main" xmlns:r="http://schemas.openxmlformats.org/officeDocument/2006/relationships" xmlns:p="http://schemas.openxmlformats.org/presentationml/2006/main">
   <p:cSld>
     <p:spTree>
@@ -3674,6 +4266,219 @@
       </p:grpSpPr>
       <p:sp>
         <p:nvSpPr>
+          <p:cNvPr id="4" name="Title 3"/>
+          <p:cNvSpPr>
+            <a:spLocks noGrp="1"/>
+          </p:cNvSpPr>
+          <p:nvPr>
+            <p:ph type="title"/>
+          </p:nvPr>
+        </p:nvSpPr>
+        <p:spPr/>
+        <p:txBody>
+          <a:bodyPr/>
+          <a:lstStyle/>
+          <a:p>
+            <a:r>
+              <a:rPr lang="zh-CN" altLang="en-US" dirty="0" smtClean="0">
+                <a:latin typeface="黑体" panose="02010609060101010101" pitchFamily="49" charset="-122"/>
+                <a:ea typeface="黑体" panose="02010609060101010101" pitchFamily="49" charset="-122"/>
+              </a:rPr>
+              <a:t>空间的吸引力</a:t>
+            </a:r>
+            <a:endParaRPr lang="zh-CN" altLang="en-US" dirty="0">
+              <a:latin typeface="黑体" panose="02010609060101010101" pitchFamily="49" charset="-122"/>
+              <a:ea typeface="黑体" panose="02010609060101010101" pitchFamily="49" charset="-122"/>
+            </a:endParaRPr>
+          </a:p>
+        </p:txBody>
+      </p:sp>
+      <p:sp>
+        <p:nvSpPr>
+          <p:cNvPr id="5" name="Content Placeholder 4"/>
+          <p:cNvSpPr>
+            <a:spLocks noGrp="1"/>
+          </p:cNvSpPr>
+          <p:nvPr>
+            <p:ph idx="1"/>
+          </p:nvPr>
+        </p:nvSpPr>
+        <p:spPr/>
+        <p:txBody>
+          <a:bodyPr/>
+          <a:lstStyle/>
+          <a:p>
+            <a:r>
+              <a:rPr lang="zh-CN" altLang="en-US" dirty="0">
+                <a:latin typeface="黑体" panose="02010609060101010101" pitchFamily="49" charset="-122"/>
+                <a:ea typeface="黑体" panose="02010609060101010101" pitchFamily="49" charset="-122"/>
+              </a:rPr>
+              <a:t>过程</a:t>
+            </a:r>
+            <a:r>
+              <a:rPr lang="zh-CN" altLang="en-US" dirty="0" smtClean="0">
+                <a:latin typeface="黑体" panose="02010609060101010101" pitchFamily="49" charset="-122"/>
+                <a:ea typeface="黑体" panose="02010609060101010101" pitchFamily="49" charset="-122"/>
+              </a:rPr>
+              <a:t>记录作为学生与教师的评价</a:t>
+            </a:r>
+            <a:r>
+              <a:rPr lang="en-US" altLang="zh-CN" dirty="0" smtClean="0">
+                <a:latin typeface="黑体" panose="02010609060101010101" pitchFamily="49" charset="-122"/>
+                <a:ea typeface="黑体" panose="02010609060101010101" pitchFamily="49" charset="-122"/>
+              </a:rPr>
+              <a:t>/</a:t>
+            </a:r>
+            <a:r>
+              <a:rPr lang="zh-CN" altLang="en-US" dirty="0" smtClean="0">
+                <a:latin typeface="黑体" panose="02010609060101010101" pitchFamily="49" charset="-122"/>
+                <a:ea typeface="黑体" panose="02010609060101010101" pitchFamily="49" charset="-122"/>
+              </a:rPr>
+              <a:t>激励机制</a:t>
+            </a:r>
+            <a:endParaRPr lang="en-US" altLang="zh-CN" dirty="0" smtClean="0">
+              <a:latin typeface="黑体" panose="02010609060101010101" pitchFamily="49" charset="-122"/>
+              <a:ea typeface="黑体" panose="02010609060101010101" pitchFamily="49" charset="-122"/>
+            </a:endParaRPr>
+          </a:p>
+          <a:p>
+            <a:pPr lvl="1"/>
+            <a:r>
+              <a:rPr lang="zh-CN" altLang="en-US" dirty="0">
+                <a:latin typeface="黑体" panose="02010609060101010101" pitchFamily="49" charset="-122"/>
+                <a:ea typeface="黑体" panose="02010609060101010101" pitchFamily="49" charset="-122"/>
+              </a:rPr>
+              <a:t>尤其</a:t>
+            </a:r>
+            <a:r>
+              <a:rPr lang="zh-CN" altLang="en-US" dirty="0" smtClean="0">
+                <a:latin typeface="黑体" panose="02010609060101010101" pitchFamily="49" charset="-122"/>
+                <a:ea typeface="黑体" panose="02010609060101010101" pitchFamily="49" charset="-122"/>
+              </a:rPr>
+              <a:t>是工作量度量，以及知识产权认证，成果认可</a:t>
+            </a:r>
+            <a:endParaRPr lang="en-US" altLang="zh-CN" dirty="0" smtClean="0">
+              <a:latin typeface="黑体" panose="02010609060101010101" pitchFamily="49" charset="-122"/>
+              <a:ea typeface="黑体" panose="02010609060101010101" pitchFamily="49" charset="-122"/>
+            </a:endParaRPr>
+          </a:p>
+          <a:p>
+            <a:r>
+              <a:rPr lang="zh-CN" altLang="en-US" dirty="0" smtClean="0">
+                <a:latin typeface="黑体" panose="02010609060101010101" pitchFamily="49" charset="-122"/>
+                <a:ea typeface="黑体" panose="02010609060101010101" pitchFamily="49" charset="-122"/>
+              </a:rPr>
+              <a:t>为师生提供各类资源</a:t>
+            </a:r>
+            <a:endParaRPr lang="en-US" altLang="zh-CN" dirty="0" smtClean="0">
+              <a:latin typeface="黑体" panose="02010609060101010101" pitchFamily="49" charset="-122"/>
+              <a:ea typeface="黑体" panose="02010609060101010101" pitchFamily="49" charset="-122"/>
+            </a:endParaRPr>
+          </a:p>
+          <a:p>
+            <a:pPr lvl="1"/>
+            <a:r>
+              <a:rPr lang="zh-CN" altLang="en-US" dirty="0" smtClean="0">
+                <a:latin typeface="黑体" panose="02010609060101010101" pitchFamily="49" charset="-122"/>
+                <a:ea typeface="黑体" panose="02010609060101010101" pitchFamily="49" charset="-122"/>
+              </a:rPr>
+              <a:t>空间资源盘点</a:t>
+            </a:r>
+            <a:endParaRPr lang="en-US" altLang="zh-CN" dirty="0" smtClean="0">
+              <a:latin typeface="黑体" panose="02010609060101010101" pitchFamily="49" charset="-122"/>
+              <a:ea typeface="黑体" panose="02010609060101010101" pitchFamily="49" charset="-122"/>
+            </a:endParaRPr>
+          </a:p>
+          <a:p>
+            <a:pPr lvl="2"/>
+            <a:r>
+              <a:rPr lang="zh-CN" altLang="en-US" dirty="0">
+                <a:latin typeface="黑体" panose="02010609060101010101" pitchFamily="49" charset="-122"/>
+                <a:ea typeface="黑体" panose="02010609060101010101" pitchFamily="49" charset="-122"/>
+              </a:rPr>
+              <a:t>制造</a:t>
+            </a:r>
+            <a:r>
+              <a:rPr lang="zh-CN" altLang="en-US" dirty="0" smtClean="0">
+                <a:latin typeface="黑体" panose="02010609060101010101" pitchFamily="49" charset="-122"/>
+                <a:ea typeface="黑体" panose="02010609060101010101" pitchFamily="49" charset="-122"/>
+              </a:rPr>
+              <a:t>类</a:t>
+            </a:r>
+            <a:endParaRPr lang="en-US" altLang="zh-CN" dirty="0" smtClean="0">
+              <a:latin typeface="黑体" panose="02010609060101010101" pitchFamily="49" charset="-122"/>
+              <a:ea typeface="黑体" panose="02010609060101010101" pitchFamily="49" charset="-122"/>
+            </a:endParaRPr>
+          </a:p>
+          <a:p>
+            <a:pPr lvl="2"/>
+            <a:r>
+              <a:rPr lang="zh-CN" altLang="en-US" dirty="0">
+                <a:latin typeface="黑体" panose="02010609060101010101" pitchFamily="49" charset="-122"/>
+                <a:ea typeface="黑体" panose="02010609060101010101" pitchFamily="49" charset="-122"/>
+              </a:rPr>
+              <a:t>创</a:t>
+            </a:r>
+            <a:r>
+              <a:rPr lang="zh-CN" altLang="en-US" dirty="0" smtClean="0">
+                <a:latin typeface="黑体" panose="02010609060101010101" pitchFamily="49" charset="-122"/>
+                <a:ea typeface="黑体" panose="02010609060101010101" pitchFamily="49" charset="-122"/>
+              </a:rPr>
+              <a:t>客类</a:t>
+            </a:r>
+            <a:endParaRPr lang="en-US" altLang="zh-CN" dirty="0" smtClean="0">
+              <a:latin typeface="黑体" panose="02010609060101010101" pitchFamily="49" charset="-122"/>
+              <a:ea typeface="黑体" panose="02010609060101010101" pitchFamily="49" charset="-122"/>
+            </a:endParaRPr>
+          </a:p>
+          <a:p>
+            <a:pPr lvl="2"/>
+            <a:r>
+              <a:rPr lang="zh-CN" altLang="en-US" dirty="0" smtClean="0">
+                <a:latin typeface="黑体" panose="02010609060101010101" pitchFamily="49" charset="-122"/>
+                <a:ea typeface="黑体" panose="02010609060101010101" pitchFamily="49" charset="-122"/>
+              </a:rPr>
+              <a:t>设计类</a:t>
+            </a:r>
+            <a:endParaRPr lang="en-US" altLang="zh-CN" dirty="0" smtClean="0">
+              <a:latin typeface="黑体" panose="02010609060101010101" pitchFamily="49" charset="-122"/>
+              <a:ea typeface="黑体" panose="02010609060101010101" pitchFamily="49" charset="-122"/>
+            </a:endParaRPr>
+          </a:p>
+        </p:txBody>
+      </p:sp>
+    </p:spTree>
+    <p:extLst>
+      <p:ext uri="{BB962C8B-B14F-4D97-AF65-F5344CB8AC3E}">
+        <p14:creationId xmlns:p14="http://schemas.microsoft.com/office/powerpoint/2010/main" val="1505222756"/>
+      </p:ext>
+    </p:extLst>
+  </p:cSld>
+  <p:clrMapOvr>
+    <a:masterClrMapping/>
+  </p:clrMapOvr>
+</p:sld>
+</file>
+
+<file path=ppt/slides/slide3.xml><?xml version="1.0" encoding="utf-8"?>
+<p:sld xmlns:a="http://schemas.openxmlformats.org/drawingml/2006/main" xmlns:r="http://schemas.openxmlformats.org/officeDocument/2006/relationships" xmlns:p="http://schemas.openxmlformats.org/presentationml/2006/main">
+  <p:cSld>
+    <p:spTree>
+      <p:nvGrpSpPr>
+        <p:cNvPr id="1" name=""/>
+        <p:cNvGrpSpPr/>
+        <p:nvPr/>
+      </p:nvGrpSpPr>
+      <p:grpSpPr>
+        <a:xfrm>
+          <a:off x="0" y="0"/>
+          <a:ext cx="0" cy="0"/>
+          <a:chOff x="0" y="0"/>
+          <a:chExt cx="0" cy="0"/>
+        </a:xfrm>
+      </p:grpSpPr>
+      <p:sp>
+        <p:nvSpPr>
           <p:cNvPr id="2" name="Title 1"/>
           <p:cNvSpPr>
             <a:spLocks noGrp="1"/>
@@ -3858,7 +4663,7 @@
 </p:sld>
 </file>
 
-<file path=ppt/slides/slide3.xml><?xml version="1.0" encoding="utf-8"?>
+<file path=ppt/slides/slide4.xml><?xml version="1.0" encoding="utf-8"?>
 <p:sld xmlns:a="http://schemas.openxmlformats.org/drawingml/2006/main" xmlns:r="http://schemas.openxmlformats.org/officeDocument/2006/relationships" xmlns:p="http://schemas.openxmlformats.org/presentationml/2006/main">
   <p:cSld>
     <p:spTree>
@@ -4004,7 +4809,7 @@
                 <a:latin typeface="Verdana" panose="020B0604030504040204" pitchFamily="34" charset="0"/>
               </a:rPr>
               <a:pPr/>
-              <a:t>3</a:t>
+              <a:t>4</a:t>
             </a:fld>
             <a:endParaRPr lang="en-US" altLang="zh-CN">
               <a:solidFill>
@@ -4545,18 +5350,18 @@
   <p:clrMapOvr>
     <a:masterClrMapping/>
   </p:clrMapOvr>
-  <mc:AlternateContent xmlns:mc="http://schemas.openxmlformats.org/markup-compatibility/2006">
-    <mc:Choice xmlns:p14="http://schemas.microsoft.com/office/powerpoint/2010/main" Requires="p14">
+  <mc:AlternateContent xmlns:mc="http://schemas.openxmlformats.org/markup-compatibility/2006" xmlns:p14="http://schemas.microsoft.com/office/powerpoint/2010/main">
+    <mc:Choice Requires="p14">
       <p:transition spd="slow" p14:dur="2000"/>
     </mc:Choice>
-    <mc:Fallback>
+    <mc:Fallback xmlns="">
       <p:transition spd="slow"/>
     </mc:Fallback>
   </mc:AlternateContent>
 </p:sld>
 </file>
 
-<file path=ppt/slides/slide4.xml><?xml version="1.0" encoding="utf-8"?>
+<file path=ppt/slides/slide5.xml><?xml version="1.0" encoding="utf-8"?>
 <p:sld xmlns:a="http://schemas.openxmlformats.org/drawingml/2006/main" xmlns:r="http://schemas.openxmlformats.org/officeDocument/2006/relationships" xmlns:p="http://schemas.openxmlformats.org/presentationml/2006/main">
   <p:cSld>
     <p:spTree>
@@ -5639,7 +6444,7 @@
 </p:sld>
 </file>
 
-<file path=ppt/slides/slide5.xml><?xml version="1.0" encoding="utf-8"?>
+<file path=ppt/slides/slide6.xml><?xml version="1.0" encoding="utf-8"?>
 <p:sld xmlns:a="http://schemas.openxmlformats.org/drawingml/2006/main" xmlns:r="http://schemas.openxmlformats.org/officeDocument/2006/relationships" xmlns:p="http://schemas.openxmlformats.org/presentationml/2006/main">
   <p:cSld>
     <p:spTree>
@@ -6418,7 +7223,7 @@
 </p:sld>
 </file>
 
-<file path=ppt/slides/slide6.xml><?xml version="1.0" encoding="utf-8"?>
+<file path=ppt/slides/slide7.xml><?xml version="1.0" encoding="utf-8"?>
 <p:sld xmlns:a="http://schemas.openxmlformats.org/drawingml/2006/main" xmlns:r="http://schemas.openxmlformats.org/officeDocument/2006/relationships" xmlns:p="http://schemas.openxmlformats.org/presentationml/2006/main">
   <p:cSld>
     <p:spTree>
@@ -6595,7 +7400,7 @@
                 <a:latin typeface="Verdana" panose="020B0604030504040204" pitchFamily="34" charset="0"/>
               </a:rPr>
               <a:pPr/>
-              <a:t>6</a:t>
+              <a:t>7</a:t>
             </a:fld>
             <a:endParaRPr lang="en-US" altLang="zh-CN">
               <a:solidFill>
@@ -7275,7 +8080,7 @@
 </p:sld>
 </file>
 
-<file path=ppt/slides/slide7.xml><?xml version="1.0" encoding="utf-8"?>
+<file path=ppt/slides/slide8.xml><?xml version="1.0" encoding="utf-8"?>
 <p:sld xmlns:a="http://schemas.openxmlformats.org/drawingml/2006/main" xmlns:r="http://schemas.openxmlformats.org/officeDocument/2006/relationships" xmlns:p="http://schemas.openxmlformats.org/presentationml/2006/main">
   <p:cSld>
     <p:spTree>
@@ -8440,355 +9245,6 @@
 </p:sld>
 </file>
 
-<file path=ppt/slides/slide8.xml><?xml version="1.0" encoding="utf-8"?>
-<p:sld xmlns:a="http://schemas.openxmlformats.org/drawingml/2006/main" xmlns:r="http://schemas.openxmlformats.org/officeDocument/2006/relationships" xmlns:p="http://schemas.openxmlformats.org/presentationml/2006/main">
-  <p:cSld>
-    <p:spTree>
-      <p:nvGrpSpPr>
-        <p:cNvPr id="1" name=""/>
-        <p:cNvGrpSpPr/>
-        <p:nvPr/>
-      </p:nvGrpSpPr>
-      <p:grpSpPr>
-        <a:xfrm>
-          <a:off x="0" y="0"/>
-          <a:ext cx="0" cy="0"/>
-          <a:chOff x="0" y="0"/>
-          <a:chExt cx="0" cy="0"/>
-        </a:xfrm>
-      </p:grpSpPr>
-      <p:sp>
-        <p:nvSpPr>
-          <p:cNvPr id="2" name="Title 1"/>
-          <p:cNvSpPr>
-            <a:spLocks noGrp="1"/>
-          </p:cNvSpPr>
-          <p:nvPr>
-            <p:ph type="title"/>
-          </p:nvPr>
-        </p:nvSpPr>
-        <p:spPr/>
-        <p:txBody>
-          <a:bodyPr/>
-          <a:lstStyle/>
-          <a:p>
-            <a:r>
-              <a:rPr lang="zh-CN" altLang="en-US" dirty="0" smtClean="0">
-                <a:latin typeface="Arial" panose="020B0604020202020204" pitchFamily="34" charset="0"/>
-                <a:ea typeface="黑体" panose="02010609060101010101" pitchFamily="49" charset="-122"/>
-                <a:cs typeface="Arial" panose="020B0604020202020204" pitchFamily="34" charset="0"/>
-              </a:rPr>
-              <a:t>学生创新活动相关校外资源的引入</a:t>
-            </a:r>
-            <a:endParaRPr lang="zh-CN" altLang="en-US" dirty="0">
-              <a:latin typeface="Arial" panose="020B0604020202020204" pitchFamily="34" charset="0"/>
-              <a:ea typeface="黑体" panose="02010609060101010101" pitchFamily="49" charset="-122"/>
-              <a:cs typeface="Arial" panose="020B0604020202020204" pitchFamily="34" charset="0"/>
-            </a:endParaRPr>
-          </a:p>
-        </p:txBody>
-      </p:sp>
-      <p:sp>
-        <p:nvSpPr>
-          <p:cNvPr id="3" name="Content Placeholder 2"/>
-          <p:cNvSpPr>
-            <a:spLocks noGrp="1"/>
-          </p:cNvSpPr>
-          <p:nvPr>
-            <p:ph idx="1"/>
-          </p:nvPr>
-        </p:nvSpPr>
-        <p:spPr/>
-        <p:txBody>
-          <a:bodyPr/>
-          <a:lstStyle/>
-          <a:p>
-            <a:r>
-              <a:rPr lang="zh-CN" altLang="en-US" dirty="0" smtClean="0">
-                <a:latin typeface="Arial" panose="020B0604020202020204" pitchFamily="34" charset="0"/>
-                <a:ea typeface="黑体" panose="02010609060101010101" pitchFamily="49" charset="-122"/>
-                <a:cs typeface="Arial" panose="020B0604020202020204" pitchFamily="34" charset="0"/>
-              </a:rPr>
-              <a:t>思维发散之种</a:t>
-            </a:r>
-            <a:r>
-              <a:rPr lang="en-US" altLang="zh-CN" dirty="0" smtClean="0">
-                <a:latin typeface="Arial" panose="020B0604020202020204" pitchFamily="34" charset="0"/>
-                <a:ea typeface="黑体" panose="02010609060101010101" pitchFamily="49" charset="-122"/>
-                <a:cs typeface="Arial" panose="020B0604020202020204" pitchFamily="34" charset="0"/>
-              </a:rPr>
-              <a:t>——</a:t>
-            </a:r>
-            <a:r>
-              <a:rPr lang="zh-CN" altLang="en-US" dirty="0">
-                <a:latin typeface="Arial" panose="020B0604020202020204" pitchFamily="34" charset="0"/>
-                <a:ea typeface="黑体" panose="02010609060101010101" pitchFamily="49" charset="-122"/>
-                <a:cs typeface="Arial" panose="020B0604020202020204" pitchFamily="34" charset="0"/>
-              </a:rPr>
-              <a:t>延伸</a:t>
-            </a:r>
-            <a:r>
-              <a:rPr lang="zh-CN" altLang="en-US" dirty="0" smtClean="0">
-                <a:latin typeface="Arial" panose="020B0604020202020204" pitchFamily="34" charset="0"/>
-                <a:ea typeface="黑体" panose="02010609060101010101" pitchFamily="49" charset="-122"/>
-                <a:cs typeface="Arial" panose="020B0604020202020204" pitchFamily="34" charset="0"/>
-              </a:rPr>
-              <a:t>至中小学等基础教育领域</a:t>
-            </a:r>
-            <a:endParaRPr lang="en-US" altLang="zh-CN" dirty="0">
-              <a:latin typeface="Arial" panose="020B0604020202020204" pitchFamily="34" charset="0"/>
-              <a:ea typeface="黑体" panose="02010609060101010101" pitchFamily="49" charset="-122"/>
-              <a:cs typeface="Arial" panose="020B0604020202020204" pitchFamily="34" charset="0"/>
-            </a:endParaRPr>
-          </a:p>
-          <a:p>
-            <a:pPr lvl="1"/>
-            <a:r>
-              <a:rPr lang="zh-CN" altLang="en-US" dirty="0" smtClean="0">
-                <a:latin typeface="Arial" panose="020B0604020202020204" pitchFamily="34" charset="0"/>
-                <a:ea typeface="黑体" panose="02010609060101010101" pitchFamily="49" charset="-122"/>
-                <a:cs typeface="Arial" panose="020B0604020202020204" pitchFamily="34" charset="0"/>
-              </a:rPr>
-              <a:t>清华附中（</a:t>
-            </a:r>
-            <a:r>
-              <a:rPr lang="en-US" altLang="zh-CN" dirty="0" smtClean="0">
-                <a:latin typeface="Arial" panose="020B0604020202020204" pitchFamily="34" charset="0"/>
-                <a:ea typeface="黑体" panose="02010609060101010101" pitchFamily="49" charset="-122"/>
-                <a:cs typeface="Arial" panose="020B0604020202020204" pitchFamily="34" charset="0"/>
-              </a:rPr>
-              <a:t>2013</a:t>
-            </a:r>
-            <a:r>
-              <a:rPr lang="zh-CN" altLang="en-US" dirty="0" smtClean="0">
-                <a:latin typeface="Arial" panose="020B0604020202020204" pitchFamily="34" charset="0"/>
-                <a:ea typeface="黑体" panose="02010609060101010101" pitchFamily="49" charset="-122"/>
-                <a:cs typeface="Arial" panose="020B0604020202020204" pitchFamily="34" charset="0"/>
-              </a:rPr>
-              <a:t>清华国际暑期学校、中美绿色电子创客挑战）</a:t>
-            </a:r>
-            <a:endParaRPr lang="en-US" altLang="zh-CN" dirty="0" smtClean="0">
-              <a:latin typeface="Arial" panose="020B0604020202020204" pitchFamily="34" charset="0"/>
-              <a:ea typeface="黑体" panose="02010609060101010101" pitchFamily="49" charset="-122"/>
-              <a:cs typeface="Arial" panose="020B0604020202020204" pitchFamily="34" charset="0"/>
-            </a:endParaRPr>
-          </a:p>
-          <a:p>
-            <a:pPr lvl="1"/>
-            <a:r>
-              <a:rPr lang="zh-CN" altLang="en-US" dirty="0" smtClean="0">
-                <a:latin typeface="Arial" panose="020B0604020202020204" pitchFamily="34" charset="0"/>
-                <a:ea typeface="黑体" panose="02010609060101010101" pitchFamily="49" charset="-122"/>
-                <a:cs typeface="Arial" panose="020B0604020202020204" pitchFamily="34" charset="0"/>
-              </a:rPr>
-              <a:t>北京四中（中美绿色电子创客挑战、中美青年创客挑战）</a:t>
-            </a:r>
-            <a:endParaRPr lang="en-US" altLang="zh-CN" dirty="0" smtClean="0">
-              <a:latin typeface="Arial" panose="020B0604020202020204" pitchFamily="34" charset="0"/>
-              <a:ea typeface="黑体" panose="02010609060101010101" pitchFamily="49" charset="-122"/>
-              <a:cs typeface="Arial" panose="020B0604020202020204" pitchFamily="34" charset="0"/>
-            </a:endParaRPr>
-          </a:p>
-          <a:p>
-            <a:r>
-              <a:rPr lang="zh-CN" altLang="en-US" dirty="0" smtClean="0">
-                <a:latin typeface="Arial" panose="020B0604020202020204" pitchFamily="34" charset="0"/>
-                <a:ea typeface="黑体" panose="02010609060101010101" pitchFamily="49" charset="-122"/>
-                <a:cs typeface="Arial" panose="020B0604020202020204" pitchFamily="34" charset="0"/>
-              </a:rPr>
-              <a:t>专业经验之泉</a:t>
-            </a:r>
-            <a:r>
-              <a:rPr lang="en-US" altLang="zh-CN" dirty="0" smtClean="0">
-                <a:latin typeface="Arial" panose="020B0604020202020204" pitchFamily="34" charset="0"/>
-                <a:ea typeface="黑体" panose="02010609060101010101" pitchFamily="49" charset="-122"/>
-                <a:cs typeface="Arial" panose="020B0604020202020204" pitchFamily="34" charset="0"/>
-              </a:rPr>
-              <a:t>——</a:t>
-            </a:r>
-            <a:r>
-              <a:rPr lang="zh-CN" altLang="en-US" dirty="0" smtClean="0">
-                <a:latin typeface="Arial" panose="020B0604020202020204" pitchFamily="34" charset="0"/>
-                <a:ea typeface="黑体" panose="02010609060101010101" pitchFamily="49" charset="-122"/>
-                <a:cs typeface="Arial" panose="020B0604020202020204" pitchFamily="34" charset="0"/>
-              </a:rPr>
-              <a:t>社会创客群体</a:t>
-            </a:r>
-            <a:endParaRPr lang="en-US" altLang="zh-CN" dirty="0" smtClean="0">
-              <a:latin typeface="Arial" panose="020B0604020202020204" pitchFamily="34" charset="0"/>
-              <a:ea typeface="黑体" panose="02010609060101010101" pitchFamily="49" charset="-122"/>
-              <a:cs typeface="Arial" panose="020B0604020202020204" pitchFamily="34" charset="0"/>
-            </a:endParaRPr>
-          </a:p>
-          <a:p>
-            <a:pPr lvl="1"/>
-            <a:r>
-              <a:rPr lang="en-US" altLang="zh-CN" dirty="0" smtClean="0">
-                <a:latin typeface="Arial" panose="020B0604020202020204" pitchFamily="34" charset="0"/>
-                <a:ea typeface="黑体" panose="02010609060101010101" pitchFamily="49" charset="-122"/>
-                <a:cs typeface="Arial" panose="020B0604020202020204" pitchFamily="34" charset="0"/>
-              </a:rPr>
-              <a:t>Mitch Altman</a:t>
-            </a:r>
-            <a:r>
-              <a:rPr lang="zh-CN" altLang="en-US" dirty="0" smtClean="0">
-                <a:latin typeface="Arial" panose="020B0604020202020204" pitchFamily="34" charset="0"/>
-                <a:ea typeface="黑体" panose="02010609060101010101" pitchFamily="49" charset="-122"/>
-                <a:cs typeface="Arial" panose="020B0604020202020204" pitchFamily="34" charset="0"/>
-              </a:rPr>
-              <a:t>（</a:t>
-            </a:r>
-            <a:r>
-              <a:rPr lang="en-US" altLang="zh-CN" dirty="0" err="1" smtClean="0">
-                <a:latin typeface="Arial" panose="020B0604020202020204" pitchFamily="34" charset="0"/>
-                <a:ea typeface="黑体" panose="02010609060101010101" pitchFamily="49" charset="-122"/>
-                <a:cs typeface="Arial" panose="020B0604020202020204" pitchFamily="34" charset="0"/>
-              </a:rPr>
-              <a:t>Hackerspaces</a:t>
-            </a:r>
-            <a:r>
-              <a:rPr lang="en-US" altLang="zh-CN" dirty="0" smtClean="0">
-                <a:latin typeface="Arial" panose="020B0604020202020204" pitchFamily="34" charset="0"/>
-                <a:ea typeface="黑体" panose="02010609060101010101" pitchFamily="49" charset="-122"/>
-                <a:cs typeface="Arial" panose="020B0604020202020204" pitchFamily="34" charset="0"/>
-              </a:rPr>
-              <a:t> Movement</a:t>
-            </a:r>
-            <a:r>
-              <a:rPr lang="zh-CN" altLang="en-US" dirty="0" smtClean="0">
-                <a:latin typeface="Arial" panose="020B0604020202020204" pitchFamily="34" charset="0"/>
-                <a:ea typeface="黑体" panose="02010609060101010101" pitchFamily="49" charset="-122"/>
-                <a:cs typeface="Arial" panose="020B0604020202020204" pitchFamily="34" charset="0"/>
-              </a:rPr>
-              <a:t>创客空间运动发起人）</a:t>
-            </a:r>
-            <a:endParaRPr lang="en-US" altLang="zh-CN" dirty="0" smtClean="0">
-              <a:latin typeface="Arial" panose="020B0604020202020204" pitchFamily="34" charset="0"/>
-              <a:ea typeface="黑体" panose="02010609060101010101" pitchFamily="49" charset="-122"/>
-              <a:cs typeface="Arial" panose="020B0604020202020204" pitchFamily="34" charset="0"/>
-            </a:endParaRPr>
-          </a:p>
-          <a:p>
-            <a:pPr lvl="1"/>
-            <a:r>
-              <a:rPr lang="en-US" altLang="zh-CN" dirty="0" smtClean="0">
-                <a:latin typeface="Arial" panose="020B0604020202020204" pitchFamily="34" charset="0"/>
-                <a:ea typeface="黑体" panose="02010609060101010101" pitchFamily="49" charset="-122"/>
-                <a:cs typeface="Arial" panose="020B0604020202020204" pitchFamily="34" charset="0"/>
-              </a:rPr>
-              <a:t>Marcin </a:t>
-            </a:r>
-            <a:r>
-              <a:rPr lang="en-US" altLang="zh-CN" dirty="0" err="1" smtClean="0">
-                <a:latin typeface="Arial" panose="020B0604020202020204" pitchFamily="34" charset="0"/>
-                <a:ea typeface="黑体" panose="02010609060101010101" pitchFamily="49" charset="-122"/>
-                <a:cs typeface="Arial" panose="020B0604020202020204" pitchFamily="34" charset="0"/>
-              </a:rPr>
-              <a:t>Jakubowski</a:t>
-            </a:r>
-            <a:r>
-              <a:rPr lang="zh-CN" altLang="en-US" dirty="0" smtClean="0">
-                <a:latin typeface="Arial" panose="020B0604020202020204" pitchFamily="34" charset="0"/>
-                <a:ea typeface="黑体" panose="02010609060101010101" pitchFamily="49" charset="-122"/>
-                <a:cs typeface="Arial" panose="020B0604020202020204" pitchFamily="34" charset="0"/>
-              </a:rPr>
-              <a:t>（</a:t>
-            </a:r>
-            <a:r>
-              <a:rPr lang="en-US" altLang="zh-CN" dirty="0" smtClean="0">
-                <a:latin typeface="Arial" panose="020B0604020202020204" pitchFamily="34" charset="0"/>
-                <a:ea typeface="黑体" panose="02010609060101010101" pitchFamily="49" charset="-122"/>
-                <a:cs typeface="Arial" panose="020B0604020202020204" pitchFamily="34" charset="0"/>
-              </a:rPr>
-              <a:t>Open Source Ecology</a:t>
-            </a:r>
-            <a:r>
-              <a:rPr lang="zh-CN" altLang="en-US" dirty="0" smtClean="0">
-                <a:latin typeface="Arial" panose="020B0604020202020204" pitchFamily="34" charset="0"/>
-                <a:ea typeface="黑体" panose="02010609060101010101" pitchFamily="49" charset="-122"/>
-                <a:cs typeface="Arial" panose="020B0604020202020204" pitchFamily="34" charset="0"/>
-              </a:rPr>
-              <a:t>开源生态创始人）</a:t>
-            </a:r>
-            <a:endParaRPr lang="en-US" altLang="zh-CN" dirty="0" smtClean="0">
-              <a:latin typeface="Arial" panose="020B0604020202020204" pitchFamily="34" charset="0"/>
-              <a:ea typeface="黑体" panose="02010609060101010101" pitchFamily="49" charset="-122"/>
-              <a:cs typeface="Arial" panose="020B0604020202020204" pitchFamily="34" charset="0"/>
-            </a:endParaRPr>
-          </a:p>
-          <a:p>
-            <a:pPr lvl="1"/>
-            <a:r>
-              <a:rPr lang="zh-CN" altLang="en-US" dirty="0" smtClean="0">
-                <a:latin typeface="Arial" panose="020B0604020202020204" pitchFamily="34" charset="0"/>
-                <a:ea typeface="黑体" panose="02010609060101010101" pitchFamily="49" charset="-122"/>
-                <a:cs typeface="Arial" panose="020B0604020202020204" pitchFamily="34" charset="0"/>
-              </a:rPr>
-              <a:t>李大维（新车间创客空间创始人）</a:t>
-            </a:r>
-            <a:endParaRPr lang="en-US" altLang="zh-CN" dirty="0" smtClean="0">
-              <a:latin typeface="Arial" panose="020B0604020202020204" pitchFamily="34" charset="0"/>
-              <a:ea typeface="黑体" panose="02010609060101010101" pitchFamily="49" charset="-122"/>
-              <a:cs typeface="Arial" panose="020B0604020202020204" pitchFamily="34" charset="0"/>
-            </a:endParaRPr>
-          </a:p>
-          <a:p>
-            <a:r>
-              <a:rPr lang="zh-CN" altLang="en-US" dirty="0" smtClean="0">
-                <a:latin typeface="Arial" panose="020B0604020202020204" pitchFamily="34" charset="0"/>
-                <a:ea typeface="黑体" panose="02010609060101010101" pitchFamily="49" charset="-122"/>
-                <a:cs typeface="Arial" panose="020B0604020202020204" pitchFamily="34" charset="0"/>
-              </a:rPr>
-              <a:t>行业对接之桥</a:t>
-            </a:r>
-            <a:r>
-              <a:rPr lang="en-US" altLang="zh-CN" dirty="0" smtClean="0">
-                <a:latin typeface="Arial" panose="020B0604020202020204" pitchFamily="34" charset="0"/>
-                <a:ea typeface="黑体" panose="02010609060101010101" pitchFamily="49" charset="-122"/>
-                <a:cs typeface="Arial" panose="020B0604020202020204" pitchFamily="34" charset="0"/>
-              </a:rPr>
-              <a:t>——</a:t>
-            </a:r>
-            <a:r>
-              <a:rPr lang="zh-CN" altLang="en-US" dirty="0">
-                <a:latin typeface="Arial" panose="020B0604020202020204" pitchFamily="34" charset="0"/>
-                <a:ea typeface="黑体" panose="02010609060101010101" pitchFamily="49" charset="-122"/>
-                <a:cs typeface="Arial" panose="020B0604020202020204" pitchFamily="34" charset="0"/>
-              </a:rPr>
-              <a:t>领军企业</a:t>
-            </a:r>
-            <a:endParaRPr lang="en-US" altLang="zh-CN" dirty="0" smtClean="0">
-              <a:latin typeface="Arial" panose="020B0604020202020204" pitchFamily="34" charset="0"/>
-              <a:ea typeface="黑体" panose="02010609060101010101" pitchFamily="49" charset="-122"/>
-              <a:cs typeface="Arial" panose="020B0604020202020204" pitchFamily="34" charset="0"/>
-            </a:endParaRPr>
-          </a:p>
-          <a:p>
-            <a:pPr lvl="1"/>
-            <a:r>
-              <a:rPr lang="en-US" altLang="zh-CN" dirty="0" smtClean="0">
-                <a:latin typeface="Arial" panose="020B0604020202020204" pitchFamily="34" charset="0"/>
-                <a:ea typeface="黑体" panose="02010609060101010101" pitchFamily="49" charset="-122"/>
-                <a:cs typeface="Arial" panose="020B0604020202020204" pitchFamily="34" charset="0"/>
-              </a:rPr>
-              <a:t>Intel</a:t>
-            </a:r>
-          </a:p>
-        </p:txBody>
-      </p:sp>
-    </p:spTree>
-    <p:extLst>
-      <p:ext uri="{BB962C8B-B14F-4D97-AF65-F5344CB8AC3E}">
-        <p14:creationId xmlns:p14="http://schemas.microsoft.com/office/powerpoint/2010/main" val="3885963269"/>
-      </p:ext>
-    </p:extLst>
-  </p:cSld>
-  <p:clrMapOvr>
-    <a:masterClrMapping/>
-  </p:clrMapOvr>
-</p:sld>
-</file>
-
 <file path=ppt/slides/slide9.xml><?xml version="1.0" encoding="utf-8"?>
 <p:sld xmlns:a="http://schemas.openxmlformats.org/drawingml/2006/main" xmlns:r="http://schemas.openxmlformats.org/officeDocument/2006/relationships" xmlns:p="http://schemas.openxmlformats.org/presentationml/2006/main">
   <p:cSld>
@@ -8823,14 +9279,16 @@
           <a:p>
             <a:r>
               <a:rPr lang="zh-CN" altLang="en-US" dirty="0" smtClean="0">
-                <a:latin typeface="黑体" panose="02010609060101010101" pitchFamily="49" charset="-122"/>
-                <a:ea typeface="黑体" panose="02010609060101010101" pitchFamily="49" charset="-122"/>
-              </a:rPr>
-              <a:t>乐高一般的拼插式空间</a:t>
+                <a:latin typeface="Arial" panose="020B0604020202020204" pitchFamily="34" charset="0"/>
+                <a:ea typeface="黑体" panose="02010609060101010101" pitchFamily="49" charset="-122"/>
+                <a:cs typeface="Arial" panose="020B0604020202020204" pitchFamily="34" charset="0"/>
+              </a:rPr>
+              <a:t>学生创新活动相关校外资源的引入</a:t>
             </a:r>
             <a:endParaRPr lang="zh-CN" altLang="en-US" dirty="0">
-              <a:latin typeface="黑体" panose="02010609060101010101" pitchFamily="49" charset="-122"/>
+              <a:latin typeface="Arial" panose="020B0604020202020204" pitchFamily="34" charset="0"/>
               <a:ea typeface="黑体" panose="02010609060101010101" pitchFamily="49" charset="-122"/>
+              <a:cs typeface="Arial" panose="020B0604020202020204" pitchFamily="34" charset="0"/>
             </a:endParaRPr>
           </a:p>
         </p:txBody>
@@ -8852,133 +9310,287 @@
           <a:p>
             <a:r>
               <a:rPr lang="zh-CN" altLang="en-US" dirty="0" smtClean="0">
-                <a:latin typeface="黑体" panose="02010609060101010101" pitchFamily="49" charset="-122"/>
-                <a:ea typeface="黑体" panose="02010609060101010101" pitchFamily="49" charset="-122"/>
-              </a:rPr>
-              <a:t>空间</a:t>
+                <a:latin typeface="Arial" panose="020B0604020202020204" pitchFamily="34" charset="0"/>
+                <a:ea typeface="黑体" panose="02010609060101010101" pitchFamily="49" charset="-122"/>
+                <a:cs typeface="Arial" panose="020B0604020202020204" pitchFamily="34" charset="0"/>
+              </a:rPr>
+              <a:t>思维发散之种</a:t>
             </a:r>
             <a:r>
               <a:rPr lang="en-US" altLang="zh-CN" dirty="0" smtClean="0">
-                <a:latin typeface="黑体" panose="02010609060101010101" pitchFamily="49" charset="-122"/>
-                <a:ea typeface="黑体" panose="02010609060101010101" pitchFamily="49" charset="-122"/>
-              </a:rPr>
-              <a:t>+</a:t>
+                <a:latin typeface="Arial" panose="020B0604020202020204" pitchFamily="34" charset="0"/>
+                <a:ea typeface="黑体" panose="02010609060101010101" pitchFamily="49" charset="-122"/>
+                <a:cs typeface="Arial" panose="020B0604020202020204" pitchFamily="34" charset="0"/>
+              </a:rPr>
+              <a:t>——</a:t>
+            </a:r>
+            <a:r>
+              <a:rPr lang="zh-CN" altLang="en-US" dirty="0">
+                <a:latin typeface="Arial" panose="020B0604020202020204" pitchFamily="34" charset="0"/>
+                <a:ea typeface="黑体" panose="02010609060101010101" pitchFamily="49" charset="-122"/>
+                <a:cs typeface="Arial" panose="020B0604020202020204" pitchFamily="34" charset="0"/>
+              </a:rPr>
+              <a:t>延伸</a:t>
             </a:r>
             <a:r>
               <a:rPr lang="zh-CN" altLang="en-US" dirty="0" smtClean="0">
-                <a:latin typeface="黑体" panose="02010609060101010101" pitchFamily="49" charset="-122"/>
-                <a:ea typeface="黑体" panose="02010609060101010101" pitchFamily="49" charset="-122"/>
-              </a:rPr>
-              <a:t>设施工具</a:t>
+                <a:latin typeface="Arial" panose="020B0604020202020204" pitchFamily="34" charset="0"/>
+                <a:ea typeface="黑体" panose="02010609060101010101" pitchFamily="49" charset="-122"/>
+                <a:cs typeface="Arial" panose="020B0604020202020204" pitchFamily="34" charset="0"/>
+              </a:rPr>
+              <a:t>至中小学等基础教育领域</a:t>
+            </a:r>
+            <a:endParaRPr lang="en-US" altLang="zh-CN" dirty="0">
+              <a:latin typeface="Arial" panose="020B0604020202020204" pitchFamily="34" charset="0"/>
+              <a:ea typeface="黑体" panose="02010609060101010101" pitchFamily="49" charset="-122"/>
+              <a:cs typeface="Arial" panose="020B0604020202020204" pitchFamily="34" charset="0"/>
+            </a:endParaRPr>
+          </a:p>
+          <a:p>
+            <a:pPr lvl="1"/>
+            <a:r>
+              <a:rPr lang="zh-CN" altLang="en-US" dirty="0" smtClean="0">
+                <a:latin typeface="Arial" panose="020B0604020202020204" pitchFamily="34" charset="0"/>
+                <a:ea typeface="黑体" panose="02010609060101010101" pitchFamily="49" charset="-122"/>
+                <a:cs typeface="Arial" panose="020B0604020202020204" pitchFamily="34" charset="0"/>
+              </a:rPr>
+              <a:t>清华附中（</a:t>
+            </a:r>
+            <a:r>
+              <a:rPr lang="en-US" altLang="zh-CN" dirty="0" smtClean="0">
+                <a:latin typeface="Arial" panose="020B0604020202020204" pitchFamily="34" charset="0"/>
+                <a:ea typeface="黑体" panose="02010609060101010101" pitchFamily="49" charset="-122"/>
+                <a:cs typeface="Arial" panose="020B0604020202020204" pitchFamily="34" charset="0"/>
+              </a:rPr>
+              <a:t>2013</a:t>
+            </a:r>
+            <a:r>
+              <a:rPr lang="zh-CN" altLang="en-US" dirty="0" smtClean="0">
+                <a:latin typeface="Arial" panose="020B0604020202020204" pitchFamily="34" charset="0"/>
+                <a:ea typeface="黑体" panose="02010609060101010101" pitchFamily="49" charset="-122"/>
+                <a:cs typeface="Arial" panose="020B0604020202020204" pitchFamily="34" charset="0"/>
+              </a:rPr>
+              <a:t>清华国际暑期学校、中美绿色电子创客挑战）</a:t>
             </a:r>
             <a:endParaRPr lang="en-US" altLang="zh-CN" dirty="0" smtClean="0">
-              <a:latin typeface="黑体" panose="02010609060101010101" pitchFamily="49" charset="-122"/>
+              <a:latin typeface="Arial" panose="020B0604020202020204" pitchFamily="34" charset="0"/>
               <a:ea typeface="黑体" panose="02010609060101010101" pitchFamily="49" charset="-122"/>
+              <a:cs typeface="Arial" panose="020B0604020202020204" pitchFamily="34" charset="0"/>
             </a:endParaRPr>
           </a:p>
           <a:p>
             <a:pPr lvl="1"/>
             <a:r>
               <a:rPr lang="zh-CN" altLang="en-US" dirty="0" smtClean="0">
-                <a:latin typeface="黑体" panose="02010609060101010101" pitchFamily="49" charset="-122"/>
-                <a:ea typeface="黑体" panose="02010609060101010101" pitchFamily="49" charset="-122"/>
-              </a:rPr>
-              <a:t>定制化、单元化、可重组的“移动创客柜”</a:t>
+                <a:latin typeface="Arial" panose="020B0604020202020204" pitchFamily="34" charset="0"/>
+                <a:ea typeface="黑体" panose="02010609060101010101" pitchFamily="49" charset="-122"/>
+                <a:cs typeface="Arial" panose="020B0604020202020204" pitchFamily="34" charset="0"/>
+              </a:rPr>
+              <a:t>北京四中（中美绿色电子创客挑战、中美青年创客挑战）</a:t>
             </a:r>
             <a:endParaRPr lang="en-US" altLang="zh-CN" dirty="0" smtClean="0">
-              <a:latin typeface="黑体" panose="02010609060101010101" pitchFamily="49" charset="-122"/>
+              <a:latin typeface="Arial" panose="020B0604020202020204" pitchFamily="34" charset="0"/>
               <a:ea typeface="黑体" panose="02010609060101010101" pitchFamily="49" charset="-122"/>
+              <a:cs typeface="Arial" panose="020B0604020202020204" pitchFamily="34" charset="0"/>
             </a:endParaRPr>
           </a:p>
           <a:p>
-            <a:pPr lvl="2"/>
             <a:r>
               <a:rPr lang="zh-CN" altLang="en-US" dirty="0" smtClean="0">
-                <a:latin typeface="黑体" panose="02010609060101010101" pitchFamily="49" charset="-122"/>
-                <a:ea typeface="黑体" panose="02010609060101010101" pitchFamily="49" charset="-122"/>
-              </a:rPr>
-              <a:t>包含工作台、工具、原材料等</a:t>
-            </a:r>
+                <a:latin typeface="Arial" panose="020B0604020202020204" pitchFamily="34" charset="0"/>
+                <a:ea typeface="黑体" panose="02010609060101010101" pitchFamily="49" charset="-122"/>
+                <a:cs typeface="Arial" panose="020B0604020202020204" pitchFamily="34" charset="0"/>
+              </a:rPr>
+              <a:t>专业经验之泉</a:t>
+            </a:r>
+            <a:r>
+              <a:rPr lang="en-US" altLang="zh-CN" dirty="0" smtClean="0">
+                <a:latin typeface="Arial" panose="020B0604020202020204" pitchFamily="34" charset="0"/>
+                <a:ea typeface="黑体" panose="02010609060101010101" pitchFamily="49" charset="-122"/>
+                <a:cs typeface="Arial" panose="020B0604020202020204" pitchFamily="34" charset="0"/>
+              </a:rPr>
+              <a:t>——</a:t>
+            </a:r>
+            <a:r>
+              <a:rPr lang="zh-CN" altLang="en-US" dirty="0" smtClean="0">
+                <a:latin typeface="Arial" panose="020B0604020202020204" pitchFamily="34" charset="0"/>
+                <a:ea typeface="黑体" panose="02010609060101010101" pitchFamily="49" charset="-122"/>
+                <a:cs typeface="Arial" panose="020B0604020202020204" pitchFamily="34" charset="0"/>
+              </a:rPr>
+              <a:t>社会创客群体</a:t>
+            </a:r>
+            <a:endParaRPr lang="en-US" altLang="zh-CN" dirty="0" smtClean="0">
+              <a:latin typeface="Arial" panose="020B0604020202020204" pitchFamily="34" charset="0"/>
+              <a:ea typeface="黑体" panose="02010609060101010101" pitchFamily="49" charset="-122"/>
+              <a:cs typeface="Arial" panose="020B0604020202020204" pitchFamily="34" charset="0"/>
+            </a:endParaRPr>
           </a:p>
           <a:p>
             <a:pPr lvl="1"/>
             <a:r>
+              <a:rPr lang="en-US" altLang="zh-CN" dirty="0" smtClean="0">
+                <a:latin typeface="Arial" panose="020B0604020202020204" pitchFamily="34" charset="0"/>
+                <a:ea typeface="黑体" panose="02010609060101010101" pitchFamily="49" charset="-122"/>
+                <a:cs typeface="Arial" panose="020B0604020202020204" pitchFamily="34" charset="0"/>
+              </a:rPr>
+              <a:t>Mitch Altman</a:t>
+            </a:r>
+            <a:r>
               <a:rPr lang="zh-CN" altLang="en-US" dirty="0" smtClean="0">
-                <a:latin typeface="黑体" panose="02010609060101010101" pitchFamily="49" charset="-122"/>
-                <a:ea typeface="黑体" panose="02010609060101010101" pitchFamily="49" charset="-122"/>
-              </a:rPr>
-              <a:t>空间开放预约</a:t>
+                <a:latin typeface="Arial" panose="020B0604020202020204" pitchFamily="34" charset="0"/>
+                <a:ea typeface="黑体" panose="02010609060101010101" pitchFamily="49" charset="-122"/>
+                <a:cs typeface="Arial" panose="020B0604020202020204" pitchFamily="34" charset="0"/>
+              </a:rPr>
+              <a:t>（</a:t>
+            </a:r>
+            <a:r>
+              <a:rPr lang="en-US" altLang="zh-CN" dirty="0" err="1" smtClean="0">
+                <a:latin typeface="Arial" panose="020B0604020202020204" pitchFamily="34" charset="0"/>
+                <a:ea typeface="黑体" panose="02010609060101010101" pitchFamily="49" charset="-122"/>
+                <a:cs typeface="Arial" panose="020B0604020202020204" pitchFamily="34" charset="0"/>
+              </a:rPr>
+              <a:t>Hackerspaces</a:t>
+            </a:r>
+            <a:r>
+              <a:rPr lang="en-US" altLang="zh-CN" dirty="0" smtClean="0">
+                <a:latin typeface="Arial" panose="020B0604020202020204" pitchFamily="34" charset="0"/>
+                <a:ea typeface="黑体" panose="02010609060101010101" pitchFamily="49" charset="-122"/>
+                <a:cs typeface="Arial" panose="020B0604020202020204" pitchFamily="34" charset="0"/>
+              </a:rPr>
+              <a:t> Movement</a:t>
+            </a:r>
+            <a:r>
+              <a:rPr lang="zh-CN" altLang="en-US" dirty="0" smtClean="0">
+                <a:latin typeface="Arial" panose="020B0604020202020204" pitchFamily="34" charset="0"/>
+                <a:ea typeface="黑体" panose="02010609060101010101" pitchFamily="49" charset="-122"/>
+                <a:cs typeface="Arial" panose="020B0604020202020204" pitchFamily="34" charset="0"/>
+              </a:rPr>
+              <a:t>创客空间运动发起人）</a:t>
             </a:r>
             <a:endParaRPr lang="en-US" altLang="zh-CN" dirty="0" smtClean="0">
-              <a:latin typeface="黑体" panose="02010609060101010101" pitchFamily="49" charset="-122"/>
+              <a:latin typeface="Arial" panose="020B0604020202020204" pitchFamily="34" charset="0"/>
               <a:ea typeface="黑体" panose="02010609060101010101" pitchFamily="49" charset="-122"/>
+              <a:cs typeface="Arial" panose="020B0604020202020204" pitchFamily="34" charset="0"/>
             </a:endParaRPr>
           </a:p>
           <a:p>
+            <a:pPr lvl="1"/>
+            <a:r>
+              <a:rPr lang="en-US" altLang="zh-CN" dirty="0" smtClean="0">
+                <a:latin typeface="Arial" panose="020B0604020202020204" pitchFamily="34" charset="0"/>
+                <a:ea typeface="黑体" panose="02010609060101010101" pitchFamily="49" charset="-122"/>
+                <a:cs typeface="Arial" panose="020B0604020202020204" pitchFamily="34" charset="0"/>
+              </a:rPr>
+              <a:t>Marcin </a:t>
+            </a:r>
+            <a:r>
+              <a:rPr lang="en-US" altLang="zh-CN" dirty="0" err="1" smtClean="0">
+                <a:latin typeface="Arial" panose="020B0604020202020204" pitchFamily="34" charset="0"/>
+                <a:ea typeface="黑体" panose="02010609060101010101" pitchFamily="49" charset="-122"/>
+                <a:cs typeface="Arial" panose="020B0604020202020204" pitchFamily="34" charset="0"/>
+              </a:rPr>
+              <a:t>Jakubowski</a:t>
+            </a:r>
             <a:r>
               <a:rPr lang="zh-CN" altLang="en-US" dirty="0" smtClean="0">
-                <a:latin typeface="黑体" panose="02010609060101010101" pitchFamily="49" charset="-122"/>
-                <a:ea typeface="黑体" panose="02010609060101010101" pitchFamily="49" charset="-122"/>
-              </a:rPr>
-              <a:t>使用方法：将项目对应的创客柜“拼插”到预约好的场地上</a:t>
+                <a:latin typeface="Arial" panose="020B0604020202020204" pitchFamily="34" charset="0"/>
+                <a:ea typeface="黑体" panose="02010609060101010101" pitchFamily="49" charset="-122"/>
+                <a:cs typeface="Arial" panose="020B0604020202020204" pitchFamily="34" charset="0"/>
+              </a:rPr>
+              <a:t>（</a:t>
+            </a:r>
+            <a:r>
+              <a:rPr lang="en-US" altLang="zh-CN" dirty="0" smtClean="0">
+                <a:latin typeface="Arial" panose="020B0604020202020204" pitchFamily="34" charset="0"/>
+                <a:ea typeface="黑体" panose="02010609060101010101" pitchFamily="49" charset="-122"/>
+                <a:cs typeface="Arial" panose="020B0604020202020204" pitchFamily="34" charset="0"/>
+              </a:rPr>
+              <a:t>Open Source Ecology</a:t>
+            </a:r>
+            <a:r>
+              <a:rPr lang="zh-CN" altLang="en-US" dirty="0" smtClean="0">
+                <a:latin typeface="Arial" panose="020B0604020202020204" pitchFamily="34" charset="0"/>
+                <a:ea typeface="黑体" panose="02010609060101010101" pitchFamily="49" charset="-122"/>
+                <a:cs typeface="Arial" panose="020B0604020202020204" pitchFamily="34" charset="0"/>
+              </a:rPr>
+              <a:t>开源生态创始人）</a:t>
             </a:r>
             <a:endParaRPr lang="en-US" altLang="zh-CN" dirty="0" smtClean="0">
-              <a:latin typeface="黑体" panose="02010609060101010101" pitchFamily="49" charset="-122"/>
+              <a:latin typeface="Arial" panose="020B0604020202020204" pitchFamily="34" charset="0"/>
               <a:ea typeface="黑体" panose="02010609060101010101" pitchFamily="49" charset="-122"/>
+              <a:cs typeface="Arial" panose="020B0604020202020204" pitchFamily="34" charset="0"/>
             </a:endParaRPr>
           </a:p>
           <a:p>
             <a:pPr lvl="1"/>
             <a:r>
               <a:rPr lang="zh-CN" altLang="en-US" dirty="0" smtClean="0">
-                <a:latin typeface="黑体" panose="02010609060101010101" pitchFamily="49" charset="-122"/>
-                <a:ea typeface="黑体" panose="02010609060101010101" pitchFamily="49" charset="-122"/>
-              </a:rPr>
-              <a:t>获得空间、采光、电源等公共资源</a:t>
+                <a:latin typeface="Arial" panose="020B0604020202020204" pitchFamily="34" charset="0"/>
+                <a:ea typeface="黑体" panose="02010609060101010101" pitchFamily="49" charset="-122"/>
+                <a:cs typeface="Arial" panose="020B0604020202020204" pitchFamily="34" charset="0"/>
+              </a:rPr>
+              <a:t>李大维（新车间创客空间创始人）</a:t>
             </a:r>
             <a:endParaRPr lang="en-US" altLang="zh-CN" dirty="0" smtClean="0">
-              <a:latin typeface="黑体" panose="02010609060101010101" pitchFamily="49" charset="-122"/>
+              <a:latin typeface="Arial" panose="020B0604020202020204" pitchFamily="34" charset="0"/>
               <a:ea typeface="黑体" panose="02010609060101010101" pitchFamily="49" charset="-122"/>
+              <a:cs typeface="Arial" panose="020B0604020202020204" pitchFamily="34" charset="0"/>
             </a:endParaRPr>
           </a:p>
           <a:p>
-            <a:endParaRPr lang="en-US" altLang="zh-CN" dirty="0">
-              <a:latin typeface="黑体" panose="02010609060101010101" pitchFamily="49" charset="-122"/>
+            <a:r>
+              <a:rPr lang="zh-CN" altLang="en-US" dirty="0" smtClean="0">
+                <a:latin typeface="Arial" panose="020B0604020202020204" pitchFamily="34" charset="0"/>
+                <a:ea typeface="黑体" panose="02010609060101010101" pitchFamily="49" charset="-122"/>
+                <a:cs typeface="Arial" panose="020B0604020202020204" pitchFamily="34" charset="0"/>
+              </a:rPr>
+              <a:t>行业对接之桥</a:t>
+            </a:r>
+            <a:r>
+              <a:rPr lang="en-US" altLang="zh-CN" dirty="0" smtClean="0">
+                <a:latin typeface="Arial" panose="020B0604020202020204" pitchFamily="34" charset="0"/>
+                <a:ea typeface="黑体" panose="02010609060101010101" pitchFamily="49" charset="-122"/>
+                <a:cs typeface="Arial" panose="020B0604020202020204" pitchFamily="34" charset="0"/>
+              </a:rPr>
+              <a:t>——</a:t>
+            </a:r>
+            <a:r>
+              <a:rPr lang="zh-CN" altLang="en-US" dirty="0">
+                <a:latin typeface="Arial" panose="020B0604020202020204" pitchFamily="34" charset="0"/>
+                <a:ea typeface="黑体" panose="02010609060101010101" pitchFamily="49" charset="-122"/>
+                <a:cs typeface="Arial" panose="020B0604020202020204" pitchFamily="34" charset="0"/>
+              </a:rPr>
+              <a:t>领军企业</a:t>
+            </a:r>
+            <a:endParaRPr lang="en-US" altLang="zh-CN" dirty="0" smtClean="0">
+              <a:latin typeface="Arial" panose="020B0604020202020204" pitchFamily="34" charset="0"/>
               <a:ea typeface="黑体" panose="02010609060101010101" pitchFamily="49" charset="-122"/>
+              <a:cs typeface="Arial" panose="020B0604020202020204" pitchFamily="34" charset="0"/>
             </a:endParaRPr>
           </a:p>
           <a:p>
-            <a:r>
-              <a:rPr lang="zh-CN" altLang="en-US" dirty="0" smtClean="0">
-                <a:latin typeface="黑体" panose="02010609060101010101" pitchFamily="49" charset="-122"/>
-                <a:ea typeface="黑体" panose="02010609060101010101" pitchFamily="49" charset="-122"/>
-              </a:rPr>
-              <a:t>另外，可预约使用各种加工设备</a:t>
-            </a:r>
-            <a:endParaRPr lang="en-US" altLang="zh-CN" dirty="0" smtClean="0">
-              <a:latin typeface="黑体" panose="02010609060101010101" pitchFamily="49" charset="-122"/>
-              <a:ea typeface="黑体" panose="02010609060101010101" pitchFamily="49" charset="-122"/>
-            </a:endParaRPr>
+            <a:pPr lvl="1"/>
+            <a:r>
+              <a:rPr lang="en-US" altLang="zh-CN" dirty="0" smtClean="0">
+                <a:latin typeface="Arial" panose="020B0604020202020204" pitchFamily="34" charset="0"/>
+                <a:ea typeface="黑体" panose="02010609060101010101" pitchFamily="49" charset="-122"/>
+                <a:cs typeface="Arial" panose="020B0604020202020204" pitchFamily="34" charset="0"/>
+              </a:rPr>
+              <a:t>Intel</a:t>
+            </a:r>
           </a:p>
         </p:txBody>
       </p:sp>
     </p:spTree>
     <p:extLst>
       <p:ext uri="{BB962C8B-B14F-4D97-AF65-F5344CB8AC3E}">
-        <p14:creationId xmlns:p14="http://schemas.microsoft.com/office/powerpoint/2010/main" val="1564133264"/>
+        <p14:creationId xmlns:p14="http://schemas.microsoft.com/office/powerpoint/2010/main" val="3885963269"/>
       </p:ext>
     </p:extLst>
   </p:cSld>
   <p:clrMapOvr>
     <a:masterClrMapping/>
   </p:clrMapOvr>
-  <p:timing>
-    <p:tnLst>
-      <p:par>
-        <p:cTn id="1" dur="indefinite" restart="never" nodeType="tmRoot"/>
-      </p:par>
-    </p:tnLst>
-  </p:timing>
 </p:sld>
 </file>
 

--- a/训练中心创客交叉融合空间建设/doc/训练中心制造信息化平台和创客空间建设项目规划-新思路补充.pptx
+++ b/训练中心创客交叉融合空间建设/doc/训练中心制造信息化平台和创客空间建设项目规划-新思路补充.pptx
@@ -254,7 +254,7 @@
           <a:p>
             <a:fld id="{AC9676F6-B558-4D31-A591-8ACF72D3C526}" type="datetimeFigureOut">
               <a:rPr lang="zh-CN" altLang="en-US" smtClean="0"/>
-              <a:t>2014/10/21</a:t>
+              <a:t>2014/10/31</a:t>
             </a:fld>
             <a:endParaRPr lang="zh-CN" altLang="en-US"/>
           </a:p>
@@ -424,7 +424,7 @@
           <a:p>
             <a:fld id="{AC9676F6-B558-4D31-A591-8ACF72D3C526}" type="datetimeFigureOut">
               <a:rPr lang="zh-CN" altLang="en-US" smtClean="0"/>
-              <a:t>2014/10/21</a:t>
+              <a:t>2014/10/31</a:t>
             </a:fld>
             <a:endParaRPr lang="zh-CN" altLang="en-US"/>
           </a:p>
@@ -604,7 +604,7 @@
           <a:p>
             <a:fld id="{AC9676F6-B558-4D31-A591-8ACF72D3C526}" type="datetimeFigureOut">
               <a:rPr lang="zh-CN" altLang="en-US" smtClean="0"/>
-              <a:t>2014/10/21</a:t>
+              <a:t>2014/10/31</a:t>
             </a:fld>
             <a:endParaRPr lang="zh-CN" altLang="en-US"/>
           </a:p>
@@ -774,7 +774,7 @@
           <a:p>
             <a:fld id="{AC9676F6-B558-4D31-A591-8ACF72D3C526}" type="datetimeFigureOut">
               <a:rPr lang="zh-CN" altLang="en-US" smtClean="0"/>
-              <a:t>2014/10/21</a:t>
+              <a:t>2014/10/31</a:t>
             </a:fld>
             <a:endParaRPr lang="zh-CN" altLang="en-US"/>
           </a:p>
@@ -1020,7 +1020,7 @@
           <a:p>
             <a:fld id="{AC9676F6-B558-4D31-A591-8ACF72D3C526}" type="datetimeFigureOut">
               <a:rPr lang="zh-CN" altLang="en-US" smtClean="0"/>
-              <a:t>2014/10/21</a:t>
+              <a:t>2014/10/31</a:t>
             </a:fld>
             <a:endParaRPr lang="zh-CN" altLang="en-US"/>
           </a:p>
@@ -1252,7 +1252,7 @@
           <a:p>
             <a:fld id="{AC9676F6-B558-4D31-A591-8ACF72D3C526}" type="datetimeFigureOut">
               <a:rPr lang="zh-CN" altLang="en-US" smtClean="0"/>
-              <a:t>2014/10/21</a:t>
+              <a:t>2014/10/31</a:t>
             </a:fld>
             <a:endParaRPr lang="zh-CN" altLang="en-US"/>
           </a:p>
@@ -1619,7 +1619,7 @@
           <a:p>
             <a:fld id="{AC9676F6-B558-4D31-A591-8ACF72D3C526}" type="datetimeFigureOut">
               <a:rPr lang="zh-CN" altLang="en-US" smtClean="0"/>
-              <a:t>2014/10/21</a:t>
+              <a:t>2014/10/31</a:t>
             </a:fld>
             <a:endParaRPr lang="zh-CN" altLang="en-US"/>
           </a:p>
@@ -1737,7 +1737,7 @@
           <a:p>
             <a:fld id="{AC9676F6-B558-4D31-A591-8ACF72D3C526}" type="datetimeFigureOut">
               <a:rPr lang="zh-CN" altLang="en-US" smtClean="0"/>
-              <a:t>2014/10/21</a:t>
+              <a:t>2014/10/31</a:t>
             </a:fld>
             <a:endParaRPr lang="zh-CN" altLang="en-US"/>
           </a:p>
@@ -1832,7 +1832,7 @@
           <a:p>
             <a:fld id="{AC9676F6-B558-4D31-A591-8ACF72D3C526}" type="datetimeFigureOut">
               <a:rPr lang="zh-CN" altLang="en-US" smtClean="0"/>
-              <a:t>2014/10/21</a:t>
+              <a:t>2014/10/31</a:t>
             </a:fld>
             <a:endParaRPr lang="zh-CN" altLang="en-US"/>
           </a:p>
@@ -2109,7 +2109,7 @@
           <a:p>
             <a:fld id="{AC9676F6-B558-4D31-A591-8ACF72D3C526}" type="datetimeFigureOut">
               <a:rPr lang="zh-CN" altLang="en-US" smtClean="0"/>
-              <a:t>2014/10/21</a:t>
+              <a:t>2014/10/31</a:t>
             </a:fld>
             <a:endParaRPr lang="zh-CN" altLang="en-US"/>
           </a:p>
@@ -2362,7 +2362,7 @@
           <a:p>
             <a:fld id="{AC9676F6-B558-4D31-A591-8ACF72D3C526}" type="datetimeFigureOut">
               <a:rPr lang="zh-CN" altLang="en-US" smtClean="0"/>
-              <a:t>2014/10/21</a:t>
+              <a:t>2014/10/31</a:t>
             </a:fld>
             <a:endParaRPr lang="zh-CN" altLang="en-US"/>
           </a:p>
@@ -2575,7 +2575,7 @@
           <a:p>
             <a:fld id="{AC9676F6-B558-4D31-A591-8ACF72D3C526}" type="datetimeFigureOut">
               <a:rPr lang="zh-CN" altLang="en-US" smtClean="0"/>
-              <a:t>2014/10/21</a:t>
+              <a:t>2014/10/31</a:t>
             </a:fld>
             <a:endParaRPr lang="zh-CN" altLang="en-US"/>
           </a:p>
@@ -3014,7 +3014,10 @@
           <a:lstStyle/>
           <a:p>
             <a:pPr algn="ctr"/>
-            <a:endParaRPr lang="zh-CN" altLang="en-US"/>
+            <a:endParaRPr lang="zh-CN" altLang="en-US">
+              <a:latin typeface="黑体" panose="02010609060101010101" pitchFamily="49" charset="-122"/>
+              <a:ea typeface="黑体" panose="02010609060101010101" pitchFamily="49" charset="-122"/>
+            </a:endParaRPr>
           </a:p>
         </p:txBody>
       </p:sp>
@@ -3028,46 +3031,6 @@
           <a:xfrm>
             <a:off x="8866040" y="90152"/>
             <a:ext cx="2016000" cy="3168000"/>
-          </a:xfrm>
-          <a:prstGeom prst="rect">
-            <a:avLst/>
-          </a:prstGeom>
-        </p:spPr>
-        <p:style>
-          <a:lnRef idx="2">
-            <a:schemeClr val="accent1">
-              <a:shade val="50000"/>
-            </a:schemeClr>
-          </a:lnRef>
-          <a:fillRef idx="1">
-            <a:schemeClr val="accent1"/>
-          </a:fillRef>
-          <a:effectRef idx="0">
-            <a:schemeClr val="accent1"/>
-          </a:effectRef>
-          <a:fontRef idx="minor">
-            <a:schemeClr val="lt1"/>
-          </a:fontRef>
-        </p:style>
-        <p:txBody>
-          <a:bodyPr rtlCol="0" anchor="ctr"/>
-          <a:lstStyle/>
-          <a:p>
-            <a:pPr algn="ctr"/>
-            <a:endParaRPr lang="zh-CN" altLang="en-US"/>
-          </a:p>
-        </p:txBody>
-      </p:sp>
-      <p:sp>
-        <p:nvSpPr>
-          <p:cNvPr id="7" name="Rectangle 6"/>
-          <p:cNvSpPr/>
-          <p:nvPr/>
-        </p:nvSpPr>
-        <p:spPr>
-          <a:xfrm>
-            <a:off x="9272789" y="4614997"/>
-            <a:ext cx="1609251" cy="862885"/>
           </a:xfrm>
           <a:prstGeom prst="rect">
             <a:avLst/>
@@ -3094,20 +3057,26 @@
           <a:lstStyle/>
           <a:p>
             <a:pPr algn="ctr"/>
-            <a:endParaRPr lang="zh-CN" altLang="en-US"/>
-          </a:p>
-        </p:txBody>
-      </p:sp>
-      <p:sp>
-        <p:nvSpPr>
-          <p:cNvPr id="8" name="Rectangle 7"/>
+            <a:endParaRPr lang="zh-CN" altLang="en-US">
+              <a:solidFill>
+                <a:schemeClr val="dk1"/>
+              </a:solidFill>
+              <a:latin typeface="黑体" panose="02010609060101010101" pitchFamily="49" charset="-122"/>
+              <a:ea typeface="黑体" panose="02010609060101010101" pitchFamily="49" charset="-122"/>
+            </a:endParaRPr>
+          </a:p>
+        </p:txBody>
+      </p:sp>
+      <p:sp>
+        <p:nvSpPr>
+          <p:cNvPr id="7" name="Rectangle 6"/>
           <p:cNvSpPr/>
           <p:nvPr/>
         </p:nvSpPr>
         <p:spPr>
           <a:xfrm>
-            <a:off x="9272789" y="6336609"/>
-            <a:ext cx="1609251" cy="377543"/>
+            <a:off x="9300068" y="4536203"/>
+            <a:ext cx="1584000" cy="828000"/>
           </a:xfrm>
           <a:prstGeom prst="rect">
             <a:avLst/>
@@ -3134,7 +3103,53 @@
           <a:lstStyle/>
           <a:p>
             <a:pPr algn="ctr"/>
-            <a:endParaRPr lang="zh-CN" altLang="en-US"/>
+            <a:endParaRPr lang="zh-CN" altLang="en-US">
+              <a:latin typeface="黑体" panose="02010609060101010101" pitchFamily="49" charset="-122"/>
+              <a:ea typeface="黑体" panose="02010609060101010101" pitchFamily="49" charset="-122"/>
+            </a:endParaRPr>
+          </a:p>
+        </p:txBody>
+      </p:sp>
+      <p:sp>
+        <p:nvSpPr>
+          <p:cNvPr id="8" name="Rectangle 7"/>
+          <p:cNvSpPr/>
+          <p:nvPr/>
+        </p:nvSpPr>
+        <p:spPr>
+          <a:xfrm>
+            <a:off x="9878096" y="6330067"/>
+            <a:ext cx="1008000" cy="377543"/>
+          </a:xfrm>
+          <a:prstGeom prst="rect">
+            <a:avLst/>
+          </a:prstGeom>
+        </p:spPr>
+        <p:style>
+          <a:lnRef idx="2">
+            <a:schemeClr val="accent3">
+              <a:shade val="50000"/>
+            </a:schemeClr>
+          </a:lnRef>
+          <a:fillRef idx="1">
+            <a:schemeClr val="accent3"/>
+          </a:fillRef>
+          <a:effectRef idx="0">
+            <a:schemeClr val="accent3"/>
+          </a:effectRef>
+          <a:fontRef idx="minor">
+            <a:schemeClr val="lt1"/>
+          </a:fontRef>
+        </p:style>
+        <p:txBody>
+          <a:bodyPr rtlCol="0" anchor="ctr"/>
+          <a:lstStyle/>
+          <a:p>
+            <a:pPr algn="ctr"/>
+            <a:endParaRPr lang="zh-CN" altLang="en-US">
+              <a:latin typeface="黑体" panose="02010609060101010101" pitchFamily="49" charset="-122"/>
+              <a:ea typeface="黑体" panose="02010609060101010101" pitchFamily="49" charset="-122"/>
+            </a:endParaRPr>
           </a:p>
         </p:txBody>
       </p:sp>
@@ -3174,7 +3189,10 @@
           <a:lstStyle/>
           <a:p>
             <a:pPr algn="ctr"/>
-            <a:endParaRPr lang="zh-CN" altLang="en-US"/>
+            <a:endParaRPr lang="zh-CN" altLang="en-US">
+              <a:latin typeface="黑体" panose="02010609060101010101" pitchFamily="49" charset="-122"/>
+              <a:ea typeface="黑体" panose="02010609060101010101" pitchFamily="49" charset="-122"/>
+            </a:endParaRPr>
           </a:p>
         </p:txBody>
       </p:sp>
@@ -3186,7 +3204,7 @@
         </p:nvSpPr>
         <p:spPr>
           <a:xfrm>
-            <a:off x="9736428" y="5748338"/>
+            <a:off x="9736428" y="5622592"/>
             <a:ext cx="412124" cy="437882"/>
           </a:xfrm>
           <a:prstGeom prst="roundRect">
@@ -3214,7 +3232,10 @@
           <a:lstStyle/>
           <a:p>
             <a:pPr algn="ctr"/>
-            <a:endParaRPr lang="zh-CN" altLang="en-US"/>
+            <a:endParaRPr lang="zh-CN" altLang="en-US">
+              <a:latin typeface="黑体" panose="02010609060101010101" pitchFamily="49" charset="-122"/>
+              <a:ea typeface="黑体" panose="02010609060101010101" pitchFamily="49" charset="-122"/>
+            </a:endParaRPr>
           </a:p>
         </p:txBody>
       </p:sp>
@@ -3226,8 +3247,8 @@
         </p:nvSpPr>
         <p:spPr>
           <a:xfrm>
-            <a:off x="9272789" y="3273515"/>
-            <a:ext cx="1609251" cy="255093"/>
+            <a:off x="9298040" y="3260991"/>
+            <a:ext cx="1584000" cy="216000"/>
           </a:xfrm>
           <a:prstGeom prst="rect">
             <a:avLst/>
@@ -3254,7 +3275,10 @@
           <a:lstStyle/>
           <a:p>
             <a:pPr algn="ctr"/>
-            <a:endParaRPr lang="zh-CN" altLang="en-US"/>
+            <a:endParaRPr lang="zh-CN" altLang="en-US">
+              <a:latin typeface="黑体" panose="02010609060101010101" pitchFamily="49" charset="-122"/>
+              <a:ea typeface="黑体" panose="02010609060101010101" pitchFamily="49" charset="-122"/>
+            </a:endParaRPr>
           </a:p>
         </p:txBody>
       </p:sp>
@@ -3266,96 +3290,12 @@
         </p:nvGrpSpPr>
         <p:grpSpPr>
           <a:xfrm>
-            <a:off x="2997322" y="1527392"/>
-            <a:ext cx="4365044" cy="4176000"/>
+            <a:off x="2997322" y="1385949"/>
+            <a:ext cx="4365044" cy="1512000"/>
             <a:chOff x="2997322" y="1527392"/>
-            <a:chExt cx="4365044" cy="4176000"/>
+            <a:chExt cx="4365044" cy="1512000"/>
           </a:xfrm>
         </p:grpSpPr>
-        <p:sp>
-          <p:nvSpPr>
-            <p:cNvPr id="13" name="Hexagon 12"/>
-            <p:cNvSpPr>
-              <a:spLocks noChangeAspect="1"/>
-            </p:cNvSpPr>
-            <p:nvPr/>
-          </p:nvSpPr>
-          <p:spPr>
-            <a:xfrm>
-              <a:off x="2997322" y="4191392"/>
-              <a:ext cx="1753920" cy="1512000"/>
-            </a:xfrm>
-            <a:prstGeom prst="hexagon">
-              <a:avLst/>
-            </a:prstGeom>
-          </p:spPr>
-          <p:style>
-            <a:lnRef idx="2">
-              <a:schemeClr val="accent1">
-                <a:shade val="50000"/>
-              </a:schemeClr>
-            </a:lnRef>
-            <a:fillRef idx="1">
-              <a:schemeClr val="accent1"/>
-            </a:fillRef>
-            <a:effectRef idx="0">
-              <a:schemeClr val="accent1"/>
-            </a:effectRef>
-            <a:fontRef idx="minor">
-              <a:schemeClr val="lt1"/>
-            </a:fontRef>
-          </p:style>
-          <p:txBody>
-            <a:bodyPr rtlCol="0" anchor="ctr"/>
-            <a:lstStyle/>
-            <a:p>
-              <a:pPr algn="ctr"/>
-              <a:endParaRPr lang="zh-CN" altLang="en-US"/>
-            </a:p>
-          </p:txBody>
-        </p:sp>
-        <p:sp>
-          <p:nvSpPr>
-            <p:cNvPr id="14" name="Hexagon 13"/>
-            <p:cNvSpPr>
-              <a:spLocks noChangeAspect="1"/>
-            </p:cNvSpPr>
-            <p:nvPr/>
-          </p:nvSpPr>
-          <p:spPr>
-            <a:xfrm>
-              <a:off x="5608446" y="4191392"/>
-              <a:ext cx="1753920" cy="1512000"/>
-            </a:xfrm>
-            <a:prstGeom prst="hexagon">
-              <a:avLst/>
-            </a:prstGeom>
-          </p:spPr>
-          <p:style>
-            <a:lnRef idx="2">
-              <a:schemeClr val="accent1">
-                <a:shade val="50000"/>
-              </a:schemeClr>
-            </a:lnRef>
-            <a:fillRef idx="1">
-              <a:schemeClr val="accent1"/>
-            </a:fillRef>
-            <a:effectRef idx="0">
-              <a:schemeClr val="accent1"/>
-            </a:effectRef>
-            <a:fontRef idx="minor">
-              <a:schemeClr val="lt1"/>
-            </a:fontRef>
-          </p:style>
-          <p:txBody>
-            <a:bodyPr rtlCol="0" anchor="ctr"/>
-            <a:lstStyle/>
-            <a:p>
-              <a:pPr algn="ctr"/>
-              <a:endParaRPr lang="zh-CN" altLang="en-US"/>
-            </a:p>
-          </p:txBody>
-        </p:sp>
         <p:sp>
           <p:nvSpPr>
             <p:cNvPr id="15" name="Hexagon 14"/>
@@ -3375,18 +3315,16 @@
           </p:spPr>
           <p:style>
             <a:lnRef idx="2">
-              <a:schemeClr val="accent1">
-                <a:shade val="50000"/>
-              </a:schemeClr>
+              <a:schemeClr val="dk1"/>
             </a:lnRef>
             <a:fillRef idx="1">
-              <a:schemeClr val="accent1"/>
+              <a:schemeClr val="lt1"/>
             </a:fillRef>
             <a:effectRef idx="0">
-              <a:schemeClr val="accent1"/>
+              <a:schemeClr val="dk1"/>
             </a:effectRef>
             <a:fontRef idx="minor">
-              <a:schemeClr val="lt1"/>
+              <a:schemeClr val="dk1"/>
             </a:fontRef>
           </p:style>
           <p:txBody>
@@ -3394,7 +3332,23 @@
             <a:lstStyle/>
             <a:p>
               <a:pPr algn="ctr"/>
-              <a:endParaRPr lang="zh-CN" altLang="en-US"/>
+              <a:r>
+                <a:rPr lang="zh-CN" altLang="en-US" dirty="0" smtClean="0">
+                  <a:solidFill>
+                    <a:schemeClr val="dk1"/>
+                  </a:solidFill>
+                  <a:latin typeface="黑体" panose="02010609060101010101" pitchFamily="49" charset="-122"/>
+                  <a:ea typeface="黑体" panose="02010609060101010101" pitchFamily="49" charset="-122"/>
+                </a:rPr>
+                <a:t>讨论桌</a:t>
+              </a:r>
+              <a:endParaRPr lang="zh-CN" altLang="en-US" dirty="0">
+                <a:solidFill>
+                  <a:schemeClr val="dk1"/>
+                </a:solidFill>
+                <a:latin typeface="黑体" panose="02010609060101010101" pitchFamily="49" charset="-122"/>
+                <a:ea typeface="黑体" panose="02010609060101010101" pitchFamily="49" charset="-122"/>
+              </a:endParaRPr>
             </a:p>
           </p:txBody>
         </p:sp>
@@ -3417,18 +3371,16 @@
           </p:spPr>
           <p:style>
             <a:lnRef idx="2">
-              <a:schemeClr val="accent1">
-                <a:shade val="50000"/>
-              </a:schemeClr>
+              <a:schemeClr val="dk1"/>
             </a:lnRef>
             <a:fillRef idx="1">
-              <a:schemeClr val="accent1"/>
+              <a:schemeClr val="lt1"/>
             </a:fillRef>
             <a:effectRef idx="0">
-              <a:schemeClr val="accent1"/>
+              <a:schemeClr val="dk1"/>
             </a:effectRef>
             <a:fontRef idx="minor">
-              <a:schemeClr val="lt1"/>
+              <a:schemeClr val="dk1"/>
             </a:fontRef>
           </p:style>
           <p:txBody>
@@ -3436,21 +3388,37 @@
             <a:lstStyle/>
             <a:p>
               <a:pPr algn="ctr"/>
-              <a:endParaRPr lang="zh-CN" altLang="en-US"/>
+              <a:r>
+                <a:rPr lang="zh-CN" altLang="en-US" dirty="0" smtClean="0">
+                  <a:solidFill>
+                    <a:schemeClr val="dk1"/>
+                  </a:solidFill>
+                  <a:latin typeface="黑体" panose="02010609060101010101" pitchFamily="49" charset="-122"/>
+                  <a:ea typeface="黑体" panose="02010609060101010101" pitchFamily="49" charset="-122"/>
+                </a:rPr>
+                <a:t>讨论桌</a:t>
+              </a:r>
+              <a:endParaRPr lang="zh-CN" altLang="en-US" dirty="0">
+                <a:solidFill>
+                  <a:schemeClr val="dk1"/>
+                </a:solidFill>
+                <a:latin typeface="黑体" panose="02010609060101010101" pitchFamily="49" charset="-122"/>
+                <a:ea typeface="黑体" panose="02010609060101010101" pitchFamily="49" charset="-122"/>
+              </a:endParaRPr>
             </a:p>
           </p:txBody>
         </p:sp>
       </p:grpSp>
       <p:sp>
         <p:nvSpPr>
-          <p:cNvPr id="17" name="Rectangle 16"/>
+          <p:cNvPr id="2" name="Rectangle 1"/>
           <p:cNvSpPr/>
           <p:nvPr/>
         </p:nvSpPr>
         <p:spPr>
-          <a:xfrm rot="16200000">
-            <a:off x="1187240" y="581218"/>
-            <a:ext cx="1512000" cy="1130400"/>
+          <a:xfrm>
+            <a:off x="4365979" y="4554254"/>
+            <a:ext cx="3600000" cy="2160000"/>
           </a:xfrm>
           <a:prstGeom prst="rect">
             <a:avLst/>
@@ -3458,15 +3426,15 @@
         </p:spPr>
         <p:style>
           <a:lnRef idx="2">
-            <a:schemeClr val="accent1">
+            <a:schemeClr val="accent2">
               <a:shade val="50000"/>
             </a:schemeClr>
           </a:lnRef>
           <a:fillRef idx="1">
-            <a:schemeClr val="accent1"/>
+            <a:schemeClr val="accent2"/>
           </a:fillRef>
           <a:effectRef idx="0">
-            <a:schemeClr val="accent1"/>
+            <a:schemeClr val="accent2"/>
           </a:effectRef>
           <a:fontRef idx="minor">
             <a:schemeClr val="lt1"/>
@@ -3477,20 +3445,93 @@
           <a:lstStyle/>
           <a:p>
             <a:pPr algn="ctr"/>
-            <a:endParaRPr lang="zh-CN" altLang="en-US"/>
-          </a:p>
-        </p:txBody>
-      </p:sp>
-      <p:sp>
-        <p:nvSpPr>
-          <p:cNvPr id="22" name="Rectangle 21"/>
+            <a:r>
+              <a:rPr lang="zh-CN" altLang="en-US" sz="2800" dirty="0" smtClean="0">
+                <a:latin typeface="黑体" panose="02010609060101010101" pitchFamily="49" charset="-122"/>
+                <a:ea typeface="黑体" panose="02010609060101010101" pitchFamily="49" charset="-122"/>
+              </a:rPr>
+              <a:t>自行车工坊</a:t>
+            </a:r>
+            <a:endParaRPr lang="en-US" altLang="zh-CN" sz="2800" dirty="0" smtClean="0">
+              <a:latin typeface="黑体" panose="02010609060101010101" pitchFamily="49" charset="-122"/>
+              <a:ea typeface="黑体" panose="02010609060101010101" pitchFamily="49" charset="-122"/>
+            </a:endParaRPr>
+          </a:p>
+          <a:p>
+            <a:pPr algn="ctr"/>
+            <a:r>
+              <a:rPr lang="en-US" altLang="zh-CN" sz="2800" dirty="0" smtClean="0">
+                <a:latin typeface="黑体" panose="02010609060101010101" pitchFamily="49" charset="-122"/>
+                <a:ea typeface="黑体" panose="02010609060101010101" pitchFamily="49" charset="-122"/>
+              </a:rPr>
+              <a:t>3m x 5m</a:t>
+            </a:r>
+            <a:endParaRPr lang="zh-CN" altLang="en-US" sz="2800" dirty="0">
+              <a:latin typeface="黑体" panose="02010609060101010101" pitchFamily="49" charset="-122"/>
+              <a:ea typeface="黑体" panose="02010609060101010101" pitchFamily="49" charset="-122"/>
+            </a:endParaRPr>
+          </a:p>
+        </p:txBody>
+      </p:sp>
+      <p:sp>
+        <p:nvSpPr>
+          <p:cNvPr id="3" name="TextBox 2"/>
+          <p:cNvSpPr txBox="1"/>
+          <p:nvPr/>
+        </p:nvSpPr>
+        <p:spPr>
+          <a:xfrm>
+            <a:off x="128373" y="414152"/>
+            <a:ext cx="1107996" cy="646331"/>
+          </a:xfrm>
+          <a:prstGeom prst="rect">
+            <a:avLst/>
+          </a:prstGeom>
+          <a:noFill/>
+        </p:spPr>
+        <p:txBody>
+          <a:bodyPr wrap="none" rtlCol="0">
+            <a:spAutoFit/>
+          </a:bodyPr>
+          <a:lstStyle/>
+          <a:p>
+            <a:r>
+              <a:rPr lang="zh-CN" altLang="en-US" dirty="0" smtClean="0">
+                <a:latin typeface="黑体" panose="02010609060101010101" pitchFamily="49" charset="-122"/>
+                <a:ea typeface="黑体" panose="02010609060101010101" pitchFamily="49" charset="-122"/>
+              </a:rPr>
+              <a:t>比例尺：</a:t>
+            </a:r>
+            <a:endParaRPr lang="en-US" altLang="zh-CN" dirty="0" smtClean="0">
+              <a:latin typeface="黑体" panose="02010609060101010101" pitchFamily="49" charset="-122"/>
+              <a:ea typeface="黑体" panose="02010609060101010101" pitchFamily="49" charset="-122"/>
+            </a:endParaRPr>
+          </a:p>
+          <a:p>
+            <a:r>
+              <a:rPr lang="en-US" altLang="zh-CN" dirty="0" smtClean="0">
+                <a:latin typeface="黑体" panose="02010609060101010101" pitchFamily="49" charset="-122"/>
+                <a:ea typeface="黑体" panose="02010609060101010101" pitchFamily="49" charset="-122"/>
+              </a:rPr>
+              <a:t>1:50</a:t>
+            </a:r>
+            <a:endParaRPr lang="zh-CN" altLang="en-US" dirty="0">
+              <a:latin typeface="黑体" panose="02010609060101010101" pitchFamily="49" charset="-122"/>
+              <a:ea typeface="黑体" panose="02010609060101010101" pitchFamily="49" charset="-122"/>
+            </a:endParaRPr>
+          </a:p>
+        </p:txBody>
+      </p:sp>
+      <p:sp>
+        <p:nvSpPr>
+          <p:cNvPr id="6" name="Rectangle 5"/>
           <p:cNvSpPr/>
           <p:nvPr/>
         </p:nvSpPr>
         <p:spPr>
-          <a:xfrm rot="16200000">
-            <a:off x="946040" y="3204608"/>
-            <a:ext cx="1512000" cy="648000"/>
+          <a:xfrm>
+            <a:off x="2745919" y="6642355"/>
+            <a:ext cx="1152000" cy="72000"/>
           </a:xfrm>
           <a:prstGeom prst="rect">
             <a:avLst/>
@@ -3498,18 +3539,16 @@
         </p:spPr>
         <p:style>
           <a:lnRef idx="2">
-            <a:schemeClr val="accent1">
-              <a:shade val="50000"/>
-            </a:schemeClr>
+            <a:schemeClr val="dk1"/>
           </a:lnRef>
           <a:fillRef idx="1">
-            <a:schemeClr val="accent1"/>
+            <a:schemeClr val="lt1"/>
           </a:fillRef>
           <a:effectRef idx="0">
-            <a:schemeClr val="accent1"/>
+            <a:schemeClr val="dk1"/>
           </a:effectRef>
           <a:fontRef idx="minor">
-            <a:schemeClr val="lt1"/>
+            <a:schemeClr val="dk1"/>
           </a:fontRef>
         </p:style>
         <p:txBody>
@@ -3517,20 +3556,23 @@
           <a:lstStyle/>
           <a:p>
             <a:pPr algn="ctr"/>
-            <a:endParaRPr lang="zh-CN" altLang="en-US"/>
-          </a:p>
-        </p:txBody>
-      </p:sp>
-      <p:sp>
-        <p:nvSpPr>
-          <p:cNvPr id="23" name="Rectangle 22"/>
+            <a:endParaRPr lang="zh-CN" altLang="en-US">
+              <a:latin typeface="黑体" panose="02010609060101010101" pitchFamily="49" charset="-122"/>
+              <a:ea typeface="黑体" panose="02010609060101010101" pitchFamily="49" charset="-122"/>
+            </a:endParaRPr>
+          </a:p>
+        </p:txBody>
+      </p:sp>
+      <p:sp>
+        <p:nvSpPr>
+          <p:cNvPr id="25" name="Rectangle 24"/>
           <p:cNvSpPr/>
           <p:nvPr/>
         </p:nvSpPr>
         <p:spPr>
           <a:xfrm>
-            <a:off x="4540641" y="90152"/>
-            <a:ext cx="1512000" cy="648000"/>
+            <a:off x="8434040" y="6642355"/>
+            <a:ext cx="1152000" cy="72000"/>
           </a:xfrm>
           <a:prstGeom prst="rect">
             <a:avLst/>
@@ -3538,18 +3580,16 @@
         </p:spPr>
         <p:style>
           <a:lnRef idx="2">
-            <a:schemeClr val="accent1">
-              <a:shade val="50000"/>
-            </a:schemeClr>
+            <a:schemeClr val="dk1"/>
           </a:lnRef>
           <a:fillRef idx="1">
-            <a:schemeClr val="accent1"/>
+            <a:schemeClr val="lt1"/>
           </a:fillRef>
           <a:effectRef idx="0">
-            <a:schemeClr val="accent1"/>
+            <a:schemeClr val="dk1"/>
           </a:effectRef>
           <a:fontRef idx="minor">
-            <a:schemeClr val="lt1"/>
+            <a:schemeClr val="dk1"/>
           </a:fontRef>
         </p:style>
         <p:txBody>
@@ -3557,10 +3597,901 @@
           <a:lstStyle/>
           <a:p>
             <a:pPr algn="ctr"/>
-            <a:endParaRPr lang="zh-CN" altLang="en-US"/>
-          </a:p>
-        </p:txBody>
-      </p:sp>
+            <a:endParaRPr lang="zh-CN" altLang="en-US">
+              <a:latin typeface="黑体" panose="02010609060101010101" pitchFamily="49" charset="-122"/>
+              <a:ea typeface="黑体" panose="02010609060101010101" pitchFamily="49" charset="-122"/>
+            </a:endParaRPr>
+          </a:p>
+        </p:txBody>
+      </p:sp>
+      <p:sp>
+        <p:nvSpPr>
+          <p:cNvPr id="28" name="Rectangle 27"/>
+          <p:cNvSpPr/>
+          <p:nvPr/>
+        </p:nvSpPr>
+        <p:spPr>
+          <a:xfrm rot="16200000">
+            <a:off x="1691242" y="540889"/>
+            <a:ext cx="864000" cy="720000"/>
+          </a:xfrm>
+          <a:prstGeom prst="rect">
+            <a:avLst/>
+          </a:prstGeom>
+        </p:spPr>
+        <p:style>
+          <a:lnRef idx="2">
+            <a:schemeClr val="dk1"/>
+          </a:lnRef>
+          <a:fillRef idx="1">
+            <a:schemeClr val="lt1"/>
+          </a:fillRef>
+          <a:effectRef idx="0">
+            <a:schemeClr val="dk1"/>
+          </a:effectRef>
+          <a:fontRef idx="minor">
+            <a:schemeClr val="dk1"/>
+          </a:fontRef>
+        </p:style>
+        <p:txBody>
+          <a:bodyPr rtlCol="0" anchor="ctr"/>
+          <a:lstStyle/>
+          <a:p>
+            <a:pPr algn="ctr"/>
+            <a:r>
+              <a:rPr lang="zh-CN" altLang="en-US" dirty="0">
+                <a:latin typeface="黑体" panose="02010609060101010101" pitchFamily="49" charset="-122"/>
+                <a:ea typeface="黑体" panose="02010609060101010101" pitchFamily="49" charset="-122"/>
+              </a:rPr>
+              <a:t>激光切割</a:t>
+            </a:r>
+            <a:endParaRPr lang="zh-CN" altLang="en-US" dirty="0">
+              <a:latin typeface="黑体" panose="02010609060101010101" pitchFamily="49" charset="-122"/>
+              <a:ea typeface="黑体" panose="02010609060101010101" pitchFamily="49" charset="-122"/>
+            </a:endParaRPr>
+          </a:p>
+        </p:txBody>
+      </p:sp>
+      <p:sp>
+        <p:nvSpPr>
+          <p:cNvPr id="29" name="Rectangle 28"/>
+          <p:cNvSpPr/>
+          <p:nvPr/>
+        </p:nvSpPr>
+        <p:spPr>
+          <a:xfrm rot="16200000">
+            <a:off x="1691242" y="5113571"/>
+            <a:ext cx="864000" cy="720000"/>
+          </a:xfrm>
+          <a:prstGeom prst="rect">
+            <a:avLst/>
+          </a:prstGeom>
+        </p:spPr>
+        <p:style>
+          <a:lnRef idx="2">
+            <a:schemeClr val="dk1"/>
+          </a:lnRef>
+          <a:fillRef idx="1">
+            <a:schemeClr val="lt1"/>
+          </a:fillRef>
+          <a:effectRef idx="0">
+            <a:schemeClr val="dk1"/>
+          </a:effectRef>
+          <a:fontRef idx="minor">
+            <a:schemeClr val="dk1"/>
+          </a:fontRef>
+        </p:style>
+        <p:txBody>
+          <a:bodyPr rtlCol="0" anchor="ctr"/>
+          <a:lstStyle/>
+          <a:p>
+            <a:pPr algn="ctr"/>
+            <a:r>
+              <a:rPr lang="zh-CN" altLang="en-US" dirty="0">
+                <a:latin typeface="黑体" panose="02010609060101010101" pitchFamily="49" charset="-122"/>
+                <a:ea typeface="黑体" panose="02010609060101010101" pitchFamily="49" charset="-122"/>
+              </a:rPr>
+              <a:t>激光切割</a:t>
+            </a:r>
+            <a:endParaRPr lang="zh-CN" altLang="en-US" dirty="0">
+              <a:latin typeface="黑体" panose="02010609060101010101" pitchFamily="49" charset="-122"/>
+              <a:ea typeface="黑体" panose="02010609060101010101" pitchFamily="49" charset="-122"/>
+            </a:endParaRPr>
+          </a:p>
+        </p:txBody>
+      </p:sp>
+      <p:sp>
+        <p:nvSpPr>
+          <p:cNvPr id="30" name="Rectangle 29"/>
+          <p:cNvSpPr/>
+          <p:nvPr/>
+        </p:nvSpPr>
+        <p:spPr>
+          <a:xfrm rot="16200000">
+            <a:off x="1691242" y="3440991"/>
+            <a:ext cx="864000" cy="720000"/>
+          </a:xfrm>
+          <a:prstGeom prst="rect">
+            <a:avLst/>
+          </a:prstGeom>
+        </p:spPr>
+        <p:style>
+          <a:lnRef idx="2">
+            <a:schemeClr val="dk1"/>
+          </a:lnRef>
+          <a:fillRef idx="1">
+            <a:schemeClr val="lt1"/>
+          </a:fillRef>
+          <a:effectRef idx="0">
+            <a:schemeClr val="dk1"/>
+          </a:effectRef>
+          <a:fontRef idx="minor">
+            <a:schemeClr val="dk1"/>
+          </a:fontRef>
+        </p:style>
+        <p:txBody>
+          <a:bodyPr rtlCol="0" anchor="ctr"/>
+          <a:lstStyle/>
+          <a:p>
+            <a:pPr algn="ctr"/>
+            <a:r>
+              <a:rPr lang="zh-CN" altLang="en-US" dirty="0">
+                <a:latin typeface="黑体" panose="02010609060101010101" pitchFamily="49" charset="-122"/>
+                <a:ea typeface="黑体" panose="02010609060101010101" pitchFamily="49" charset="-122"/>
+              </a:rPr>
+              <a:t>激光切割</a:t>
+            </a:r>
+            <a:endParaRPr lang="zh-CN" altLang="en-US" dirty="0">
+              <a:latin typeface="黑体" panose="02010609060101010101" pitchFamily="49" charset="-122"/>
+              <a:ea typeface="黑体" panose="02010609060101010101" pitchFamily="49" charset="-122"/>
+            </a:endParaRPr>
+          </a:p>
+        </p:txBody>
+      </p:sp>
+      <p:sp>
+        <p:nvSpPr>
+          <p:cNvPr id="31" name="Rectangle 30"/>
+          <p:cNvSpPr/>
+          <p:nvPr/>
+        </p:nvSpPr>
+        <p:spPr>
+          <a:xfrm rot="16200000">
+            <a:off x="1121984" y="2062939"/>
+            <a:ext cx="1080000" cy="576000"/>
+          </a:xfrm>
+          <a:prstGeom prst="rect">
+            <a:avLst/>
+          </a:prstGeom>
+        </p:spPr>
+        <p:style>
+          <a:lnRef idx="2">
+            <a:schemeClr val="dk1"/>
+          </a:lnRef>
+          <a:fillRef idx="1">
+            <a:schemeClr val="lt1"/>
+          </a:fillRef>
+          <a:effectRef idx="0">
+            <a:schemeClr val="dk1"/>
+          </a:effectRef>
+          <a:fontRef idx="minor">
+            <a:schemeClr val="dk1"/>
+          </a:fontRef>
+        </p:style>
+        <p:txBody>
+          <a:bodyPr rtlCol="0" anchor="ctr"/>
+          <a:lstStyle/>
+          <a:p>
+            <a:pPr algn="ctr"/>
+            <a:r>
+              <a:rPr lang="zh-CN" altLang="en-US" dirty="0" smtClean="0">
+                <a:latin typeface="黑体" panose="02010609060101010101" pitchFamily="49" charset="-122"/>
+                <a:ea typeface="黑体" panose="02010609060101010101" pitchFamily="49" charset="-122"/>
+              </a:rPr>
+              <a:t>电脑桌</a:t>
+            </a:r>
+            <a:endParaRPr lang="en-US" altLang="zh-CN" dirty="0" smtClean="0">
+              <a:latin typeface="黑体" panose="02010609060101010101" pitchFamily="49" charset="-122"/>
+              <a:ea typeface="黑体" panose="02010609060101010101" pitchFamily="49" charset="-122"/>
+            </a:endParaRPr>
+          </a:p>
+        </p:txBody>
+      </p:sp>
+      <p:cxnSp>
+        <p:nvCxnSpPr>
+          <p:cNvPr id="18" name="Elbow Connector 17"/>
+          <p:cNvCxnSpPr>
+            <a:stCxn id="28" idx="0"/>
+            <a:endCxn id="31" idx="3"/>
+          </p:cNvCxnSpPr>
+          <p:nvPr/>
+        </p:nvCxnSpPr>
+        <p:spPr>
+          <a:xfrm rot="10800000" flipV="1">
+            <a:off x="1661984" y="900889"/>
+            <a:ext cx="101258" cy="910050"/>
+          </a:xfrm>
+          <a:prstGeom prst="bentConnector2">
+            <a:avLst/>
+          </a:prstGeom>
+        </p:spPr>
+        <p:style>
+          <a:lnRef idx="2">
+            <a:schemeClr val="dk1"/>
+          </a:lnRef>
+          <a:fillRef idx="1">
+            <a:schemeClr val="lt1"/>
+          </a:fillRef>
+          <a:effectRef idx="0">
+            <a:schemeClr val="dk1"/>
+          </a:effectRef>
+          <a:fontRef idx="minor">
+            <a:schemeClr val="dk1"/>
+          </a:fontRef>
+        </p:style>
+      </p:cxnSp>
+      <p:cxnSp>
+        <p:nvCxnSpPr>
+          <p:cNvPr id="32" name="Elbow Connector 31"/>
+          <p:cNvCxnSpPr>
+            <a:stCxn id="29" idx="0"/>
+            <a:endCxn id="31" idx="1"/>
+          </p:cNvCxnSpPr>
+          <p:nvPr/>
+        </p:nvCxnSpPr>
+        <p:spPr>
+          <a:xfrm rot="10800000">
+            <a:off x="1661984" y="2890939"/>
+            <a:ext cx="101258" cy="2582632"/>
+          </a:xfrm>
+          <a:prstGeom prst="bentConnector2">
+            <a:avLst/>
+          </a:prstGeom>
+        </p:spPr>
+        <p:style>
+          <a:lnRef idx="2">
+            <a:schemeClr val="dk1"/>
+          </a:lnRef>
+          <a:fillRef idx="1">
+            <a:schemeClr val="lt1"/>
+          </a:fillRef>
+          <a:effectRef idx="0">
+            <a:schemeClr val="dk1"/>
+          </a:effectRef>
+          <a:fontRef idx="minor">
+            <a:schemeClr val="dk1"/>
+          </a:fontRef>
+        </p:style>
+      </p:cxnSp>
+      <p:cxnSp>
+        <p:nvCxnSpPr>
+          <p:cNvPr id="33" name="Elbow Connector 32"/>
+          <p:cNvCxnSpPr>
+            <a:stCxn id="30" idx="0"/>
+            <a:endCxn id="31" idx="1"/>
+          </p:cNvCxnSpPr>
+          <p:nvPr/>
+        </p:nvCxnSpPr>
+        <p:spPr>
+          <a:xfrm rot="10800000">
+            <a:off x="1661984" y="2890939"/>
+            <a:ext cx="101258" cy="910052"/>
+          </a:xfrm>
+          <a:prstGeom prst="bentConnector2">
+            <a:avLst/>
+          </a:prstGeom>
+        </p:spPr>
+        <p:style>
+          <a:lnRef idx="2">
+            <a:schemeClr val="dk1"/>
+          </a:lnRef>
+          <a:fillRef idx="1">
+            <a:schemeClr val="lt1"/>
+          </a:fillRef>
+          <a:effectRef idx="0">
+            <a:schemeClr val="dk1"/>
+          </a:effectRef>
+          <a:fontRef idx="minor">
+            <a:schemeClr val="dk1"/>
+          </a:fontRef>
+        </p:style>
+      </p:cxnSp>
+      <p:sp>
+        <p:nvSpPr>
+          <p:cNvPr id="39" name="Rectangle 38"/>
+          <p:cNvSpPr/>
+          <p:nvPr/>
+        </p:nvSpPr>
+        <p:spPr>
+          <a:xfrm rot="5400000">
+            <a:off x="8285984" y="1098152"/>
+            <a:ext cx="576000" cy="576000"/>
+          </a:xfrm>
+          <a:prstGeom prst="rect">
+            <a:avLst/>
+          </a:prstGeom>
+        </p:spPr>
+        <p:style>
+          <a:lnRef idx="2">
+            <a:schemeClr val="dk1"/>
+          </a:lnRef>
+          <a:fillRef idx="1">
+            <a:schemeClr val="lt1"/>
+          </a:fillRef>
+          <a:effectRef idx="0">
+            <a:schemeClr val="dk1"/>
+          </a:effectRef>
+          <a:fontRef idx="minor">
+            <a:schemeClr val="dk1"/>
+          </a:fontRef>
+        </p:style>
+        <p:txBody>
+          <a:bodyPr rtlCol="0" anchor="ctr"/>
+          <a:lstStyle/>
+          <a:p>
+            <a:pPr algn="ctr"/>
+            <a:r>
+              <a:rPr lang="en-US" altLang="zh-CN" sz="1400" dirty="0" smtClean="0">
+                <a:solidFill>
+                  <a:schemeClr val="dk1"/>
+                </a:solidFill>
+                <a:latin typeface="黑体" panose="02010609060101010101" pitchFamily="49" charset="-122"/>
+                <a:ea typeface="黑体" panose="02010609060101010101" pitchFamily="49" charset="-122"/>
+              </a:rPr>
+              <a:t>3D</a:t>
+            </a:r>
+          </a:p>
+          <a:p>
+            <a:pPr algn="ctr"/>
+            <a:r>
+              <a:rPr lang="zh-CN" altLang="en-US" sz="1400" dirty="0" smtClean="0">
+                <a:solidFill>
+                  <a:schemeClr val="dk1"/>
+                </a:solidFill>
+                <a:latin typeface="黑体" panose="02010609060101010101" pitchFamily="49" charset="-122"/>
+                <a:ea typeface="黑体" panose="02010609060101010101" pitchFamily="49" charset="-122"/>
+              </a:rPr>
+              <a:t>打印</a:t>
+            </a:r>
+            <a:endParaRPr lang="zh-CN" altLang="en-US" sz="1400" dirty="0">
+              <a:solidFill>
+                <a:schemeClr val="dk1"/>
+              </a:solidFill>
+              <a:latin typeface="黑体" panose="02010609060101010101" pitchFamily="49" charset="-122"/>
+              <a:ea typeface="黑体" panose="02010609060101010101" pitchFamily="49" charset="-122"/>
+            </a:endParaRPr>
+          </a:p>
+        </p:txBody>
+      </p:sp>
+      <p:sp>
+        <p:nvSpPr>
+          <p:cNvPr id="40" name="Rectangle 39"/>
+          <p:cNvSpPr/>
+          <p:nvPr/>
+        </p:nvSpPr>
+        <p:spPr>
+          <a:xfrm rot="5400000">
+            <a:off x="8285984" y="1837738"/>
+            <a:ext cx="576000" cy="576000"/>
+          </a:xfrm>
+          <a:prstGeom prst="rect">
+            <a:avLst/>
+          </a:prstGeom>
+        </p:spPr>
+        <p:style>
+          <a:lnRef idx="2">
+            <a:schemeClr val="dk1"/>
+          </a:lnRef>
+          <a:fillRef idx="1">
+            <a:schemeClr val="lt1"/>
+          </a:fillRef>
+          <a:effectRef idx="0">
+            <a:schemeClr val="dk1"/>
+          </a:effectRef>
+          <a:fontRef idx="minor">
+            <a:schemeClr val="dk1"/>
+          </a:fontRef>
+        </p:style>
+        <p:txBody>
+          <a:bodyPr rtlCol="0" anchor="ctr"/>
+          <a:lstStyle/>
+          <a:p>
+            <a:pPr algn="ctr"/>
+            <a:r>
+              <a:rPr lang="en-US" altLang="zh-CN" sz="1400" dirty="0" smtClean="0">
+                <a:solidFill>
+                  <a:schemeClr val="dk1"/>
+                </a:solidFill>
+                <a:latin typeface="黑体" panose="02010609060101010101" pitchFamily="49" charset="-122"/>
+                <a:ea typeface="黑体" panose="02010609060101010101" pitchFamily="49" charset="-122"/>
+              </a:rPr>
+              <a:t>3D</a:t>
+            </a:r>
+          </a:p>
+          <a:p>
+            <a:pPr algn="ctr"/>
+            <a:r>
+              <a:rPr lang="zh-CN" altLang="en-US" sz="1400" dirty="0" smtClean="0">
+                <a:solidFill>
+                  <a:schemeClr val="dk1"/>
+                </a:solidFill>
+                <a:latin typeface="黑体" panose="02010609060101010101" pitchFamily="49" charset="-122"/>
+                <a:ea typeface="黑体" panose="02010609060101010101" pitchFamily="49" charset="-122"/>
+              </a:rPr>
+              <a:t>打印</a:t>
+            </a:r>
+            <a:endParaRPr lang="zh-CN" altLang="en-US" sz="1400" dirty="0">
+              <a:solidFill>
+                <a:schemeClr val="dk1"/>
+              </a:solidFill>
+              <a:latin typeface="黑体" panose="02010609060101010101" pitchFamily="49" charset="-122"/>
+              <a:ea typeface="黑体" panose="02010609060101010101" pitchFamily="49" charset="-122"/>
+            </a:endParaRPr>
+          </a:p>
+        </p:txBody>
+      </p:sp>
+      <p:sp>
+        <p:nvSpPr>
+          <p:cNvPr id="41" name="Rectangle 40"/>
+          <p:cNvSpPr/>
+          <p:nvPr/>
+        </p:nvSpPr>
+        <p:spPr>
+          <a:xfrm rot="5400000">
+            <a:off x="8537984" y="504889"/>
+            <a:ext cx="720000" cy="72000"/>
+          </a:xfrm>
+          <a:prstGeom prst="rect">
+            <a:avLst/>
+          </a:prstGeom>
+        </p:spPr>
+        <p:style>
+          <a:lnRef idx="2">
+            <a:schemeClr val="dk1"/>
+          </a:lnRef>
+          <a:fillRef idx="1">
+            <a:schemeClr val="lt1"/>
+          </a:fillRef>
+          <a:effectRef idx="0">
+            <a:schemeClr val="dk1"/>
+          </a:effectRef>
+          <a:fontRef idx="minor">
+            <a:schemeClr val="dk1"/>
+          </a:fontRef>
+        </p:style>
+        <p:txBody>
+          <a:bodyPr rtlCol="0" anchor="ctr"/>
+          <a:lstStyle/>
+          <a:p>
+            <a:pPr algn="ctr"/>
+            <a:endParaRPr lang="zh-CN" altLang="en-US">
+              <a:latin typeface="黑体" panose="02010609060101010101" pitchFamily="49" charset="-122"/>
+              <a:ea typeface="黑体" panose="02010609060101010101" pitchFamily="49" charset="-122"/>
+            </a:endParaRPr>
+          </a:p>
+        </p:txBody>
+      </p:sp>
+      <p:sp>
+        <p:nvSpPr>
+          <p:cNvPr id="42" name="Rectangle 41"/>
+          <p:cNvSpPr/>
+          <p:nvPr/>
+        </p:nvSpPr>
+        <p:spPr>
+          <a:xfrm rot="5400000">
+            <a:off x="8285984" y="2573332"/>
+            <a:ext cx="576000" cy="576000"/>
+          </a:xfrm>
+          <a:prstGeom prst="rect">
+            <a:avLst/>
+          </a:prstGeom>
+        </p:spPr>
+        <p:style>
+          <a:lnRef idx="2">
+            <a:schemeClr val="dk1"/>
+          </a:lnRef>
+          <a:fillRef idx="1">
+            <a:schemeClr val="lt1"/>
+          </a:fillRef>
+          <a:effectRef idx="0">
+            <a:schemeClr val="dk1"/>
+          </a:effectRef>
+          <a:fontRef idx="minor">
+            <a:schemeClr val="dk1"/>
+          </a:fontRef>
+        </p:style>
+        <p:txBody>
+          <a:bodyPr rtlCol="0" anchor="ctr"/>
+          <a:lstStyle/>
+          <a:p>
+            <a:pPr algn="ctr"/>
+            <a:r>
+              <a:rPr lang="en-US" altLang="zh-CN" sz="1400" dirty="0" smtClean="0">
+                <a:solidFill>
+                  <a:schemeClr val="dk1"/>
+                </a:solidFill>
+                <a:latin typeface="黑体" panose="02010609060101010101" pitchFamily="49" charset="-122"/>
+                <a:ea typeface="黑体" panose="02010609060101010101" pitchFamily="49" charset="-122"/>
+              </a:rPr>
+              <a:t>3D</a:t>
+            </a:r>
+          </a:p>
+          <a:p>
+            <a:pPr algn="ctr"/>
+            <a:r>
+              <a:rPr lang="zh-CN" altLang="en-US" sz="1400" dirty="0" smtClean="0">
+                <a:solidFill>
+                  <a:schemeClr val="dk1"/>
+                </a:solidFill>
+                <a:latin typeface="黑体" panose="02010609060101010101" pitchFamily="49" charset="-122"/>
+                <a:ea typeface="黑体" panose="02010609060101010101" pitchFamily="49" charset="-122"/>
+              </a:rPr>
+              <a:t>打印</a:t>
+            </a:r>
+            <a:endParaRPr lang="zh-CN" altLang="en-US" sz="1400" dirty="0">
+              <a:solidFill>
+                <a:schemeClr val="dk1"/>
+              </a:solidFill>
+              <a:latin typeface="黑体" panose="02010609060101010101" pitchFamily="49" charset="-122"/>
+              <a:ea typeface="黑体" panose="02010609060101010101" pitchFamily="49" charset="-122"/>
+            </a:endParaRPr>
+          </a:p>
+        </p:txBody>
+      </p:sp>
+      <p:sp>
+        <p:nvSpPr>
+          <p:cNvPr id="46" name="Rectangle 45"/>
+          <p:cNvSpPr/>
+          <p:nvPr/>
+        </p:nvSpPr>
+        <p:spPr>
+          <a:xfrm>
+            <a:off x="4638482" y="89949"/>
+            <a:ext cx="1080000" cy="576000"/>
+          </a:xfrm>
+          <a:prstGeom prst="rect">
+            <a:avLst/>
+          </a:prstGeom>
+        </p:spPr>
+        <p:style>
+          <a:lnRef idx="2">
+            <a:schemeClr val="dk1"/>
+          </a:lnRef>
+          <a:fillRef idx="1">
+            <a:schemeClr val="lt1"/>
+          </a:fillRef>
+          <a:effectRef idx="0">
+            <a:schemeClr val="dk1"/>
+          </a:effectRef>
+          <a:fontRef idx="minor">
+            <a:schemeClr val="dk1"/>
+          </a:fontRef>
+        </p:style>
+        <p:txBody>
+          <a:bodyPr rtlCol="0" anchor="ctr"/>
+          <a:lstStyle/>
+          <a:p>
+            <a:pPr algn="ctr"/>
+            <a:r>
+              <a:rPr lang="zh-CN" altLang="en-US" dirty="0">
+                <a:latin typeface="黑体" panose="02010609060101010101" pitchFamily="49" charset="-122"/>
+                <a:ea typeface="黑体" panose="02010609060101010101" pitchFamily="49" charset="-122"/>
+              </a:rPr>
+              <a:t>办公桌</a:t>
+            </a:r>
+            <a:endParaRPr lang="en-US" altLang="zh-CN" dirty="0" smtClean="0">
+              <a:latin typeface="黑体" panose="02010609060101010101" pitchFamily="49" charset="-122"/>
+              <a:ea typeface="黑体" panose="02010609060101010101" pitchFamily="49" charset="-122"/>
+            </a:endParaRPr>
+          </a:p>
+        </p:txBody>
+      </p:sp>
+      <p:sp>
+        <p:nvSpPr>
+          <p:cNvPr id="48" name="Rectangle 47"/>
+          <p:cNvSpPr/>
+          <p:nvPr/>
+        </p:nvSpPr>
+        <p:spPr>
+          <a:xfrm>
+            <a:off x="5810036" y="6491610"/>
+            <a:ext cx="2160000" cy="216000"/>
+          </a:xfrm>
+          <a:prstGeom prst="rect">
+            <a:avLst/>
+          </a:prstGeom>
+        </p:spPr>
+        <p:style>
+          <a:lnRef idx="2">
+            <a:schemeClr val="dk1"/>
+          </a:lnRef>
+          <a:fillRef idx="1">
+            <a:schemeClr val="lt1"/>
+          </a:fillRef>
+          <a:effectRef idx="0">
+            <a:schemeClr val="dk1"/>
+          </a:effectRef>
+          <a:fontRef idx="minor">
+            <a:schemeClr val="dk1"/>
+          </a:fontRef>
+        </p:style>
+        <p:txBody>
+          <a:bodyPr rtlCol="0" anchor="ctr"/>
+          <a:lstStyle/>
+          <a:p>
+            <a:pPr algn="ctr"/>
+            <a:r>
+              <a:rPr lang="zh-CN" altLang="en-US" dirty="0" smtClean="0">
+                <a:latin typeface="黑体" panose="02010609060101010101" pitchFamily="49" charset="-122"/>
+                <a:ea typeface="黑体" panose="02010609060101010101" pitchFamily="49" charset="-122"/>
+              </a:rPr>
+              <a:t>自行车展架</a:t>
+            </a:r>
+            <a:endParaRPr lang="en-US" altLang="zh-CN" dirty="0" smtClean="0">
+              <a:latin typeface="黑体" panose="02010609060101010101" pitchFamily="49" charset="-122"/>
+              <a:ea typeface="黑体" panose="02010609060101010101" pitchFamily="49" charset="-122"/>
+            </a:endParaRPr>
+          </a:p>
+        </p:txBody>
+      </p:sp>
+      <p:sp>
+        <p:nvSpPr>
+          <p:cNvPr id="49" name="Rectangle 48"/>
+          <p:cNvSpPr/>
+          <p:nvPr/>
+        </p:nvSpPr>
+        <p:spPr>
+          <a:xfrm>
+            <a:off x="4361922" y="6491610"/>
+            <a:ext cx="1440000" cy="216000"/>
+          </a:xfrm>
+          <a:prstGeom prst="rect">
+            <a:avLst/>
+          </a:prstGeom>
+        </p:spPr>
+        <p:style>
+          <a:lnRef idx="2">
+            <a:schemeClr val="dk1"/>
+          </a:lnRef>
+          <a:fillRef idx="1">
+            <a:schemeClr val="lt1"/>
+          </a:fillRef>
+          <a:effectRef idx="0">
+            <a:schemeClr val="dk1"/>
+          </a:effectRef>
+          <a:fontRef idx="minor">
+            <a:schemeClr val="dk1"/>
+          </a:fontRef>
+        </p:style>
+        <p:txBody>
+          <a:bodyPr rtlCol="0" anchor="ctr"/>
+          <a:lstStyle/>
+          <a:p>
+            <a:pPr algn="ctr"/>
+            <a:r>
+              <a:rPr lang="zh-CN" altLang="en-US" dirty="0">
+                <a:latin typeface="黑体" panose="02010609060101010101" pitchFamily="49" charset="-122"/>
+                <a:ea typeface="黑体" panose="02010609060101010101" pitchFamily="49" charset="-122"/>
+              </a:rPr>
+              <a:t>工具</a:t>
+            </a:r>
+            <a:r>
+              <a:rPr lang="zh-CN" altLang="en-US" dirty="0" smtClean="0">
+                <a:latin typeface="黑体" panose="02010609060101010101" pitchFamily="49" charset="-122"/>
+                <a:ea typeface="黑体" panose="02010609060101010101" pitchFamily="49" charset="-122"/>
+              </a:rPr>
+              <a:t>架</a:t>
+            </a:r>
+            <a:endParaRPr lang="en-US" altLang="zh-CN" dirty="0" smtClean="0">
+              <a:latin typeface="黑体" panose="02010609060101010101" pitchFamily="49" charset="-122"/>
+              <a:ea typeface="黑体" panose="02010609060101010101" pitchFamily="49" charset="-122"/>
+            </a:endParaRPr>
+          </a:p>
+        </p:txBody>
+      </p:sp>
+      <p:sp>
+        <p:nvSpPr>
+          <p:cNvPr id="50" name="Rectangle 49"/>
+          <p:cNvSpPr/>
+          <p:nvPr/>
+        </p:nvSpPr>
+        <p:spPr>
+          <a:xfrm>
+            <a:off x="5945406" y="89949"/>
+            <a:ext cx="1080000" cy="576000"/>
+          </a:xfrm>
+          <a:prstGeom prst="rect">
+            <a:avLst/>
+          </a:prstGeom>
+        </p:spPr>
+        <p:style>
+          <a:lnRef idx="2">
+            <a:schemeClr val="dk1"/>
+          </a:lnRef>
+          <a:fillRef idx="1">
+            <a:schemeClr val="lt1"/>
+          </a:fillRef>
+          <a:effectRef idx="0">
+            <a:schemeClr val="dk1"/>
+          </a:effectRef>
+          <a:fontRef idx="minor">
+            <a:schemeClr val="dk1"/>
+          </a:fontRef>
+        </p:style>
+        <p:txBody>
+          <a:bodyPr rtlCol="0" anchor="ctr"/>
+          <a:lstStyle/>
+          <a:p>
+            <a:pPr algn="ctr"/>
+            <a:r>
+              <a:rPr lang="zh-CN" altLang="en-US" dirty="0" smtClean="0">
+                <a:latin typeface="黑体" panose="02010609060101010101" pitchFamily="49" charset="-122"/>
+                <a:ea typeface="黑体" panose="02010609060101010101" pitchFamily="49" charset="-122"/>
+              </a:rPr>
+              <a:t>工具柜</a:t>
+            </a:r>
+            <a:endParaRPr lang="en-US" altLang="zh-CN" dirty="0" smtClean="0">
+              <a:latin typeface="黑体" panose="02010609060101010101" pitchFamily="49" charset="-122"/>
+              <a:ea typeface="黑体" panose="02010609060101010101" pitchFamily="49" charset="-122"/>
+            </a:endParaRPr>
+          </a:p>
+        </p:txBody>
+      </p:sp>
+      <p:sp>
+        <p:nvSpPr>
+          <p:cNvPr id="51" name="Rectangle 50"/>
+          <p:cNvSpPr/>
+          <p:nvPr/>
+        </p:nvSpPr>
+        <p:spPr>
+          <a:xfrm>
+            <a:off x="3331559" y="89949"/>
+            <a:ext cx="1080000" cy="576000"/>
+          </a:xfrm>
+          <a:prstGeom prst="rect">
+            <a:avLst/>
+          </a:prstGeom>
+        </p:spPr>
+        <p:style>
+          <a:lnRef idx="2">
+            <a:schemeClr val="dk1"/>
+          </a:lnRef>
+          <a:fillRef idx="1">
+            <a:schemeClr val="lt1"/>
+          </a:fillRef>
+          <a:effectRef idx="0">
+            <a:schemeClr val="dk1"/>
+          </a:effectRef>
+          <a:fontRef idx="minor">
+            <a:schemeClr val="dk1"/>
+          </a:fontRef>
+        </p:style>
+        <p:txBody>
+          <a:bodyPr rtlCol="0" anchor="ctr"/>
+          <a:lstStyle/>
+          <a:p>
+            <a:pPr algn="ctr"/>
+            <a:r>
+              <a:rPr lang="zh-CN" altLang="en-US" dirty="0" smtClean="0">
+                <a:latin typeface="黑体" panose="02010609060101010101" pitchFamily="49" charset="-122"/>
+                <a:ea typeface="黑体" panose="02010609060101010101" pitchFamily="49" charset="-122"/>
+              </a:rPr>
+              <a:t>工具柜</a:t>
+            </a:r>
+            <a:endParaRPr lang="en-US" altLang="zh-CN" dirty="0" smtClean="0">
+              <a:latin typeface="黑体" panose="02010609060101010101" pitchFamily="49" charset="-122"/>
+              <a:ea typeface="黑体" panose="02010609060101010101" pitchFamily="49" charset="-122"/>
+            </a:endParaRPr>
+          </a:p>
+        </p:txBody>
+      </p:sp>
+      <p:cxnSp>
+        <p:nvCxnSpPr>
+          <p:cNvPr id="53" name="Elbow Connector 52"/>
+          <p:cNvCxnSpPr>
+            <a:stCxn id="39" idx="0"/>
+            <a:endCxn id="46" idx="0"/>
+          </p:cNvCxnSpPr>
+          <p:nvPr/>
+        </p:nvCxnSpPr>
+        <p:spPr>
+          <a:xfrm flipH="1" flipV="1">
+            <a:off x="5178482" y="89949"/>
+            <a:ext cx="3683502" cy="1296203"/>
+          </a:xfrm>
+          <a:prstGeom prst="bentConnector4">
+            <a:avLst>
+              <a:gd name="adj1" fmla="val -6206"/>
+              <a:gd name="adj2" fmla="val 117636"/>
+            </a:avLst>
+          </a:prstGeom>
+        </p:spPr>
+        <p:style>
+          <a:lnRef idx="2">
+            <a:schemeClr val="dk1"/>
+          </a:lnRef>
+          <a:fillRef idx="1">
+            <a:schemeClr val="lt1"/>
+          </a:fillRef>
+          <a:effectRef idx="0">
+            <a:schemeClr val="dk1"/>
+          </a:effectRef>
+          <a:fontRef idx="minor">
+            <a:schemeClr val="dk1"/>
+          </a:fontRef>
+        </p:style>
+      </p:cxnSp>
+      <p:cxnSp>
+        <p:nvCxnSpPr>
+          <p:cNvPr id="54" name="Elbow Connector 53"/>
+          <p:cNvCxnSpPr>
+            <a:stCxn id="42" idx="0"/>
+            <a:endCxn id="46" idx="0"/>
+          </p:cNvCxnSpPr>
+          <p:nvPr/>
+        </p:nvCxnSpPr>
+        <p:spPr>
+          <a:xfrm flipH="1" flipV="1">
+            <a:off x="5178482" y="89949"/>
+            <a:ext cx="3683502" cy="2771383"/>
+          </a:xfrm>
+          <a:prstGeom prst="bentConnector4">
+            <a:avLst>
+              <a:gd name="adj1" fmla="val -6206"/>
+              <a:gd name="adj2" fmla="val 108249"/>
+            </a:avLst>
+          </a:prstGeom>
+        </p:spPr>
+        <p:style>
+          <a:lnRef idx="2">
+            <a:schemeClr val="dk1"/>
+          </a:lnRef>
+          <a:fillRef idx="1">
+            <a:schemeClr val="lt1"/>
+          </a:fillRef>
+          <a:effectRef idx="0">
+            <a:schemeClr val="dk1"/>
+          </a:effectRef>
+          <a:fontRef idx="minor">
+            <a:schemeClr val="dk1"/>
+          </a:fontRef>
+        </p:style>
+      </p:cxnSp>
+      <p:cxnSp>
+        <p:nvCxnSpPr>
+          <p:cNvPr id="55" name="Elbow Connector 54"/>
+          <p:cNvCxnSpPr>
+            <a:stCxn id="40" idx="0"/>
+            <a:endCxn id="46" idx="0"/>
+          </p:cNvCxnSpPr>
+          <p:nvPr/>
+        </p:nvCxnSpPr>
+        <p:spPr>
+          <a:xfrm flipH="1" flipV="1">
+            <a:off x="5178482" y="89949"/>
+            <a:ext cx="3683502" cy="2035789"/>
+          </a:xfrm>
+          <a:prstGeom prst="bentConnector4">
+            <a:avLst>
+              <a:gd name="adj1" fmla="val -6206"/>
+              <a:gd name="adj2" fmla="val 111229"/>
+            </a:avLst>
+          </a:prstGeom>
+        </p:spPr>
+        <p:style>
+          <a:lnRef idx="2">
+            <a:schemeClr val="dk1"/>
+          </a:lnRef>
+          <a:fillRef idx="1">
+            <a:schemeClr val="lt1"/>
+          </a:fillRef>
+          <a:effectRef idx="0">
+            <a:schemeClr val="dk1"/>
+          </a:effectRef>
+          <a:fontRef idx="minor">
+            <a:schemeClr val="dk1"/>
+          </a:fontRef>
+        </p:style>
+      </p:cxnSp>
     </p:spTree>
     <p:extLst>
       <p:ext uri="{BB962C8B-B14F-4D97-AF65-F5344CB8AC3E}">

--- a/训练中心创客交叉融合空间建设/doc/训练中心制造信息化平台和创客空间建设项目规划-新思路补充.pptx
+++ b/训练中心创客交叉融合空间建设/doc/训练中心制造信息化平台和创客空间建设项目规划-新思路补充.pptx
@@ -117,7 +117,7 @@
   </p:defaultTextStyle>
   <p:extLst>
     <p:ext uri="{EFAFB233-063F-42B5-8137-9DF3F51BA10A}">
-      <p15:sldGuideLst xmlns:p15="http://schemas.microsoft.com/office/powerpoint/2012/main"/>
+      <p15:sldGuideLst xmlns="" xmlns:p15="http://schemas.microsoft.com/office/powerpoint/2012/main"/>
     </p:ext>
   </p:extLst>
 </p:presentation>
@@ -254,7 +254,7 @@
           <a:p>
             <a:fld id="{AC9676F6-B558-4D31-A591-8ACF72D3C526}" type="datetimeFigureOut">
               <a:rPr lang="zh-CN" altLang="en-US" smtClean="0"/>
-              <a:t>2014/10/31</a:t>
+              <a:t>2014/11/6</a:t>
             </a:fld>
             <a:endParaRPr lang="zh-CN" altLang="en-US"/>
           </a:p>
@@ -424,7 +424,7 @@
           <a:p>
             <a:fld id="{AC9676F6-B558-4D31-A591-8ACF72D3C526}" type="datetimeFigureOut">
               <a:rPr lang="zh-CN" altLang="en-US" smtClean="0"/>
-              <a:t>2014/10/31</a:t>
+              <a:t>2014/11/6</a:t>
             </a:fld>
             <a:endParaRPr lang="zh-CN" altLang="en-US"/>
           </a:p>
@@ -604,7 +604,7 @@
           <a:p>
             <a:fld id="{AC9676F6-B558-4D31-A591-8ACF72D3C526}" type="datetimeFigureOut">
               <a:rPr lang="zh-CN" altLang="en-US" smtClean="0"/>
-              <a:t>2014/10/31</a:t>
+              <a:t>2014/11/6</a:t>
             </a:fld>
             <a:endParaRPr lang="zh-CN" altLang="en-US"/>
           </a:p>
@@ -774,7 +774,7 @@
           <a:p>
             <a:fld id="{AC9676F6-B558-4D31-A591-8ACF72D3C526}" type="datetimeFigureOut">
               <a:rPr lang="zh-CN" altLang="en-US" smtClean="0"/>
-              <a:t>2014/10/31</a:t>
+              <a:t>2014/11/6</a:t>
             </a:fld>
             <a:endParaRPr lang="zh-CN" altLang="en-US"/>
           </a:p>
@@ -1020,7 +1020,7 @@
           <a:p>
             <a:fld id="{AC9676F6-B558-4D31-A591-8ACF72D3C526}" type="datetimeFigureOut">
               <a:rPr lang="zh-CN" altLang="en-US" smtClean="0"/>
-              <a:t>2014/10/31</a:t>
+              <a:t>2014/11/6</a:t>
             </a:fld>
             <a:endParaRPr lang="zh-CN" altLang="en-US"/>
           </a:p>
@@ -1252,7 +1252,7 @@
           <a:p>
             <a:fld id="{AC9676F6-B558-4D31-A591-8ACF72D3C526}" type="datetimeFigureOut">
               <a:rPr lang="zh-CN" altLang="en-US" smtClean="0"/>
-              <a:t>2014/10/31</a:t>
+              <a:t>2014/11/6</a:t>
             </a:fld>
             <a:endParaRPr lang="zh-CN" altLang="en-US"/>
           </a:p>
@@ -1619,7 +1619,7 @@
           <a:p>
             <a:fld id="{AC9676F6-B558-4D31-A591-8ACF72D3C526}" type="datetimeFigureOut">
               <a:rPr lang="zh-CN" altLang="en-US" smtClean="0"/>
-              <a:t>2014/10/31</a:t>
+              <a:t>2014/11/6</a:t>
             </a:fld>
             <a:endParaRPr lang="zh-CN" altLang="en-US"/>
           </a:p>
@@ -1737,7 +1737,7 @@
           <a:p>
             <a:fld id="{AC9676F6-B558-4D31-A591-8ACF72D3C526}" type="datetimeFigureOut">
               <a:rPr lang="zh-CN" altLang="en-US" smtClean="0"/>
-              <a:t>2014/10/31</a:t>
+              <a:t>2014/11/6</a:t>
             </a:fld>
             <a:endParaRPr lang="zh-CN" altLang="en-US"/>
           </a:p>
@@ -1832,7 +1832,7 @@
           <a:p>
             <a:fld id="{AC9676F6-B558-4D31-A591-8ACF72D3C526}" type="datetimeFigureOut">
               <a:rPr lang="zh-CN" altLang="en-US" smtClean="0"/>
-              <a:t>2014/10/31</a:t>
+              <a:t>2014/11/6</a:t>
             </a:fld>
             <a:endParaRPr lang="zh-CN" altLang="en-US"/>
           </a:p>
@@ -2109,7 +2109,7 @@
           <a:p>
             <a:fld id="{AC9676F6-B558-4D31-A591-8ACF72D3C526}" type="datetimeFigureOut">
               <a:rPr lang="zh-CN" altLang="en-US" smtClean="0"/>
-              <a:t>2014/10/31</a:t>
+              <a:t>2014/11/6</a:t>
             </a:fld>
             <a:endParaRPr lang="zh-CN" altLang="en-US"/>
           </a:p>
@@ -2362,7 +2362,7 @@
           <a:p>
             <a:fld id="{AC9676F6-B558-4D31-A591-8ACF72D3C526}" type="datetimeFigureOut">
               <a:rPr lang="zh-CN" altLang="en-US" smtClean="0"/>
-              <a:t>2014/10/31</a:t>
+              <a:t>2014/11/6</a:t>
             </a:fld>
             <a:endParaRPr lang="zh-CN" altLang="en-US"/>
           </a:p>
@@ -2575,7 +2575,7 @@
           <a:p>
             <a:fld id="{AC9676F6-B558-4D31-A591-8ACF72D3C526}" type="datetimeFigureOut">
               <a:rPr lang="zh-CN" altLang="en-US" smtClean="0"/>
-              <a:t>2014/10/31</a:t>
+              <a:t>2014/11/6</a:t>
             </a:fld>
             <a:endParaRPr lang="zh-CN" altLang="en-US"/>
           </a:p>
@@ -3411,70 +3411,6 @@
       </p:grpSp>
       <p:sp>
         <p:nvSpPr>
-          <p:cNvPr id="2" name="Rectangle 1"/>
-          <p:cNvSpPr/>
-          <p:nvPr/>
-        </p:nvSpPr>
-        <p:spPr>
-          <a:xfrm>
-            <a:off x="4365979" y="4554254"/>
-            <a:ext cx="3600000" cy="2160000"/>
-          </a:xfrm>
-          <a:prstGeom prst="rect">
-            <a:avLst/>
-          </a:prstGeom>
-        </p:spPr>
-        <p:style>
-          <a:lnRef idx="2">
-            <a:schemeClr val="accent2">
-              <a:shade val="50000"/>
-            </a:schemeClr>
-          </a:lnRef>
-          <a:fillRef idx="1">
-            <a:schemeClr val="accent2"/>
-          </a:fillRef>
-          <a:effectRef idx="0">
-            <a:schemeClr val="accent2"/>
-          </a:effectRef>
-          <a:fontRef idx="minor">
-            <a:schemeClr val="lt1"/>
-          </a:fontRef>
-        </p:style>
-        <p:txBody>
-          <a:bodyPr rtlCol="0" anchor="ctr"/>
-          <a:lstStyle/>
-          <a:p>
-            <a:pPr algn="ctr"/>
-            <a:r>
-              <a:rPr lang="zh-CN" altLang="en-US" sz="2800" dirty="0" smtClean="0">
-                <a:latin typeface="黑体" panose="02010609060101010101" pitchFamily="49" charset="-122"/>
-                <a:ea typeface="黑体" panose="02010609060101010101" pitchFamily="49" charset="-122"/>
-              </a:rPr>
-              <a:t>自行车工坊</a:t>
-            </a:r>
-            <a:endParaRPr lang="en-US" altLang="zh-CN" sz="2800" dirty="0" smtClean="0">
-              <a:latin typeface="黑体" panose="02010609060101010101" pitchFamily="49" charset="-122"/>
-              <a:ea typeface="黑体" panose="02010609060101010101" pitchFamily="49" charset="-122"/>
-            </a:endParaRPr>
-          </a:p>
-          <a:p>
-            <a:pPr algn="ctr"/>
-            <a:r>
-              <a:rPr lang="en-US" altLang="zh-CN" sz="2800" dirty="0" smtClean="0">
-                <a:latin typeface="黑体" panose="02010609060101010101" pitchFamily="49" charset="-122"/>
-                <a:ea typeface="黑体" panose="02010609060101010101" pitchFamily="49" charset="-122"/>
-              </a:rPr>
-              <a:t>3m x 5m</a:t>
-            </a:r>
-            <a:endParaRPr lang="zh-CN" altLang="en-US" sz="2800" dirty="0">
-              <a:latin typeface="黑体" panose="02010609060101010101" pitchFamily="49" charset="-122"/>
-              <a:ea typeface="黑体" panose="02010609060101010101" pitchFamily="49" charset="-122"/>
-            </a:endParaRPr>
-          </a:p>
-        </p:txBody>
-      </p:sp>
-      <p:sp>
-        <p:nvSpPr>
           <p:cNvPr id="3" name="TextBox 2"/>
           <p:cNvSpPr txBox="1"/>
           <p:nvPr/>
@@ -3611,9 +3547,9 @@
           <p:nvPr/>
         </p:nvSpPr>
         <p:spPr>
-          <a:xfrm rot="16200000">
-            <a:off x="1691242" y="540889"/>
-            <a:ext cx="864000" cy="720000"/>
+          <a:xfrm>
+            <a:off x="1771532" y="402524"/>
+            <a:ext cx="748800" cy="900000"/>
           </a:xfrm>
           <a:prstGeom prst="rect">
             <a:avLst/>
@@ -3639,61 +3575,54 @@
           <a:p>
             <a:pPr algn="ctr"/>
             <a:r>
-              <a:rPr lang="zh-CN" altLang="en-US" dirty="0">
+              <a:rPr lang="zh-CN" altLang="en-US" sz="1100" dirty="0" smtClean="0">
                 <a:latin typeface="黑体" panose="02010609060101010101" pitchFamily="49" charset="-122"/>
                 <a:ea typeface="黑体" panose="02010609060101010101" pitchFamily="49" charset="-122"/>
               </a:rPr>
               <a:t>激光切割</a:t>
             </a:r>
-            <a:endParaRPr lang="zh-CN" altLang="en-US" dirty="0">
+            <a:endParaRPr lang="en-US" altLang="zh-CN" sz="1100" dirty="0" smtClean="0">
               <a:latin typeface="黑体" panose="02010609060101010101" pitchFamily="49" charset="-122"/>
               <a:ea typeface="黑体" panose="02010609060101010101" pitchFamily="49" charset="-122"/>
             </a:endParaRPr>
           </a:p>
-        </p:txBody>
-      </p:sp>
-      <p:sp>
-        <p:nvSpPr>
-          <p:cNvPr id="29" name="Rectangle 28"/>
-          <p:cNvSpPr/>
-          <p:nvPr/>
-        </p:nvSpPr>
-        <p:spPr>
-          <a:xfrm rot="16200000">
-            <a:off x="1691242" y="5113571"/>
-            <a:ext cx="864000" cy="720000"/>
-          </a:xfrm>
-          <a:prstGeom prst="rect">
-            <a:avLst/>
-          </a:prstGeom>
-        </p:spPr>
-        <p:style>
-          <a:lnRef idx="2">
-            <a:schemeClr val="dk1"/>
-          </a:lnRef>
-          <a:fillRef idx="1">
-            <a:schemeClr val="lt1"/>
-          </a:fillRef>
-          <a:effectRef idx="0">
-            <a:schemeClr val="dk1"/>
-          </a:effectRef>
-          <a:fontRef idx="minor">
-            <a:schemeClr val="dk1"/>
-          </a:fontRef>
-        </p:style>
-        <p:txBody>
-          <a:bodyPr rtlCol="0" anchor="ctr"/>
-          <a:lstStyle/>
           <a:p>
             <a:pPr algn="ctr"/>
             <a:r>
-              <a:rPr lang="zh-CN" altLang="en-US" dirty="0">
-                <a:latin typeface="黑体" panose="02010609060101010101" pitchFamily="49" charset="-122"/>
-                <a:ea typeface="黑体" panose="02010609060101010101" pitchFamily="49" charset="-122"/>
-              </a:rPr>
-              <a:t>激光切割</a:t>
-            </a:r>
-            <a:endParaRPr lang="zh-CN" altLang="en-US" dirty="0">
+              <a:rPr lang="en-US" altLang="zh-CN" sz="1100" dirty="0" smtClean="0">
+                <a:latin typeface="黑体" panose="02010609060101010101" pitchFamily="49" charset="-122"/>
+                <a:ea typeface="黑体" panose="02010609060101010101" pitchFamily="49" charset="-122"/>
+              </a:rPr>
+              <a:t>1.04m</a:t>
+            </a:r>
+          </a:p>
+          <a:p>
+            <a:pPr algn="ctr"/>
+            <a:r>
+              <a:rPr lang="en-US" altLang="zh-CN" sz="1100" dirty="0" smtClean="0">
+                <a:latin typeface="黑体" panose="02010609060101010101" pitchFamily="49" charset="-122"/>
+                <a:ea typeface="黑体" panose="02010609060101010101" pitchFamily="49" charset="-122"/>
+              </a:rPr>
+              <a:t>×</a:t>
+            </a:r>
+          </a:p>
+          <a:p>
+            <a:pPr algn="ctr"/>
+            <a:r>
+              <a:rPr lang="en-US" altLang="zh-CN" sz="1100" dirty="0" smtClean="0">
+                <a:latin typeface="黑体" panose="02010609060101010101" pitchFamily="49" charset="-122"/>
+                <a:ea typeface="黑体" panose="02010609060101010101" pitchFamily="49" charset="-122"/>
+              </a:rPr>
+              <a:t>1.25</a:t>
+            </a:r>
+            <a:r>
+              <a:rPr lang="en-US" altLang="zh-CN" sz="1100" dirty="0" smtClean="0">
+                <a:latin typeface="黑体" panose="02010609060101010101" pitchFamily="49" charset="-122"/>
+                <a:ea typeface="黑体" panose="02010609060101010101" pitchFamily="49" charset="-122"/>
+              </a:rPr>
+              <a:t>m</a:t>
+            </a:r>
+            <a:endParaRPr lang="zh-CN" altLang="en-US" sz="1100" dirty="0">
               <a:latin typeface="黑体" panose="02010609060101010101" pitchFamily="49" charset="-122"/>
               <a:ea typeface="黑体" panose="02010609060101010101" pitchFamily="49" charset="-122"/>
             </a:endParaRPr>
@@ -3702,61 +3631,13 @@
       </p:sp>
       <p:sp>
         <p:nvSpPr>
-          <p:cNvPr id="30" name="Rectangle 29"/>
-          <p:cNvSpPr/>
-          <p:nvPr/>
-        </p:nvSpPr>
-        <p:spPr>
-          <a:xfrm rot="16200000">
-            <a:off x="1691242" y="3440991"/>
-            <a:ext cx="864000" cy="720000"/>
-          </a:xfrm>
-          <a:prstGeom prst="rect">
-            <a:avLst/>
-          </a:prstGeom>
-        </p:spPr>
-        <p:style>
-          <a:lnRef idx="2">
-            <a:schemeClr val="dk1"/>
-          </a:lnRef>
-          <a:fillRef idx="1">
-            <a:schemeClr val="lt1"/>
-          </a:fillRef>
-          <a:effectRef idx="0">
-            <a:schemeClr val="dk1"/>
-          </a:effectRef>
-          <a:fontRef idx="minor">
-            <a:schemeClr val="dk1"/>
-          </a:fontRef>
-        </p:style>
-        <p:txBody>
-          <a:bodyPr rtlCol="0" anchor="ctr"/>
-          <a:lstStyle/>
-          <a:p>
-            <a:pPr algn="ctr"/>
-            <a:r>
-              <a:rPr lang="zh-CN" altLang="en-US" dirty="0">
-                <a:latin typeface="黑体" panose="02010609060101010101" pitchFamily="49" charset="-122"/>
-                <a:ea typeface="黑体" panose="02010609060101010101" pitchFamily="49" charset="-122"/>
-              </a:rPr>
-              <a:t>激光切割</a:t>
-            </a:r>
-            <a:endParaRPr lang="zh-CN" altLang="en-US" dirty="0">
-              <a:latin typeface="黑体" panose="02010609060101010101" pitchFamily="49" charset="-122"/>
-              <a:ea typeface="黑体" panose="02010609060101010101" pitchFamily="49" charset="-122"/>
-            </a:endParaRPr>
-          </a:p>
-        </p:txBody>
-      </p:sp>
-      <p:sp>
-        <p:nvSpPr>
           <p:cNvPr id="31" name="Rectangle 30"/>
           <p:cNvSpPr/>
           <p:nvPr/>
         </p:nvSpPr>
         <p:spPr>
           <a:xfrm rot="16200000">
-            <a:off x="1121984" y="2062939"/>
+            <a:off x="1121984" y="1853949"/>
             <a:ext cx="1080000" cy="576000"/>
           </a:xfrm>
           <a:prstGeom prst="rect">
@@ -3800,15 +3681,15 @@
         <p:nvCxnSpPr>
           <p:cNvPr id="18" name="Elbow Connector 17"/>
           <p:cNvCxnSpPr>
-            <a:stCxn id="28" idx="0"/>
+            <a:stCxn id="28" idx="1"/>
             <a:endCxn id="31" idx="3"/>
           </p:cNvCxnSpPr>
           <p:nvPr/>
         </p:nvCxnSpPr>
         <p:spPr>
           <a:xfrm rot="10800000" flipV="1">
-            <a:off x="1661984" y="900889"/>
-            <a:ext cx="101258" cy="910050"/>
+            <a:off x="1661984" y="852523"/>
+            <a:ext cx="109548" cy="749425"/>
           </a:xfrm>
           <a:prstGeom prst="bentConnector2">
             <a:avLst/>
@@ -3833,15 +3714,15 @@
         <p:nvCxnSpPr>
           <p:cNvPr id="32" name="Elbow Connector 31"/>
           <p:cNvCxnSpPr>
-            <a:stCxn id="29" idx="0"/>
+            <a:stCxn id="37" idx="1"/>
             <a:endCxn id="31" idx="1"/>
           </p:cNvCxnSpPr>
           <p:nvPr/>
         </p:nvCxnSpPr>
         <p:spPr>
           <a:xfrm rot="10800000">
-            <a:off x="1661984" y="2890939"/>
-            <a:ext cx="101258" cy="2582632"/>
+            <a:off x="1661984" y="2681950"/>
+            <a:ext cx="109548" cy="2005271"/>
           </a:xfrm>
           <a:prstGeom prst="bentConnector2">
             <a:avLst/>
@@ -3866,15 +3747,15 @@
         <p:nvCxnSpPr>
           <p:cNvPr id="33" name="Elbow Connector 32"/>
           <p:cNvCxnSpPr>
-            <a:stCxn id="30" idx="0"/>
+            <a:stCxn id="36" idx="1"/>
             <a:endCxn id="31" idx="1"/>
           </p:cNvCxnSpPr>
           <p:nvPr/>
         </p:nvCxnSpPr>
         <p:spPr>
           <a:xfrm rot="10800000">
-            <a:off x="1661984" y="2890939"/>
-            <a:ext cx="101258" cy="910052"/>
+            <a:off x="1661984" y="2681949"/>
+            <a:ext cx="109548" cy="826640"/>
           </a:xfrm>
           <a:prstGeom prst="bentConnector2">
             <a:avLst/>
@@ -4187,6 +4068,580 @@
       </p:sp>
       <p:sp>
         <p:nvSpPr>
+          <p:cNvPr id="50" name="Rectangle 49"/>
+          <p:cNvSpPr/>
+          <p:nvPr/>
+        </p:nvSpPr>
+        <p:spPr>
+          <a:xfrm>
+            <a:off x="5945406" y="89949"/>
+            <a:ext cx="1080000" cy="576000"/>
+          </a:xfrm>
+          <a:prstGeom prst="rect">
+            <a:avLst/>
+          </a:prstGeom>
+        </p:spPr>
+        <p:style>
+          <a:lnRef idx="2">
+            <a:schemeClr val="dk1"/>
+          </a:lnRef>
+          <a:fillRef idx="1">
+            <a:schemeClr val="lt1"/>
+          </a:fillRef>
+          <a:effectRef idx="0">
+            <a:schemeClr val="dk1"/>
+          </a:effectRef>
+          <a:fontRef idx="minor">
+            <a:schemeClr val="dk1"/>
+          </a:fontRef>
+        </p:style>
+        <p:txBody>
+          <a:bodyPr rtlCol="0" anchor="ctr"/>
+          <a:lstStyle/>
+          <a:p>
+            <a:pPr algn="ctr"/>
+            <a:r>
+              <a:rPr lang="zh-CN" altLang="en-US" dirty="0" smtClean="0">
+                <a:latin typeface="黑体" panose="02010609060101010101" pitchFamily="49" charset="-122"/>
+                <a:ea typeface="黑体" panose="02010609060101010101" pitchFamily="49" charset="-122"/>
+              </a:rPr>
+              <a:t>工具柜</a:t>
+            </a:r>
+            <a:endParaRPr lang="en-US" altLang="zh-CN" dirty="0" smtClean="0">
+              <a:latin typeface="黑体" panose="02010609060101010101" pitchFamily="49" charset="-122"/>
+              <a:ea typeface="黑体" panose="02010609060101010101" pitchFamily="49" charset="-122"/>
+            </a:endParaRPr>
+          </a:p>
+        </p:txBody>
+      </p:sp>
+      <p:sp>
+        <p:nvSpPr>
+          <p:cNvPr id="51" name="Rectangle 50"/>
+          <p:cNvSpPr/>
+          <p:nvPr/>
+        </p:nvSpPr>
+        <p:spPr>
+          <a:xfrm>
+            <a:off x="3331559" y="89949"/>
+            <a:ext cx="1080000" cy="576000"/>
+          </a:xfrm>
+          <a:prstGeom prst="rect">
+            <a:avLst/>
+          </a:prstGeom>
+        </p:spPr>
+        <p:style>
+          <a:lnRef idx="2">
+            <a:schemeClr val="dk1"/>
+          </a:lnRef>
+          <a:fillRef idx="1">
+            <a:schemeClr val="lt1"/>
+          </a:fillRef>
+          <a:effectRef idx="0">
+            <a:schemeClr val="dk1"/>
+          </a:effectRef>
+          <a:fontRef idx="minor">
+            <a:schemeClr val="dk1"/>
+          </a:fontRef>
+        </p:style>
+        <p:txBody>
+          <a:bodyPr rtlCol="0" anchor="ctr"/>
+          <a:lstStyle/>
+          <a:p>
+            <a:pPr algn="ctr"/>
+            <a:r>
+              <a:rPr lang="zh-CN" altLang="en-US" dirty="0" smtClean="0">
+                <a:latin typeface="黑体" panose="02010609060101010101" pitchFamily="49" charset="-122"/>
+                <a:ea typeface="黑体" panose="02010609060101010101" pitchFamily="49" charset="-122"/>
+              </a:rPr>
+              <a:t>工具柜</a:t>
+            </a:r>
+            <a:endParaRPr lang="en-US" altLang="zh-CN" dirty="0" smtClean="0">
+              <a:latin typeface="黑体" panose="02010609060101010101" pitchFamily="49" charset="-122"/>
+              <a:ea typeface="黑体" panose="02010609060101010101" pitchFamily="49" charset="-122"/>
+            </a:endParaRPr>
+          </a:p>
+        </p:txBody>
+      </p:sp>
+      <p:cxnSp>
+        <p:nvCxnSpPr>
+          <p:cNvPr id="53" name="Elbow Connector 52"/>
+          <p:cNvCxnSpPr>
+            <a:stCxn id="39" idx="0"/>
+            <a:endCxn id="46" idx="3"/>
+          </p:cNvCxnSpPr>
+          <p:nvPr/>
+        </p:nvCxnSpPr>
+        <p:spPr>
+          <a:xfrm flipH="1" flipV="1">
+            <a:off x="5718482" y="377949"/>
+            <a:ext cx="3143502" cy="1008203"/>
+          </a:xfrm>
+          <a:prstGeom prst="bentConnector3">
+            <a:avLst>
+              <a:gd name="adj1" fmla="val -7272"/>
+            </a:avLst>
+          </a:prstGeom>
+        </p:spPr>
+        <p:style>
+          <a:lnRef idx="2">
+            <a:schemeClr val="dk1"/>
+          </a:lnRef>
+          <a:fillRef idx="1">
+            <a:schemeClr val="lt1"/>
+          </a:fillRef>
+          <a:effectRef idx="0">
+            <a:schemeClr val="dk1"/>
+          </a:effectRef>
+          <a:fontRef idx="minor">
+            <a:schemeClr val="dk1"/>
+          </a:fontRef>
+        </p:style>
+      </p:cxnSp>
+      <p:cxnSp>
+        <p:nvCxnSpPr>
+          <p:cNvPr id="54" name="Elbow Connector 53"/>
+          <p:cNvCxnSpPr>
+            <a:stCxn id="42" idx="0"/>
+            <a:endCxn id="46" idx="3"/>
+          </p:cNvCxnSpPr>
+          <p:nvPr/>
+        </p:nvCxnSpPr>
+        <p:spPr>
+          <a:xfrm flipH="1" flipV="1">
+            <a:off x="5718482" y="377949"/>
+            <a:ext cx="3143502" cy="2483383"/>
+          </a:xfrm>
+          <a:prstGeom prst="bentConnector3">
+            <a:avLst>
+              <a:gd name="adj1" fmla="val -7272"/>
+            </a:avLst>
+          </a:prstGeom>
+        </p:spPr>
+        <p:style>
+          <a:lnRef idx="2">
+            <a:schemeClr val="dk1"/>
+          </a:lnRef>
+          <a:fillRef idx="1">
+            <a:schemeClr val="lt1"/>
+          </a:fillRef>
+          <a:effectRef idx="0">
+            <a:schemeClr val="dk1"/>
+          </a:effectRef>
+          <a:fontRef idx="minor">
+            <a:schemeClr val="dk1"/>
+          </a:fontRef>
+        </p:style>
+      </p:cxnSp>
+      <p:cxnSp>
+        <p:nvCxnSpPr>
+          <p:cNvPr id="55" name="Elbow Connector 54"/>
+          <p:cNvCxnSpPr>
+            <a:stCxn id="40" idx="0"/>
+            <a:endCxn id="46" idx="3"/>
+          </p:cNvCxnSpPr>
+          <p:nvPr/>
+        </p:nvCxnSpPr>
+        <p:spPr>
+          <a:xfrm flipH="1" flipV="1">
+            <a:off x="5718482" y="377949"/>
+            <a:ext cx="3143502" cy="1747789"/>
+          </a:xfrm>
+          <a:prstGeom prst="bentConnector3">
+            <a:avLst>
+              <a:gd name="adj1" fmla="val -7272"/>
+            </a:avLst>
+          </a:prstGeom>
+        </p:spPr>
+        <p:style>
+          <a:lnRef idx="2">
+            <a:schemeClr val="dk1"/>
+          </a:lnRef>
+          <a:fillRef idx="1">
+            <a:schemeClr val="lt1"/>
+          </a:fillRef>
+          <a:effectRef idx="0">
+            <a:schemeClr val="dk1"/>
+          </a:effectRef>
+          <a:fontRef idx="minor">
+            <a:schemeClr val="dk1"/>
+          </a:fontRef>
+        </p:style>
+      </p:cxnSp>
+      <p:sp>
+        <p:nvSpPr>
+          <p:cNvPr id="36" name="Rectangle 27"/>
+          <p:cNvSpPr/>
+          <p:nvPr/>
+        </p:nvSpPr>
+        <p:spPr>
+          <a:xfrm>
+            <a:off x="1771532" y="3058589"/>
+            <a:ext cx="748800" cy="900000"/>
+          </a:xfrm>
+          <a:prstGeom prst="rect">
+            <a:avLst/>
+          </a:prstGeom>
+        </p:spPr>
+        <p:style>
+          <a:lnRef idx="2">
+            <a:schemeClr val="dk1"/>
+          </a:lnRef>
+          <a:fillRef idx="1">
+            <a:schemeClr val="lt1"/>
+          </a:fillRef>
+          <a:effectRef idx="0">
+            <a:schemeClr val="dk1"/>
+          </a:effectRef>
+          <a:fontRef idx="minor">
+            <a:schemeClr val="dk1"/>
+          </a:fontRef>
+        </p:style>
+        <p:txBody>
+          <a:bodyPr rtlCol="0" anchor="ctr"/>
+          <a:lstStyle/>
+          <a:p>
+            <a:pPr algn="ctr"/>
+            <a:r>
+              <a:rPr lang="zh-CN" altLang="en-US" sz="1100" dirty="0" smtClean="0">
+                <a:latin typeface="黑体" panose="02010609060101010101" pitchFamily="49" charset="-122"/>
+                <a:ea typeface="黑体" panose="02010609060101010101" pitchFamily="49" charset="-122"/>
+              </a:rPr>
+              <a:t>激光切割</a:t>
+            </a:r>
+            <a:endParaRPr lang="en-US" altLang="zh-CN" sz="1100" dirty="0" smtClean="0">
+              <a:latin typeface="黑体" panose="02010609060101010101" pitchFamily="49" charset="-122"/>
+              <a:ea typeface="黑体" panose="02010609060101010101" pitchFamily="49" charset="-122"/>
+            </a:endParaRPr>
+          </a:p>
+          <a:p>
+            <a:pPr algn="ctr"/>
+            <a:r>
+              <a:rPr lang="en-US" altLang="zh-CN" sz="1100" dirty="0" smtClean="0">
+                <a:latin typeface="黑体" panose="02010609060101010101" pitchFamily="49" charset="-122"/>
+                <a:ea typeface="黑体" panose="02010609060101010101" pitchFamily="49" charset="-122"/>
+              </a:rPr>
+              <a:t>1.04m</a:t>
+            </a:r>
+          </a:p>
+          <a:p>
+            <a:pPr algn="ctr"/>
+            <a:r>
+              <a:rPr lang="en-US" altLang="zh-CN" sz="1100" dirty="0" smtClean="0">
+                <a:latin typeface="黑体" panose="02010609060101010101" pitchFamily="49" charset="-122"/>
+                <a:ea typeface="黑体" panose="02010609060101010101" pitchFamily="49" charset="-122"/>
+              </a:rPr>
+              <a:t>×</a:t>
+            </a:r>
+          </a:p>
+          <a:p>
+            <a:pPr algn="ctr"/>
+            <a:r>
+              <a:rPr lang="en-US" altLang="zh-CN" sz="1100" dirty="0" smtClean="0">
+                <a:latin typeface="黑体" panose="02010609060101010101" pitchFamily="49" charset="-122"/>
+                <a:ea typeface="黑体" panose="02010609060101010101" pitchFamily="49" charset="-122"/>
+              </a:rPr>
+              <a:t>1.25</a:t>
+            </a:r>
+            <a:r>
+              <a:rPr lang="en-US" altLang="zh-CN" sz="1100" dirty="0" smtClean="0">
+                <a:latin typeface="黑体" panose="02010609060101010101" pitchFamily="49" charset="-122"/>
+                <a:ea typeface="黑体" panose="02010609060101010101" pitchFamily="49" charset="-122"/>
+              </a:rPr>
+              <a:t>m</a:t>
+            </a:r>
+            <a:endParaRPr lang="zh-CN" altLang="en-US" sz="1100" dirty="0">
+              <a:latin typeface="黑体" panose="02010609060101010101" pitchFamily="49" charset="-122"/>
+              <a:ea typeface="黑体" panose="02010609060101010101" pitchFamily="49" charset="-122"/>
+            </a:endParaRPr>
+          </a:p>
+        </p:txBody>
+      </p:sp>
+      <p:sp>
+        <p:nvSpPr>
+          <p:cNvPr id="37" name="Rectangle 27"/>
+          <p:cNvSpPr/>
+          <p:nvPr/>
+        </p:nvSpPr>
+        <p:spPr>
+          <a:xfrm>
+            <a:off x="1771532" y="4237220"/>
+            <a:ext cx="748800" cy="900000"/>
+          </a:xfrm>
+          <a:prstGeom prst="rect">
+            <a:avLst/>
+          </a:prstGeom>
+        </p:spPr>
+        <p:style>
+          <a:lnRef idx="2">
+            <a:schemeClr val="dk1"/>
+          </a:lnRef>
+          <a:fillRef idx="1">
+            <a:schemeClr val="lt1"/>
+          </a:fillRef>
+          <a:effectRef idx="0">
+            <a:schemeClr val="dk1"/>
+          </a:effectRef>
+          <a:fontRef idx="minor">
+            <a:schemeClr val="dk1"/>
+          </a:fontRef>
+        </p:style>
+        <p:txBody>
+          <a:bodyPr rtlCol="0" anchor="ctr"/>
+          <a:lstStyle/>
+          <a:p>
+            <a:pPr algn="ctr"/>
+            <a:r>
+              <a:rPr lang="zh-CN" altLang="en-US" sz="1100" dirty="0" smtClean="0">
+                <a:latin typeface="黑体" panose="02010609060101010101" pitchFamily="49" charset="-122"/>
+                <a:ea typeface="黑体" panose="02010609060101010101" pitchFamily="49" charset="-122"/>
+              </a:rPr>
+              <a:t>激光切割</a:t>
+            </a:r>
+            <a:endParaRPr lang="en-US" altLang="zh-CN" sz="1100" dirty="0" smtClean="0">
+              <a:latin typeface="黑体" panose="02010609060101010101" pitchFamily="49" charset="-122"/>
+              <a:ea typeface="黑体" panose="02010609060101010101" pitchFamily="49" charset="-122"/>
+            </a:endParaRPr>
+          </a:p>
+          <a:p>
+            <a:pPr algn="ctr"/>
+            <a:r>
+              <a:rPr lang="en-US" altLang="zh-CN" sz="1100" dirty="0" smtClean="0">
+                <a:latin typeface="黑体" panose="02010609060101010101" pitchFamily="49" charset="-122"/>
+                <a:ea typeface="黑体" panose="02010609060101010101" pitchFamily="49" charset="-122"/>
+              </a:rPr>
+              <a:t>1.04m</a:t>
+            </a:r>
+          </a:p>
+          <a:p>
+            <a:pPr algn="ctr"/>
+            <a:r>
+              <a:rPr lang="en-US" altLang="zh-CN" sz="1100" dirty="0" smtClean="0">
+                <a:latin typeface="黑体" panose="02010609060101010101" pitchFamily="49" charset="-122"/>
+                <a:ea typeface="黑体" panose="02010609060101010101" pitchFamily="49" charset="-122"/>
+              </a:rPr>
+              <a:t>×</a:t>
+            </a:r>
+          </a:p>
+          <a:p>
+            <a:pPr algn="ctr"/>
+            <a:r>
+              <a:rPr lang="en-US" altLang="zh-CN" sz="1100" dirty="0" smtClean="0">
+                <a:latin typeface="黑体" panose="02010609060101010101" pitchFamily="49" charset="-122"/>
+                <a:ea typeface="黑体" panose="02010609060101010101" pitchFamily="49" charset="-122"/>
+              </a:rPr>
+              <a:t>1.25</a:t>
+            </a:r>
+            <a:r>
+              <a:rPr lang="en-US" altLang="zh-CN" sz="1100" dirty="0" smtClean="0">
+                <a:latin typeface="黑体" panose="02010609060101010101" pitchFamily="49" charset="-122"/>
+                <a:ea typeface="黑体" panose="02010609060101010101" pitchFamily="49" charset="-122"/>
+              </a:rPr>
+              <a:t>m</a:t>
+            </a:r>
+            <a:endParaRPr lang="zh-CN" altLang="en-US" sz="1100" dirty="0">
+              <a:latin typeface="黑体" panose="02010609060101010101" pitchFamily="49" charset="-122"/>
+              <a:ea typeface="黑体" panose="02010609060101010101" pitchFamily="49" charset="-122"/>
+            </a:endParaRPr>
+          </a:p>
+        </p:txBody>
+      </p:sp>
+      <p:sp>
+        <p:nvSpPr>
+          <p:cNvPr id="45" name="Rectangle 27"/>
+          <p:cNvSpPr/>
+          <p:nvPr/>
+        </p:nvSpPr>
+        <p:spPr>
+          <a:xfrm>
+            <a:off x="1771532" y="5415851"/>
+            <a:ext cx="748800" cy="900000"/>
+          </a:xfrm>
+          <a:prstGeom prst="rect">
+            <a:avLst/>
+          </a:prstGeom>
+        </p:spPr>
+        <p:style>
+          <a:lnRef idx="2">
+            <a:schemeClr val="dk1"/>
+          </a:lnRef>
+          <a:fillRef idx="1">
+            <a:schemeClr val="lt1"/>
+          </a:fillRef>
+          <a:effectRef idx="0">
+            <a:schemeClr val="dk1"/>
+          </a:effectRef>
+          <a:fontRef idx="minor">
+            <a:schemeClr val="dk1"/>
+          </a:fontRef>
+        </p:style>
+        <p:txBody>
+          <a:bodyPr rtlCol="0" anchor="ctr"/>
+          <a:lstStyle/>
+          <a:p>
+            <a:pPr algn="ctr"/>
+            <a:r>
+              <a:rPr lang="zh-CN" altLang="en-US" sz="1100" dirty="0" smtClean="0">
+                <a:latin typeface="黑体" panose="02010609060101010101" pitchFamily="49" charset="-122"/>
+                <a:ea typeface="黑体" panose="02010609060101010101" pitchFamily="49" charset="-122"/>
+              </a:rPr>
+              <a:t>激光切割</a:t>
+            </a:r>
+            <a:endParaRPr lang="en-US" altLang="zh-CN" sz="1100" dirty="0" smtClean="0">
+              <a:latin typeface="黑体" panose="02010609060101010101" pitchFamily="49" charset="-122"/>
+              <a:ea typeface="黑体" panose="02010609060101010101" pitchFamily="49" charset="-122"/>
+            </a:endParaRPr>
+          </a:p>
+          <a:p>
+            <a:pPr algn="ctr"/>
+            <a:r>
+              <a:rPr lang="en-US" altLang="zh-CN" sz="1100" dirty="0" smtClean="0">
+                <a:latin typeface="黑体" panose="02010609060101010101" pitchFamily="49" charset="-122"/>
+                <a:ea typeface="黑体" panose="02010609060101010101" pitchFamily="49" charset="-122"/>
+              </a:rPr>
+              <a:t>1.04m</a:t>
+            </a:r>
+          </a:p>
+          <a:p>
+            <a:pPr algn="ctr"/>
+            <a:r>
+              <a:rPr lang="en-US" altLang="zh-CN" sz="1100" dirty="0" smtClean="0">
+                <a:latin typeface="黑体" panose="02010609060101010101" pitchFamily="49" charset="-122"/>
+                <a:ea typeface="黑体" panose="02010609060101010101" pitchFamily="49" charset="-122"/>
+              </a:rPr>
+              <a:t>×</a:t>
+            </a:r>
+          </a:p>
+          <a:p>
+            <a:pPr algn="ctr"/>
+            <a:r>
+              <a:rPr lang="en-US" altLang="zh-CN" sz="1100" dirty="0" smtClean="0">
+                <a:latin typeface="黑体" panose="02010609060101010101" pitchFamily="49" charset="-122"/>
+                <a:ea typeface="黑体" panose="02010609060101010101" pitchFamily="49" charset="-122"/>
+              </a:rPr>
+              <a:t>1.25</a:t>
+            </a:r>
+            <a:r>
+              <a:rPr lang="en-US" altLang="zh-CN" sz="1100" dirty="0" smtClean="0">
+                <a:latin typeface="黑体" panose="02010609060101010101" pitchFamily="49" charset="-122"/>
+                <a:ea typeface="黑体" panose="02010609060101010101" pitchFamily="49" charset="-122"/>
+              </a:rPr>
+              <a:t>m</a:t>
+            </a:r>
+            <a:endParaRPr lang="zh-CN" altLang="en-US" sz="1100" dirty="0">
+              <a:latin typeface="黑体" panose="02010609060101010101" pitchFamily="49" charset="-122"/>
+              <a:ea typeface="黑体" panose="02010609060101010101" pitchFamily="49" charset="-122"/>
+            </a:endParaRPr>
+          </a:p>
+        </p:txBody>
+      </p:sp>
+      <p:cxnSp>
+        <p:nvCxnSpPr>
+          <p:cNvPr id="58" name="Elbow Connector 31"/>
+          <p:cNvCxnSpPr>
+            <a:stCxn id="45" idx="1"/>
+            <a:endCxn id="31" idx="1"/>
+          </p:cNvCxnSpPr>
+          <p:nvPr/>
+        </p:nvCxnSpPr>
+        <p:spPr>
+          <a:xfrm rot="10800000">
+            <a:off x="1661984" y="2681949"/>
+            <a:ext cx="109548" cy="3183902"/>
+          </a:xfrm>
+          <a:prstGeom prst="bentConnector2">
+            <a:avLst/>
+          </a:prstGeom>
+        </p:spPr>
+        <p:style>
+          <a:lnRef idx="2">
+            <a:schemeClr val="dk1"/>
+          </a:lnRef>
+          <a:fillRef idx="1">
+            <a:schemeClr val="lt1"/>
+          </a:fillRef>
+          <a:effectRef idx="0">
+            <a:schemeClr val="dk1"/>
+          </a:effectRef>
+          <a:fontRef idx="minor">
+            <a:schemeClr val="dk1"/>
+          </a:fontRef>
+        </p:style>
+      </p:cxnSp>
+      <p:sp>
+        <p:nvSpPr>
+          <p:cNvPr id="62" name="圆角矩形 61"/>
+          <p:cNvSpPr/>
+          <p:nvPr/>
+        </p:nvSpPr>
+        <p:spPr>
+          <a:xfrm>
+            <a:off x="4361922" y="4554355"/>
+            <a:ext cx="3600000" cy="2160000"/>
+          </a:xfrm>
+          <a:prstGeom prst="roundRect">
+            <a:avLst>
+              <a:gd name="adj" fmla="val 12783"/>
+            </a:avLst>
+          </a:prstGeom>
+        </p:spPr>
+        <p:style>
+          <a:lnRef idx="2">
+            <a:schemeClr val="accent2">
+              <a:shade val="50000"/>
+            </a:schemeClr>
+          </a:lnRef>
+          <a:fillRef idx="1">
+            <a:schemeClr val="accent2"/>
+          </a:fillRef>
+          <a:effectRef idx="0">
+            <a:schemeClr val="accent2"/>
+          </a:effectRef>
+          <a:fontRef idx="minor">
+            <a:schemeClr val="lt1"/>
+          </a:fontRef>
+        </p:style>
+        <p:txBody>
+          <a:bodyPr rtlCol="0" anchor="ctr"/>
+          <a:lstStyle/>
+          <a:p>
+            <a:pPr algn="ctr"/>
+            <a:r>
+              <a:rPr lang="zh-CN" altLang="en-US" sz="2800" dirty="0">
+                <a:latin typeface="黑体" panose="02010609060101010101" pitchFamily="49" charset="-122"/>
+                <a:ea typeface="黑体" panose="02010609060101010101" pitchFamily="49" charset="-122"/>
+              </a:rPr>
+              <a:t>创意自行车工坊</a:t>
+            </a:r>
+            <a:endParaRPr lang="en-US" altLang="zh-CN" sz="2800" dirty="0">
+              <a:latin typeface="黑体" panose="02010609060101010101" pitchFamily="49" charset="-122"/>
+              <a:ea typeface="黑体" panose="02010609060101010101" pitchFamily="49" charset="-122"/>
+            </a:endParaRPr>
+          </a:p>
+          <a:p>
+            <a:pPr algn="ctr"/>
+            <a:r>
+              <a:rPr lang="en-US" altLang="zh-CN" sz="2800" dirty="0">
+                <a:latin typeface="黑体" panose="02010609060101010101" pitchFamily="49" charset="-122"/>
+                <a:ea typeface="黑体" panose="02010609060101010101" pitchFamily="49" charset="-122"/>
+              </a:rPr>
+              <a:t>3m x </a:t>
+            </a:r>
+            <a:r>
+              <a:rPr lang="en-US" altLang="zh-CN" sz="2800" dirty="0" smtClean="0">
+                <a:latin typeface="黑体" panose="02010609060101010101" pitchFamily="49" charset="-122"/>
+                <a:ea typeface="黑体" panose="02010609060101010101" pitchFamily="49" charset="-122"/>
+              </a:rPr>
+              <a:t>5m</a:t>
+            </a:r>
+            <a:endParaRPr lang="zh-CN" altLang="en-US" sz="2800" dirty="0">
+              <a:latin typeface="黑体" panose="02010609060101010101" pitchFamily="49" charset="-122"/>
+              <a:ea typeface="黑体" panose="02010609060101010101" pitchFamily="49" charset="-122"/>
+            </a:endParaRPr>
+          </a:p>
+        </p:txBody>
+      </p:sp>
+      <p:sp>
+        <p:nvSpPr>
           <p:cNvPr id="48" name="Rectangle 47"/>
           <p:cNvSpPr/>
           <p:nvPr/>
@@ -4288,210 +4743,6 @@
           </a:p>
         </p:txBody>
       </p:sp>
-      <p:sp>
-        <p:nvSpPr>
-          <p:cNvPr id="50" name="Rectangle 49"/>
-          <p:cNvSpPr/>
-          <p:nvPr/>
-        </p:nvSpPr>
-        <p:spPr>
-          <a:xfrm>
-            <a:off x="5945406" y="89949"/>
-            <a:ext cx="1080000" cy="576000"/>
-          </a:xfrm>
-          <a:prstGeom prst="rect">
-            <a:avLst/>
-          </a:prstGeom>
-        </p:spPr>
-        <p:style>
-          <a:lnRef idx="2">
-            <a:schemeClr val="dk1"/>
-          </a:lnRef>
-          <a:fillRef idx="1">
-            <a:schemeClr val="lt1"/>
-          </a:fillRef>
-          <a:effectRef idx="0">
-            <a:schemeClr val="dk1"/>
-          </a:effectRef>
-          <a:fontRef idx="minor">
-            <a:schemeClr val="dk1"/>
-          </a:fontRef>
-        </p:style>
-        <p:txBody>
-          <a:bodyPr rtlCol="0" anchor="ctr"/>
-          <a:lstStyle/>
-          <a:p>
-            <a:pPr algn="ctr"/>
-            <a:r>
-              <a:rPr lang="zh-CN" altLang="en-US" dirty="0" smtClean="0">
-                <a:latin typeface="黑体" panose="02010609060101010101" pitchFamily="49" charset="-122"/>
-                <a:ea typeface="黑体" panose="02010609060101010101" pitchFamily="49" charset="-122"/>
-              </a:rPr>
-              <a:t>工具柜</a:t>
-            </a:r>
-            <a:endParaRPr lang="en-US" altLang="zh-CN" dirty="0" smtClean="0">
-              <a:latin typeface="黑体" panose="02010609060101010101" pitchFamily="49" charset="-122"/>
-              <a:ea typeface="黑体" panose="02010609060101010101" pitchFamily="49" charset="-122"/>
-            </a:endParaRPr>
-          </a:p>
-        </p:txBody>
-      </p:sp>
-      <p:sp>
-        <p:nvSpPr>
-          <p:cNvPr id="51" name="Rectangle 50"/>
-          <p:cNvSpPr/>
-          <p:nvPr/>
-        </p:nvSpPr>
-        <p:spPr>
-          <a:xfrm>
-            <a:off x="3331559" y="89949"/>
-            <a:ext cx="1080000" cy="576000"/>
-          </a:xfrm>
-          <a:prstGeom prst="rect">
-            <a:avLst/>
-          </a:prstGeom>
-        </p:spPr>
-        <p:style>
-          <a:lnRef idx="2">
-            <a:schemeClr val="dk1"/>
-          </a:lnRef>
-          <a:fillRef idx="1">
-            <a:schemeClr val="lt1"/>
-          </a:fillRef>
-          <a:effectRef idx="0">
-            <a:schemeClr val="dk1"/>
-          </a:effectRef>
-          <a:fontRef idx="minor">
-            <a:schemeClr val="dk1"/>
-          </a:fontRef>
-        </p:style>
-        <p:txBody>
-          <a:bodyPr rtlCol="0" anchor="ctr"/>
-          <a:lstStyle/>
-          <a:p>
-            <a:pPr algn="ctr"/>
-            <a:r>
-              <a:rPr lang="zh-CN" altLang="en-US" dirty="0" smtClean="0">
-                <a:latin typeface="黑体" panose="02010609060101010101" pitchFamily="49" charset="-122"/>
-                <a:ea typeface="黑体" panose="02010609060101010101" pitchFamily="49" charset="-122"/>
-              </a:rPr>
-              <a:t>工具柜</a:t>
-            </a:r>
-            <a:endParaRPr lang="en-US" altLang="zh-CN" dirty="0" smtClean="0">
-              <a:latin typeface="黑体" panose="02010609060101010101" pitchFamily="49" charset="-122"/>
-              <a:ea typeface="黑体" panose="02010609060101010101" pitchFamily="49" charset="-122"/>
-            </a:endParaRPr>
-          </a:p>
-        </p:txBody>
-      </p:sp>
-      <p:cxnSp>
-        <p:nvCxnSpPr>
-          <p:cNvPr id="53" name="Elbow Connector 52"/>
-          <p:cNvCxnSpPr>
-            <a:stCxn id="39" idx="0"/>
-            <a:endCxn id="46" idx="0"/>
-          </p:cNvCxnSpPr>
-          <p:nvPr/>
-        </p:nvCxnSpPr>
-        <p:spPr>
-          <a:xfrm flipH="1" flipV="1">
-            <a:off x="5178482" y="89949"/>
-            <a:ext cx="3683502" cy="1296203"/>
-          </a:xfrm>
-          <a:prstGeom prst="bentConnector4">
-            <a:avLst>
-              <a:gd name="adj1" fmla="val -6206"/>
-              <a:gd name="adj2" fmla="val 117636"/>
-            </a:avLst>
-          </a:prstGeom>
-        </p:spPr>
-        <p:style>
-          <a:lnRef idx="2">
-            <a:schemeClr val="dk1"/>
-          </a:lnRef>
-          <a:fillRef idx="1">
-            <a:schemeClr val="lt1"/>
-          </a:fillRef>
-          <a:effectRef idx="0">
-            <a:schemeClr val="dk1"/>
-          </a:effectRef>
-          <a:fontRef idx="minor">
-            <a:schemeClr val="dk1"/>
-          </a:fontRef>
-        </p:style>
-      </p:cxnSp>
-      <p:cxnSp>
-        <p:nvCxnSpPr>
-          <p:cNvPr id="54" name="Elbow Connector 53"/>
-          <p:cNvCxnSpPr>
-            <a:stCxn id="42" idx="0"/>
-            <a:endCxn id="46" idx="0"/>
-          </p:cNvCxnSpPr>
-          <p:nvPr/>
-        </p:nvCxnSpPr>
-        <p:spPr>
-          <a:xfrm flipH="1" flipV="1">
-            <a:off x="5178482" y="89949"/>
-            <a:ext cx="3683502" cy="2771383"/>
-          </a:xfrm>
-          <a:prstGeom prst="bentConnector4">
-            <a:avLst>
-              <a:gd name="adj1" fmla="val -6206"/>
-              <a:gd name="adj2" fmla="val 108249"/>
-            </a:avLst>
-          </a:prstGeom>
-        </p:spPr>
-        <p:style>
-          <a:lnRef idx="2">
-            <a:schemeClr val="dk1"/>
-          </a:lnRef>
-          <a:fillRef idx="1">
-            <a:schemeClr val="lt1"/>
-          </a:fillRef>
-          <a:effectRef idx="0">
-            <a:schemeClr val="dk1"/>
-          </a:effectRef>
-          <a:fontRef idx="minor">
-            <a:schemeClr val="dk1"/>
-          </a:fontRef>
-        </p:style>
-      </p:cxnSp>
-      <p:cxnSp>
-        <p:nvCxnSpPr>
-          <p:cNvPr id="55" name="Elbow Connector 54"/>
-          <p:cNvCxnSpPr>
-            <a:stCxn id="40" idx="0"/>
-            <a:endCxn id="46" idx="0"/>
-          </p:cNvCxnSpPr>
-          <p:nvPr/>
-        </p:nvCxnSpPr>
-        <p:spPr>
-          <a:xfrm flipH="1" flipV="1">
-            <a:off x="5178482" y="89949"/>
-            <a:ext cx="3683502" cy="2035789"/>
-          </a:xfrm>
-          <a:prstGeom prst="bentConnector4">
-            <a:avLst>
-              <a:gd name="adj1" fmla="val -6206"/>
-              <a:gd name="adj2" fmla="val 111229"/>
-            </a:avLst>
-          </a:prstGeom>
-        </p:spPr>
-        <p:style>
-          <a:lnRef idx="2">
-            <a:schemeClr val="dk1"/>
-          </a:lnRef>
-          <a:fillRef idx="1">
-            <a:schemeClr val="lt1"/>
-          </a:fillRef>
-          <a:effectRef idx="0">
-            <a:schemeClr val="dk1"/>
-          </a:effectRef>
-          <a:fontRef idx="minor">
-            <a:schemeClr val="dk1"/>
-          </a:fontRef>
-        </p:style>
-      </p:cxnSp>
     </p:spTree>
     <p:extLst>
       <p:ext uri="{BB962C8B-B14F-4D97-AF65-F5344CB8AC3E}">
@@ -10568,7 +10819,7 @@
     </a:clrScheme>
     <a:fontScheme name="Office">
       <a:majorFont>
-        <a:latin typeface="Calibri Light" panose="020F0302020204030204"/>
+        <a:latin typeface="Calibri Light"/>
         <a:ea typeface=""/>
         <a:cs typeface=""/>
         <a:font script="Jpan" typeface="ＭＳ Ｐゴシック"/>
@@ -10603,7 +10854,7 @@
         <a:font script="Geor" typeface="Sylfaen"/>
       </a:majorFont>
       <a:minorFont>
-        <a:latin typeface="Calibri" panose="020F0502020204030204"/>
+        <a:latin typeface="Calibri"/>
         <a:ea typeface=""/>
         <a:cs typeface=""/>
         <a:font script="Jpan" typeface="ＭＳ Ｐゴシック"/>
@@ -10780,7 +11031,7 @@
   <a:extraClrSchemeLst/>
   <a:extLst>
     <a:ext uri="{05A4C25C-085E-4340-85A3-A5531E510DB2}">
-      <thm15:themeFamily xmlns:thm15="http://schemas.microsoft.com/office/thememl/2012/main" name="Office Theme" id="{62F939B6-93AF-4DB8-9C6B-D6C7DFDC589F}" vid="{4A3C46E8-61CC-4603-A589-7422A47A8E4A}"/>
+      <thm15:themeFamily xmlns="" xmlns:thm15="http://schemas.microsoft.com/office/thememl/2012/main" name="Office Theme" id="{62F939B6-93AF-4DB8-9C6B-D6C7DFDC589F}" vid="{4A3C46E8-61CC-4603-A589-7422A47A8E4A}"/>
     </a:ext>
   </a:extLst>
 </a:theme>
